--- a/asset/Learn/ITA-Terraform-Driver_en.pptx
+++ b/asset/Learn/ITA-Terraform-Driver_en.pptx
@@ -322,7 +322,7 @@
               <a:rPr kumimoji="1" lang="ja-JP" altLang="en-US" smtClean="0">
                 <a:ea typeface="メイリオ" panose="020B0604030504040204" pitchFamily="50" charset="-128"/>
               </a:rPr>
-              <a:t>2021/12/9</a:t>
+              <a:t>2022/2/3</a:t>
             </a:fld>
             <a:endParaRPr kumimoji="1" lang="ja-JP" altLang="en-US" dirty="0">
               <a:ea typeface="メイリオ" panose="020B0604030504040204" pitchFamily="50" charset="-128"/>
@@ -468,7 +468,7 @@
             <a:fld id="{4B26993D-C081-44EB-B0F5-A9F467792B62}" type="datetimeFigureOut">
               <a:rPr lang="ja-JP" altLang="en-US" smtClean="0"/>
               <a:pPr/>
-              <a:t>2021/12/9</a:t>
+              <a:t>2022/2/3</a:t>
             </a:fld>
             <a:endParaRPr lang="ja-JP" altLang="en-US" dirty="0"/>
           </a:p>
@@ -1091,7 +1091,7 @@
           <a:p>
             <a:fld id="{56F9016B-CCA6-43BE-8BEE-59565A35F4F7}" type="datetimeFigureOut">
               <a:rPr kumimoji="1" lang="ja-JP" altLang="en-US" smtClean="0"/>
-              <a:t>2021/12/9</a:t>
+              <a:t>2022/2/3</a:t>
             </a:fld>
             <a:endParaRPr kumimoji="1" lang="ja-JP" altLang="en-US"/>
           </a:p>
@@ -1293,7 +1293,7 @@
           <a:p>
             <a:fld id="{56F9016B-CCA6-43BE-8BEE-59565A35F4F7}" type="datetimeFigureOut">
               <a:rPr kumimoji="1" lang="ja-JP" altLang="en-US" smtClean="0"/>
-              <a:t>2021/12/9</a:t>
+              <a:t>2022/2/3</a:t>
             </a:fld>
             <a:endParaRPr kumimoji="1" lang="ja-JP" altLang="en-US"/>
           </a:p>
@@ -1539,7 +1539,7 @@
           <a:p>
             <a:fld id="{56F9016B-CCA6-43BE-8BEE-59565A35F4F7}" type="datetimeFigureOut">
               <a:rPr kumimoji="1" lang="ja-JP" altLang="en-US" smtClean="0"/>
-              <a:t>2021/12/9</a:t>
+              <a:t>2022/2/3</a:t>
             </a:fld>
             <a:endParaRPr kumimoji="1" lang="ja-JP" altLang="en-US"/>
           </a:p>
@@ -1835,7 +1835,7 @@
           <a:p>
             <a:fld id="{56F9016B-CCA6-43BE-8BEE-59565A35F4F7}" type="datetimeFigureOut">
               <a:rPr kumimoji="1" lang="ja-JP" altLang="en-US" smtClean="0"/>
-              <a:t>2021/12/9</a:t>
+              <a:t>2022/2/3</a:t>
             </a:fld>
             <a:endParaRPr kumimoji="1" lang="ja-JP" altLang="en-US"/>
           </a:p>
@@ -2266,7 +2266,7 @@
           <a:p>
             <a:fld id="{56F9016B-CCA6-43BE-8BEE-59565A35F4F7}" type="datetimeFigureOut">
               <a:rPr kumimoji="1" lang="ja-JP" altLang="en-US" smtClean="0"/>
-              <a:t>2021/12/9</a:t>
+              <a:t>2022/2/3</a:t>
             </a:fld>
             <a:endParaRPr kumimoji="1" lang="ja-JP" altLang="en-US"/>
           </a:p>
@@ -2384,7 +2384,7 @@
           <a:p>
             <a:fld id="{56F9016B-CCA6-43BE-8BEE-59565A35F4F7}" type="datetimeFigureOut">
               <a:rPr kumimoji="1" lang="ja-JP" altLang="en-US" smtClean="0"/>
-              <a:t>2021/12/9</a:t>
+              <a:t>2022/2/3</a:t>
             </a:fld>
             <a:endParaRPr kumimoji="1" lang="ja-JP" altLang="en-US"/>
           </a:p>
@@ -2479,7 +2479,7 @@
           <a:p>
             <a:fld id="{56F9016B-CCA6-43BE-8BEE-59565A35F4F7}" type="datetimeFigureOut">
               <a:rPr kumimoji="1" lang="ja-JP" altLang="en-US" smtClean="0"/>
-              <a:t>2021/12/9</a:t>
+              <a:t>2022/2/3</a:t>
             </a:fld>
             <a:endParaRPr kumimoji="1" lang="ja-JP" altLang="en-US"/>
           </a:p>
@@ -2788,7 +2788,7 @@
           <a:p>
             <a:fld id="{56F9016B-CCA6-43BE-8BEE-59565A35F4F7}" type="datetimeFigureOut">
               <a:rPr kumimoji="1" lang="ja-JP" altLang="en-US" smtClean="0"/>
-              <a:t>2021/12/9</a:t>
+              <a:t>2022/2/3</a:t>
             </a:fld>
             <a:endParaRPr kumimoji="1" lang="ja-JP" altLang="en-US"/>
           </a:p>
@@ -3041,7 +3041,7 @@
           <a:p>
             <a:fld id="{56F9016B-CCA6-43BE-8BEE-59565A35F4F7}" type="datetimeFigureOut">
               <a:rPr kumimoji="1" lang="ja-JP" altLang="en-US" smtClean="0"/>
-              <a:t>2021/12/9</a:t>
+              <a:t>2022/2/3</a:t>
             </a:fld>
             <a:endParaRPr kumimoji="1" lang="ja-JP" altLang="en-US"/>
           </a:p>
@@ -3318,7 +3318,7 @@
           <a:p>
             <a:fld id="{56F9016B-CCA6-43BE-8BEE-59565A35F4F7}" type="datetimeFigureOut">
               <a:rPr kumimoji="1" lang="ja-JP" altLang="en-US" smtClean="0"/>
-              <a:t>2021/12/9</a:t>
+              <a:t>2022/2/3</a:t>
             </a:fld>
             <a:endParaRPr kumimoji="1" lang="ja-JP" altLang="en-US"/>
           </a:p>
@@ -3530,7 +3530,7 @@
           <a:p>
             <a:fld id="{56F9016B-CCA6-43BE-8BEE-59565A35F4F7}" type="datetimeFigureOut">
               <a:rPr kumimoji="1" lang="ja-JP" altLang="en-US" smtClean="0"/>
-              <a:t>2021/12/9</a:t>
+              <a:t>2022/2/3</a:t>
             </a:fld>
             <a:endParaRPr kumimoji="1" lang="ja-JP" altLang="en-US"/>
           </a:p>
@@ -6589,7 +6589,7 @@
           <a:p>
             <a:fld id="{56F9016B-CCA6-43BE-8BEE-59565A35F4F7}" type="datetimeFigureOut">
               <a:rPr kumimoji="1" lang="ja-JP" altLang="en-US" smtClean="0"/>
-              <a:t>2021/12/9</a:t>
+              <a:t>2022/2/3</a:t>
             </a:fld>
             <a:endParaRPr kumimoji="1" lang="ja-JP" altLang="en-US"/>
           </a:p>
@@ -7031,8 +7031,13 @@
             </a:r>
             <a:r>
               <a:rPr lang="en-US" altLang="ja-JP" dirty="0" smtClean="0"/>
-              <a:t> 1.8</a:t>
-            </a:r>
+              <a:t> </a:t>
+            </a:r>
+            <a:r>
+              <a:rPr lang="en-US" altLang="ja-JP" dirty="0" smtClean="0"/>
+              <a:t>1.9</a:t>
+            </a:r>
+            <a:endParaRPr lang="en-US" altLang="ja-JP" dirty="0" smtClean="0"/>
           </a:p>
           <a:p>
             <a:r>
@@ -15654,14 +15659,7 @@
                 <a:latin typeface="+mn-ea"/>
                 <a:hlinkClick r:id="rId7" action="ppaction://hlinksldjump"/>
               </a:rPr>
-              <a:t>3.3  </a:t>
-            </a:r>
-            <a:r>
-              <a:rPr lang="en-US" altLang="ja-JP" sz="1600" dirty="0" smtClean="0">
-                <a:latin typeface="+mn-ea"/>
-                <a:hlinkClick r:id="rId7" action="ppaction://hlinksldjump"/>
-              </a:rPr>
-              <a:t>For Terraform Cloud</a:t>
+              <a:t>3.3  For Terraform Cloud</a:t>
             </a:r>
             <a:endParaRPr lang="en-US" altLang="ja-JP" sz="1600" dirty="0" smtClean="0">
               <a:latin typeface="+mn-ea"/>
@@ -22701,7 +22699,7 @@
       </p:grpSpPr>
       <p:pic>
         <p:nvPicPr>
-          <p:cNvPr id="6" name="図 5"/>
+          <p:cNvPr id="4" name="図 3"/>
           <p:cNvPicPr>
             <a:picLocks noChangeAspect="1"/>
           </p:cNvPicPr>
@@ -22715,8 +22713,8 @@
         </p:blipFill>
         <p:spPr>
           <a:xfrm>
-            <a:off x="539440" y="2182300"/>
-            <a:ext cx="8101178" cy="3983079"/>
+            <a:off x="467430" y="2204830"/>
+            <a:ext cx="8048177" cy="3960550"/>
           </a:xfrm>
           <a:prstGeom prst="rect">
             <a:avLst/>
@@ -22783,7 +22781,15 @@
             <a:pPr lvl="1"/>
             <a:r>
               <a:rPr lang="en-US" altLang="ja-JP" sz="1800" dirty="0" smtClean="0"/>
-              <a:t>This document aims to introduce the Terraform functionality in ITA</a:t>
+              <a:t>This document aims to introduce the </a:t>
+            </a:r>
+            <a:r>
+              <a:rPr lang="en-US" altLang="ja-JP" sz="1800" b="1" dirty="0" smtClean="0"/>
+              <a:t>Terraform </a:t>
+            </a:r>
+            <a:r>
+              <a:rPr lang="en-US" altLang="ja-JP" sz="1800" dirty="0" smtClean="0"/>
+              <a:t>functionality in ITA</a:t>
             </a:r>
             <a:r>
               <a:rPr lang="en-US" altLang="ja-JP" sz="1800" dirty="0"/>
@@ -22819,7 +22825,7 @@
         </p:nvSpPr>
         <p:spPr bwMode="auto">
           <a:xfrm>
-            <a:off x="3647445" y="4399855"/>
+            <a:off x="1403560" y="5301260"/>
             <a:ext cx="648090" cy="720100"/>
           </a:xfrm>
           <a:prstGeom prst="rect">

--- a/asset/Learn/ITA-Terraform-Driver_en.pptx
+++ b/asset/Learn/ITA-Terraform-Driver_en.pptx
@@ -322,7 +322,7 @@
               <a:rPr kumimoji="1" lang="ja-JP" altLang="en-US" smtClean="0">
                 <a:ea typeface="メイリオ" panose="020B0604030504040204" pitchFamily="50" charset="-128"/>
               </a:rPr>
-              <a:t>2022/2/3</a:t>
+              <a:t>2022/6/29</a:t>
             </a:fld>
             <a:endParaRPr kumimoji="1" lang="ja-JP" altLang="en-US" dirty="0">
               <a:ea typeface="メイリオ" panose="020B0604030504040204" pitchFamily="50" charset="-128"/>
@@ -468,7 +468,7 @@
             <a:fld id="{4B26993D-C081-44EB-B0F5-A9F467792B62}" type="datetimeFigureOut">
               <a:rPr lang="ja-JP" altLang="en-US" smtClean="0"/>
               <a:pPr/>
-              <a:t>2022/2/3</a:t>
+              <a:t>2022/6/29</a:t>
             </a:fld>
             <a:endParaRPr lang="ja-JP" altLang="en-US" dirty="0"/>
           </a:p>
@@ -1091,7 +1091,7 @@
           <a:p>
             <a:fld id="{56F9016B-CCA6-43BE-8BEE-59565A35F4F7}" type="datetimeFigureOut">
               <a:rPr kumimoji="1" lang="ja-JP" altLang="en-US" smtClean="0"/>
-              <a:t>2022/2/3</a:t>
+              <a:t>2022/6/29</a:t>
             </a:fld>
             <a:endParaRPr kumimoji="1" lang="ja-JP" altLang="en-US"/>
           </a:p>
@@ -1293,7 +1293,7 @@
           <a:p>
             <a:fld id="{56F9016B-CCA6-43BE-8BEE-59565A35F4F7}" type="datetimeFigureOut">
               <a:rPr kumimoji="1" lang="ja-JP" altLang="en-US" smtClean="0"/>
-              <a:t>2022/2/3</a:t>
+              <a:t>2022/6/29</a:t>
             </a:fld>
             <a:endParaRPr kumimoji="1" lang="ja-JP" altLang="en-US"/>
           </a:p>
@@ -1539,7 +1539,7 @@
           <a:p>
             <a:fld id="{56F9016B-CCA6-43BE-8BEE-59565A35F4F7}" type="datetimeFigureOut">
               <a:rPr kumimoji="1" lang="ja-JP" altLang="en-US" smtClean="0"/>
-              <a:t>2022/2/3</a:t>
+              <a:t>2022/6/29</a:t>
             </a:fld>
             <a:endParaRPr kumimoji="1" lang="ja-JP" altLang="en-US"/>
           </a:p>
@@ -1835,7 +1835,7 @@
           <a:p>
             <a:fld id="{56F9016B-CCA6-43BE-8BEE-59565A35F4F7}" type="datetimeFigureOut">
               <a:rPr kumimoji="1" lang="ja-JP" altLang="en-US" smtClean="0"/>
-              <a:t>2022/2/3</a:t>
+              <a:t>2022/6/29</a:t>
             </a:fld>
             <a:endParaRPr kumimoji="1" lang="ja-JP" altLang="en-US"/>
           </a:p>
@@ -2266,7 +2266,7 @@
           <a:p>
             <a:fld id="{56F9016B-CCA6-43BE-8BEE-59565A35F4F7}" type="datetimeFigureOut">
               <a:rPr kumimoji="1" lang="ja-JP" altLang="en-US" smtClean="0"/>
-              <a:t>2022/2/3</a:t>
+              <a:t>2022/6/29</a:t>
             </a:fld>
             <a:endParaRPr kumimoji="1" lang="ja-JP" altLang="en-US"/>
           </a:p>
@@ -2384,7 +2384,7 @@
           <a:p>
             <a:fld id="{56F9016B-CCA6-43BE-8BEE-59565A35F4F7}" type="datetimeFigureOut">
               <a:rPr kumimoji="1" lang="ja-JP" altLang="en-US" smtClean="0"/>
-              <a:t>2022/2/3</a:t>
+              <a:t>2022/6/29</a:t>
             </a:fld>
             <a:endParaRPr kumimoji="1" lang="ja-JP" altLang="en-US"/>
           </a:p>
@@ -2479,7 +2479,7 @@
           <a:p>
             <a:fld id="{56F9016B-CCA6-43BE-8BEE-59565A35F4F7}" type="datetimeFigureOut">
               <a:rPr kumimoji="1" lang="ja-JP" altLang="en-US" smtClean="0"/>
-              <a:t>2022/2/3</a:t>
+              <a:t>2022/6/29</a:t>
             </a:fld>
             <a:endParaRPr kumimoji="1" lang="ja-JP" altLang="en-US"/>
           </a:p>
@@ -2788,7 +2788,7 @@
           <a:p>
             <a:fld id="{56F9016B-CCA6-43BE-8BEE-59565A35F4F7}" type="datetimeFigureOut">
               <a:rPr kumimoji="1" lang="ja-JP" altLang="en-US" smtClean="0"/>
-              <a:t>2022/2/3</a:t>
+              <a:t>2022/6/29</a:t>
             </a:fld>
             <a:endParaRPr kumimoji="1" lang="ja-JP" altLang="en-US"/>
           </a:p>
@@ -3041,7 +3041,7 @@
           <a:p>
             <a:fld id="{56F9016B-CCA6-43BE-8BEE-59565A35F4F7}" type="datetimeFigureOut">
               <a:rPr kumimoji="1" lang="ja-JP" altLang="en-US" smtClean="0"/>
-              <a:t>2022/2/3</a:t>
+              <a:t>2022/6/29</a:t>
             </a:fld>
             <a:endParaRPr kumimoji="1" lang="ja-JP" altLang="en-US"/>
           </a:p>
@@ -3318,7 +3318,7 @@
           <a:p>
             <a:fld id="{56F9016B-CCA6-43BE-8BEE-59565A35F4F7}" type="datetimeFigureOut">
               <a:rPr kumimoji="1" lang="ja-JP" altLang="en-US" smtClean="0"/>
-              <a:t>2022/2/3</a:t>
+              <a:t>2022/6/29</a:t>
             </a:fld>
             <a:endParaRPr kumimoji="1" lang="ja-JP" altLang="en-US"/>
           </a:p>
@@ -3530,7 +3530,7 @@
           <a:p>
             <a:fld id="{56F9016B-CCA6-43BE-8BEE-59565A35F4F7}" type="datetimeFigureOut">
               <a:rPr kumimoji="1" lang="ja-JP" altLang="en-US" smtClean="0"/>
-              <a:t>2022/2/3</a:t>
+              <a:t>2022/6/29</a:t>
             </a:fld>
             <a:endParaRPr kumimoji="1" lang="ja-JP" altLang="en-US"/>
           </a:p>
@@ -6589,7 +6589,7 @@
           <a:p>
             <a:fld id="{56F9016B-CCA6-43BE-8BEE-59565A35F4F7}" type="datetimeFigureOut">
               <a:rPr kumimoji="1" lang="ja-JP" altLang="en-US" smtClean="0"/>
-              <a:t>2022/2/3</a:t>
+              <a:t>2022/6/29</a:t>
             </a:fld>
             <a:endParaRPr kumimoji="1" lang="ja-JP" altLang="en-US"/>
           </a:p>
@@ -7035,7 +7035,7 @@
             </a:r>
             <a:r>
               <a:rPr lang="en-US" altLang="ja-JP" dirty="0" smtClean="0"/>
-              <a:t>1.9</a:t>
+              <a:t>1.10</a:t>
             </a:r>
             <a:endParaRPr lang="en-US" altLang="ja-JP" dirty="0" smtClean="0"/>
           </a:p>
@@ -8969,13 +8969,151 @@
       </p:sp>
       <p:sp>
         <p:nvSpPr>
-          <p:cNvPr id="57" name="角丸四角形 56"/>
+          <p:cNvPr id="20" name="テキスト ボックス 19">
+            <a:extLst>
+              <a:ext uri="{FF2B5EF4-FFF2-40B4-BE49-F238E27FC236}">
+                <a16:creationId xmlns:a16="http://schemas.microsoft.com/office/drawing/2014/main" id="{9BDDC93C-880A-406E-AF0B-8D61D210B2C4}"/>
+              </a:ext>
+            </a:extLst>
+          </p:cNvPr>
+          <p:cNvSpPr txBox="1"/>
+          <p:nvPr/>
+        </p:nvSpPr>
+        <p:spPr>
+          <a:xfrm>
+            <a:off x="365815" y="4622766"/>
+            <a:ext cx="461665" cy="1561805"/>
+          </a:xfrm>
+          <a:prstGeom prst="rect">
+            <a:avLst/>
+          </a:prstGeom>
+          <a:noFill/>
+        </p:spPr>
+        <p:txBody>
+          <a:bodyPr vert="eaVert" wrap="square" rtlCol="0">
+            <a:spAutoFit/>
+          </a:bodyPr>
+          <a:lstStyle/>
+          <a:p>
+            <a:r>
+              <a:rPr kumimoji="1" lang="en-US" altLang="ja-JP" b="1" dirty="0" smtClean="0">
+                <a:solidFill>
+                  <a:srgbClr val="002B62"/>
+                </a:solidFill>
+              </a:rPr>
+              <a:t>On-Premise</a:t>
+            </a:r>
+            <a:endParaRPr kumimoji="1" lang="ja-JP" altLang="en-US" b="1" dirty="0">
+              <a:solidFill>
+                <a:srgbClr val="002B62"/>
+              </a:solidFill>
+            </a:endParaRPr>
+          </a:p>
+        </p:txBody>
+      </p:sp>
+      <p:sp>
+        <p:nvSpPr>
+          <p:cNvPr id="21" name="テキスト ボックス 20">
+            <a:extLst>
+              <a:ext uri="{FF2B5EF4-FFF2-40B4-BE49-F238E27FC236}">
+                <a16:creationId xmlns:a16="http://schemas.microsoft.com/office/drawing/2014/main" id="{44E235FE-B042-4BF7-8D55-2AAB179F264F}"/>
+              </a:ext>
+            </a:extLst>
+          </p:cNvPr>
+          <p:cNvSpPr txBox="1"/>
+          <p:nvPr/>
+        </p:nvSpPr>
+        <p:spPr>
+          <a:xfrm>
+            <a:off x="365815" y="3340343"/>
+            <a:ext cx="461665" cy="1173407"/>
+          </a:xfrm>
+          <a:prstGeom prst="rect">
+            <a:avLst/>
+          </a:prstGeom>
+          <a:noFill/>
+        </p:spPr>
+        <p:txBody>
+          <a:bodyPr vert="eaVert" wrap="square" rtlCol="0">
+            <a:spAutoFit/>
+          </a:bodyPr>
+          <a:lstStyle/>
+          <a:p>
+            <a:r>
+              <a:rPr kumimoji="1" lang="en-US" altLang="ja-JP" b="1" dirty="0" smtClean="0">
+                <a:solidFill>
+                  <a:srgbClr val="002B62"/>
+                </a:solidFill>
+              </a:rPr>
+              <a:t>Cloud</a:t>
+            </a:r>
+            <a:endParaRPr kumimoji="1" lang="ja-JP" altLang="en-US" b="1" dirty="0">
+              <a:solidFill>
+                <a:srgbClr val="002B62"/>
+              </a:solidFill>
+            </a:endParaRPr>
+          </a:p>
+        </p:txBody>
+      </p:sp>
+      <p:cxnSp>
+        <p:nvCxnSpPr>
+          <p:cNvPr id="22" name="直線コネクタ 21">
+            <a:extLst>
+              <a:ext uri="{FF2B5EF4-FFF2-40B4-BE49-F238E27FC236}">
+                <a16:creationId xmlns:a16="http://schemas.microsoft.com/office/drawing/2014/main" id="{F43E014F-E875-4642-A3B4-F3002C8CAE2B}"/>
+              </a:ext>
+            </a:extLst>
+          </p:cNvPr>
+          <p:cNvCxnSpPr>
+            <a:cxnSpLocks/>
+          </p:cNvCxnSpPr>
+          <p:nvPr/>
+        </p:nvCxnSpPr>
+        <p:spPr bwMode="auto">
+          <a:xfrm>
+            <a:off x="468640" y="4509886"/>
+            <a:ext cx="8388000" cy="0"/>
+          </a:xfrm>
+          <a:prstGeom prst="line">
+            <a:avLst/>
+          </a:prstGeom>
+          <a:solidFill>
+            <a:schemeClr val="bg1"/>
+          </a:solidFill>
+          <a:ln w="28575" cap="flat" cmpd="sng" algn="ctr">
+            <a:solidFill>
+              <a:srgbClr val="124990"/>
+            </a:solidFill>
+            <a:prstDash val="solid"/>
+            <a:round/>
+            <a:headEnd type="none" w="med" len="med"/>
+            <a:tailEnd type="none" w="med" len="med"/>
+          </a:ln>
+          <a:effectLst/>
+          <a:extLst>
+            <a:ext uri="{AF507438-7753-43E0-B8FC-AC1667EBCBE1}">
+              <a14:hiddenEffects xmlns:a14="http://schemas.microsoft.com/office/drawing/2010/main">
+                <a:effectLst>
+                  <a:outerShdw dist="35921" dir="2700000" algn="ctr" rotWithShape="0">
+                    <a:schemeClr val="tx1">
+                      <a:alpha val="50000"/>
+                    </a:schemeClr>
+                  </a:outerShdw>
+                </a:effectLst>
+              </a14:hiddenEffects>
+            </a:ext>
+          </a:extLst>
+        </p:spPr>
+      </p:cxnSp>
+      <p:sp>
+        <p:nvSpPr>
+          <p:cNvPr id="23" name="角丸四角形 22"/>
           <p:cNvSpPr/>
           <p:nvPr/>
         </p:nvSpPr>
         <p:spPr bwMode="auto">
           <a:xfrm>
-            <a:off x="3395604" y="4809932"/>
+            <a:off x="3474475" y="4709615"/>
             <a:ext cx="2376330" cy="576080"/>
           </a:xfrm>
           <a:prstGeom prst="roundRect">
@@ -8990,7 +9128,6 @@
             </a:solidFill>
           </a:ln>
           <a:effectLst/>
-          <a:extLst/>
         </p:spPr>
         <p:txBody>
           <a:bodyPr rot="0" spcFirstLastPara="0" vertOverflow="overflow" horzOverflow="overflow" vert="horz" wrap="none" lIns="72000" tIns="72000" rIns="72000" bIns="72000" numCol="1" spcCol="0" rtlCol="0" fromWordArt="0" anchor="ctr" anchorCtr="0" forceAA="0" compatLnSpc="1">
@@ -9003,7 +9140,7 @@
           <a:p>
             <a:pPr algn="ctr"/>
             <a:r>
-              <a:rPr kumimoji="1" lang="en-US" altLang="ja-JP" sz="1400" b="1" dirty="0" smtClean="0">
+              <a:rPr kumimoji="1" lang="en-US" altLang="ja-JP" sz="1400" b="1" dirty="0">
                 <a:solidFill>
                   <a:srgbClr val="7030A0"/>
                 </a:solidFill>
@@ -9011,7 +9148,7 @@
               </a:rPr>
               <a:t>Terraform Enterprise</a:t>
             </a:r>
-            <a:endParaRPr kumimoji="1" lang="ja-JP" altLang="en-US" sz="1400" b="1" dirty="0" smtClean="0">
+            <a:endParaRPr kumimoji="1" lang="ja-JP" altLang="en-US" sz="1400" b="1" dirty="0">
               <a:solidFill>
                 <a:srgbClr val="7030A0"/>
               </a:solidFill>
@@ -9020,90 +9157,18 @@
           </a:p>
         </p:txBody>
       </p:sp>
-      <p:sp>
-        <p:nvSpPr>
-          <p:cNvPr id="61" name="角丸四角形 60"/>
-          <p:cNvSpPr/>
-          <p:nvPr/>
-        </p:nvSpPr>
-        <p:spPr bwMode="auto">
-          <a:xfrm>
-            <a:off x="7030781" y="3437682"/>
-            <a:ext cx="1871090" cy="2736380"/>
-          </a:xfrm>
-          <a:prstGeom prst="roundRect">
-            <a:avLst/>
-          </a:prstGeom>
-          <a:noFill/>
-          <a:ln w="38100">
-            <a:solidFill>
-              <a:schemeClr val="accent6"/>
-            </a:solidFill>
-            <a:prstDash val="dash"/>
-          </a:ln>
-          <a:effectLst/>
-          <a:extLst/>
-        </p:spPr>
-        <p:txBody>
-          <a:bodyPr rot="0" spcFirstLastPara="0" vertOverflow="overflow" horzOverflow="overflow" vert="horz" wrap="none" lIns="72000" tIns="72000" rIns="72000" bIns="72000" numCol="1" spcCol="0" rtlCol="0" fromWordArt="0" anchor="ctr" anchorCtr="0" forceAA="0" compatLnSpc="1">
-            <a:prstTxWarp prst="textNoShape">
-              <a:avLst/>
-            </a:prstTxWarp>
-            <a:noAutofit/>
-          </a:bodyPr>
-          <a:lstStyle/>
-          <a:p>
-            <a:pPr algn="ctr"/>
-            <a:endParaRPr kumimoji="1" lang="ja-JP" altLang="en-US" b="1" dirty="0" smtClean="0">
-              <a:latin typeface="+mn-ea"/>
-            </a:endParaRPr>
-          </a:p>
-        </p:txBody>
-      </p:sp>
-      <p:sp>
-        <p:nvSpPr>
-          <p:cNvPr id="62" name="テキスト ボックス 61"/>
-          <p:cNvSpPr txBox="1"/>
-          <p:nvPr/>
-        </p:nvSpPr>
-        <p:spPr>
-          <a:xfrm>
-            <a:off x="7524569" y="2924672"/>
-            <a:ext cx="883512" cy="307777"/>
-          </a:xfrm>
-          <a:prstGeom prst="rect">
-            <a:avLst/>
-          </a:prstGeom>
-          <a:noFill/>
-        </p:spPr>
-        <p:txBody>
-          <a:bodyPr wrap="none" rtlCol="0">
-            <a:spAutoFit/>
-          </a:bodyPr>
-          <a:lstStyle/>
-          <a:p>
-            <a:pPr algn="ctr"/>
-            <a:r>
-              <a:rPr lang="en-US" altLang="ja-JP" sz="1400" b="1" dirty="0" smtClean="0">
-                <a:solidFill>
-                  <a:srgbClr val="002B62"/>
-                </a:solidFill>
-              </a:rPr>
-              <a:t>System</a:t>
-            </a:r>
-          </a:p>
-        </p:txBody>
-      </p:sp>
       <p:cxnSp>
         <p:nvCxnSpPr>
-          <p:cNvPr id="64" name="直線矢印コネクタ 63"/>
-          <p:cNvCxnSpPr/>
+          <p:cNvPr id="24" name="直線矢印コネクタ 23"/>
+          <p:cNvCxnSpPr>
+            <a:stCxn id="26" idx="3"/>
+          </p:cNvCxnSpPr>
           <p:nvPr/>
         </p:nvCxnSpPr>
         <p:spPr bwMode="auto">
-          <a:xfrm>
-            <a:off x="1812309" y="5251852"/>
-            <a:ext cx="1596470" cy="0"/>
+          <a:xfrm flipV="1">
+            <a:off x="5087723" y="5068765"/>
+            <a:ext cx="2384006" cy="761570"/>
           </a:xfrm>
           <a:prstGeom prst="straightConnector1">
             <a:avLst/>
@@ -9113,7 +9178,133 @@
           </a:solidFill>
           <a:ln w="38100" cap="flat" cmpd="sng" algn="ctr">
             <a:solidFill>
-              <a:srgbClr val="002B62"/>
+              <a:srgbClr val="FFC000"/>
+            </a:solidFill>
+            <a:prstDash val="solid"/>
+            <a:round/>
+            <a:headEnd type="none" w="med" len="med"/>
+            <a:tailEnd type="triangle"/>
+          </a:ln>
+          <a:effectLst/>
+          <a:extLst>
+            <a:ext uri="{AF507438-7753-43E0-B8FC-AC1667EBCBE1}">
+              <a14:hiddenEffects xmlns:a14="http://schemas.microsoft.com/office/drawing/2010/main">
+                <a:effectLst>
+                  <a:outerShdw dist="35921" dir="2700000" algn="ctr" rotWithShape="0">
+                    <a:schemeClr val="tx1">
+                      <a:alpha val="50000"/>
+                    </a:schemeClr>
+                  </a:outerShdw>
+                </a:effectLst>
+              </a14:hiddenEffects>
+            </a:ext>
+          </a:extLst>
+        </p:spPr>
+      </p:cxnSp>
+      <p:cxnSp>
+        <p:nvCxnSpPr>
+          <p:cNvPr id="25" name="直線矢印コネクタ 24"/>
+          <p:cNvCxnSpPr>
+            <a:stCxn id="26" idx="3"/>
+          </p:cNvCxnSpPr>
+          <p:nvPr/>
+        </p:nvCxnSpPr>
+        <p:spPr bwMode="auto">
+          <a:xfrm flipV="1">
+            <a:off x="5087723" y="4160987"/>
+            <a:ext cx="2403907" cy="1669348"/>
+          </a:xfrm>
+          <a:prstGeom prst="straightConnector1">
+            <a:avLst/>
+          </a:prstGeom>
+          <a:solidFill>
+            <a:schemeClr val="bg1"/>
+          </a:solidFill>
+          <a:ln w="38100" cap="flat" cmpd="sng" algn="ctr">
+            <a:solidFill>
+              <a:srgbClr val="FFC000"/>
+            </a:solidFill>
+            <a:prstDash val="solid"/>
+            <a:round/>
+            <a:headEnd type="none" w="med" len="med"/>
+            <a:tailEnd type="triangle"/>
+          </a:ln>
+          <a:effectLst/>
+          <a:extLst>
+            <a:ext uri="{AF507438-7753-43E0-B8FC-AC1667EBCBE1}">
+              <a14:hiddenEffects xmlns:a14="http://schemas.microsoft.com/office/drawing/2010/main">
+                <a:effectLst>
+                  <a:outerShdw dist="35921" dir="2700000" algn="ctr" rotWithShape="0">
+                    <a:schemeClr val="tx1">
+                      <a:alpha val="50000"/>
+                    </a:schemeClr>
+                  </a:outerShdw>
+                </a:effectLst>
+              </a14:hiddenEffects>
+            </a:ext>
+          </a:extLst>
+        </p:spPr>
+      </p:cxnSp>
+      <p:pic>
+        <p:nvPicPr>
+          <p:cNvPr id="26" name="図 25"/>
+          <p:cNvPicPr>
+            <a:picLocks noChangeAspect="1"/>
+          </p:cNvPicPr>
+          <p:nvPr/>
+        </p:nvPicPr>
+        <p:blipFill>
+          <a:blip r:embed="rId2">
+            <a:extLst>
+              <a:ext uri="{28A0092B-C50C-407E-A947-70E740481C1C}">
+                <a14:useLocalDpi xmlns:a14="http://schemas.microsoft.com/office/drawing/2010/main" val="0"/>
+              </a:ext>
+            </a:extLst>
+          </a:blip>
+          <a:stretch>
+            <a:fillRect/>
+          </a:stretch>
+        </p:blipFill>
+        <p:spPr>
+          <a:xfrm>
+            <a:off x="4237557" y="5476099"/>
+            <a:ext cx="850166" cy="708472"/>
+          </a:xfrm>
+          <a:prstGeom prst="rect">
+            <a:avLst/>
+          </a:prstGeom>
+          <a:ln w="38100">
+            <a:solidFill>
+              <a:schemeClr val="bg2">
+                <a:lumMod val="65000"/>
+              </a:schemeClr>
+            </a:solidFill>
+          </a:ln>
+        </p:spPr>
+      </p:pic>
+      <p:cxnSp>
+        <p:nvCxnSpPr>
+          <p:cNvPr id="31" name="直線矢印コネクタ 30"/>
+          <p:cNvCxnSpPr>
+            <a:stCxn id="38" idx="3"/>
+            <a:endCxn id="26" idx="1"/>
+          </p:cNvCxnSpPr>
+          <p:nvPr/>
+        </p:nvCxnSpPr>
+        <p:spPr bwMode="auto">
+          <a:xfrm>
+            <a:off x="2240089" y="5296336"/>
+            <a:ext cx="1997468" cy="533999"/>
+          </a:xfrm>
+          <a:prstGeom prst="straightConnector1">
+            <a:avLst/>
+          </a:prstGeom>
+          <a:solidFill>
+            <a:schemeClr val="bg1"/>
+          </a:solidFill>
+          <a:ln w="38100" cap="flat" cmpd="sng" algn="ctr">
+            <a:solidFill>
+              <a:srgbClr val="FFC000"/>
             </a:solidFill>
             <a:prstDash val="solid"/>
             <a:round/>
@@ -9136,9 +9327,175 @@
           </a:extLst>
         </p:spPr>
       </p:cxnSp>
+      <p:cxnSp>
+        <p:nvCxnSpPr>
+          <p:cNvPr id="32" name="直線矢印コネクタ 31"/>
+          <p:cNvCxnSpPr>
+            <a:stCxn id="23" idx="3"/>
+          </p:cNvCxnSpPr>
+          <p:nvPr/>
+        </p:nvCxnSpPr>
+        <p:spPr bwMode="auto">
+          <a:xfrm flipV="1">
+            <a:off x="5850805" y="4111388"/>
+            <a:ext cx="1640825" cy="886267"/>
+          </a:xfrm>
+          <a:prstGeom prst="straightConnector1">
+            <a:avLst/>
+          </a:prstGeom>
+          <a:solidFill>
+            <a:schemeClr val="bg1"/>
+          </a:solidFill>
+          <a:ln w="38100" cap="flat" cmpd="sng" algn="ctr">
+            <a:solidFill>
+              <a:srgbClr val="002B62"/>
+            </a:solidFill>
+            <a:prstDash val="solid"/>
+            <a:round/>
+            <a:headEnd type="none" w="med" len="med"/>
+            <a:tailEnd type="triangle"/>
+          </a:ln>
+          <a:effectLst/>
+          <a:extLst>
+            <a:ext uri="{AF507438-7753-43E0-B8FC-AC1667EBCBE1}">
+              <a14:hiddenEffects xmlns:a14="http://schemas.microsoft.com/office/drawing/2010/main">
+                <a:effectLst>
+                  <a:outerShdw dist="35921" dir="2700000" algn="ctr" rotWithShape="0">
+                    <a:schemeClr val="tx1">
+                      <a:alpha val="50000"/>
+                    </a:schemeClr>
+                  </a:outerShdw>
+                </a:effectLst>
+              </a14:hiddenEffects>
+            </a:ext>
+          </a:extLst>
+        </p:spPr>
+      </p:cxnSp>
+      <p:cxnSp>
+        <p:nvCxnSpPr>
+          <p:cNvPr id="33" name="直線矢印コネクタ 32"/>
+          <p:cNvCxnSpPr>
+            <a:stCxn id="23" idx="3"/>
+          </p:cNvCxnSpPr>
+          <p:nvPr/>
+        </p:nvCxnSpPr>
+        <p:spPr bwMode="auto">
+          <a:xfrm flipV="1">
+            <a:off x="5850805" y="4996484"/>
+            <a:ext cx="1640825" cy="1171"/>
+          </a:xfrm>
+          <a:prstGeom prst="straightConnector1">
+            <a:avLst/>
+          </a:prstGeom>
+          <a:solidFill>
+            <a:schemeClr val="bg1"/>
+          </a:solidFill>
+          <a:ln w="38100" cap="flat" cmpd="sng" algn="ctr">
+            <a:solidFill>
+              <a:srgbClr val="002B62"/>
+            </a:solidFill>
+            <a:prstDash val="solid"/>
+            <a:round/>
+            <a:headEnd type="none" w="med" len="med"/>
+            <a:tailEnd type="triangle"/>
+          </a:ln>
+          <a:effectLst/>
+          <a:extLst>
+            <a:ext uri="{AF507438-7753-43E0-B8FC-AC1667EBCBE1}">
+              <a14:hiddenEffects xmlns:a14="http://schemas.microsoft.com/office/drawing/2010/main">
+                <a:effectLst>
+                  <a:outerShdw dist="35921" dir="2700000" algn="ctr" rotWithShape="0">
+                    <a:schemeClr val="tx1">
+                      <a:alpha val="50000"/>
+                    </a:schemeClr>
+                  </a:outerShdw>
+                </a:effectLst>
+              </a14:hiddenEffects>
+            </a:ext>
+          </a:extLst>
+        </p:spPr>
+      </p:cxnSp>
       <p:sp>
         <p:nvSpPr>
-          <p:cNvPr id="76" name="Oval 97"/>
+          <p:cNvPr id="34" name="角丸四角形 33"/>
+          <p:cNvSpPr/>
+          <p:nvPr/>
+        </p:nvSpPr>
+        <p:spPr bwMode="auto">
+          <a:xfrm>
+            <a:off x="6876320" y="3340343"/>
+            <a:ext cx="1871090" cy="2311700"/>
+          </a:xfrm>
+          <a:prstGeom prst="roundRect">
+            <a:avLst/>
+          </a:prstGeom>
+          <a:noFill/>
+          <a:ln w="38100">
+            <a:solidFill>
+              <a:schemeClr val="accent6"/>
+            </a:solidFill>
+            <a:prstDash val="dash"/>
+          </a:ln>
+          <a:effectLst/>
+        </p:spPr>
+        <p:txBody>
+          <a:bodyPr rot="0" spcFirstLastPara="0" vertOverflow="overflow" horzOverflow="overflow" vert="horz" wrap="none" lIns="72000" tIns="72000" rIns="72000" bIns="72000" numCol="1" spcCol="0" rtlCol="0" fromWordArt="0" anchor="ctr" anchorCtr="0" forceAA="0" compatLnSpc="1">
+            <a:prstTxWarp prst="textNoShape">
+              <a:avLst/>
+            </a:prstTxWarp>
+            <a:noAutofit/>
+          </a:bodyPr>
+          <a:lstStyle/>
+          <a:p>
+            <a:pPr algn="ctr"/>
+            <a:endParaRPr kumimoji="1" lang="ja-JP" altLang="en-US" b="1" dirty="0">
+              <a:latin typeface="+mn-ea"/>
+            </a:endParaRPr>
+          </a:p>
+        </p:txBody>
+      </p:sp>
+      <p:sp>
+        <p:nvSpPr>
+          <p:cNvPr id="35" name="テキスト ボックス 34"/>
+          <p:cNvSpPr txBox="1"/>
+          <p:nvPr/>
+        </p:nvSpPr>
+        <p:spPr>
+          <a:xfrm>
+            <a:off x="7370110" y="3068950"/>
+            <a:ext cx="883512" cy="307777"/>
+          </a:xfrm>
+          <a:prstGeom prst="rect">
+            <a:avLst/>
+          </a:prstGeom>
+          <a:noFill/>
+        </p:spPr>
+        <p:txBody>
+          <a:bodyPr wrap="none" rtlCol="0">
+            <a:spAutoFit/>
+          </a:bodyPr>
+          <a:lstStyle/>
+          <a:p>
+            <a:pPr algn="ctr"/>
+            <a:r>
+              <a:rPr lang="en-US" altLang="ja-JP" sz="1400" b="1" dirty="0" smtClean="0">
+                <a:solidFill>
+                  <a:srgbClr val="002B62"/>
+                </a:solidFill>
+              </a:rPr>
+              <a:t>System</a:t>
+            </a:r>
+            <a:endParaRPr lang="ja-JP" altLang="en-US" sz="1400" b="1" dirty="0">
+              <a:solidFill>
+                <a:srgbClr val="002B62"/>
+              </a:solidFill>
+            </a:endParaRPr>
+          </a:p>
+        </p:txBody>
+      </p:sp>
+      <p:sp>
+        <p:nvSpPr>
+          <p:cNvPr id="36" name="Oval 97"/>
           <p:cNvSpPr>
             <a:spLocks noChangeAspect="1" noChangeArrowheads="1"/>
           </p:cNvSpPr>
@@ -9146,7 +9503,7 @@
         </p:nvSpPr>
         <p:spPr bwMode="gray">
           <a:xfrm>
-            <a:off x="7659099" y="3697245"/>
+            <a:off x="7471729" y="3675836"/>
             <a:ext cx="680272" cy="621884"/>
           </a:xfrm>
           <a:custGeom>
@@ -9224,7 +9581,6 @@
           <a:ln>
             <a:noFill/>
           </a:ln>
-          <a:extLst/>
         </p:spPr>
         <p:txBody>
           <a:bodyPr vert="horz" wrap="square" lIns="91440" tIns="45720" rIns="91440" bIns="45720" numCol="1" anchor="t" anchorCtr="0" compatLnSpc="1">
@@ -9244,7 +9600,7 @@
       </p:sp>
       <p:sp>
         <p:nvSpPr>
-          <p:cNvPr id="77" name="Oval 97"/>
+          <p:cNvPr id="37" name="Oval 97"/>
           <p:cNvSpPr>
             <a:spLocks noChangeAspect="1" noChangeArrowheads="1"/>
           </p:cNvSpPr>
@@ -9252,7 +9608,7 @@
         </p:nvSpPr>
         <p:spPr bwMode="gray">
           <a:xfrm>
-            <a:off x="7659099" y="5251852"/>
+            <a:off x="7471729" y="4729834"/>
             <a:ext cx="680272" cy="621884"/>
           </a:xfrm>
           <a:custGeom>
@@ -9330,7 +9686,6 @@
           <a:ln>
             <a:noFill/>
           </a:ln>
-          <a:extLst/>
         </p:spPr>
         <p:txBody>
           <a:bodyPr vert="horz" wrap="square" lIns="91440" tIns="45720" rIns="91440" bIns="45720" numCol="1" anchor="t" anchorCtr="0" compatLnSpc="1">
@@ -9348,104 +9703,16 @@
           </a:p>
         </p:txBody>
       </p:sp>
-      <p:cxnSp>
-        <p:nvCxnSpPr>
-          <p:cNvPr id="78" name="直線矢印コネクタ 77"/>
-          <p:cNvCxnSpPr>
-            <a:stCxn id="10" idx="3"/>
-          </p:cNvCxnSpPr>
-          <p:nvPr/>
-        </p:nvCxnSpPr>
-        <p:spPr bwMode="auto">
-          <a:xfrm flipV="1">
-            <a:off x="4971211" y="5821249"/>
-            <a:ext cx="2687888" cy="264904"/>
-          </a:xfrm>
-          <a:prstGeom prst="straightConnector1">
-            <a:avLst/>
-          </a:prstGeom>
-          <a:solidFill>
-            <a:schemeClr val="bg1"/>
-          </a:solidFill>
-          <a:ln w="38100" cap="flat" cmpd="sng" algn="ctr">
-            <a:solidFill>
-              <a:srgbClr val="002B62"/>
-            </a:solidFill>
-            <a:prstDash val="solid"/>
-            <a:round/>
-            <a:headEnd type="none" w="med" len="med"/>
-            <a:tailEnd type="triangle"/>
-          </a:ln>
-          <a:effectLst/>
-          <a:extLst>
-            <a:ext uri="{AF507438-7753-43E0-B8FC-AC1667EBCBE1}">
-              <a14:hiddenEffects xmlns:a14="http://schemas.microsoft.com/office/drawing/2010/main">
-                <a:effectLst>
-                  <a:outerShdw dist="35921" dir="2700000" algn="ctr" rotWithShape="0">
-                    <a:schemeClr val="tx1">
-                      <a:alpha val="50000"/>
-                    </a:schemeClr>
-                  </a:outerShdw>
-                </a:effectLst>
-              </a14:hiddenEffects>
-            </a:ext>
-          </a:extLst>
-        </p:spPr>
-      </p:cxnSp>
-      <p:cxnSp>
-        <p:nvCxnSpPr>
-          <p:cNvPr id="84" name="直線矢印コネクタ 83"/>
-          <p:cNvCxnSpPr>
-            <a:stCxn id="10" idx="3"/>
-          </p:cNvCxnSpPr>
-          <p:nvPr/>
-        </p:nvCxnSpPr>
-        <p:spPr bwMode="auto">
-          <a:xfrm flipV="1">
-            <a:off x="4971211" y="4303968"/>
-            <a:ext cx="2687888" cy="1782185"/>
-          </a:xfrm>
-          <a:prstGeom prst="straightConnector1">
-            <a:avLst/>
-          </a:prstGeom>
-          <a:solidFill>
-            <a:schemeClr val="bg1"/>
-          </a:solidFill>
-          <a:ln w="38100" cap="flat" cmpd="sng" algn="ctr">
-            <a:solidFill>
-              <a:srgbClr val="002B62"/>
-            </a:solidFill>
-            <a:prstDash val="solid"/>
-            <a:round/>
-            <a:headEnd type="none" w="med" len="med"/>
-            <a:tailEnd type="triangle"/>
-          </a:ln>
-          <a:effectLst/>
-          <a:extLst>
-            <a:ext uri="{AF507438-7753-43E0-B8FC-AC1667EBCBE1}">
-              <a14:hiddenEffects xmlns:a14="http://schemas.microsoft.com/office/drawing/2010/main">
-                <a:effectLst>
-                  <a:outerShdw dist="35921" dir="2700000" algn="ctr" rotWithShape="0">
-                    <a:schemeClr val="tx1">
-                      <a:alpha val="50000"/>
-                    </a:schemeClr>
-                  </a:outerShdw>
-                </a:effectLst>
-              </a14:hiddenEffects>
-            </a:ext>
-          </a:extLst>
-        </p:spPr>
-      </p:cxnSp>
       <p:pic>
         <p:nvPicPr>
-          <p:cNvPr id="10" name="図 9"/>
+          <p:cNvPr id="38" name="図 37"/>
           <p:cNvPicPr>
             <a:picLocks noChangeAspect="1"/>
           </p:cNvPicPr>
           <p:nvPr/>
         </p:nvPicPr>
         <p:blipFill>
-          <a:blip r:embed="rId2">
+          <a:blip r:embed="rId3">
             <a:extLst>
               <a:ext uri="{28A0092B-C50C-407E-A947-70E740481C1C}">
                 <a14:useLocalDpi xmlns:a14="http://schemas.microsoft.com/office/drawing/2010/main" val="0"/>
@@ -9458,31 +9725,27 @@
         </p:blipFill>
         <p:spPr>
           <a:xfrm>
-            <a:off x="4121045" y="5731917"/>
-            <a:ext cx="850166" cy="708472"/>
+            <a:off x="1510605" y="4931594"/>
+            <a:ext cx="729484" cy="729484"/>
           </a:xfrm>
           <a:prstGeom prst="rect">
             <a:avLst/>
           </a:prstGeom>
-          <a:ln w="38100">
-            <a:solidFill>
-              <a:schemeClr val="bg2">
-                <a:lumMod val="65000"/>
-              </a:schemeClr>
-            </a:solidFill>
-          </a:ln>
         </p:spPr>
       </p:pic>
       <p:cxnSp>
         <p:nvCxnSpPr>
-          <p:cNvPr id="90" name="直線矢印コネクタ 89"/>
-          <p:cNvCxnSpPr/>
+          <p:cNvPr id="39" name="直線矢印コネクタ 38"/>
+          <p:cNvCxnSpPr>
+            <a:stCxn id="38" idx="3"/>
+            <a:endCxn id="23" idx="1"/>
+          </p:cNvCxnSpPr>
           <p:nvPr/>
         </p:nvCxnSpPr>
         <p:spPr bwMode="auto">
-          <a:xfrm>
-            <a:off x="1812309" y="5680483"/>
-            <a:ext cx="2206148" cy="359955"/>
+          <a:xfrm flipV="1">
+            <a:off x="2240089" y="4997655"/>
+            <a:ext cx="1234386" cy="298681"/>
           </a:xfrm>
           <a:prstGeom prst="straightConnector1">
             <a:avLst/>
@@ -9515,240 +9778,6 @@
           </a:extLst>
         </p:spPr>
       </p:cxnSp>
-      <p:cxnSp>
-        <p:nvCxnSpPr>
-          <p:cNvPr id="92" name="直線矢印コネクタ 91"/>
-          <p:cNvCxnSpPr/>
-          <p:nvPr/>
-        </p:nvCxnSpPr>
-        <p:spPr bwMode="auto">
-          <a:xfrm flipV="1">
-            <a:off x="5826541" y="3949733"/>
-            <a:ext cx="1791730" cy="1137339"/>
-          </a:xfrm>
-          <a:prstGeom prst="straightConnector1">
-            <a:avLst/>
-          </a:prstGeom>
-          <a:solidFill>
-            <a:schemeClr val="bg1"/>
-          </a:solidFill>
-          <a:ln w="38100" cap="flat" cmpd="sng" algn="ctr">
-            <a:solidFill>
-              <a:srgbClr val="002B62"/>
-            </a:solidFill>
-            <a:prstDash val="solid"/>
-            <a:round/>
-            <a:headEnd type="none" w="med" len="med"/>
-            <a:tailEnd type="triangle"/>
-          </a:ln>
-          <a:effectLst/>
-          <a:extLst>
-            <a:ext uri="{AF507438-7753-43E0-B8FC-AC1667EBCBE1}">
-              <a14:hiddenEffects xmlns:a14="http://schemas.microsoft.com/office/drawing/2010/main">
-                <a:effectLst>
-                  <a:outerShdw dist="35921" dir="2700000" algn="ctr" rotWithShape="0">
-                    <a:schemeClr val="tx1">
-                      <a:alpha val="50000"/>
-                    </a:schemeClr>
-                  </a:outerShdw>
-                </a:effectLst>
-              </a14:hiddenEffects>
-            </a:ext>
-          </a:extLst>
-        </p:spPr>
-      </p:cxnSp>
-      <p:cxnSp>
-        <p:nvCxnSpPr>
-          <p:cNvPr id="93" name="直線矢印コネクタ 92"/>
-          <p:cNvCxnSpPr>
-            <a:stCxn id="57" idx="3"/>
-          </p:cNvCxnSpPr>
-          <p:nvPr/>
-        </p:nvCxnSpPr>
-        <p:spPr bwMode="auto">
-          <a:xfrm>
-            <a:off x="5771934" y="5097972"/>
-            <a:ext cx="1832558" cy="376947"/>
-          </a:xfrm>
-          <a:prstGeom prst="straightConnector1">
-            <a:avLst/>
-          </a:prstGeom>
-          <a:solidFill>
-            <a:schemeClr val="bg1"/>
-          </a:solidFill>
-          <a:ln w="38100" cap="flat" cmpd="sng" algn="ctr">
-            <a:solidFill>
-              <a:srgbClr val="002B62"/>
-            </a:solidFill>
-            <a:prstDash val="solid"/>
-            <a:round/>
-            <a:headEnd type="none" w="med" len="med"/>
-            <a:tailEnd type="triangle"/>
-          </a:ln>
-          <a:effectLst/>
-          <a:extLst>
-            <a:ext uri="{AF507438-7753-43E0-B8FC-AC1667EBCBE1}">
-              <a14:hiddenEffects xmlns:a14="http://schemas.microsoft.com/office/drawing/2010/main">
-                <a:effectLst>
-                  <a:outerShdw dist="35921" dir="2700000" algn="ctr" rotWithShape="0">
-                    <a:schemeClr val="tx1">
-                      <a:alpha val="50000"/>
-                    </a:schemeClr>
-                  </a:outerShdw>
-                </a:effectLst>
-              </a14:hiddenEffects>
-            </a:ext>
-          </a:extLst>
-        </p:spPr>
-      </p:cxnSp>
-      <p:cxnSp>
-        <p:nvCxnSpPr>
-          <p:cNvPr id="27" name="直線コネクタ 26"/>
-          <p:cNvCxnSpPr/>
-          <p:nvPr/>
-        </p:nvCxnSpPr>
-        <p:spPr bwMode="auto">
-          <a:xfrm>
-            <a:off x="264963" y="4461199"/>
-            <a:ext cx="8784001" cy="0"/>
-          </a:xfrm>
-          <a:prstGeom prst="line">
-            <a:avLst/>
-          </a:prstGeom>
-          <a:solidFill>
-            <a:schemeClr val="bg1"/>
-          </a:solidFill>
-          <a:ln w="28575" cap="flat" cmpd="sng" algn="ctr">
-            <a:solidFill>
-              <a:srgbClr val="124990"/>
-            </a:solidFill>
-            <a:prstDash val="solid"/>
-            <a:round/>
-            <a:headEnd type="none" w="med" len="med"/>
-            <a:tailEnd type="none" w="med" len="med"/>
-          </a:ln>
-          <a:effectLst/>
-          <a:extLst>
-            <a:ext uri="{AF507438-7753-43E0-B8FC-AC1667EBCBE1}">
-              <a14:hiddenEffects xmlns:a14="http://schemas.microsoft.com/office/drawing/2010/main">
-                <a:effectLst>
-                  <a:outerShdw dist="35921" dir="2700000" algn="ctr" rotWithShape="0">
-                    <a:schemeClr val="tx1">
-                      <a:alpha val="50000"/>
-                    </a:schemeClr>
-                  </a:outerShdw>
-                </a:effectLst>
-              </a14:hiddenEffects>
-            </a:ext>
-          </a:extLst>
-        </p:spPr>
-      </p:cxnSp>
-      <p:sp>
-        <p:nvSpPr>
-          <p:cNvPr id="28" name="テキスト ボックス 27"/>
-          <p:cNvSpPr txBox="1"/>
-          <p:nvPr/>
-        </p:nvSpPr>
-        <p:spPr>
-          <a:xfrm>
-            <a:off x="56231" y="4811618"/>
-            <a:ext cx="461665" cy="1561805"/>
-          </a:xfrm>
-          <a:prstGeom prst="rect">
-            <a:avLst/>
-          </a:prstGeom>
-          <a:noFill/>
-        </p:spPr>
-        <p:txBody>
-          <a:bodyPr vert="eaVert" wrap="square" rtlCol="0">
-            <a:spAutoFit/>
-          </a:bodyPr>
-          <a:lstStyle/>
-          <a:p>
-            <a:r>
-              <a:rPr kumimoji="1" lang="en-US" altLang="ja-JP" b="1" dirty="0" smtClean="0">
-                <a:solidFill>
-                  <a:srgbClr val="002B62"/>
-                </a:solidFill>
-              </a:rPr>
-              <a:t>On-Premise</a:t>
-            </a:r>
-            <a:endParaRPr kumimoji="1" lang="ja-JP" altLang="en-US" b="1" dirty="0">
-              <a:solidFill>
-                <a:srgbClr val="002B62"/>
-              </a:solidFill>
-            </a:endParaRPr>
-          </a:p>
-        </p:txBody>
-      </p:sp>
-      <p:sp>
-        <p:nvSpPr>
-          <p:cNvPr id="29" name="テキスト ボックス 28"/>
-          <p:cNvSpPr txBox="1"/>
-          <p:nvPr/>
-        </p:nvSpPr>
-        <p:spPr>
-          <a:xfrm>
-            <a:off x="56231" y="3056626"/>
-            <a:ext cx="461665" cy="1561805"/>
-          </a:xfrm>
-          <a:prstGeom prst="rect">
-            <a:avLst/>
-          </a:prstGeom>
-          <a:noFill/>
-        </p:spPr>
-        <p:txBody>
-          <a:bodyPr vert="eaVert" wrap="square" rtlCol="0">
-            <a:spAutoFit/>
-          </a:bodyPr>
-          <a:lstStyle/>
-          <a:p>
-            <a:r>
-              <a:rPr kumimoji="1" lang="en-US" altLang="ja-JP" b="1" dirty="0" smtClean="0">
-                <a:solidFill>
-                  <a:srgbClr val="002B62"/>
-                </a:solidFill>
-              </a:rPr>
-              <a:t>Cloud</a:t>
-            </a:r>
-            <a:endParaRPr kumimoji="1" lang="ja-JP" altLang="en-US" b="1" dirty="0">
-              <a:solidFill>
-                <a:srgbClr val="002B62"/>
-              </a:solidFill>
-            </a:endParaRPr>
-          </a:p>
-        </p:txBody>
-      </p:sp>
-      <p:pic>
-        <p:nvPicPr>
-          <p:cNvPr id="30" name="図 29"/>
-          <p:cNvPicPr>
-            <a:picLocks noChangeAspect="1"/>
-          </p:cNvPicPr>
-          <p:nvPr/>
-        </p:nvPicPr>
-        <p:blipFill>
-          <a:blip r:embed="rId3">
-            <a:extLst>
-              <a:ext uri="{28A0092B-C50C-407E-A947-70E740481C1C}">
-                <a14:useLocalDpi xmlns:a14="http://schemas.microsoft.com/office/drawing/2010/main" val="0"/>
-              </a:ext>
-            </a:extLst>
-          </a:blip>
-          <a:stretch>
-            <a:fillRect/>
-          </a:stretch>
-        </p:blipFill>
-        <p:spPr>
-          <a:xfrm>
-            <a:off x="1082825" y="5091765"/>
-            <a:ext cx="729484" cy="729484"/>
-          </a:xfrm>
-          <a:prstGeom prst="rect">
-            <a:avLst/>
-          </a:prstGeom>
-        </p:spPr>
-      </p:pic>
     </p:spTree>
     <p:extLst>
       <p:ext uri="{BB962C8B-B14F-4D97-AF65-F5344CB8AC3E}">
@@ -9851,7 +9880,19 @@
             <a:pPr lvl="1"/>
             <a:r>
               <a:rPr lang="en-US" altLang="ja-JP" sz="1800" dirty="0" smtClean="0"/>
-              <a:t>If you are creating an ITA Server on </a:t>
+              <a:t>If </a:t>
+            </a:r>
+            <a:r>
+              <a:rPr lang="en-US" altLang="ja-JP" sz="1800" dirty="0" smtClean="0"/>
+              <a:t>the user</a:t>
+            </a:r>
+            <a:r>
+              <a:rPr lang="en-US" altLang="ja-JP" sz="1800" dirty="0" smtClean="0"/>
+              <a:t> is </a:t>
+            </a:r>
+            <a:r>
+              <a:rPr lang="en-US" altLang="ja-JP" sz="1800" dirty="0" smtClean="0"/>
+              <a:t>creating an ITA Server on </a:t>
             </a:r>
             <a:r>
               <a:rPr lang="en-US" altLang="ja-JP" sz="1800" dirty="0" err="1" smtClean="0"/>
@@ -9859,7 +9900,19 @@
             </a:r>
             <a:r>
               <a:rPr lang="en-US" altLang="ja-JP" sz="1800" dirty="0" smtClean="0"/>
-              <a:t>, you can use Terraform Cloud to provision </a:t>
+              <a:t>, </a:t>
+            </a:r>
+            <a:r>
+              <a:rPr lang="en-US" altLang="ja-JP" sz="1800" dirty="0" smtClean="0"/>
+              <a:t>they</a:t>
+            </a:r>
+            <a:r>
+              <a:rPr lang="en-US" altLang="ja-JP" sz="1800" dirty="0" smtClean="0"/>
+              <a:t> </a:t>
+            </a:r>
+            <a:r>
+              <a:rPr lang="en-US" altLang="ja-JP" sz="1800" dirty="0" smtClean="0"/>
+              <a:t>can use Terraform Cloud to provision </a:t>
             </a:r>
             <a:r>
               <a:rPr lang="en-US" altLang="ja-JP" sz="1800" dirty="0" err="1" smtClean="0"/>
@@ -9867,14 +9920,18 @@
             </a:r>
             <a:r>
               <a:rPr lang="en-US" altLang="ja-JP" sz="1800" dirty="0" smtClean="0"/>
-              <a:t>/cloud systems.</a:t>
+              <a:t>/cloud systems</a:t>
+            </a:r>
+            <a:r>
+              <a:rPr lang="en-US" altLang="ja-JP" sz="1800" dirty="0" smtClean="0"/>
+              <a:t>.</a:t>
             </a:r>
           </a:p>
           <a:p>
             <a:pPr lvl="1"/>
             <a:r>
               <a:rPr lang="en-US" altLang="ja-JP" sz="1800" dirty="0" smtClean="0"/>
-              <a:t>You can use </a:t>
+              <a:t>It is possible to provision the </a:t>
             </a:r>
             <a:r>
               <a:rPr lang="en-US" altLang="ja-JP" sz="1800" dirty="0" err="1" smtClean="0"/>
@@ -9882,7 +9939,27 @@
             </a:r>
             <a:r>
               <a:rPr lang="en-US" altLang="ja-JP" sz="1800" dirty="0" smtClean="0"/>
-              <a:t> Ansible to configure both </a:t>
+              <a:t> systems by </a:t>
+            </a:r>
+            <a:r>
+              <a:rPr lang="en-US" altLang="ja-JP" sz="1800" dirty="0" smtClean="0"/>
+              <a:t>implementing Terraform Cloud Agents.</a:t>
+            </a:r>
+            <a:endParaRPr lang="en-US" altLang="ja-JP" sz="1800" dirty="0" smtClean="0"/>
+          </a:p>
+          <a:p>
+            <a:pPr lvl="1"/>
+            <a:r>
+              <a:rPr lang="en-US" altLang="ja-JP" sz="1800" dirty="0" smtClean="0"/>
+              <a:t>Users</a:t>
+            </a:r>
+            <a:r>
+              <a:rPr lang="en-US" altLang="ja-JP" sz="1800" dirty="0" smtClean="0"/>
+              <a:t> </a:t>
+            </a:r>
+            <a:r>
+              <a:rPr lang="en-US" altLang="ja-JP" sz="1800" dirty="0" smtClean="0"/>
+              <a:t>can use </a:t>
             </a:r>
             <a:r>
               <a:rPr lang="en-US" altLang="ja-JP" sz="1800" dirty="0" err="1" smtClean="0"/>
@@ -9890,148 +9967,83 @@
             </a:r>
             <a:r>
               <a:rPr lang="en-US" altLang="ja-JP" sz="1800" dirty="0" smtClean="0"/>
+              <a:t> Ansible to configure both </a:t>
+            </a:r>
+            <a:r>
+              <a:rPr lang="en-US" altLang="ja-JP" sz="1800" dirty="0" err="1" smtClean="0"/>
+              <a:t>on-premise</a:t>
+            </a:r>
+            <a:r>
+              <a:rPr lang="en-US" altLang="ja-JP" sz="1800" dirty="0" smtClean="0"/>
               <a:t> and cloud systems.</a:t>
             </a:r>
           </a:p>
           <a:p>
             <a:pPr lvl="1"/>
             <a:endParaRPr lang="en-US" altLang="ja-JP" dirty="0" smtClean="0"/>
-          </a:p>
-        </p:txBody>
-      </p:sp>
-      <p:pic>
-        <p:nvPicPr>
-          <p:cNvPr id="56" name="図 55"/>
-          <p:cNvPicPr>
-            <a:picLocks noChangeAspect="1"/>
-          </p:cNvPicPr>
-          <p:nvPr/>
-        </p:nvPicPr>
-        <p:blipFill>
-          <a:blip r:embed="rId2">
-            <a:extLst>
-              <a:ext uri="{28A0092B-C50C-407E-A947-70E740481C1C}">
-                <a14:useLocalDpi xmlns:a14="http://schemas.microsoft.com/office/drawing/2010/main" val="0"/>
-              </a:ext>
-            </a:extLst>
-          </a:blip>
-          <a:stretch>
-            <a:fillRect/>
-          </a:stretch>
-        </p:blipFill>
-        <p:spPr>
-          <a:xfrm>
-            <a:off x="1082825" y="5091765"/>
-            <a:ext cx="729484" cy="729484"/>
-          </a:xfrm>
-          <a:prstGeom prst="rect">
-            <a:avLst/>
-          </a:prstGeom>
-        </p:spPr>
-      </p:pic>
-      <p:sp>
-        <p:nvSpPr>
-          <p:cNvPr id="57" name="角丸四角形 56"/>
-          <p:cNvSpPr/>
-          <p:nvPr/>
-        </p:nvSpPr>
-        <p:spPr bwMode="auto">
-          <a:xfrm>
-            <a:off x="3393264" y="3134069"/>
-            <a:ext cx="2376330" cy="576080"/>
-          </a:xfrm>
-          <a:prstGeom prst="roundRect">
-            <a:avLst/>
-          </a:prstGeom>
-          <a:solidFill>
-            <a:schemeClr val="bg1"/>
-          </a:solidFill>
-          <a:ln w="28575">
-            <a:solidFill>
-              <a:srgbClr val="7030A0"/>
-            </a:solidFill>
-          </a:ln>
-          <a:effectLst/>
-          <a:extLst/>
-        </p:spPr>
-        <p:txBody>
-          <a:bodyPr rot="0" spcFirstLastPara="0" vertOverflow="overflow" horzOverflow="overflow" vert="horz" wrap="none" lIns="72000" tIns="72000" rIns="72000" bIns="72000" numCol="1" spcCol="0" rtlCol="0" fromWordArt="0" anchor="ctr" anchorCtr="0" forceAA="0" compatLnSpc="1">
-            <a:prstTxWarp prst="textNoShape">
-              <a:avLst/>
-            </a:prstTxWarp>
-            <a:noAutofit/>
-          </a:bodyPr>
-          <a:lstStyle/>
-          <a:p>
-            <a:pPr algn="ctr"/>
-            <a:r>
-              <a:rPr kumimoji="1" lang="en-US" altLang="ja-JP" sz="1400" b="1" dirty="0" smtClean="0">
-                <a:solidFill>
-                  <a:srgbClr val="7030A0"/>
-                </a:solidFill>
-                <a:latin typeface="+mn-ea"/>
-              </a:rPr>
-              <a:t>Terraform Cloud</a:t>
-            </a:r>
-            <a:endParaRPr kumimoji="1" lang="ja-JP" altLang="en-US" sz="1400" b="1" dirty="0" smtClean="0">
-              <a:solidFill>
-                <a:srgbClr val="7030A0"/>
-              </a:solidFill>
-              <a:latin typeface="+mn-ea"/>
-            </a:endParaRPr>
           </a:p>
         </p:txBody>
       </p:sp>
       <p:sp>
         <p:nvSpPr>
-          <p:cNvPr id="61" name="角丸四角形 60"/>
-          <p:cNvSpPr/>
+          <p:cNvPr id="20" name="テキスト ボックス 19">
+            <a:extLst>
+              <a:ext uri="{FF2B5EF4-FFF2-40B4-BE49-F238E27FC236}">
+                <a16:creationId xmlns:a16="http://schemas.microsoft.com/office/drawing/2014/main" id="{871862CF-3CCF-4A9E-9749-DF397B8B7994}"/>
+              </a:ext>
+            </a:extLst>
+          </p:cNvPr>
+          <p:cNvSpPr txBox="1"/>
           <p:nvPr/>
         </p:nvSpPr>
-        <p:spPr bwMode="auto">
-          <a:xfrm>
-            <a:off x="7080195" y="3127094"/>
-            <a:ext cx="1871090" cy="2736380"/>
-          </a:xfrm>
-          <a:prstGeom prst="roundRect">
+        <p:spPr>
+          <a:xfrm>
+            <a:off x="365815" y="4785738"/>
+            <a:ext cx="461665" cy="1561805"/>
+          </a:xfrm>
+          <a:prstGeom prst="rect">
             <a:avLst/>
           </a:prstGeom>
           <a:noFill/>
-          <a:ln w="38100">
-            <a:solidFill>
-              <a:schemeClr val="accent6"/>
-            </a:solidFill>
-            <a:prstDash val="dash"/>
-          </a:ln>
-          <a:effectLst/>
-          <a:extLst/>
         </p:spPr>
         <p:txBody>
-          <a:bodyPr rot="0" spcFirstLastPara="0" vertOverflow="overflow" horzOverflow="overflow" vert="horz" wrap="none" lIns="72000" tIns="72000" rIns="72000" bIns="72000" numCol="1" spcCol="0" rtlCol="0" fromWordArt="0" anchor="ctr" anchorCtr="0" forceAA="0" compatLnSpc="1">
-            <a:prstTxWarp prst="textNoShape">
-              <a:avLst/>
-            </a:prstTxWarp>
-            <a:noAutofit/>
+          <a:bodyPr vert="eaVert" wrap="square" rtlCol="0">
+            <a:spAutoFit/>
           </a:bodyPr>
           <a:lstStyle/>
           <a:p>
-            <a:pPr algn="ctr"/>
-            <a:endParaRPr kumimoji="1" lang="ja-JP" altLang="en-US" b="1" dirty="0" smtClean="0">
-              <a:latin typeface="+mn-ea"/>
+            <a:r>
+              <a:rPr kumimoji="1" lang="en-US" altLang="ja-JP" b="1" dirty="0" smtClean="0">
+                <a:solidFill>
+                  <a:srgbClr val="002B62"/>
+                </a:solidFill>
+              </a:rPr>
+              <a:t>On-Premise</a:t>
+            </a:r>
+            <a:endParaRPr kumimoji="1" lang="ja-JP" altLang="en-US" b="1" dirty="0">
+              <a:solidFill>
+                <a:srgbClr val="002B62"/>
+              </a:solidFill>
             </a:endParaRPr>
           </a:p>
         </p:txBody>
       </p:sp>
       <p:sp>
         <p:nvSpPr>
-          <p:cNvPr id="62" name="テキスト ボックス 61"/>
+          <p:cNvPr id="22" name="テキスト ボックス 21">
+            <a:extLst>
+              <a:ext uri="{FF2B5EF4-FFF2-40B4-BE49-F238E27FC236}">
+                <a16:creationId xmlns:a16="http://schemas.microsoft.com/office/drawing/2014/main" id="{5234429A-B2F7-42AB-9320-7A972674AB4E}"/>
+              </a:ext>
+            </a:extLst>
+          </p:cNvPr>
           <p:cNvSpPr txBox="1"/>
           <p:nvPr/>
         </p:nvSpPr>
         <p:spPr>
           <a:xfrm>
-            <a:off x="7573984" y="2614084"/>
-            <a:ext cx="883512" cy="307777"/>
+            <a:off x="365815" y="3503315"/>
+            <a:ext cx="461665" cy="1173407"/>
           </a:xfrm>
           <a:prstGeom prst="rect">
             <a:avLst/>
@@ -10039,21 +10051,20 @@
           <a:noFill/>
         </p:spPr>
         <p:txBody>
-          <a:bodyPr wrap="none" rtlCol="0">
+          <a:bodyPr vert="eaVert" wrap="square" rtlCol="0">
             <a:spAutoFit/>
           </a:bodyPr>
           <a:lstStyle/>
           <a:p>
-            <a:pPr algn="ctr"/>
-            <a:r>
-              <a:rPr lang="en-US" altLang="ja-JP" sz="1400" b="1" dirty="0" smtClean="0">
+            <a:r>
+              <a:rPr lang="en-US" altLang="ja-JP" b="1" dirty="0" smtClean="0">
                 <a:solidFill>
                   <a:srgbClr val="002B62"/>
                 </a:solidFill>
               </a:rPr>
-              <a:t>System</a:t>
-            </a:r>
-            <a:endParaRPr lang="ja-JP" altLang="en-US" sz="1400" b="1" dirty="0">
+              <a:t>Cloud</a:t>
+            </a:r>
+            <a:endParaRPr kumimoji="1" lang="ja-JP" altLang="en-US" b="1" dirty="0">
               <a:solidFill>
                 <a:srgbClr val="002B62"/>
               </a:solidFill>
@@ -10063,14 +10074,22 @@
       </p:sp>
       <p:cxnSp>
         <p:nvCxnSpPr>
-          <p:cNvPr id="69" name="直線コネクタ 68"/>
-          <p:cNvCxnSpPr/>
+          <p:cNvPr id="23" name="直線コネクタ 22">
+            <a:extLst>
+              <a:ext uri="{FF2B5EF4-FFF2-40B4-BE49-F238E27FC236}">
+                <a16:creationId xmlns:a16="http://schemas.microsoft.com/office/drawing/2014/main" id="{1CE5D5F2-80B4-45F4-AD9A-A050C8A4FACD}"/>
+              </a:ext>
+            </a:extLst>
+          </p:cNvPr>
+          <p:cNvCxnSpPr>
+            <a:cxnSpLocks/>
+          </p:cNvCxnSpPr>
           <p:nvPr/>
         </p:nvCxnSpPr>
         <p:spPr bwMode="auto">
           <a:xfrm>
-            <a:off x="264963" y="4461199"/>
-            <a:ext cx="8784001" cy="0"/>
+            <a:off x="468640" y="4672858"/>
+            <a:ext cx="8388000" cy="0"/>
           </a:xfrm>
           <a:prstGeom prst="line">
             <a:avLst/>
@@ -10105,7 +10124,137 @@
       </p:cxnSp>
       <p:sp>
         <p:nvSpPr>
-          <p:cNvPr id="76" name="Oval 97"/>
+          <p:cNvPr id="24" name="角丸四角形 23"/>
+          <p:cNvSpPr/>
+          <p:nvPr/>
+        </p:nvSpPr>
+        <p:spPr bwMode="auto">
+          <a:xfrm>
+            <a:off x="3474475" y="3692482"/>
+            <a:ext cx="2376330" cy="576080"/>
+          </a:xfrm>
+          <a:prstGeom prst="roundRect">
+            <a:avLst/>
+          </a:prstGeom>
+          <a:solidFill>
+            <a:schemeClr val="bg1"/>
+          </a:solidFill>
+          <a:ln w="28575">
+            <a:solidFill>
+              <a:srgbClr val="7030A0"/>
+            </a:solidFill>
+          </a:ln>
+          <a:effectLst/>
+        </p:spPr>
+        <p:txBody>
+          <a:bodyPr rot="0" spcFirstLastPara="0" vertOverflow="overflow" horzOverflow="overflow" vert="horz" wrap="none" lIns="72000" tIns="72000" rIns="72000" bIns="72000" numCol="1" spcCol="0" rtlCol="0" fromWordArt="0" anchor="ctr" anchorCtr="0" forceAA="0" compatLnSpc="1">
+            <a:prstTxWarp prst="textNoShape">
+              <a:avLst/>
+            </a:prstTxWarp>
+            <a:noAutofit/>
+          </a:bodyPr>
+          <a:lstStyle/>
+          <a:p>
+            <a:pPr algn="ctr"/>
+            <a:r>
+              <a:rPr kumimoji="1" lang="en-US" altLang="ja-JP" sz="1400" b="1" dirty="0">
+                <a:solidFill>
+                  <a:srgbClr val="7030A0"/>
+                </a:solidFill>
+                <a:latin typeface="+mn-ea"/>
+              </a:rPr>
+              <a:t>Terraform Cloud</a:t>
+            </a:r>
+            <a:endParaRPr kumimoji="1" lang="ja-JP" altLang="en-US" sz="1400" b="1" dirty="0">
+              <a:solidFill>
+                <a:srgbClr val="7030A0"/>
+              </a:solidFill>
+              <a:latin typeface="+mn-ea"/>
+            </a:endParaRPr>
+          </a:p>
+        </p:txBody>
+      </p:sp>
+      <p:sp>
+        <p:nvSpPr>
+          <p:cNvPr id="25" name="角丸四角形 24"/>
+          <p:cNvSpPr/>
+          <p:nvPr/>
+        </p:nvSpPr>
+        <p:spPr bwMode="auto">
+          <a:xfrm>
+            <a:off x="6901140" y="3220633"/>
+            <a:ext cx="1871090" cy="2933096"/>
+          </a:xfrm>
+          <a:prstGeom prst="roundRect">
+            <a:avLst/>
+          </a:prstGeom>
+          <a:noFill/>
+          <a:ln w="38100">
+            <a:solidFill>
+              <a:schemeClr val="accent6"/>
+            </a:solidFill>
+            <a:prstDash val="dash"/>
+          </a:ln>
+          <a:effectLst/>
+        </p:spPr>
+        <p:txBody>
+          <a:bodyPr rot="0" spcFirstLastPara="0" vertOverflow="overflow" horzOverflow="overflow" vert="horz" wrap="none" lIns="72000" tIns="72000" rIns="72000" bIns="72000" numCol="1" spcCol="0" rtlCol="0" fromWordArt="0" anchor="ctr" anchorCtr="0" forceAA="0" compatLnSpc="1">
+            <a:prstTxWarp prst="textNoShape">
+              <a:avLst/>
+            </a:prstTxWarp>
+            <a:noAutofit/>
+          </a:bodyPr>
+          <a:lstStyle/>
+          <a:p>
+            <a:pPr algn="ctr"/>
+            <a:endParaRPr kumimoji="1" lang="ja-JP" altLang="en-US" b="1" dirty="0">
+              <a:latin typeface="+mn-ea"/>
+            </a:endParaRPr>
+          </a:p>
+        </p:txBody>
+      </p:sp>
+      <p:sp>
+        <p:nvSpPr>
+          <p:cNvPr id="26" name="テキスト ボックス 25"/>
+          <p:cNvSpPr txBox="1"/>
+          <p:nvPr/>
+        </p:nvSpPr>
+        <p:spPr>
+          <a:xfrm>
+            <a:off x="7394930" y="2928317"/>
+            <a:ext cx="883512" cy="307777"/>
+          </a:xfrm>
+          <a:prstGeom prst="rect">
+            <a:avLst/>
+          </a:prstGeom>
+          <a:noFill/>
+        </p:spPr>
+        <p:txBody>
+          <a:bodyPr wrap="none" rtlCol="0">
+            <a:spAutoFit/>
+          </a:bodyPr>
+          <a:lstStyle/>
+          <a:p>
+            <a:pPr algn="ctr"/>
+            <a:r>
+              <a:rPr lang="en-US" altLang="ja-JP" sz="1400" b="1" dirty="0" smtClean="0">
+                <a:solidFill>
+                  <a:srgbClr val="002B62"/>
+                </a:solidFill>
+              </a:rPr>
+              <a:t>System</a:t>
+            </a:r>
+            <a:endParaRPr lang="ja-JP" altLang="en-US" sz="1400" b="1" dirty="0">
+              <a:solidFill>
+                <a:srgbClr val="002B62"/>
+              </a:solidFill>
+            </a:endParaRPr>
+          </a:p>
+        </p:txBody>
+      </p:sp>
+      <p:sp>
+        <p:nvSpPr>
+          <p:cNvPr id="27" name="Oval 97"/>
           <p:cNvSpPr>
             <a:spLocks noChangeAspect="1" noChangeArrowheads="1"/>
           </p:cNvSpPr>
@@ -10113,7 +10262,7 @@
         </p:nvSpPr>
         <p:spPr bwMode="gray">
           <a:xfrm>
-            <a:off x="7708513" y="3554005"/>
+            <a:off x="7496549" y="3671236"/>
             <a:ext cx="680272" cy="621884"/>
           </a:xfrm>
           <a:custGeom>
@@ -10191,7 +10340,6 @@
           <a:ln>
             <a:noFill/>
           </a:ln>
-          <a:extLst/>
         </p:spPr>
         <p:txBody>
           <a:bodyPr vert="horz" wrap="square" lIns="91440" tIns="45720" rIns="91440" bIns="45720" numCol="1" anchor="t" anchorCtr="0" compatLnSpc="1">
@@ -10211,7 +10359,7 @@
       </p:sp>
       <p:sp>
         <p:nvSpPr>
-          <p:cNvPr id="77" name="Oval 97"/>
+          <p:cNvPr id="28" name="Oval 97"/>
           <p:cNvSpPr>
             <a:spLocks noChangeAspect="1" noChangeArrowheads="1"/>
           </p:cNvSpPr>
@@ -10219,7 +10367,7 @@
         </p:nvSpPr>
         <p:spPr bwMode="gray">
           <a:xfrm>
-            <a:off x="7708513" y="4941264"/>
+            <a:off x="7496549" y="5145303"/>
             <a:ext cx="680272" cy="621884"/>
           </a:xfrm>
           <a:custGeom>
@@ -10297,7 +10445,6 @@
           <a:ln>
             <a:noFill/>
           </a:ln>
-          <a:extLst/>
         </p:spPr>
         <p:txBody>
           <a:bodyPr vert="horz" wrap="square" lIns="91440" tIns="45720" rIns="91440" bIns="45720" numCol="1" anchor="t" anchorCtr="0" compatLnSpc="1">
@@ -10315,54 +10462,55 @@
           </a:p>
         </p:txBody>
       </p:sp>
-      <p:sp>
-        <p:nvSpPr>
-          <p:cNvPr id="88" name="テキスト ボックス 87"/>
-          <p:cNvSpPr txBox="1"/>
+      <p:pic>
+        <p:nvPicPr>
+          <p:cNvPr id="30" name="図 29"/>
+          <p:cNvPicPr>
+            <a:picLocks noChangeAspect="1"/>
+          </p:cNvPicPr>
           <p:nvPr/>
-        </p:nvSpPr>
+        </p:nvPicPr>
+        <p:blipFill>
+          <a:blip r:embed="rId2">
+            <a:extLst>
+              <a:ext uri="{28A0092B-C50C-407E-A947-70E740481C1C}">
+                <a14:useLocalDpi xmlns:a14="http://schemas.microsoft.com/office/drawing/2010/main" val="0"/>
+              </a:ext>
+            </a:extLst>
+          </a:blip>
+          <a:stretch>
+            <a:fillRect/>
+          </a:stretch>
+        </p:blipFill>
         <p:spPr>
           <a:xfrm>
-            <a:off x="56231" y="4811618"/>
-            <a:ext cx="461665" cy="1561805"/>
+            <a:off x="4237557" y="5212404"/>
+            <a:ext cx="850166" cy="708472"/>
           </a:xfrm>
           <a:prstGeom prst="rect">
             <a:avLst/>
           </a:prstGeom>
-          <a:noFill/>
-        </p:spPr>
-        <p:txBody>
-          <a:bodyPr vert="eaVert" wrap="square" rtlCol="0">
-            <a:spAutoFit/>
-          </a:bodyPr>
-          <a:lstStyle/>
-          <a:p>
-            <a:r>
-              <a:rPr kumimoji="1" lang="en-US" altLang="ja-JP" b="1" dirty="0" smtClean="0">
-                <a:solidFill>
-                  <a:srgbClr val="002B62"/>
-                </a:solidFill>
-              </a:rPr>
-              <a:t>On-Premise</a:t>
-            </a:r>
-            <a:endParaRPr kumimoji="1" lang="ja-JP" altLang="en-US" b="1" dirty="0">
-              <a:solidFill>
-                <a:srgbClr val="002B62"/>
-              </a:solidFill>
-            </a:endParaRPr>
-          </a:p>
-        </p:txBody>
-      </p:sp>
+          <a:ln w="38100">
+            <a:solidFill>
+              <a:schemeClr val="bg2">
+                <a:lumMod val="65000"/>
+              </a:schemeClr>
+            </a:solidFill>
+          </a:ln>
+        </p:spPr>
+      </p:pic>
       <p:cxnSp>
         <p:nvCxnSpPr>
-          <p:cNvPr id="90" name="直線矢印コネクタ 89"/>
-          <p:cNvCxnSpPr/>
+          <p:cNvPr id="31" name="直線矢印コネクタ 30"/>
+          <p:cNvCxnSpPr>
+            <a:stCxn id="24" idx="3"/>
+          </p:cNvCxnSpPr>
           <p:nvPr/>
         </p:nvCxnSpPr>
         <p:spPr bwMode="auto">
-          <a:xfrm flipV="1">
-            <a:off x="1812309" y="3465894"/>
-            <a:ext cx="1483276" cy="1625871"/>
+          <a:xfrm>
+            <a:off x="5850805" y="3980522"/>
+            <a:ext cx="1656000" cy="0"/>
           </a:xfrm>
           <a:prstGeom prst="straightConnector1">
             <a:avLst/>
@@ -10395,9 +10543,291 @@
           </a:extLst>
         </p:spPr>
       </p:cxnSp>
+      <p:cxnSp>
+        <p:nvCxnSpPr>
+          <p:cNvPr id="32" name="直線矢印コネクタ 31"/>
+          <p:cNvCxnSpPr>
+            <a:stCxn id="38" idx="3"/>
+          </p:cNvCxnSpPr>
+          <p:nvPr/>
+        </p:nvCxnSpPr>
+        <p:spPr bwMode="auto">
+          <a:xfrm flipV="1">
+            <a:off x="2061034" y="5564837"/>
+            <a:ext cx="2078906" cy="1803"/>
+          </a:xfrm>
+          <a:prstGeom prst="straightConnector1">
+            <a:avLst/>
+          </a:prstGeom>
+          <a:solidFill>
+            <a:schemeClr val="bg1"/>
+          </a:solidFill>
+          <a:ln w="38100" cap="flat" cmpd="sng" algn="ctr">
+            <a:solidFill>
+              <a:srgbClr val="FFC000"/>
+            </a:solidFill>
+            <a:prstDash val="solid"/>
+            <a:round/>
+            <a:headEnd type="none" w="med" len="med"/>
+            <a:tailEnd type="stealth"/>
+          </a:ln>
+          <a:effectLst/>
+          <a:extLst>
+            <a:ext uri="{AF507438-7753-43E0-B8FC-AC1667EBCBE1}">
+              <a14:hiddenEffects xmlns:a14="http://schemas.microsoft.com/office/drawing/2010/main">
+                <a:effectLst>
+                  <a:outerShdw dist="35921" dir="2700000" algn="ctr" rotWithShape="0">
+                    <a:schemeClr val="tx1">
+                      <a:alpha val="50000"/>
+                    </a:schemeClr>
+                  </a:outerShdw>
+                </a:effectLst>
+              </a14:hiddenEffects>
+            </a:ext>
+          </a:extLst>
+        </p:spPr>
+      </p:cxnSp>
+      <p:cxnSp>
+        <p:nvCxnSpPr>
+          <p:cNvPr id="33" name="直線矢印コネクタ 32"/>
+          <p:cNvCxnSpPr>
+            <a:stCxn id="30" idx="3"/>
+          </p:cNvCxnSpPr>
+          <p:nvPr/>
+        </p:nvCxnSpPr>
+        <p:spPr bwMode="auto">
+          <a:xfrm flipV="1">
+            <a:off x="5087723" y="5564837"/>
+            <a:ext cx="2408826" cy="0"/>
+          </a:xfrm>
+          <a:prstGeom prst="straightConnector1">
+            <a:avLst/>
+          </a:prstGeom>
+          <a:solidFill>
+            <a:schemeClr val="bg1"/>
+          </a:solidFill>
+          <a:ln w="38100" cap="flat" cmpd="sng" algn="ctr">
+            <a:solidFill>
+              <a:srgbClr val="FFC000"/>
+            </a:solidFill>
+            <a:prstDash val="solid"/>
+            <a:round/>
+            <a:headEnd type="none" w="med" len="med"/>
+            <a:tailEnd type="stealth"/>
+          </a:ln>
+          <a:effectLst/>
+          <a:extLst>
+            <a:ext uri="{AF507438-7753-43E0-B8FC-AC1667EBCBE1}">
+              <a14:hiddenEffects xmlns:a14="http://schemas.microsoft.com/office/drawing/2010/main">
+                <a:effectLst>
+                  <a:outerShdw dist="35921" dir="2700000" algn="ctr" rotWithShape="0">
+                    <a:schemeClr val="tx1">
+                      <a:alpha val="50000"/>
+                    </a:schemeClr>
+                  </a:outerShdw>
+                </a:effectLst>
+              </a14:hiddenEffects>
+            </a:ext>
+          </a:extLst>
+        </p:spPr>
+      </p:cxnSp>
+      <p:cxnSp>
+        <p:nvCxnSpPr>
+          <p:cNvPr id="34" name="直線矢印コネクタ 33"/>
+          <p:cNvCxnSpPr>
+            <a:stCxn id="30" idx="3"/>
+          </p:cNvCxnSpPr>
+          <p:nvPr/>
+        </p:nvCxnSpPr>
+        <p:spPr bwMode="auto">
+          <a:xfrm flipV="1">
+            <a:off x="5087723" y="4281646"/>
+            <a:ext cx="2423450" cy="1284994"/>
+          </a:xfrm>
+          <a:prstGeom prst="straightConnector1">
+            <a:avLst/>
+          </a:prstGeom>
+          <a:solidFill>
+            <a:schemeClr val="bg1"/>
+          </a:solidFill>
+          <a:ln w="38100" cap="flat" cmpd="sng" algn="ctr">
+            <a:solidFill>
+              <a:srgbClr val="FFC000"/>
+            </a:solidFill>
+            <a:prstDash val="solid"/>
+            <a:round/>
+            <a:headEnd type="none" w="med" len="med"/>
+            <a:tailEnd type="stealth"/>
+          </a:ln>
+          <a:effectLst/>
+          <a:extLst>
+            <a:ext uri="{AF507438-7753-43E0-B8FC-AC1667EBCBE1}">
+              <a14:hiddenEffects xmlns:a14="http://schemas.microsoft.com/office/drawing/2010/main">
+                <a:effectLst>
+                  <a:outerShdw dist="35921" dir="2700000" algn="ctr" rotWithShape="0">
+                    <a:schemeClr val="tx1">
+                      <a:alpha val="50000"/>
+                    </a:schemeClr>
+                  </a:outerShdw>
+                </a:effectLst>
+              </a14:hiddenEffects>
+            </a:ext>
+          </a:extLst>
+        </p:spPr>
+      </p:cxnSp>
+      <p:sp>
+        <p:nvSpPr>
+          <p:cNvPr id="35" name="角丸四角形 34"/>
+          <p:cNvSpPr/>
+          <p:nvPr/>
+        </p:nvSpPr>
+        <p:spPr bwMode="auto">
+          <a:xfrm>
+            <a:off x="5857019" y="4846622"/>
+            <a:ext cx="1451361" cy="464703"/>
+          </a:xfrm>
+          <a:prstGeom prst="roundRect">
+            <a:avLst/>
+          </a:prstGeom>
+          <a:solidFill>
+            <a:schemeClr val="bg1"/>
+          </a:solidFill>
+          <a:ln w="28575">
+            <a:solidFill>
+              <a:srgbClr val="7030A0"/>
+            </a:solidFill>
+          </a:ln>
+          <a:effectLst/>
+        </p:spPr>
+        <p:txBody>
+          <a:bodyPr rot="0" spcFirstLastPara="0" vertOverflow="overflow" horzOverflow="overflow" vert="horz" wrap="none" lIns="72000" tIns="72000" rIns="72000" bIns="72000" numCol="1" spcCol="0" rtlCol="0" fromWordArt="0" anchor="ctr" anchorCtr="0" forceAA="0" compatLnSpc="1">
+            <a:prstTxWarp prst="textNoShape">
+              <a:avLst/>
+            </a:prstTxWarp>
+            <a:noAutofit/>
+          </a:bodyPr>
+          <a:lstStyle/>
+          <a:p>
+            <a:pPr algn="ctr"/>
+            <a:r>
+              <a:rPr kumimoji="1" lang="en-US" altLang="ja-JP" sz="1200" b="1" dirty="0">
+                <a:solidFill>
+                  <a:srgbClr val="7030A0"/>
+                </a:solidFill>
+                <a:latin typeface="+mn-ea"/>
+              </a:rPr>
+              <a:t>Terraform Cloud</a:t>
+            </a:r>
+          </a:p>
+          <a:p>
+            <a:pPr algn="ctr"/>
+            <a:r>
+              <a:rPr lang="en-US" altLang="ja-JP" sz="1200" b="1" dirty="0">
+                <a:solidFill>
+                  <a:srgbClr val="7030A0"/>
+                </a:solidFill>
+                <a:latin typeface="+mn-ea"/>
+              </a:rPr>
+              <a:t>Agents</a:t>
+            </a:r>
+            <a:endParaRPr kumimoji="1" lang="ja-JP" altLang="en-US" sz="1200" b="1" dirty="0">
+              <a:solidFill>
+                <a:srgbClr val="7030A0"/>
+              </a:solidFill>
+              <a:latin typeface="+mn-ea"/>
+            </a:endParaRPr>
+          </a:p>
+        </p:txBody>
+      </p:sp>
+      <p:cxnSp>
+        <p:nvCxnSpPr>
+          <p:cNvPr id="36" name="直線矢印コネクタ 35"/>
+          <p:cNvCxnSpPr/>
+          <p:nvPr/>
+        </p:nvCxnSpPr>
+        <p:spPr bwMode="auto">
+          <a:xfrm>
+            <a:off x="5494087" y="4293136"/>
+            <a:ext cx="558886" cy="502983"/>
+          </a:xfrm>
+          <a:prstGeom prst="straightConnector1">
+            <a:avLst/>
+          </a:prstGeom>
+          <a:solidFill>
+            <a:schemeClr val="bg1"/>
+          </a:solidFill>
+          <a:ln w="38100" cap="flat" cmpd="sng" algn="ctr">
+            <a:solidFill>
+              <a:srgbClr val="FF0000"/>
+            </a:solidFill>
+            <a:prstDash val="solid"/>
+            <a:round/>
+            <a:headEnd type="triangle" w="med" len="med"/>
+            <a:tailEnd type="triangle"/>
+          </a:ln>
+          <a:effectLst/>
+          <a:extLst>
+            <a:ext uri="{AF507438-7753-43E0-B8FC-AC1667EBCBE1}">
+              <a14:hiddenEffects xmlns:a14="http://schemas.microsoft.com/office/drawing/2010/main">
+                <a:effectLst>
+                  <a:outerShdw dist="35921" dir="2700000" algn="ctr" rotWithShape="0">
+                    <a:schemeClr val="tx1">
+                      <a:alpha val="50000"/>
+                    </a:schemeClr>
+                  </a:outerShdw>
+                </a:effectLst>
+              </a14:hiddenEffects>
+            </a:ext>
+          </a:extLst>
+        </p:spPr>
+      </p:cxnSp>
+      <p:cxnSp>
+        <p:nvCxnSpPr>
+          <p:cNvPr id="37" name="直線矢印コネクタ 36"/>
+          <p:cNvCxnSpPr>
+            <a:stCxn id="35" idx="3"/>
+          </p:cNvCxnSpPr>
+          <p:nvPr/>
+        </p:nvCxnSpPr>
+        <p:spPr bwMode="auto">
+          <a:xfrm>
+            <a:off x="7308380" y="5078974"/>
+            <a:ext cx="244309" cy="186404"/>
+          </a:xfrm>
+          <a:prstGeom prst="straightConnector1">
+            <a:avLst/>
+          </a:prstGeom>
+          <a:solidFill>
+            <a:schemeClr val="bg1"/>
+          </a:solidFill>
+          <a:ln w="38100" cap="flat" cmpd="sng" algn="ctr">
+            <a:solidFill>
+              <a:srgbClr val="FF0000"/>
+            </a:solidFill>
+            <a:prstDash val="solid"/>
+            <a:round/>
+            <a:headEnd type="none" w="med" len="med"/>
+            <a:tailEnd type="triangle"/>
+          </a:ln>
+          <a:effectLst/>
+          <a:extLst>
+            <a:ext uri="{AF507438-7753-43E0-B8FC-AC1667EBCBE1}">
+              <a14:hiddenEffects xmlns:a14="http://schemas.microsoft.com/office/drawing/2010/main">
+                <a:effectLst>
+                  <a:outerShdw dist="35921" dir="2700000" algn="ctr" rotWithShape="0">
+                    <a:schemeClr val="tx1">
+                      <a:alpha val="50000"/>
+                    </a:schemeClr>
+                  </a:outerShdw>
+                </a:effectLst>
+              </a14:hiddenEffects>
+            </a:ext>
+          </a:extLst>
+        </p:spPr>
+      </p:cxnSp>
       <p:pic>
         <p:nvPicPr>
-          <p:cNvPr id="29" name="図 28"/>
+          <p:cNvPr id="38" name="図 37"/>
           <p:cNvPicPr>
             <a:picLocks noChangeAspect="1"/>
           </p:cNvPicPr>
@@ -10417,31 +10847,27 @@
         </p:blipFill>
         <p:spPr>
           <a:xfrm>
-            <a:off x="4231880" y="5119537"/>
-            <a:ext cx="850166" cy="708472"/>
+            <a:off x="1331550" y="5201898"/>
+            <a:ext cx="729484" cy="729484"/>
           </a:xfrm>
           <a:prstGeom prst="rect">
             <a:avLst/>
           </a:prstGeom>
-          <a:ln w="38100">
-            <a:solidFill>
-              <a:schemeClr val="bg2">
-                <a:lumMod val="65000"/>
-              </a:schemeClr>
-            </a:solidFill>
-          </a:ln>
         </p:spPr>
       </p:pic>
       <p:cxnSp>
         <p:nvCxnSpPr>
-          <p:cNvPr id="43" name="直線矢印コネクタ 42"/>
-          <p:cNvCxnSpPr/>
+          <p:cNvPr id="39" name="直線矢印コネクタ 38"/>
+          <p:cNvCxnSpPr>
+            <a:stCxn id="38" idx="3"/>
+            <a:endCxn id="24" idx="1"/>
+          </p:cNvCxnSpPr>
           <p:nvPr/>
         </p:nvCxnSpPr>
         <p:spPr bwMode="auto">
-          <a:xfrm>
-            <a:off x="5769594" y="3212970"/>
-            <a:ext cx="1938919" cy="431980"/>
+          <a:xfrm flipV="1">
+            <a:off x="2061034" y="3980522"/>
+            <a:ext cx="1413441" cy="1586118"/>
           </a:xfrm>
           <a:prstGeom prst="straightConnector1">
             <a:avLst/>
@@ -10474,212 +10900,6 @@
           </a:extLst>
         </p:spPr>
       </p:cxnSp>
-      <p:cxnSp>
-        <p:nvCxnSpPr>
-          <p:cNvPr id="46" name="直線矢印コネクタ 45"/>
-          <p:cNvCxnSpPr/>
-          <p:nvPr/>
-        </p:nvCxnSpPr>
-        <p:spPr bwMode="auto">
-          <a:xfrm>
-            <a:off x="5769594" y="3644950"/>
-            <a:ext cx="1952252" cy="1296314"/>
-          </a:xfrm>
-          <a:prstGeom prst="straightConnector1">
-            <a:avLst/>
-          </a:prstGeom>
-          <a:solidFill>
-            <a:schemeClr val="bg1"/>
-          </a:solidFill>
-          <a:ln w="38100" cap="flat" cmpd="sng" algn="ctr">
-            <a:solidFill>
-              <a:srgbClr val="002B62"/>
-            </a:solidFill>
-            <a:prstDash val="solid"/>
-            <a:round/>
-            <a:headEnd type="none" w="med" len="med"/>
-            <a:tailEnd type="stealth"/>
-          </a:ln>
-          <a:effectLst/>
-          <a:extLst>
-            <a:ext uri="{AF507438-7753-43E0-B8FC-AC1667EBCBE1}">
-              <a14:hiddenEffects xmlns:a14="http://schemas.microsoft.com/office/drawing/2010/main">
-                <a:effectLst>
-                  <a:outerShdw dist="35921" dir="2700000" algn="ctr" rotWithShape="0">
-                    <a:schemeClr val="tx1">
-                      <a:alpha val="50000"/>
-                    </a:schemeClr>
-                  </a:outerShdw>
-                </a:effectLst>
-              </a14:hiddenEffects>
-            </a:ext>
-          </a:extLst>
-        </p:spPr>
-      </p:cxnSp>
-      <p:cxnSp>
-        <p:nvCxnSpPr>
-          <p:cNvPr id="55" name="直線矢印コネクタ 54"/>
-          <p:cNvCxnSpPr/>
-          <p:nvPr/>
-        </p:nvCxnSpPr>
-        <p:spPr bwMode="auto">
-          <a:xfrm flipV="1">
-            <a:off x="1812309" y="5349595"/>
-            <a:ext cx="2338623" cy="7021"/>
-          </a:xfrm>
-          <a:prstGeom prst="straightConnector1">
-            <a:avLst/>
-          </a:prstGeom>
-          <a:solidFill>
-            <a:schemeClr val="bg1"/>
-          </a:solidFill>
-          <a:ln w="38100" cap="flat" cmpd="sng" algn="ctr">
-            <a:solidFill>
-              <a:srgbClr val="002B62"/>
-            </a:solidFill>
-            <a:prstDash val="solid"/>
-            <a:round/>
-            <a:headEnd type="none" w="med" len="med"/>
-            <a:tailEnd type="stealth"/>
-          </a:ln>
-          <a:effectLst/>
-          <a:extLst>
-            <a:ext uri="{AF507438-7753-43E0-B8FC-AC1667EBCBE1}">
-              <a14:hiddenEffects xmlns:a14="http://schemas.microsoft.com/office/drawing/2010/main">
-                <a:effectLst>
-                  <a:outerShdw dist="35921" dir="2700000" algn="ctr" rotWithShape="0">
-                    <a:schemeClr val="tx1">
-                      <a:alpha val="50000"/>
-                    </a:schemeClr>
-                  </a:outerShdw>
-                </a:effectLst>
-              </a14:hiddenEffects>
-            </a:ext>
-          </a:extLst>
-        </p:spPr>
-      </p:cxnSp>
-      <p:cxnSp>
-        <p:nvCxnSpPr>
-          <p:cNvPr id="59" name="直線矢印コネクタ 58"/>
-          <p:cNvCxnSpPr/>
-          <p:nvPr/>
-        </p:nvCxnSpPr>
-        <p:spPr bwMode="auto">
-          <a:xfrm>
-            <a:off x="5082046" y="5356616"/>
-            <a:ext cx="2528788" cy="61327"/>
-          </a:xfrm>
-          <a:prstGeom prst="straightConnector1">
-            <a:avLst/>
-          </a:prstGeom>
-          <a:solidFill>
-            <a:schemeClr val="bg1"/>
-          </a:solidFill>
-          <a:ln w="38100" cap="flat" cmpd="sng" algn="ctr">
-            <a:solidFill>
-              <a:srgbClr val="002B62"/>
-            </a:solidFill>
-            <a:prstDash val="solid"/>
-            <a:round/>
-            <a:headEnd type="none" w="med" len="med"/>
-            <a:tailEnd type="stealth"/>
-          </a:ln>
-          <a:effectLst/>
-          <a:extLst>
-            <a:ext uri="{AF507438-7753-43E0-B8FC-AC1667EBCBE1}">
-              <a14:hiddenEffects xmlns:a14="http://schemas.microsoft.com/office/drawing/2010/main">
-                <a:effectLst>
-                  <a:outerShdw dist="35921" dir="2700000" algn="ctr" rotWithShape="0">
-                    <a:schemeClr val="tx1">
-                      <a:alpha val="50000"/>
-                    </a:schemeClr>
-                  </a:outerShdw>
-                </a:effectLst>
-              </a14:hiddenEffects>
-            </a:ext>
-          </a:extLst>
-        </p:spPr>
-      </p:cxnSp>
-      <p:cxnSp>
-        <p:nvCxnSpPr>
-          <p:cNvPr id="63" name="直線矢印コネクタ 62"/>
-          <p:cNvCxnSpPr/>
-          <p:nvPr/>
-        </p:nvCxnSpPr>
-        <p:spPr bwMode="auto">
-          <a:xfrm flipV="1">
-            <a:off x="5082046" y="4071894"/>
-            <a:ext cx="2626467" cy="1047643"/>
-          </a:xfrm>
-          <a:prstGeom prst="straightConnector1">
-            <a:avLst/>
-          </a:prstGeom>
-          <a:solidFill>
-            <a:schemeClr val="bg1"/>
-          </a:solidFill>
-          <a:ln w="38100" cap="flat" cmpd="sng" algn="ctr">
-            <a:solidFill>
-              <a:srgbClr val="002B62"/>
-            </a:solidFill>
-            <a:prstDash val="solid"/>
-            <a:round/>
-            <a:headEnd type="none" w="med" len="med"/>
-            <a:tailEnd type="stealth"/>
-          </a:ln>
-          <a:effectLst/>
-          <a:extLst>
-            <a:ext uri="{AF507438-7753-43E0-B8FC-AC1667EBCBE1}">
-              <a14:hiddenEffects xmlns:a14="http://schemas.microsoft.com/office/drawing/2010/main">
-                <a:effectLst>
-                  <a:outerShdw dist="35921" dir="2700000" algn="ctr" rotWithShape="0">
-                    <a:schemeClr val="tx1">
-                      <a:alpha val="50000"/>
-                    </a:schemeClr>
-                  </a:outerShdw>
-                </a:effectLst>
-              </a14:hiddenEffects>
-            </a:ext>
-          </a:extLst>
-        </p:spPr>
-      </p:cxnSp>
-      <p:sp>
-        <p:nvSpPr>
-          <p:cNvPr id="21" name="テキスト ボックス 20"/>
-          <p:cNvSpPr txBox="1"/>
-          <p:nvPr/>
-        </p:nvSpPr>
-        <p:spPr>
-          <a:xfrm>
-            <a:off x="56231" y="3056626"/>
-            <a:ext cx="461665" cy="1561805"/>
-          </a:xfrm>
-          <a:prstGeom prst="rect">
-            <a:avLst/>
-          </a:prstGeom>
-          <a:noFill/>
-        </p:spPr>
-        <p:txBody>
-          <a:bodyPr vert="eaVert" wrap="square" rtlCol="0">
-            <a:spAutoFit/>
-          </a:bodyPr>
-          <a:lstStyle/>
-          <a:p>
-            <a:r>
-              <a:rPr kumimoji="1" lang="en-US" altLang="ja-JP" b="1" dirty="0" smtClean="0">
-                <a:solidFill>
-                  <a:srgbClr val="002B62"/>
-                </a:solidFill>
-              </a:rPr>
-              <a:t>Cloud</a:t>
-            </a:r>
-            <a:endParaRPr kumimoji="1" lang="ja-JP" altLang="en-US" b="1" dirty="0">
-              <a:solidFill>
-                <a:srgbClr val="002B62"/>
-              </a:solidFill>
-            </a:endParaRPr>
-          </a:p>
-        </p:txBody>
-      </p:sp>
     </p:spTree>
     <p:extLst>
       <p:ext uri="{BB962C8B-B14F-4D97-AF65-F5344CB8AC3E}">
@@ -10719,6 +10939,65 @@
       </p:grpSpPr>
       <p:sp>
         <p:nvSpPr>
+          <p:cNvPr id="34" name="角丸四角形吹き出し 33"/>
+          <p:cNvSpPr/>
+          <p:nvPr/>
+        </p:nvSpPr>
+        <p:spPr bwMode="auto">
+          <a:xfrm>
+            <a:off x="2590586" y="5527887"/>
+            <a:ext cx="3888540" cy="916916"/>
+          </a:xfrm>
+          <a:prstGeom prst="wedgeRoundRectCallout">
+            <a:avLst>
+              <a:gd name="adj1" fmla="val 30272"/>
+              <a:gd name="adj2" fmla="val -71728"/>
+              <a:gd name="adj3" fmla="val 16667"/>
+            </a:avLst>
+          </a:prstGeom>
+          <a:solidFill>
+            <a:schemeClr val="bg1"/>
+          </a:solidFill>
+          <a:ln w="28575">
+            <a:solidFill>
+              <a:srgbClr val="002B62"/>
+            </a:solidFill>
+          </a:ln>
+          <a:effectLst/>
+        </p:spPr>
+        <p:txBody>
+          <a:bodyPr rot="0" spcFirstLastPara="0" vertOverflow="overflow" horzOverflow="overflow" vert="horz" wrap="none" lIns="72000" tIns="72000" rIns="72000" bIns="72000" numCol="1" spcCol="0" rtlCol="0" fromWordArt="0" anchor="ctr" anchorCtr="0" forceAA="0" compatLnSpc="1">
+            <a:prstTxWarp prst="textNoShape">
+              <a:avLst/>
+            </a:prstTxWarp>
+            <a:noAutofit/>
+          </a:bodyPr>
+          <a:lstStyle/>
+          <a:p>
+            <a:pPr algn="ctr"/>
+            <a:r>
+              <a:rPr lang="en-US" altLang="ja-JP" sz="1600" b="1" dirty="0" smtClean="0">
+                <a:latin typeface="+mn-ea"/>
+              </a:rPr>
+              <a:t>Cannot connect, meaning that it </a:t>
+            </a:r>
+          </a:p>
+          <a:p>
+            <a:pPr algn="ctr"/>
+            <a:r>
+              <a:rPr lang="en-US" altLang="ja-JP" sz="1600" b="1" dirty="0" smtClean="0">
+                <a:latin typeface="+mn-ea"/>
+              </a:rPr>
+              <a:t>Can’t be configured with Ansible.</a:t>
+            </a:r>
+            <a:endParaRPr kumimoji="1" lang="ja-JP" altLang="en-US" sz="1600" b="1" dirty="0">
+              <a:latin typeface="+mn-ea"/>
+            </a:endParaRPr>
+          </a:p>
+        </p:txBody>
+      </p:sp>
+      <p:sp>
+        <p:nvSpPr>
           <p:cNvPr id="2" name="タイトル 1"/>
           <p:cNvSpPr>
             <a:spLocks noGrp="1"/>
@@ -10782,21 +11061,58 @@
             <a:pPr lvl="1"/>
             <a:r>
               <a:rPr lang="en-US" altLang="ja-JP" sz="1800" dirty="0" smtClean="0"/>
-              <a:t>If you implemented Ansible to the Cloud system side, you will only be able to provision and configure cloud systems.</a:t>
-            </a:r>
+              <a:t>If you implemented Ansible to the Cloud system side, you will only be able to provision and </a:t>
+            </a:r>
+            <a:r>
+              <a:rPr lang="en-US" altLang="ja-JP" sz="1800" dirty="0" smtClean="0"/>
+              <a:t>configure </a:t>
+            </a:r>
+            <a:r>
+              <a:rPr lang="en-US" altLang="ja-JP" sz="1800" dirty="0" smtClean="0"/>
+              <a:t>cloud systems</a:t>
+            </a:r>
+            <a:r>
+              <a:rPr lang="en-US" altLang="ja-JP" sz="1800" dirty="0" smtClean="0"/>
+              <a:t>.</a:t>
+            </a:r>
+          </a:p>
+          <a:p>
+            <a:pPr lvl="1"/>
+            <a:r>
+              <a:rPr lang="en-US" altLang="ja-JP" sz="1800" dirty="0"/>
+              <a:t>It is possible to provision the </a:t>
+            </a:r>
+            <a:r>
+              <a:rPr lang="en-US" altLang="ja-JP" sz="1800" dirty="0" err="1"/>
+              <a:t>on-premise</a:t>
+            </a:r>
+            <a:r>
+              <a:rPr lang="en-US" altLang="ja-JP" sz="1800" dirty="0"/>
+              <a:t> systems by implementing Terraform Cloud Agents.</a:t>
+            </a:r>
+          </a:p>
+          <a:p>
+            <a:pPr lvl="1"/>
+            <a:endParaRPr lang="en-US" altLang="ja-JP" sz="1800" dirty="0" smtClean="0"/>
           </a:p>
         </p:txBody>
       </p:sp>
       <p:sp>
         <p:nvSpPr>
-          <p:cNvPr id="62" name="テキスト ボックス 61"/>
+          <p:cNvPr id="17" name="テキスト ボックス 16">
+            <a:extLst>
+              <a:ext uri="{FF2B5EF4-FFF2-40B4-BE49-F238E27FC236}">
+                <a16:creationId xmlns:a16="http://schemas.microsoft.com/office/drawing/2014/main" id="{B428B0E1-7AFB-46FE-B8F3-DAD6548B0ACF}"/>
+              </a:ext>
+            </a:extLst>
+          </p:cNvPr>
           <p:cNvSpPr txBox="1"/>
           <p:nvPr/>
         </p:nvSpPr>
         <p:spPr>
           <a:xfrm>
-            <a:off x="7606893" y="2583691"/>
-            <a:ext cx="883512" cy="307777"/>
+            <a:off x="365815" y="4516677"/>
+            <a:ext cx="461665" cy="1561805"/>
           </a:xfrm>
           <a:prstGeom prst="rect">
             <a:avLst/>
@@ -10804,21 +11120,20 @@
           <a:noFill/>
         </p:spPr>
         <p:txBody>
-          <a:bodyPr wrap="none" rtlCol="0">
+          <a:bodyPr vert="eaVert" wrap="square" rtlCol="0">
             <a:spAutoFit/>
           </a:bodyPr>
           <a:lstStyle/>
           <a:p>
-            <a:pPr algn="ctr"/>
-            <a:r>
-              <a:rPr lang="en-US" altLang="ja-JP" sz="1400" b="1" dirty="0" smtClean="0">
+            <a:r>
+              <a:rPr kumimoji="1" lang="en-US" altLang="ja-JP" b="1" dirty="0" smtClean="0">
                 <a:solidFill>
                   <a:srgbClr val="002B62"/>
                 </a:solidFill>
               </a:rPr>
-              <a:t>System</a:t>
-            </a:r>
-            <a:endParaRPr lang="ja-JP" altLang="en-US" sz="1400" b="1" dirty="0">
+              <a:t>On-Premise</a:t>
+            </a:r>
+            <a:endParaRPr kumimoji="1" lang="ja-JP" altLang="en-US" b="1" dirty="0">
               <a:solidFill>
                 <a:srgbClr val="002B62"/>
               </a:solidFill>
@@ -10826,16 +11141,68 @@
           </a:p>
         </p:txBody>
       </p:sp>
+      <p:sp>
+        <p:nvSpPr>
+          <p:cNvPr id="18" name="テキスト ボックス 17">
+            <a:extLst>
+              <a:ext uri="{FF2B5EF4-FFF2-40B4-BE49-F238E27FC236}">
+                <a16:creationId xmlns:a16="http://schemas.microsoft.com/office/drawing/2014/main" id="{100A989E-83CA-4A50-A7F8-6B5539ED1AAB}"/>
+              </a:ext>
+            </a:extLst>
+          </p:cNvPr>
+          <p:cNvSpPr txBox="1"/>
+          <p:nvPr/>
+        </p:nvSpPr>
+        <p:spPr>
+          <a:xfrm>
+            <a:off x="365815" y="3234254"/>
+            <a:ext cx="461665" cy="1173407"/>
+          </a:xfrm>
+          <a:prstGeom prst="rect">
+            <a:avLst/>
+          </a:prstGeom>
+          <a:noFill/>
+        </p:spPr>
+        <p:txBody>
+          <a:bodyPr vert="eaVert" wrap="square" rtlCol="0">
+            <a:spAutoFit/>
+          </a:bodyPr>
+          <a:lstStyle/>
+          <a:p>
+            <a:r>
+              <a:rPr kumimoji="1" lang="en-US" altLang="ja-JP" b="1" dirty="0" smtClean="0">
+                <a:solidFill>
+                  <a:srgbClr val="002B62"/>
+                </a:solidFill>
+              </a:rPr>
+              <a:t>Cloud</a:t>
+            </a:r>
+            <a:endParaRPr kumimoji="1" lang="ja-JP" altLang="en-US" b="1" dirty="0">
+              <a:solidFill>
+                <a:srgbClr val="002B62"/>
+              </a:solidFill>
+            </a:endParaRPr>
+          </a:p>
+        </p:txBody>
+      </p:sp>
       <p:cxnSp>
         <p:nvCxnSpPr>
-          <p:cNvPr id="69" name="直線コネクタ 68"/>
-          <p:cNvCxnSpPr/>
+          <p:cNvPr id="19" name="直線コネクタ 18">
+            <a:extLst>
+              <a:ext uri="{FF2B5EF4-FFF2-40B4-BE49-F238E27FC236}">
+                <a16:creationId xmlns:a16="http://schemas.microsoft.com/office/drawing/2014/main" id="{59DF1841-88BF-4F18-A7DB-8745D44C404A}"/>
+              </a:ext>
+            </a:extLst>
+          </p:cNvPr>
+          <p:cNvCxnSpPr>
+            <a:cxnSpLocks/>
+          </p:cNvCxnSpPr>
           <p:nvPr/>
         </p:nvCxnSpPr>
         <p:spPr bwMode="auto">
           <a:xfrm>
-            <a:off x="264963" y="4461199"/>
-            <a:ext cx="8784001" cy="0"/>
+            <a:off x="468640" y="4403797"/>
+            <a:ext cx="8388000" cy="0"/>
           </a:xfrm>
           <a:prstGeom prst="line">
             <a:avLst/>
@@ -10870,7 +11237,7 @@
       </p:cxnSp>
       <p:sp>
         <p:nvSpPr>
-          <p:cNvPr id="76" name="Oval 97"/>
+          <p:cNvPr id="20" name="Oval 97"/>
           <p:cNvSpPr>
             <a:spLocks noChangeAspect="1" noChangeArrowheads="1"/>
           </p:cNvSpPr>
@@ -10878,7 +11245,7 @@
         </p:nvSpPr>
         <p:spPr bwMode="gray">
           <a:xfrm>
-            <a:off x="7708513" y="3554005"/>
+            <a:off x="7708513" y="3436951"/>
             <a:ext cx="680272" cy="621884"/>
           </a:xfrm>
           <a:custGeom>
@@ -10956,7 +11323,6 @@
           <a:ln>
             <a:noFill/>
           </a:ln>
-          <a:extLst/>
         </p:spPr>
         <p:txBody>
           <a:bodyPr vert="horz" wrap="square" lIns="91440" tIns="45720" rIns="91440" bIns="45720" numCol="1" anchor="t" anchorCtr="0" compatLnSpc="1">
@@ -10974,54 +11340,19 @@
           </a:p>
         </p:txBody>
       </p:sp>
-      <p:sp>
-        <p:nvSpPr>
-          <p:cNvPr id="88" name="テキスト ボックス 87"/>
-          <p:cNvSpPr txBox="1"/>
-          <p:nvPr/>
-        </p:nvSpPr>
-        <p:spPr>
-          <a:xfrm>
-            <a:off x="56231" y="4811618"/>
-            <a:ext cx="461665" cy="1561805"/>
-          </a:xfrm>
-          <a:prstGeom prst="rect">
-            <a:avLst/>
-          </a:prstGeom>
-          <a:noFill/>
-        </p:spPr>
-        <p:txBody>
-          <a:bodyPr vert="eaVert" wrap="square" rtlCol="0">
-            <a:spAutoFit/>
-          </a:bodyPr>
-          <a:lstStyle/>
-          <a:p>
-            <a:r>
-              <a:rPr kumimoji="1" lang="en-US" altLang="ja-JP" b="1" dirty="0" smtClean="0">
-                <a:solidFill>
-                  <a:srgbClr val="002B62"/>
-                </a:solidFill>
-              </a:rPr>
-              <a:t>On-Premise</a:t>
-            </a:r>
-            <a:endParaRPr kumimoji="1" lang="ja-JP" altLang="en-US" b="1" dirty="0">
-              <a:solidFill>
-                <a:srgbClr val="002B62"/>
-              </a:solidFill>
-            </a:endParaRPr>
-          </a:p>
-        </p:txBody>
-      </p:sp>
       <p:cxnSp>
         <p:nvCxnSpPr>
-          <p:cNvPr id="90" name="直線矢印コネクタ 89"/>
-          <p:cNvCxnSpPr/>
+          <p:cNvPr id="21" name="直線矢印コネクタ 20"/>
+          <p:cNvCxnSpPr>
+            <a:stCxn id="39" idx="3"/>
+            <a:endCxn id="23" idx="1"/>
+          </p:cNvCxnSpPr>
           <p:nvPr/>
         </p:nvCxnSpPr>
         <p:spPr bwMode="auto">
           <a:xfrm flipV="1">
-            <a:off x="1867334" y="2906724"/>
-            <a:ext cx="1572455" cy="2070012"/>
+            <a:off x="2240089" y="3912386"/>
+            <a:ext cx="1870823" cy="1478326"/>
           </a:xfrm>
           <a:prstGeom prst="straightConnector1">
             <a:avLst/>
@@ -11031,7 +11362,7 @@
           </a:solidFill>
           <a:ln w="38100" cap="flat" cmpd="sng" algn="ctr">
             <a:solidFill>
-              <a:srgbClr val="002B62"/>
+              <a:srgbClr val="FFC000"/>
             </a:solidFill>
             <a:prstDash val="solid"/>
             <a:round/>
@@ -11054,95 +11385,61 @@
           </a:extLst>
         </p:spPr>
       </p:cxnSp>
-      <p:cxnSp>
-        <p:nvCxnSpPr>
-          <p:cNvPr id="43" name="直線矢印コネクタ 42"/>
-          <p:cNvCxnSpPr>
-            <a:stCxn id="28" idx="3"/>
-          </p:cNvCxnSpPr>
+      <p:sp>
+        <p:nvSpPr>
+          <p:cNvPr id="22" name="角丸四角形 21"/>
+          <p:cNvSpPr/>
           <p:nvPr/>
-        </p:nvCxnSpPr>
+        </p:nvSpPr>
         <p:spPr bwMode="auto">
           <a:xfrm>
-            <a:off x="5816119" y="2906724"/>
-            <a:ext cx="1892394" cy="738226"/>
-          </a:xfrm>
-          <a:prstGeom prst="straightConnector1">
+            <a:off x="3347830" y="2844642"/>
+            <a:ext cx="2376330" cy="576080"/>
+          </a:xfrm>
+          <a:prstGeom prst="roundRect">
             <a:avLst/>
           </a:prstGeom>
           <a:solidFill>
             <a:schemeClr val="bg1"/>
           </a:solidFill>
-          <a:ln w="38100" cap="flat" cmpd="sng" algn="ctr">
+          <a:ln w="28575">
             <a:solidFill>
-              <a:srgbClr val="002B62"/>
+              <a:srgbClr val="7030A0"/>
             </a:solidFill>
-            <a:prstDash val="solid"/>
-            <a:round/>
-            <a:headEnd type="none" w="med" len="med"/>
-            <a:tailEnd type="stealth"/>
           </a:ln>
           <a:effectLst/>
-          <a:extLst>
-            <a:ext uri="{AF507438-7753-43E0-B8FC-AC1667EBCBE1}">
-              <a14:hiddenEffects xmlns:a14="http://schemas.microsoft.com/office/drawing/2010/main">
-                <a:effectLst>
-                  <a:outerShdw dist="35921" dir="2700000" algn="ctr" rotWithShape="0">
-                    <a:schemeClr val="tx1">
-                      <a:alpha val="50000"/>
-                    </a:schemeClr>
-                  </a:outerShdw>
-                </a:effectLst>
-              </a14:hiddenEffects>
-            </a:ext>
-          </a:extLst>
-        </p:spPr>
-      </p:cxnSp>
-      <p:cxnSp>
-        <p:nvCxnSpPr>
-          <p:cNvPr id="55" name="直線矢印コネクタ 54"/>
-          <p:cNvCxnSpPr/>
-          <p:nvPr/>
-        </p:nvCxnSpPr>
-        <p:spPr bwMode="auto">
-          <a:xfrm flipV="1">
-            <a:off x="1988535" y="3895901"/>
-            <a:ext cx="2157895" cy="1453695"/>
-          </a:xfrm>
-          <a:prstGeom prst="straightConnector1">
-            <a:avLst/>
-          </a:prstGeom>
-          <a:solidFill>
-            <a:schemeClr val="bg1"/>
-          </a:solidFill>
-          <a:ln w="38100" cap="flat" cmpd="sng" algn="ctr">
-            <a:solidFill>
-              <a:srgbClr val="002B62"/>
-            </a:solidFill>
-            <a:prstDash val="solid"/>
-            <a:round/>
-            <a:headEnd type="none" w="med" len="med"/>
-            <a:tailEnd type="stealth"/>
-          </a:ln>
-          <a:effectLst/>
-          <a:extLst>
-            <a:ext uri="{AF507438-7753-43E0-B8FC-AC1667EBCBE1}">
-              <a14:hiddenEffects xmlns:a14="http://schemas.microsoft.com/office/drawing/2010/main">
-                <a:effectLst>
-                  <a:outerShdw dist="35921" dir="2700000" algn="ctr" rotWithShape="0">
-                    <a:schemeClr val="tx1">
-                      <a:alpha val="50000"/>
-                    </a:schemeClr>
-                  </a:outerShdw>
-                </a:effectLst>
-              </a14:hiddenEffects>
-            </a:ext>
-          </a:extLst>
-        </p:spPr>
-      </p:cxnSp>
+        </p:spPr>
+        <p:txBody>
+          <a:bodyPr rot="0" spcFirstLastPara="0" vertOverflow="overflow" horzOverflow="overflow" vert="horz" wrap="none" lIns="72000" tIns="72000" rIns="72000" bIns="72000" numCol="1" spcCol="0" rtlCol="0" fromWordArt="0" anchor="ctr" anchorCtr="0" forceAA="0" compatLnSpc="1">
+            <a:prstTxWarp prst="textNoShape">
+              <a:avLst/>
+            </a:prstTxWarp>
+            <a:noAutofit/>
+          </a:bodyPr>
+          <a:lstStyle/>
+          <a:p>
+            <a:pPr algn="ctr"/>
+            <a:r>
+              <a:rPr kumimoji="1" lang="en-US" altLang="ja-JP" sz="1400" b="1" dirty="0">
+                <a:solidFill>
+                  <a:srgbClr val="7030A0"/>
+                </a:solidFill>
+                <a:latin typeface="+mn-ea"/>
+              </a:rPr>
+              <a:t>Terraform Cloud</a:t>
+            </a:r>
+            <a:endParaRPr kumimoji="1" lang="ja-JP" altLang="en-US" sz="1400" b="1" dirty="0">
+              <a:solidFill>
+                <a:srgbClr val="7030A0"/>
+              </a:solidFill>
+              <a:latin typeface="+mn-ea"/>
+            </a:endParaRPr>
+          </a:p>
+        </p:txBody>
+      </p:sp>
       <p:pic>
         <p:nvPicPr>
-          <p:cNvPr id="27" name="図 26"/>
+          <p:cNvPr id="23" name="図 22"/>
           <p:cNvPicPr>
             <a:picLocks noChangeAspect="1"/>
           </p:cNvPicPr>
@@ -11162,90 +11459,7 @@
         </p:blipFill>
         <p:spPr>
           <a:xfrm>
-            <a:off x="1082825" y="5091765"/>
-            <a:ext cx="729484" cy="729484"/>
-          </a:xfrm>
-          <a:prstGeom prst="rect">
-            <a:avLst/>
-          </a:prstGeom>
-        </p:spPr>
-      </p:pic>
-      <p:sp>
-        <p:nvSpPr>
-          <p:cNvPr id="28" name="角丸四角形 27"/>
-          <p:cNvSpPr/>
-          <p:nvPr/>
-        </p:nvSpPr>
-        <p:spPr bwMode="auto">
-          <a:xfrm>
-            <a:off x="3439789" y="2618684"/>
-            <a:ext cx="2376330" cy="576080"/>
-          </a:xfrm>
-          <a:prstGeom prst="roundRect">
-            <a:avLst/>
-          </a:prstGeom>
-          <a:solidFill>
-            <a:schemeClr val="bg1"/>
-          </a:solidFill>
-          <a:ln w="28575">
-            <a:solidFill>
-              <a:srgbClr val="7030A0"/>
-            </a:solidFill>
-          </a:ln>
-          <a:effectLst/>
-          <a:extLst/>
-        </p:spPr>
-        <p:txBody>
-          <a:bodyPr rot="0" spcFirstLastPara="0" vertOverflow="overflow" horzOverflow="overflow" vert="horz" wrap="none" lIns="72000" tIns="72000" rIns="72000" bIns="72000" numCol="1" spcCol="0" rtlCol="0" fromWordArt="0" anchor="ctr" anchorCtr="0" forceAA="0" compatLnSpc="1">
-            <a:prstTxWarp prst="textNoShape">
-              <a:avLst/>
-            </a:prstTxWarp>
-            <a:noAutofit/>
-          </a:bodyPr>
-          <a:lstStyle/>
-          <a:p>
-            <a:pPr algn="ctr"/>
-            <a:r>
-              <a:rPr kumimoji="1" lang="en-US" altLang="ja-JP" sz="1400" b="1" dirty="0" smtClean="0">
-                <a:solidFill>
-                  <a:srgbClr val="7030A0"/>
-                </a:solidFill>
-                <a:latin typeface="+mn-ea"/>
-              </a:rPr>
-              <a:t>Terraform Cloud</a:t>
-            </a:r>
-            <a:endParaRPr kumimoji="1" lang="ja-JP" altLang="en-US" sz="1400" b="1" dirty="0" smtClean="0">
-              <a:solidFill>
-                <a:srgbClr val="7030A0"/>
-              </a:solidFill>
-              <a:latin typeface="+mn-ea"/>
-            </a:endParaRPr>
-          </a:p>
-        </p:txBody>
-      </p:sp>
-      <p:pic>
-        <p:nvPicPr>
-          <p:cNvPr id="30" name="図 29"/>
-          <p:cNvPicPr>
-            <a:picLocks noChangeAspect="1"/>
-          </p:cNvPicPr>
-          <p:nvPr/>
-        </p:nvPicPr>
-        <p:blipFill>
-          <a:blip r:embed="rId3">
-            <a:extLst>
-              <a:ext uri="{28A0092B-C50C-407E-A947-70E740481C1C}">
-                <a14:useLocalDpi xmlns:a14="http://schemas.microsoft.com/office/drawing/2010/main" val="0"/>
-              </a:ext>
-            </a:extLst>
-          </a:blip>
-          <a:stretch>
-            <a:fillRect/>
-          </a:stretch>
-        </p:blipFill>
-        <p:spPr>
-          <a:xfrm>
-            <a:off x="4146430" y="3541665"/>
+            <a:off x="4110912" y="3558150"/>
             <a:ext cx="850166" cy="708472"/>
           </a:xfrm>
           <a:prstGeom prst="rect">
@@ -11260,615 +11474,15 @@
           </a:ln>
         </p:spPr>
       </p:pic>
-      <p:cxnSp>
-        <p:nvCxnSpPr>
-          <p:cNvPr id="31" name="直線矢印コネクタ 30"/>
-          <p:cNvCxnSpPr/>
-          <p:nvPr/>
-        </p:nvCxnSpPr>
-        <p:spPr bwMode="auto">
-          <a:xfrm>
-            <a:off x="4996596" y="3895901"/>
-            <a:ext cx="2711917" cy="37169"/>
-          </a:xfrm>
-          <a:prstGeom prst="straightConnector1">
-            <a:avLst/>
-          </a:prstGeom>
-          <a:solidFill>
-            <a:schemeClr val="bg1"/>
-          </a:solidFill>
-          <a:ln w="38100" cap="flat" cmpd="sng" algn="ctr">
-            <a:solidFill>
-              <a:srgbClr val="002B62"/>
-            </a:solidFill>
-            <a:prstDash val="solid"/>
-            <a:round/>
-            <a:headEnd type="none" w="med" len="med"/>
-            <a:tailEnd type="triangle"/>
-          </a:ln>
-          <a:effectLst/>
-          <a:extLst>
-            <a:ext uri="{AF507438-7753-43E0-B8FC-AC1667EBCBE1}">
-              <a14:hiddenEffects xmlns:a14="http://schemas.microsoft.com/office/drawing/2010/main">
-                <a:effectLst>
-                  <a:outerShdw dist="35921" dir="2700000" algn="ctr" rotWithShape="0">
-                    <a:schemeClr val="tx1">
-                      <a:alpha val="50000"/>
-                    </a:schemeClr>
-                  </a:outerShdw>
-                </a:effectLst>
-              </a14:hiddenEffects>
-            </a:ext>
-          </a:extLst>
-        </p:spPr>
-      </p:cxnSp>
       <p:sp>
         <p:nvSpPr>
-          <p:cNvPr id="16" name="テキスト ボックス 15"/>
-          <p:cNvSpPr txBox="1"/>
-          <p:nvPr/>
-        </p:nvSpPr>
-        <p:spPr>
-          <a:xfrm>
-            <a:off x="56231" y="3056626"/>
-            <a:ext cx="461665" cy="1561805"/>
-          </a:xfrm>
-          <a:prstGeom prst="rect">
-            <a:avLst/>
-          </a:prstGeom>
-          <a:noFill/>
-        </p:spPr>
-        <p:txBody>
-          <a:bodyPr vert="eaVert" wrap="square" rtlCol="0">
-            <a:spAutoFit/>
-          </a:bodyPr>
-          <a:lstStyle/>
-          <a:p>
-            <a:r>
-              <a:rPr kumimoji="1" lang="en-US" altLang="ja-JP" b="1" dirty="0" smtClean="0">
-                <a:solidFill>
-                  <a:srgbClr val="002B62"/>
-                </a:solidFill>
-              </a:rPr>
-              <a:t>Cloud</a:t>
-            </a:r>
-            <a:endParaRPr kumimoji="1" lang="ja-JP" altLang="en-US" b="1" dirty="0">
-              <a:solidFill>
-                <a:srgbClr val="002B62"/>
-              </a:solidFill>
-            </a:endParaRPr>
-          </a:p>
-        </p:txBody>
-      </p:sp>
-    </p:spTree>
-    <p:extLst>
-      <p:ext uri="{BB962C8B-B14F-4D97-AF65-F5344CB8AC3E}">
-        <p14:creationId xmlns:p14="http://schemas.microsoft.com/office/powerpoint/2010/main" val="1399492656"/>
-      </p:ext>
-    </p:extLst>
-  </p:cSld>
-  <p:clrMapOvr>
-    <a:masterClrMapping/>
-  </p:clrMapOvr>
-  <p:timing>
-    <p:tnLst>
-      <p:par>
-        <p:cTn id="1" dur="indefinite" restart="never" nodeType="tmRoot"/>
-      </p:par>
-    </p:tnLst>
-  </p:timing>
-</p:sld>
-</file>
-
-<file path=ppt/slides/slide14.xml><?xml version="1.0" encoding="utf-8"?>
-<p:sld xmlns:a="http://schemas.openxmlformats.org/drawingml/2006/main" xmlns:r="http://schemas.openxmlformats.org/officeDocument/2006/relationships" xmlns:p="http://schemas.openxmlformats.org/presentationml/2006/main">
-  <p:cSld>
-    <p:spTree>
-      <p:nvGrpSpPr>
-        <p:cNvPr id="1" name=""/>
-        <p:cNvGrpSpPr/>
-        <p:nvPr/>
-      </p:nvGrpSpPr>
-      <p:grpSpPr>
-        <a:xfrm>
-          <a:off x="0" y="0"/>
-          <a:ext cx="0" cy="0"/>
-          <a:chOff x="0" y="0"/>
-          <a:chExt cx="0" cy="0"/>
-        </a:xfrm>
-      </p:grpSpPr>
-      <p:sp>
-        <p:nvSpPr>
-          <p:cNvPr id="2" name="タイトル 1"/>
-          <p:cNvSpPr>
-            <a:spLocks noGrp="1"/>
-          </p:cNvSpPr>
-          <p:nvPr>
-            <p:ph type="title"/>
-          </p:nvPr>
-        </p:nvSpPr>
-        <p:spPr/>
-        <p:txBody>
-          <a:bodyPr/>
-          <a:lstStyle/>
-          <a:p>
-            <a:r>
-              <a:rPr lang="en-US" altLang="ja-JP" dirty="0" smtClean="0"/>
-              <a:t>3.3  For Terraform Cloud(3/3)</a:t>
-            </a:r>
-            <a:r>
-              <a:rPr lang="ja-JP" altLang="en-US" dirty="0" smtClean="0"/>
-              <a:t>　</a:t>
-            </a:r>
-            <a:endParaRPr lang="ja-JP" altLang="en-US" dirty="0"/>
-          </a:p>
-        </p:txBody>
-      </p:sp>
-      <p:sp>
-        <p:nvSpPr>
-          <p:cNvPr id="5" name="コンテンツ プレースホルダー 2"/>
-          <p:cNvSpPr>
-            <a:spLocks noGrp="1"/>
-          </p:cNvSpPr>
-          <p:nvPr>
-            <p:ph sz="quarter" idx="10"/>
-          </p:nvPr>
-        </p:nvSpPr>
-        <p:spPr>
-          <a:xfrm>
-            <a:off x="179512" y="836712"/>
-            <a:ext cx="8964487" cy="5616476"/>
-          </a:xfrm>
-        </p:spPr>
-        <p:txBody>
-          <a:bodyPr/>
-          <a:lstStyle/>
-          <a:p>
-            <a:r>
-              <a:rPr lang="en-US" altLang="ja-JP" b="1" dirty="0"/>
-              <a:t>Create </a:t>
-            </a:r>
-            <a:r>
-              <a:rPr lang="en-US" altLang="ja-JP" b="1" dirty="0" err="1"/>
-              <a:t>on-premise</a:t>
-            </a:r>
-            <a:r>
-              <a:rPr lang="en-US" altLang="ja-JP" b="1" dirty="0"/>
-              <a:t> ITA server.</a:t>
-            </a:r>
-            <a:endParaRPr lang="ja-JP" altLang="en-US" b="1" dirty="0"/>
-          </a:p>
-          <a:p>
-            <a:pPr lvl="1"/>
-            <a:r>
-              <a:rPr lang="en-US" altLang="ja-JP" sz="1800" dirty="0"/>
-              <a:t>If you are creating an ITA Server on </a:t>
-            </a:r>
-            <a:r>
-              <a:rPr lang="en-US" altLang="ja-JP" sz="1800" dirty="0" smtClean="0"/>
-              <a:t>cloud, </a:t>
-            </a:r>
-            <a:r>
-              <a:rPr lang="en-US" altLang="ja-JP" sz="1800" dirty="0"/>
-              <a:t>you can use Terraform Cloud to provision </a:t>
-            </a:r>
-            <a:r>
-              <a:rPr lang="en-US" altLang="ja-JP" sz="1800" dirty="0" smtClean="0"/>
-              <a:t>cloud </a:t>
-            </a:r>
-            <a:r>
-              <a:rPr lang="en-US" altLang="ja-JP" sz="1800" dirty="0"/>
-              <a:t>systems</a:t>
-            </a:r>
-            <a:r>
-              <a:rPr lang="en-US" altLang="ja-JP" sz="1800" dirty="0" smtClean="0"/>
-              <a:t>.</a:t>
-            </a:r>
-          </a:p>
-          <a:p>
-            <a:pPr lvl="1"/>
-            <a:r>
-              <a:rPr lang="en-US" altLang="ja-JP" sz="1800" dirty="0" smtClean="0"/>
-              <a:t>If you are not using Ansible, you can also provision </a:t>
-            </a:r>
-            <a:r>
-              <a:rPr lang="en-US" altLang="ja-JP" sz="1800" dirty="0" err="1" smtClean="0"/>
-              <a:t>on-premise</a:t>
-            </a:r>
-            <a:r>
-              <a:rPr lang="en-US" altLang="ja-JP" sz="1800" dirty="0" smtClean="0"/>
-              <a:t> systems.</a:t>
-            </a:r>
-            <a:endParaRPr lang="en-US" altLang="ja-JP" dirty="0" smtClean="0"/>
-          </a:p>
-        </p:txBody>
-      </p:sp>
-      <p:pic>
-        <p:nvPicPr>
-          <p:cNvPr id="56" name="図 55"/>
-          <p:cNvPicPr>
-            <a:picLocks noChangeAspect="1"/>
-          </p:cNvPicPr>
-          <p:nvPr/>
-        </p:nvPicPr>
-        <p:blipFill>
-          <a:blip r:embed="rId2">
-            <a:extLst>
-              <a:ext uri="{28A0092B-C50C-407E-A947-70E740481C1C}">
-                <a14:useLocalDpi xmlns:a14="http://schemas.microsoft.com/office/drawing/2010/main" val="0"/>
-              </a:ext>
-            </a:extLst>
-          </a:blip>
-          <a:stretch>
-            <a:fillRect/>
-          </a:stretch>
-        </p:blipFill>
-        <p:spPr>
-          <a:xfrm>
-            <a:off x="1198553" y="3071007"/>
-            <a:ext cx="729484" cy="729484"/>
-          </a:xfrm>
-          <a:prstGeom prst="rect">
-            <a:avLst/>
-          </a:prstGeom>
-        </p:spPr>
-      </p:pic>
-      <p:cxnSp>
-        <p:nvCxnSpPr>
-          <p:cNvPr id="90" name="直線矢印コネクタ 89"/>
-          <p:cNvCxnSpPr>
-            <a:stCxn id="56" idx="3"/>
-            <a:endCxn id="36" idx="1"/>
-          </p:cNvCxnSpPr>
-          <p:nvPr/>
-        </p:nvCxnSpPr>
-        <p:spPr bwMode="auto">
-          <a:xfrm flipV="1">
-            <a:off x="1928037" y="2906724"/>
-            <a:ext cx="1511752" cy="529025"/>
-          </a:xfrm>
-          <a:prstGeom prst="straightConnector1">
-            <a:avLst/>
-          </a:prstGeom>
-          <a:solidFill>
-            <a:schemeClr val="bg1"/>
-          </a:solidFill>
-          <a:ln w="38100" cap="flat" cmpd="sng" algn="ctr">
-            <a:solidFill>
-              <a:srgbClr val="002B62"/>
-            </a:solidFill>
-            <a:prstDash val="solid"/>
-            <a:round/>
-            <a:headEnd type="none" w="med" len="med"/>
-            <a:tailEnd type="stealth"/>
-          </a:ln>
-          <a:effectLst/>
-          <a:extLst>
-            <a:ext uri="{AF507438-7753-43E0-B8FC-AC1667EBCBE1}">
-              <a14:hiddenEffects xmlns:a14="http://schemas.microsoft.com/office/drawing/2010/main">
-                <a:effectLst>
-                  <a:outerShdw dist="35921" dir="2700000" algn="ctr" rotWithShape="0">
-                    <a:schemeClr val="tx1">
-                      <a:alpha val="50000"/>
-                    </a:schemeClr>
-                  </a:outerShdw>
-                </a:effectLst>
-              </a14:hiddenEffects>
-            </a:ext>
-          </a:extLst>
-        </p:spPr>
-      </p:cxnSp>
-      <p:cxnSp>
-        <p:nvCxnSpPr>
-          <p:cNvPr id="48" name="直線矢印コネクタ 47"/>
-          <p:cNvCxnSpPr>
-            <a:stCxn id="37" idx="3"/>
-          </p:cNvCxnSpPr>
-          <p:nvPr/>
-        </p:nvCxnSpPr>
-        <p:spPr bwMode="auto">
-          <a:xfrm>
-            <a:off x="4996596" y="3895901"/>
-            <a:ext cx="2711917" cy="37169"/>
-          </a:xfrm>
-          <a:prstGeom prst="straightConnector1">
-            <a:avLst/>
-          </a:prstGeom>
-          <a:solidFill>
-            <a:schemeClr val="bg1"/>
-          </a:solidFill>
-          <a:ln w="38100" cap="flat" cmpd="sng" algn="ctr">
-            <a:solidFill>
-              <a:srgbClr val="002B62"/>
-            </a:solidFill>
-            <a:prstDash val="solid"/>
-            <a:round/>
-            <a:headEnd type="none" w="med" len="med"/>
-            <a:tailEnd type="triangle"/>
-          </a:ln>
-          <a:effectLst/>
-          <a:extLst>
-            <a:ext uri="{AF507438-7753-43E0-B8FC-AC1667EBCBE1}">
-              <a14:hiddenEffects xmlns:a14="http://schemas.microsoft.com/office/drawing/2010/main">
-                <a:effectLst>
-                  <a:outerShdw dist="35921" dir="2700000" algn="ctr" rotWithShape="0">
-                    <a:schemeClr val="tx1">
-                      <a:alpha val="50000"/>
-                    </a:schemeClr>
-                  </a:outerShdw>
-                </a:effectLst>
-              </a14:hiddenEffects>
-            </a:ext>
-          </a:extLst>
-        </p:spPr>
-      </p:cxnSp>
-      <p:cxnSp>
-        <p:nvCxnSpPr>
-          <p:cNvPr id="51" name="直線矢印コネクタ 50"/>
-          <p:cNvCxnSpPr>
-            <a:endCxn id="37" idx="1"/>
-          </p:cNvCxnSpPr>
-          <p:nvPr/>
-        </p:nvCxnSpPr>
-        <p:spPr bwMode="auto">
-          <a:xfrm>
-            <a:off x="2028429" y="3723789"/>
-            <a:ext cx="2118001" cy="172112"/>
-          </a:xfrm>
-          <a:prstGeom prst="straightConnector1">
-            <a:avLst/>
-          </a:prstGeom>
-          <a:solidFill>
-            <a:schemeClr val="bg1"/>
-          </a:solidFill>
-          <a:ln w="38100" cap="flat" cmpd="sng" algn="ctr">
-            <a:solidFill>
-              <a:srgbClr val="002B62"/>
-            </a:solidFill>
-            <a:prstDash val="solid"/>
-            <a:round/>
-            <a:headEnd type="none" w="med" len="med"/>
-            <a:tailEnd type="triangle"/>
-          </a:ln>
-          <a:effectLst/>
-          <a:extLst>
-            <a:ext uri="{AF507438-7753-43E0-B8FC-AC1667EBCBE1}">
-              <a14:hiddenEffects xmlns:a14="http://schemas.microsoft.com/office/drawing/2010/main">
-                <a:effectLst>
-                  <a:outerShdw dist="35921" dir="2700000" algn="ctr" rotWithShape="0">
-                    <a:schemeClr val="tx1">
-                      <a:alpha val="50000"/>
-                    </a:schemeClr>
-                  </a:outerShdw>
-                </a:effectLst>
-              </a14:hiddenEffects>
-            </a:ext>
-          </a:extLst>
-        </p:spPr>
-      </p:cxnSp>
-      <p:cxnSp>
-        <p:nvCxnSpPr>
-          <p:cNvPr id="58" name="直線矢印コネクタ 57"/>
-          <p:cNvCxnSpPr/>
-          <p:nvPr/>
-        </p:nvCxnSpPr>
-        <p:spPr bwMode="auto">
-          <a:xfrm>
-            <a:off x="5816119" y="3194764"/>
-            <a:ext cx="1875647" cy="1735006"/>
-          </a:xfrm>
-          <a:prstGeom prst="straightConnector1">
-            <a:avLst/>
-          </a:prstGeom>
-          <a:solidFill>
-            <a:schemeClr val="bg1"/>
-          </a:solidFill>
-          <a:ln w="38100" cap="flat" cmpd="sng" algn="ctr">
-            <a:solidFill>
-              <a:schemeClr val="bg2">
-                <a:lumMod val="50000"/>
-              </a:schemeClr>
-            </a:solidFill>
-            <a:prstDash val="dashDot"/>
-            <a:round/>
-            <a:headEnd type="none" w="med" len="med"/>
-            <a:tailEnd type="triangle"/>
-          </a:ln>
-          <a:effectLst/>
-          <a:extLst>
-            <a:ext uri="{AF507438-7753-43E0-B8FC-AC1667EBCBE1}">
-              <a14:hiddenEffects xmlns:a14="http://schemas.microsoft.com/office/drawing/2010/main">
-                <a:effectLst>
-                  <a:outerShdw dist="35921" dir="2700000" algn="ctr" rotWithShape="0">
-                    <a:schemeClr val="tx1">
-                      <a:alpha val="50000"/>
-                    </a:schemeClr>
-                  </a:outerShdw>
-                </a:effectLst>
-              </a14:hiddenEffects>
-            </a:ext>
-          </a:extLst>
-        </p:spPr>
-      </p:cxnSp>
-      <p:sp>
-        <p:nvSpPr>
-          <p:cNvPr id="3" name="角丸四角形吹き出し 2"/>
+          <p:cNvPr id="24" name="角丸四角形 23"/>
           <p:cNvSpPr/>
           <p:nvPr/>
         </p:nvSpPr>
         <p:spPr bwMode="auto">
           <a:xfrm>
-            <a:off x="4042925" y="4970020"/>
-            <a:ext cx="2602042" cy="970104"/>
-          </a:xfrm>
-          <a:prstGeom prst="wedgeRoundRectCallout">
-            <a:avLst>
-              <a:gd name="adj1" fmla="val 54922"/>
-              <a:gd name="adj2" fmla="val -129192"/>
-              <a:gd name="adj3" fmla="val 16667"/>
-            </a:avLst>
-          </a:prstGeom>
-          <a:solidFill>
-            <a:schemeClr val="bg1"/>
-          </a:solidFill>
-          <a:ln w="28575">
-            <a:solidFill>
-              <a:srgbClr val="002B62"/>
-            </a:solidFill>
-          </a:ln>
-          <a:effectLst/>
-          <a:extLst/>
-        </p:spPr>
-        <p:txBody>
-          <a:bodyPr rot="0" spcFirstLastPara="0" vertOverflow="overflow" horzOverflow="overflow" vert="horz" wrap="none" lIns="72000" tIns="72000" rIns="72000" bIns="72000" numCol="1" spcCol="0" rtlCol="0" fromWordArt="0" anchor="ctr" anchorCtr="0" forceAA="0" compatLnSpc="1">
-            <a:prstTxWarp prst="textNoShape">
-              <a:avLst/>
-            </a:prstTxWarp>
-            <a:noAutofit/>
-          </a:bodyPr>
-          <a:lstStyle/>
-          <a:p>
-            <a:pPr algn="ctr"/>
-            <a:r>
-              <a:rPr kumimoji="1" lang="en-US" altLang="ja-JP" sz="1400" b="1" dirty="0" smtClean="0">
-                <a:latin typeface="+mn-ea"/>
-              </a:rPr>
-              <a:t>You can provision </a:t>
-            </a:r>
-            <a:br>
-              <a:rPr kumimoji="1" lang="en-US" altLang="ja-JP" sz="1400" b="1" dirty="0" smtClean="0">
-                <a:latin typeface="+mn-ea"/>
-              </a:rPr>
-            </a:br>
-            <a:r>
-              <a:rPr kumimoji="1" lang="en-US" altLang="ja-JP" sz="1400" b="1" dirty="0" err="1" smtClean="0">
-                <a:latin typeface="+mn-ea"/>
-              </a:rPr>
-              <a:t>on-premise</a:t>
-            </a:r>
-            <a:r>
-              <a:rPr kumimoji="1" lang="en-US" altLang="ja-JP" sz="1400" b="1" dirty="0" smtClean="0">
-                <a:latin typeface="+mn-ea"/>
-              </a:rPr>
-              <a:t> systems</a:t>
-            </a:r>
-            <a:br>
-              <a:rPr kumimoji="1" lang="en-US" altLang="ja-JP" sz="1400" b="1" dirty="0" smtClean="0">
-                <a:latin typeface="+mn-ea"/>
-              </a:rPr>
-            </a:br>
-            <a:r>
-              <a:rPr kumimoji="1" lang="en-US" altLang="ja-JP" sz="1400" b="1" dirty="0" smtClean="0">
-                <a:latin typeface="+mn-ea"/>
-              </a:rPr>
-              <a:t>if you are not using </a:t>
-            </a:r>
-            <a:br>
-              <a:rPr kumimoji="1" lang="en-US" altLang="ja-JP" sz="1400" b="1" dirty="0" smtClean="0">
-                <a:latin typeface="+mn-ea"/>
-              </a:rPr>
-            </a:br>
-            <a:r>
-              <a:rPr kumimoji="1" lang="en-US" altLang="ja-JP" sz="1400" b="1" dirty="0" smtClean="0">
-                <a:latin typeface="+mn-ea"/>
-              </a:rPr>
-              <a:t>Ansible.</a:t>
-            </a:r>
-            <a:endParaRPr lang="en-US" altLang="ja-JP" sz="1400" b="1" dirty="0" smtClean="0">
-              <a:latin typeface="+mn-ea"/>
-            </a:endParaRPr>
-          </a:p>
-        </p:txBody>
-      </p:sp>
-      <p:sp>
-        <p:nvSpPr>
-          <p:cNvPr id="25" name="テキスト ボックス 24"/>
-          <p:cNvSpPr txBox="1"/>
-          <p:nvPr/>
-        </p:nvSpPr>
-        <p:spPr>
-          <a:xfrm>
-            <a:off x="56231" y="4811618"/>
-            <a:ext cx="461665" cy="1561805"/>
-          </a:xfrm>
-          <a:prstGeom prst="rect">
-            <a:avLst/>
-          </a:prstGeom>
-          <a:noFill/>
-        </p:spPr>
-        <p:txBody>
-          <a:bodyPr vert="eaVert" wrap="square" rtlCol="0">
-            <a:spAutoFit/>
-          </a:bodyPr>
-          <a:lstStyle/>
-          <a:p>
-            <a:r>
-              <a:rPr kumimoji="1" lang="en-US" altLang="ja-JP" b="1" dirty="0" smtClean="0">
-                <a:solidFill>
-                  <a:srgbClr val="002B62"/>
-                </a:solidFill>
-              </a:rPr>
-              <a:t>On-Premise</a:t>
-            </a:r>
-            <a:endParaRPr kumimoji="1" lang="ja-JP" altLang="en-US" b="1" dirty="0">
-              <a:solidFill>
-                <a:srgbClr val="002B62"/>
-              </a:solidFill>
-            </a:endParaRPr>
-          </a:p>
-        </p:txBody>
-      </p:sp>
-      <p:cxnSp>
-        <p:nvCxnSpPr>
-          <p:cNvPr id="27" name="直線コネクタ 26"/>
-          <p:cNvCxnSpPr/>
-          <p:nvPr/>
-        </p:nvCxnSpPr>
-        <p:spPr bwMode="auto">
-          <a:xfrm>
-            <a:off x="264963" y="4461199"/>
-            <a:ext cx="8784001" cy="0"/>
-          </a:xfrm>
-          <a:prstGeom prst="line">
-            <a:avLst/>
-          </a:prstGeom>
-          <a:solidFill>
-            <a:schemeClr val="bg1"/>
-          </a:solidFill>
-          <a:ln w="28575" cap="flat" cmpd="sng" algn="ctr">
-            <a:solidFill>
-              <a:srgbClr val="124990"/>
-            </a:solidFill>
-            <a:prstDash val="solid"/>
-            <a:round/>
-            <a:headEnd type="none" w="med" len="med"/>
-            <a:tailEnd type="none" w="med" len="med"/>
-          </a:ln>
-          <a:effectLst/>
-          <a:extLst>
-            <a:ext uri="{AF507438-7753-43E0-B8FC-AC1667EBCBE1}">
-              <a14:hiddenEffects xmlns:a14="http://schemas.microsoft.com/office/drawing/2010/main">
-                <a:effectLst>
-                  <a:outerShdw dist="35921" dir="2700000" algn="ctr" rotWithShape="0">
-                    <a:schemeClr val="tx1">
-                      <a:alpha val="50000"/>
-                    </a:schemeClr>
-                  </a:outerShdw>
-                </a:effectLst>
-              </a14:hiddenEffects>
-            </a:ext>
-          </a:extLst>
-        </p:spPr>
-      </p:cxnSp>
-      <p:sp>
-        <p:nvSpPr>
-          <p:cNvPr id="28" name="角丸四角形 27"/>
-          <p:cNvSpPr/>
-          <p:nvPr/>
-        </p:nvSpPr>
-        <p:spPr bwMode="auto">
-          <a:xfrm>
-            <a:off x="7080195" y="3127094"/>
+            <a:off x="7080195" y="3010040"/>
             <a:ext cx="1871090" cy="2736380"/>
           </a:xfrm>
           <a:prstGeom prst="roundRect">
@@ -11882,7 +11496,6 @@
             <a:prstDash val="dash"/>
           </a:ln>
           <a:effectLst/>
-          <a:extLst/>
         </p:spPr>
         <p:txBody>
           <a:bodyPr rot="0" spcFirstLastPara="0" vertOverflow="overflow" horzOverflow="overflow" vert="horz" wrap="none" lIns="72000" tIns="72000" rIns="72000" bIns="72000" numCol="1" spcCol="0" rtlCol="0" fromWordArt="0" anchor="ctr" anchorCtr="0" forceAA="0" compatLnSpc="1">
@@ -11894,7 +11507,7 @@
           <a:lstStyle/>
           <a:p>
             <a:pPr algn="ctr"/>
-            <a:endParaRPr kumimoji="1" lang="ja-JP" altLang="en-US" b="1" dirty="0" smtClean="0">
+            <a:endParaRPr kumimoji="1" lang="ja-JP" altLang="en-US" b="1" dirty="0">
               <a:latin typeface="+mn-ea"/>
             </a:endParaRPr>
           </a:p>
@@ -11902,46 +11515,7 @@
       </p:sp>
       <p:sp>
         <p:nvSpPr>
-          <p:cNvPr id="30" name="テキスト ボックス 29"/>
-          <p:cNvSpPr txBox="1"/>
-          <p:nvPr/>
-        </p:nvSpPr>
-        <p:spPr>
-          <a:xfrm>
-            <a:off x="7573984" y="2614084"/>
-            <a:ext cx="883512" cy="307777"/>
-          </a:xfrm>
-          <a:prstGeom prst="rect">
-            <a:avLst/>
-          </a:prstGeom>
-          <a:noFill/>
-        </p:spPr>
-        <p:txBody>
-          <a:bodyPr wrap="none" rtlCol="0">
-            <a:spAutoFit/>
-          </a:bodyPr>
-          <a:lstStyle/>
-          <a:p>
-            <a:pPr algn="ctr"/>
-            <a:r>
-              <a:rPr lang="en-US" altLang="ja-JP" sz="1400" b="1" dirty="0" smtClean="0">
-                <a:solidFill>
-                  <a:srgbClr val="002B62"/>
-                </a:solidFill>
-              </a:rPr>
-              <a:t>System</a:t>
-            </a:r>
-            <a:endParaRPr lang="ja-JP" altLang="en-US" sz="1400" b="1" dirty="0">
-              <a:solidFill>
-                <a:srgbClr val="002B62"/>
-              </a:solidFill>
-            </a:endParaRPr>
-          </a:p>
-        </p:txBody>
-      </p:sp>
-      <p:sp>
-        <p:nvSpPr>
-          <p:cNvPr id="31" name="Oval 97"/>
+          <p:cNvPr id="25" name="Oval 97"/>
           <p:cNvSpPr>
             <a:spLocks noChangeAspect="1" noChangeArrowheads="1"/>
           </p:cNvSpPr>
@@ -11949,7 +11523,7 @@
         </p:nvSpPr>
         <p:spPr bwMode="gray">
           <a:xfrm>
-            <a:off x="7708513" y="3554005"/>
+            <a:off x="7708513" y="4824210"/>
             <a:ext cx="680272" cy="621884"/>
           </a:xfrm>
           <a:custGeom>
@@ -12027,7 +11601,6 @@
           <a:ln>
             <a:noFill/>
           </a:ln>
-          <a:extLst/>
         </p:spPr>
         <p:txBody>
           <a:bodyPr vert="horz" wrap="square" lIns="91440" tIns="45720" rIns="91440" bIns="45720" numCol="1" anchor="t" anchorCtr="0" compatLnSpc="1">
@@ -12047,7 +11620,722 @@
       </p:sp>
       <p:sp>
         <p:nvSpPr>
-          <p:cNvPr id="32" name="Oval 97"/>
+          <p:cNvPr id="26" name="角丸四角形 25"/>
+          <p:cNvSpPr/>
+          <p:nvPr/>
+        </p:nvSpPr>
+        <p:spPr bwMode="auto">
+          <a:xfrm>
+            <a:off x="6084210" y="4521328"/>
+            <a:ext cx="1451361" cy="464703"/>
+          </a:xfrm>
+          <a:prstGeom prst="roundRect">
+            <a:avLst/>
+          </a:prstGeom>
+          <a:solidFill>
+            <a:schemeClr val="bg1"/>
+          </a:solidFill>
+          <a:ln w="28575">
+            <a:solidFill>
+              <a:srgbClr val="7030A0"/>
+            </a:solidFill>
+          </a:ln>
+          <a:effectLst/>
+        </p:spPr>
+        <p:txBody>
+          <a:bodyPr rot="0" spcFirstLastPara="0" vertOverflow="overflow" horzOverflow="overflow" vert="horz" wrap="none" lIns="72000" tIns="72000" rIns="72000" bIns="72000" numCol="1" spcCol="0" rtlCol="0" fromWordArt="0" anchor="ctr" anchorCtr="0" forceAA="0" compatLnSpc="1">
+            <a:prstTxWarp prst="textNoShape">
+              <a:avLst/>
+            </a:prstTxWarp>
+            <a:noAutofit/>
+          </a:bodyPr>
+          <a:lstStyle/>
+          <a:p>
+            <a:pPr algn="ctr"/>
+            <a:r>
+              <a:rPr kumimoji="1" lang="en-US" altLang="ja-JP" sz="1200" b="1" dirty="0">
+                <a:solidFill>
+                  <a:srgbClr val="7030A0"/>
+                </a:solidFill>
+                <a:latin typeface="+mn-ea"/>
+              </a:rPr>
+              <a:t>Terraform Cloud</a:t>
+            </a:r>
+          </a:p>
+          <a:p>
+            <a:pPr algn="ctr"/>
+            <a:r>
+              <a:rPr lang="en-US" altLang="ja-JP" sz="1200" b="1" dirty="0">
+                <a:solidFill>
+                  <a:srgbClr val="7030A0"/>
+                </a:solidFill>
+                <a:latin typeface="+mn-ea"/>
+              </a:rPr>
+              <a:t>Agents</a:t>
+            </a:r>
+            <a:endParaRPr kumimoji="1" lang="ja-JP" altLang="en-US" sz="1200" b="1" dirty="0">
+              <a:solidFill>
+                <a:srgbClr val="7030A0"/>
+              </a:solidFill>
+              <a:latin typeface="+mn-ea"/>
+            </a:endParaRPr>
+          </a:p>
+        </p:txBody>
+      </p:sp>
+      <p:cxnSp>
+        <p:nvCxnSpPr>
+          <p:cNvPr id="29" name="直線矢印コネクタ 28"/>
+          <p:cNvCxnSpPr>
+            <a:stCxn id="26" idx="3"/>
+          </p:cNvCxnSpPr>
+          <p:nvPr/>
+        </p:nvCxnSpPr>
+        <p:spPr bwMode="auto">
+          <a:xfrm>
+            <a:off x="7535571" y="4753680"/>
+            <a:ext cx="348889" cy="221031"/>
+          </a:xfrm>
+          <a:prstGeom prst="straightConnector1">
+            <a:avLst/>
+          </a:prstGeom>
+          <a:solidFill>
+            <a:schemeClr val="bg1"/>
+          </a:solidFill>
+          <a:ln w="38100" cap="flat" cmpd="sng" algn="ctr">
+            <a:solidFill>
+              <a:srgbClr val="FF0000"/>
+            </a:solidFill>
+            <a:prstDash val="solid"/>
+            <a:round/>
+            <a:headEnd type="none" w="med" len="med"/>
+            <a:tailEnd type="triangle"/>
+          </a:ln>
+          <a:effectLst/>
+          <a:extLst>
+            <a:ext uri="{AF507438-7753-43E0-B8FC-AC1667EBCBE1}">
+              <a14:hiddenEffects xmlns:a14="http://schemas.microsoft.com/office/drawing/2010/main">
+                <a:effectLst>
+                  <a:outerShdw dist="35921" dir="2700000" algn="ctr" rotWithShape="0">
+                    <a:schemeClr val="tx1">
+                      <a:alpha val="50000"/>
+                    </a:schemeClr>
+                  </a:outerShdw>
+                </a:effectLst>
+              </a14:hiddenEffects>
+            </a:ext>
+          </a:extLst>
+        </p:spPr>
+      </p:cxnSp>
+      <p:cxnSp>
+        <p:nvCxnSpPr>
+          <p:cNvPr id="32" name="曲線コネクタ 31"/>
+          <p:cNvCxnSpPr/>
+          <p:nvPr/>
+        </p:nvCxnSpPr>
+        <p:spPr bwMode="auto">
+          <a:xfrm rot="16200000" flipH="1">
+            <a:off x="5566941" y="3294725"/>
+            <a:ext cx="1072831" cy="3137000"/>
+          </a:xfrm>
+          <a:prstGeom prst="curvedConnector2">
+            <a:avLst/>
+          </a:prstGeom>
+          <a:solidFill>
+            <a:schemeClr val="bg1"/>
+          </a:solidFill>
+          <a:ln w="38100" cap="flat" cmpd="sng" algn="ctr">
+            <a:solidFill>
+              <a:schemeClr val="bg2">
+                <a:lumMod val="65000"/>
+              </a:schemeClr>
+            </a:solidFill>
+            <a:prstDash val="dashDot"/>
+            <a:round/>
+            <a:headEnd type="none" w="med" len="med"/>
+            <a:tailEnd type="triangle"/>
+          </a:ln>
+          <a:effectLst/>
+          <a:extLst>
+            <a:ext uri="{AF507438-7753-43E0-B8FC-AC1667EBCBE1}">
+              <a14:hiddenEffects xmlns:a14="http://schemas.microsoft.com/office/drawing/2010/main">
+                <a:effectLst>
+                  <a:outerShdw dist="35921" dir="2700000" algn="ctr" rotWithShape="0">
+                    <a:schemeClr val="tx1">
+                      <a:alpha val="50000"/>
+                    </a:schemeClr>
+                  </a:outerShdw>
+                </a:effectLst>
+              </a14:hiddenEffects>
+            </a:ext>
+          </a:extLst>
+        </p:spPr>
+      </p:cxnSp>
+      <p:sp>
+        <p:nvSpPr>
+          <p:cNvPr id="33" name="テキスト ボックス 32"/>
+          <p:cNvSpPr txBox="1"/>
+          <p:nvPr/>
+        </p:nvSpPr>
+        <p:spPr>
+          <a:xfrm>
+            <a:off x="5405813" y="4699260"/>
+            <a:ext cx="803425" cy="1015663"/>
+          </a:xfrm>
+          <a:prstGeom prst="rect">
+            <a:avLst/>
+          </a:prstGeom>
+          <a:noFill/>
+        </p:spPr>
+        <p:txBody>
+          <a:bodyPr wrap="none" rtlCol="0">
+            <a:spAutoFit/>
+          </a:bodyPr>
+          <a:lstStyle/>
+          <a:p>
+            <a:r>
+              <a:rPr kumimoji="1" lang="en-US" altLang="ja-JP" sz="6000" dirty="0">
+                <a:solidFill>
+                  <a:srgbClr val="FF0000"/>
+                </a:solidFill>
+              </a:rPr>
+              <a:t>×</a:t>
+            </a:r>
+            <a:endParaRPr kumimoji="1" lang="ja-JP" altLang="en-US" sz="6000" dirty="0">
+              <a:solidFill>
+                <a:srgbClr val="FF0000"/>
+              </a:solidFill>
+            </a:endParaRPr>
+          </a:p>
+        </p:txBody>
+      </p:sp>
+      <p:sp>
+        <p:nvSpPr>
+          <p:cNvPr id="35" name="テキスト ボックス 34"/>
+          <p:cNvSpPr txBox="1"/>
+          <p:nvPr/>
+        </p:nvSpPr>
+        <p:spPr>
+          <a:xfrm>
+            <a:off x="7550266" y="2636890"/>
+            <a:ext cx="883512" cy="307777"/>
+          </a:xfrm>
+          <a:prstGeom prst="rect">
+            <a:avLst/>
+          </a:prstGeom>
+          <a:noFill/>
+        </p:spPr>
+        <p:txBody>
+          <a:bodyPr wrap="none" rtlCol="0">
+            <a:spAutoFit/>
+          </a:bodyPr>
+          <a:lstStyle/>
+          <a:p>
+            <a:pPr algn="ctr"/>
+            <a:r>
+              <a:rPr lang="en-US" altLang="ja-JP" sz="1400" b="1" dirty="0" smtClean="0">
+                <a:solidFill>
+                  <a:srgbClr val="002B62"/>
+                </a:solidFill>
+              </a:rPr>
+              <a:t>System</a:t>
+            </a:r>
+            <a:endParaRPr lang="ja-JP" altLang="en-US" sz="1400" b="1" dirty="0">
+              <a:solidFill>
+                <a:srgbClr val="002B62"/>
+              </a:solidFill>
+            </a:endParaRPr>
+          </a:p>
+        </p:txBody>
+      </p:sp>
+      <p:cxnSp>
+        <p:nvCxnSpPr>
+          <p:cNvPr id="36" name="直線矢印コネクタ 35"/>
+          <p:cNvCxnSpPr/>
+          <p:nvPr/>
+        </p:nvCxnSpPr>
+        <p:spPr bwMode="auto">
+          <a:xfrm>
+            <a:off x="4996596" y="3912386"/>
+            <a:ext cx="2711917" cy="6299"/>
+          </a:xfrm>
+          <a:prstGeom prst="straightConnector1">
+            <a:avLst/>
+          </a:prstGeom>
+          <a:solidFill>
+            <a:schemeClr val="bg1"/>
+          </a:solidFill>
+          <a:ln w="38100" cap="flat" cmpd="sng" algn="ctr">
+            <a:solidFill>
+              <a:srgbClr val="FFC000"/>
+            </a:solidFill>
+            <a:prstDash val="solid"/>
+            <a:round/>
+            <a:headEnd type="none" w="med" len="med"/>
+            <a:tailEnd type="triangle"/>
+          </a:ln>
+          <a:effectLst/>
+          <a:extLst>
+            <a:ext uri="{AF507438-7753-43E0-B8FC-AC1667EBCBE1}">
+              <a14:hiddenEffects xmlns:a14="http://schemas.microsoft.com/office/drawing/2010/main">
+                <a:effectLst>
+                  <a:outerShdw dist="35921" dir="2700000" algn="ctr" rotWithShape="0">
+                    <a:schemeClr val="tx1">
+                      <a:alpha val="50000"/>
+                    </a:schemeClr>
+                  </a:outerShdw>
+                </a:effectLst>
+              </a14:hiddenEffects>
+            </a:ext>
+          </a:extLst>
+        </p:spPr>
+      </p:cxnSp>
+      <p:cxnSp>
+        <p:nvCxnSpPr>
+          <p:cNvPr id="37" name="直線矢印コネクタ 36"/>
+          <p:cNvCxnSpPr>
+            <a:stCxn id="22" idx="3"/>
+          </p:cNvCxnSpPr>
+          <p:nvPr/>
+        </p:nvCxnSpPr>
+        <p:spPr bwMode="auto">
+          <a:xfrm>
+            <a:off x="5724160" y="3132682"/>
+            <a:ext cx="1898967" cy="395214"/>
+          </a:xfrm>
+          <a:prstGeom prst="straightConnector1">
+            <a:avLst/>
+          </a:prstGeom>
+          <a:solidFill>
+            <a:schemeClr val="bg1"/>
+          </a:solidFill>
+          <a:ln w="38100" cap="flat" cmpd="sng" algn="ctr">
+            <a:solidFill>
+              <a:srgbClr val="002B62"/>
+            </a:solidFill>
+            <a:prstDash val="solid"/>
+            <a:round/>
+            <a:headEnd type="none" w="med" len="med"/>
+            <a:tailEnd type="stealth"/>
+          </a:ln>
+          <a:effectLst/>
+          <a:extLst>
+            <a:ext uri="{AF507438-7753-43E0-B8FC-AC1667EBCBE1}">
+              <a14:hiddenEffects xmlns:a14="http://schemas.microsoft.com/office/drawing/2010/main">
+                <a:effectLst>
+                  <a:outerShdw dist="35921" dir="2700000" algn="ctr" rotWithShape="0">
+                    <a:schemeClr val="tx1">
+                      <a:alpha val="50000"/>
+                    </a:schemeClr>
+                  </a:outerShdw>
+                </a:effectLst>
+              </a14:hiddenEffects>
+            </a:ext>
+          </a:extLst>
+        </p:spPr>
+      </p:cxnSp>
+      <p:cxnSp>
+        <p:nvCxnSpPr>
+          <p:cNvPr id="38" name="直線矢印コネクタ 37"/>
+          <p:cNvCxnSpPr>
+            <a:endCxn id="26" idx="0"/>
+          </p:cNvCxnSpPr>
+          <p:nvPr/>
+        </p:nvCxnSpPr>
+        <p:spPr bwMode="auto">
+          <a:xfrm>
+            <a:off x="5658856" y="3436951"/>
+            <a:ext cx="1151035" cy="1084377"/>
+          </a:xfrm>
+          <a:prstGeom prst="straightConnector1">
+            <a:avLst/>
+          </a:prstGeom>
+          <a:solidFill>
+            <a:schemeClr val="bg1"/>
+          </a:solidFill>
+          <a:ln w="38100" cap="flat" cmpd="sng" algn="ctr">
+            <a:solidFill>
+              <a:srgbClr val="FF0000"/>
+            </a:solidFill>
+            <a:prstDash val="solid"/>
+            <a:round/>
+            <a:headEnd type="triangle" w="med" len="med"/>
+            <a:tailEnd type="triangle"/>
+          </a:ln>
+          <a:effectLst/>
+          <a:extLst>
+            <a:ext uri="{AF507438-7753-43E0-B8FC-AC1667EBCBE1}">
+              <a14:hiddenEffects xmlns:a14="http://schemas.microsoft.com/office/drawing/2010/main">
+                <a:effectLst>
+                  <a:outerShdw dist="35921" dir="2700000" algn="ctr" rotWithShape="0">
+                    <a:schemeClr val="tx1">
+                      <a:alpha val="50000"/>
+                    </a:schemeClr>
+                  </a:outerShdw>
+                </a:effectLst>
+              </a14:hiddenEffects>
+            </a:ext>
+          </a:extLst>
+        </p:spPr>
+      </p:cxnSp>
+      <p:pic>
+        <p:nvPicPr>
+          <p:cNvPr id="39" name="図 38"/>
+          <p:cNvPicPr>
+            <a:picLocks noChangeAspect="1"/>
+          </p:cNvPicPr>
+          <p:nvPr/>
+        </p:nvPicPr>
+        <p:blipFill>
+          <a:blip r:embed="rId3">
+            <a:extLst>
+              <a:ext uri="{28A0092B-C50C-407E-A947-70E740481C1C}">
+                <a14:useLocalDpi xmlns:a14="http://schemas.microsoft.com/office/drawing/2010/main" val="0"/>
+              </a:ext>
+            </a:extLst>
+          </a:blip>
+          <a:stretch>
+            <a:fillRect/>
+          </a:stretch>
+        </p:blipFill>
+        <p:spPr>
+          <a:xfrm>
+            <a:off x="1510605" y="5025970"/>
+            <a:ext cx="729484" cy="729484"/>
+          </a:xfrm>
+          <a:prstGeom prst="rect">
+            <a:avLst/>
+          </a:prstGeom>
+        </p:spPr>
+      </p:pic>
+      <p:cxnSp>
+        <p:nvCxnSpPr>
+          <p:cNvPr id="40" name="直線矢印コネクタ 39"/>
+          <p:cNvCxnSpPr>
+            <a:stCxn id="39" idx="3"/>
+            <a:endCxn id="22" idx="1"/>
+          </p:cNvCxnSpPr>
+          <p:nvPr/>
+        </p:nvCxnSpPr>
+        <p:spPr bwMode="auto">
+          <a:xfrm flipV="1">
+            <a:off x="2240089" y="3132682"/>
+            <a:ext cx="1107741" cy="2258030"/>
+          </a:xfrm>
+          <a:prstGeom prst="straightConnector1">
+            <a:avLst/>
+          </a:prstGeom>
+          <a:solidFill>
+            <a:schemeClr val="bg1"/>
+          </a:solidFill>
+          <a:ln w="38100" cap="flat" cmpd="sng" algn="ctr">
+            <a:solidFill>
+              <a:srgbClr val="002B62"/>
+            </a:solidFill>
+            <a:prstDash val="solid"/>
+            <a:round/>
+            <a:headEnd type="none" w="med" len="med"/>
+            <a:tailEnd type="stealth"/>
+          </a:ln>
+          <a:effectLst/>
+          <a:extLst>
+            <a:ext uri="{AF507438-7753-43E0-B8FC-AC1667EBCBE1}">
+              <a14:hiddenEffects xmlns:a14="http://schemas.microsoft.com/office/drawing/2010/main">
+                <a:effectLst>
+                  <a:outerShdw dist="35921" dir="2700000" algn="ctr" rotWithShape="0">
+                    <a:schemeClr val="tx1">
+                      <a:alpha val="50000"/>
+                    </a:schemeClr>
+                  </a:outerShdw>
+                </a:effectLst>
+              </a14:hiddenEffects>
+            </a:ext>
+          </a:extLst>
+        </p:spPr>
+      </p:cxnSp>
+    </p:spTree>
+    <p:extLst>
+      <p:ext uri="{BB962C8B-B14F-4D97-AF65-F5344CB8AC3E}">
+        <p14:creationId xmlns:p14="http://schemas.microsoft.com/office/powerpoint/2010/main" val="1399492656"/>
+      </p:ext>
+    </p:extLst>
+  </p:cSld>
+  <p:clrMapOvr>
+    <a:masterClrMapping/>
+  </p:clrMapOvr>
+  <p:timing>
+    <p:tnLst>
+      <p:par>
+        <p:cTn id="1" dur="indefinite" restart="never" nodeType="tmRoot"/>
+      </p:par>
+    </p:tnLst>
+  </p:timing>
+</p:sld>
+</file>
+
+<file path=ppt/slides/slide14.xml><?xml version="1.0" encoding="utf-8"?>
+<p:sld xmlns:a="http://schemas.openxmlformats.org/drawingml/2006/main" xmlns:r="http://schemas.openxmlformats.org/officeDocument/2006/relationships" xmlns:p="http://schemas.openxmlformats.org/presentationml/2006/main">
+  <p:cSld>
+    <p:spTree>
+      <p:nvGrpSpPr>
+        <p:cNvPr id="1" name=""/>
+        <p:cNvGrpSpPr/>
+        <p:nvPr/>
+      </p:nvGrpSpPr>
+      <p:grpSpPr>
+        <a:xfrm>
+          <a:off x="0" y="0"/>
+          <a:ext cx="0" cy="0"/>
+          <a:chOff x="0" y="0"/>
+          <a:chExt cx="0" cy="0"/>
+        </a:xfrm>
+      </p:grpSpPr>
+      <p:sp>
+        <p:nvSpPr>
+          <p:cNvPr id="2" name="タイトル 1"/>
+          <p:cNvSpPr>
+            <a:spLocks noGrp="1"/>
+          </p:cNvSpPr>
+          <p:nvPr>
+            <p:ph type="title"/>
+          </p:nvPr>
+        </p:nvSpPr>
+        <p:spPr/>
+        <p:txBody>
+          <a:bodyPr/>
+          <a:lstStyle/>
+          <a:p>
+            <a:r>
+              <a:rPr lang="en-US" altLang="ja-JP" dirty="0" smtClean="0"/>
+              <a:t>3.3  For Terraform Cloud(3/3)</a:t>
+            </a:r>
+            <a:r>
+              <a:rPr lang="ja-JP" altLang="en-US" dirty="0" smtClean="0"/>
+              <a:t>　</a:t>
+            </a:r>
+            <a:endParaRPr lang="ja-JP" altLang="en-US" dirty="0"/>
+          </a:p>
+        </p:txBody>
+      </p:sp>
+      <p:sp>
+        <p:nvSpPr>
+          <p:cNvPr id="5" name="コンテンツ プレースホルダー 2"/>
+          <p:cNvSpPr>
+            <a:spLocks noGrp="1"/>
+          </p:cNvSpPr>
+          <p:nvPr>
+            <p:ph sz="quarter" idx="10"/>
+          </p:nvPr>
+        </p:nvSpPr>
+        <p:spPr>
+          <a:xfrm>
+            <a:off x="179512" y="836712"/>
+            <a:ext cx="8964487" cy="5616476"/>
+          </a:xfrm>
+        </p:spPr>
+        <p:txBody>
+          <a:bodyPr/>
+          <a:lstStyle/>
+          <a:p>
+            <a:r>
+              <a:rPr lang="en-US" altLang="ja-JP" b="1" dirty="0"/>
+              <a:t>Create </a:t>
+            </a:r>
+            <a:r>
+              <a:rPr lang="en-US" altLang="ja-JP" b="1" dirty="0" smtClean="0"/>
+              <a:t>a cloud </a:t>
+            </a:r>
+            <a:r>
+              <a:rPr lang="en-US" altLang="ja-JP" b="1" dirty="0"/>
+              <a:t>ITA server.</a:t>
+            </a:r>
+            <a:endParaRPr lang="ja-JP" altLang="en-US" b="1" dirty="0"/>
+          </a:p>
+          <a:p>
+            <a:pPr lvl="1"/>
+            <a:r>
+              <a:rPr lang="en-US" altLang="ja-JP" sz="1800" dirty="0"/>
+              <a:t>If you are creating an ITA Server on </a:t>
+            </a:r>
+            <a:r>
+              <a:rPr lang="en-US" altLang="ja-JP" sz="1800" dirty="0" smtClean="0"/>
+              <a:t>cloud, </a:t>
+            </a:r>
+            <a:r>
+              <a:rPr lang="en-US" altLang="ja-JP" sz="1800" dirty="0"/>
+              <a:t>you can use Terraform Cloud to provision </a:t>
+            </a:r>
+            <a:r>
+              <a:rPr lang="en-US" altLang="ja-JP" sz="1800" dirty="0" smtClean="0"/>
+              <a:t>cloud </a:t>
+            </a:r>
+            <a:r>
+              <a:rPr lang="en-US" altLang="ja-JP" sz="1800" dirty="0"/>
+              <a:t>systems</a:t>
+            </a:r>
+            <a:r>
+              <a:rPr lang="en-US" altLang="ja-JP" sz="1800" dirty="0" smtClean="0"/>
+              <a:t>.</a:t>
+            </a:r>
+          </a:p>
+          <a:p>
+            <a:pPr lvl="1"/>
+            <a:r>
+              <a:rPr lang="en-US" altLang="ja-JP" sz="1800" dirty="0"/>
+              <a:t>It is possible to provision the </a:t>
+            </a:r>
+            <a:r>
+              <a:rPr lang="en-US" altLang="ja-JP" sz="1800" dirty="0" err="1"/>
+              <a:t>on-premise</a:t>
+            </a:r>
+            <a:r>
+              <a:rPr lang="en-US" altLang="ja-JP" sz="1800" dirty="0"/>
+              <a:t> systems by implementing Terraform Cloud Agents.</a:t>
+            </a:r>
+            <a:endParaRPr lang="en-US" altLang="ja-JP" sz="1800" dirty="0"/>
+          </a:p>
+        </p:txBody>
+      </p:sp>
+      <p:sp>
+        <p:nvSpPr>
+          <p:cNvPr id="21" name="テキスト ボックス 20">
+            <a:extLst>
+              <a:ext uri="{FF2B5EF4-FFF2-40B4-BE49-F238E27FC236}">
+                <a16:creationId xmlns:a16="http://schemas.microsoft.com/office/drawing/2014/main" id="{B428B0E1-7AFB-46FE-B8F3-DAD6548B0ACF}"/>
+              </a:ext>
+            </a:extLst>
+          </p:cNvPr>
+          <p:cNvSpPr txBox="1"/>
+          <p:nvPr/>
+        </p:nvSpPr>
+        <p:spPr>
+          <a:xfrm>
+            <a:off x="365815" y="4516677"/>
+            <a:ext cx="461665" cy="1561805"/>
+          </a:xfrm>
+          <a:prstGeom prst="rect">
+            <a:avLst/>
+          </a:prstGeom>
+          <a:noFill/>
+        </p:spPr>
+        <p:txBody>
+          <a:bodyPr vert="eaVert" wrap="square" rtlCol="0">
+            <a:spAutoFit/>
+          </a:bodyPr>
+          <a:lstStyle/>
+          <a:p>
+            <a:r>
+              <a:rPr kumimoji="1" lang="en-US" altLang="ja-JP" b="1" dirty="0" smtClean="0">
+                <a:solidFill>
+                  <a:srgbClr val="002B62"/>
+                </a:solidFill>
+              </a:rPr>
+              <a:t>On-Premise</a:t>
+            </a:r>
+            <a:endParaRPr kumimoji="1" lang="ja-JP" altLang="en-US" b="1" dirty="0">
+              <a:solidFill>
+                <a:srgbClr val="002B62"/>
+              </a:solidFill>
+            </a:endParaRPr>
+          </a:p>
+        </p:txBody>
+      </p:sp>
+      <p:sp>
+        <p:nvSpPr>
+          <p:cNvPr id="22" name="テキスト ボックス 21">
+            <a:extLst>
+              <a:ext uri="{FF2B5EF4-FFF2-40B4-BE49-F238E27FC236}">
+                <a16:creationId xmlns:a16="http://schemas.microsoft.com/office/drawing/2014/main" id="{100A989E-83CA-4A50-A7F8-6B5539ED1AAB}"/>
+              </a:ext>
+            </a:extLst>
+          </p:cNvPr>
+          <p:cNvSpPr txBox="1"/>
+          <p:nvPr/>
+        </p:nvSpPr>
+        <p:spPr>
+          <a:xfrm>
+            <a:off x="365815" y="3234254"/>
+            <a:ext cx="461665" cy="1173407"/>
+          </a:xfrm>
+          <a:prstGeom prst="rect">
+            <a:avLst/>
+          </a:prstGeom>
+          <a:noFill/>
+        </p:spPr>
+        <p:txBody>
+          <a:bodyPr vert="eaVert" wrap="square" rtlCol="0">
+            <a:spAutoFit/>
+          </a:bodyPr>
+          <a:lstStyle/>
+          <a:p>
+            <a:r>
+              <a:rPr lang="en-US" altLang="ja-JP" b="1" dirty="0" smtClean="0">
+                <a:solidFill>
+                  <a:srgbClr val="002B62"/>
+                </a:solidFill>
+              </a:rPr>
+              <a:t>Cloud</a:t>
+            </a:r>
+            <a:endParaRPr kumimoji="1" lang="ja-JP" altLang="en-US" b="1" dirty="0">
+              <a:solidFill>
+                <a:srgbClr val="002B62"/>
+              </a:solidFill>
+            </a:endParaRPr>
+          </a:p>
+        </p:txBody>
+      </p:sp>
+      <p:cxnSp>
+        <p:nvCxnSpPr>
+          <p:cNvPr id="23" name="直線コネクタ 22">
+            <a:extLst>
+              <a:ext uri="{FF2B5EF4-FFF2-40B4-BE49-F238E27FC236}">
+                <a16:creationId xmlns:a16="http://schemas.microsoft.com/office/drawing/2014/main" id="{59DF1841-88BF-4F18-A7DB-8745D44C404A}"/>
+              </a:ext>
+            </a:extLst>
+          </p:cNvPr>
+          <p:cNvCxnSpPr>
+            <a:cxnSpLocks/>
+          </p:cNvCxnSpPr>
+          <p:nvPr/>
+        </p:nvCxnSpPr>
+        <p:spPr bwMode="auto">
+          <a:xfrm>
+            <a:off x="468640" y="4403797"/>
+            <a:ext cx="8388000" cy="0"/>
+          </a:xfrm>
+          <a:prstGeom prst="line">
+            <a:avLst/>
+          </a:prstGeom>
+          <a:solidFill>
+            <a:schemeClr val="bg1"/>
+          </a:solidFill>
+          <a:ln w="28575" cap="flat" cmpd="sng" algn="ctr">
+            <a:solidFill>
+              <a:srgbClr val="124990"/>
+            </a:solidFill>
+            <a:prstDash val="solid"/>
+            <a:round/>
+            <a:headEnd type="none" w="med" len="med"/>
+            <a:tailEnd type="none" w="med" len="med"/>
+          </a:ln>
+          <a:effectLst/>
+          <a:extLst>
+            <a:ext uri="{AF507438-7753-43E0-B8FC-AC1667EBCBE1}">
+              <a14:hiddenEffects xmlns:a14="http://schemas.microsoft.com/office/drawing/2010/main">
+                <a:effectLst>
+                  <a:outerShdw dist="35921" dir="2700000" algn="ctr" rotWithShape="0">
+                    <a:schemeClr val="tx1">
+                      <a:alpha val="50000"/>
+                    </a:schemeClr>
+                  </a:outerShdw>
+                </a:effectLst>
+              </a14:hiddenEffects>
+            </a:ext>
+          </a:extLst>
+        </p:spPr>
+      </p:cxnSp>
+      <p:sp>
+        <p:nvSpPr>
+          <p:cNvPr id="24" name="Oval 97"/>
           <p:cNvSpPr>
             <a:spLocks noChangeAspect="1" noChangeArrowheads="1"/>
           </p:cNvSpPr>
@@ -12055,7 +12343,7 @@
         </p:nvSpPr>
         <p:spPr bwMode="gray">
           <a:xfrm>
-            <a:off x="7708513" y="4941264"/>
+            <a:off x="7708513" y="3436951"/>
             <a:ext cx="680272" cy="621884"/>
           </a:xfrm>
           <a:custGeom>
@@ -12133,7 +12421,6 @@
           <a:ln>
             <a:noFill/>
           </a:ln>
-          <a:extLst/>
         </p:spPr>
         <p:txBody>
           <a:bodyPr vert="horz" wrap="square" lIns="91440" tIns="45720" rIns="91440" bIns="45720" numCol="1" anchor="t" anchorCtr="0" compatLnSpc="1">
@@ -12151,15 +12438,60 @@
           </a:p>
         </p:txBody>
       </p:sp>
+      <p:cxnSp>
+        <p:nvCxnSpPr>
+          <p:cNvPr id="26" name="直線矢印コネクタ 25"/>
+          <p:cNvCxnSpPr>
+            <a:stCxn id="49" idx="3"/>
+            <a:endCxn id="33" idx="1"/>
+          </p:cNvCxnSpPr>
+          <p:nvPr/>
+        </p:nvCxnSpPr>
+        <p:spPr bwMode="auto">
+          <a:xfrm flipV="1">
+            <a:off x="2240089" y="3912386"/>
+            <a:ext cx="1870823" cy="1478326"/>
+          </a:xfrm>
+          <a:prstGeom prst="straightConnector1">
+            <a:avLst/>
+          </a:prstGeom>
+          <a:solidFill>
+            <a:schemeClr val="bg1"/>
+          </a:solidFill>
+          <a:ln w="38100" cap="flat" cmpd="sng" algn="ctr">
+            <a:solidFill>
+              <a:srgbClr val="FFC000"/>
+            </a:solidFill>
+            <a:prstDash val="solid"/>
+            <a:round/>
+            <a:headEnd type="none" w="med" len="med"/>
+            <a:tailEnd type="stealth"/>
+          </a:ln>
+          <a:effectLst/>
+          <a:extLst>
+            <a:ext uri="{AF507438-7753-43E0-B8FC-AC1667EBCBE1}">
+              <a14:hiddenEffects xmlns:a14="http://schemas.microsoft.com/office/drawing/2010/main">
+                <a:effectLst>
+                  <a:outerShdw dist="35921" dir="2700000" algn="ctr" rotWithShape="0">
+                    <a:schemeClr val="tx1">
+                      <a:alpha val="50000"/>
+                    </a:schemeClr>
+                  </a:outerShdw>
+                </a:effectLst>
+              </a14:hiddenEffects>
+            </a:ext>
+          </a:extLst>
+        </p:spPr>
+      </p:cxnSp>
       <p:sp>
         <p:nvSpPr>
-          <p:cNvPr id="36" name="角丸四角形 35"/>
+          <p:cNvPr id="29" name="角丸四角形 28"/>
           <p:cNvSpPr/>
           <p:nvPr/>
         </p:nvSpPr>
         <p:spPr bwMode="auto">
           <a:xfrm>
-            <a:off x="3439789" y="2618684"/>
+            <a:off x="3347830" y="2844642"/>
             <a:ext cx="2376330" cy="576080"/>
           </a:xfrm>
           <a:prstGeom prst="roundRect">
@@ -12174,7 +12506,6 @@
             </a:solidFill>
           </a:ln>
           <a:effectLst/>
-          <a:extLst/>
         </p:spPr>
         <p:txBody>
           <a:bodyPr rot="0" spcFirstLastPara="0" vertOverflow="overflow" horzOverflow="overflow" vert="horz" wrap="none" lIns="72000" tIns="72000" rIns="72000" bIns="72000" numCol="1" spcCol="0" rtlCol="0" fromWordArt="0" anchor="ctr" anchorCtr="0" forceAA="0" compatLnSpc="1">
@@ -12187,7 +12518,7 @@
           <a:p>
             <a:pPr algn="ctr"/>
             <a:r>
-              <a:rPr kumimoji="1" lang="en-US" altLang="ja-JP" sz="1400" b="1" dirty="0" smtClean="0">
+              <a:rPr kumimoji="1" lang="en-US" altLang="ja-JP" sz="1400" b="1" dirty="0">
                 <a:solidFill>
                   <a:srgbClr val="7030A0"/>
                 </a:solidFill>
@@ -12195,7 +12526,7 @@
               </a:rPr>
               <a:t>Terraform Cloud</a:t>
             </a:r>
-            <a:endParaRPr kumimoji="1" lang="ja-JP" altLang="en-US" sz="1400" b="1" dirty="0" smtClean="0">
+            <a:endParaRPr kumimoji="1" lang="ja-JP" altLang="en-US" sz="1400" b="1" dirty="0">
               <a:solidFill>
                 <a:srgbClr val="7030A0"/>
               </a:solidFill>
@@ -12206,14 +12537,14 @@
       </p:sp>
       <p:pic>
         <p:nvPicPr>
-          <p:cNvPr id="37" name="図 36"/>
+          <p:cNvPr id="33" name="図 32"/>
           <p:cNvPicPr>
             <a:picLocks noChangeAspect="1"/>
           </p:cNvPicPr>
           <p:nvPr/>
         </p:nvPicPr>
         <p:blipFill>
-          <a:blip r:embed="rId3">
+          <a:blip r:embed="rId2">
             <a:extLst>
               <a:ext uri="{28A0092B-C50C-407E-A947-70E740481C1C}">
                 <a14:useLocalDpi xmlns:a14="http://schemas.microsoft.com/office/drawing/2010/main" val="0"/>
@@ -12226,7 +12557,7 @@
         </p:blipFill>
         <p:spPr>
           <a:xfrm>
-            <a:off x="4146430" y="3541665"/>
+            <a:off x="4110912" y="3558150"/>
             <a:ext cx="850166" cy="708472"/>
           </a:xfrm>
           <a:prstGeom prst="rect">
@@ -12241,16 +12572,433 @@
           </a:ln>
         </p:spPr>
       </p:pic>
+      <p:sp>
+        <p:nvSpPr>
+          <p:cNvPr id="34" name="角丸四角形 33"/>
+          <p:cNvSpPr/>
+          <p:nvPr/>
+        </p:nvSpPr>
+        <p:spPr bwMode="auto">
+          <a:xfrm>
+            <a:off x="7080195" y="3010040"/>
+            <a:ext cx="1871090" cy="2736380"/>
+          </a:xfrm>
+          <a:prstGeom prst="roundRect">
+            <a:avLst/>
+          </a:prstGeom>
+          <a:noFill/>
+          <a:ln w="38100">
+            <a:solidFill>
+              <a:schemeClr val="accent6"/>
+            </a:solidFill>
+            <a:prstDash val="dash"/>
+          </a:ln>
+          <a:effectLst/>
+        </p:spPr>
+        <p:txBody>
+          <a:bodyPr rot="0" spcFirstLastPara="0" vertOverflow="overflow" horzOverflow="overflow" vert="horz" wrap="none" lIns="72000" tIns="72000" rIns="72000" bIns="72000" numCol="1" spcCol="0" rtlCol="0" fromWordArt="0" anchor="ctr" anchorCtr="0" forceAA="0" compatLnSpc="1">
+            <a:prstTxWarp prst="textNoShape">
+              <a:avLst/>
+            </a:prstTxWarp>
+            <a:noAutofit/>
+          </a:bodyPr>
+          <a:lstStyle/>
+          <a:p>
+            <a:pPr algn="ctr"/>
+            <a:endParaRPr kumimoji="1" lang="ja-JP" altLang="en-US" b="1" dirty="0">
+              <a:latin typeface="+mn-ea"/>
+            </a:endParaRPr>
+          </a:p>
+        </p:txBody>
+      </p:sp>
+      <p:sp>
+        <p:nvSpPr>
+          <p:cNvPr id="35" name="Oval 97"/>
+          <p:cNvSpPr>
+            <a:spLocks noChangeAspect="1" noChangeArrowheads="1"/>
+          </p:cNvSpPr>
+          <p:nvPr/>
+        </p:nvSpPr>
+        <p:spPr bwMode="gray">
+          <a:xfrm>
+            <a:off x="7708513" y="4824210"/>
+            <a:ext cx="680272" cy="621884"/>
+          </a:xfrm>
+          <a:custGeom>
+            <a:avLst/>
+            <a:gdLst/>
+            <a:ahLst/>
+            <a:cxnLst/>
+            <a:rect l="l" t="t" r="r" b="b"/>
+            <a:pathLst>
+              <a:path w="674688" h="654050">
+                <a:moveTo>
+                  <a:pt x="0" y="136525"/>
+                </a:moveTo>
+                <a:cubicBezTo>
+                  <a:pt x="60857" y="181035"/>
+                  <a:pt x="202106" y="205177"/>
+                  <a:pt x="337344" y="205177"/>
+                </a:cubicBezTo>
+                <a:cubicBezTo>
+                  <a:pt x="472582" y="205177"/>
+                  <a:pt x="614581" y="181035"/>
+                  <a:pt x="674687" y="136525"/>
+                </a:cubicBezTo>
+                <a:cubicBezTo>
+                  <a:pt x="674687" y="136525"/>
+                  <a:pt x="674687" y="136525"/>
+                  <a:pt x="673936" y="570311"/>
+                </a:cubicBezTo>
+                <a:cubicBezTo>
+                  <a:pt x="665671" y="606522"/>
+                  <a:pt x="539449" y="654050"/>
+                  <a:pt x="337344" y="654050"/>
+                </a:cubicBezTo>
+                <a:cubicBezTo>
+                  <a:pt x="135238" y="654050"/>
+                  <a:pt x="9016" y="606522"/>
+                  <a:pt x="752" y="570311"/>
+                </a:cubicBezTo>
+                <a:cubicBezTo>
+                  <a:pt x="752" y="570311"/>
+                  <a:pt x="752" y="570311"/>
+                  <a:pt x="0" y="136525"/>
+                </a:cubicBezTo>
+                <a:close/>
+                <a:moveTo>
+                  <a:pt x="337344" y="0"/>
+                </a:moveTo>
+                <a:cubicBezTo>
+                  <a:pt x="523654" y="0"/>
+                  <a:pt x="674688" y="39091"/>
+                  <a:pt x="674688" y="87313"/>
+                </a:cubicBezTo>
+                <a:cubicBezTo>
+                  <a:pt x="674688" y="135535"/>
+                  <a:pt x="523654" y="174626"/>
+                  <a:pt x="337344" y="174626"/>
+                </a:cubicBezTo>
+                <a:cubicBezTo>
+                  <a:pt x="151034" y="174626"/>
+                  <a:pt x="0" y="135535"/>
+                  <a:pt x="0" y="87313"/>
+                </a:cubicBezTo>
+                <a:cubicBezTo>
+                  <a:pt x="0" y="39091"/>
+                  <a:pt x="151034" y="0"/>
+                  <a:pt x="337344" y="0"/>
+                </a:cubicBezTo>
+                <a:close/>
+              </a:path>
+            </a:pathLst>
+          </a:custGeom>
+          <a:solidFill>
+            <a:schemeClr val="accent6"/>
+          </a:solidFill>
+          <a:ln>
+            <a:noFill/>
+          </a:ln>
+        </p:spPr>
+        <p:txBody>
+          <a:bodyPr vert="horz" wrap="square" lIns="91440" tIns="45720" rIns="91440" bIns="45720" numCol="1" anchor="t" anchorCtr="0" compatLnSpc="1">
+            <a:prstTxWarp prst="textNoShape">
+              <a:avLst/>
+            </a:prstTxWarp>
+          </a:bodyPr>
+          <a:lstStyle/>
+          <a:p>
+            <a:endParaRPr lang="ja-JP" altLang="en-US" dirty="0">
+              <a:solidFill>
+                <a:srgbClr val="000000"/>
+              </a:solidFill>
+            </a:endParaRPr>
+          </a:p>
+        </p:txBody>
+      </p:sp>
+      <p:sp>
+        <p:nvSpPr>
+          <p:cNvPr id="38" name="角丸四角形 37"/>
+          <p:cNvSpPr/>
+          <p:nvPr/>
+        </p:nvSpPr>
+        <p:spPr bwMode="auto">
+          <a:xfrm>
+            <a:off x="6084210" y="4521328"/>
+            <a:ext cx="1451361" cy="464703"/>
+          </a:xfrm>
+          <a:prstGeom prst="roundRect">
+            <a:avLst/>
+          </a:prstGeom>
+          <a:solidFill>
+            <a:schemeClr val="bg1"/>
+          </a:solidFill>
+          <a:ln w="28575">
+            <a:solidFill>
+              <a:srgbClr val="7030A0"/>
+            </a:solidFill>
+          </a:ln>
+          <a:effectLst/>
+        </p:spPr>
+        <p:txBody>
+          <a:bodyPr rot="0" spcFirstLastPara="0" vertOverflow="overflow" horzOverflow="overflow" vert="horz" wrap="none" lIns="72000" tIns="72000" rIns="72000" bIns="72000" numCol="1" spcCol="0" rtlCol="0" fromWordArt="0" anchor="ctr" anchorCtr="0" forceAA="0" compatLnSpc="1">
+            <a:prstTxWarp prst="textNoShape">
+              <a:avLst/>
+            </a:prstTxWarp>
+            <a:noAutofit/>
+          </a:bodyPr>
+          <a:lstStyle/>
+          <a:p>
+            <a:pPr algn="ctr"/>
+            <a:r>
+              <a:rPr kumimoji="1" lang="en-US" altLang="ja-JP" sz="1200" b="1" dirty="0">
+                <a:solidFill>
+                  <a:srgbClr val="7030A0"/>
+                </a:solidFill>
+                <a:latin typeface="+mn-ea"/>
+              </a:rPr>
+              <a:t>Terraform Cloud</a:t>
+            </a:r>
+          </a:p>
+          <a:p>
+            <a:pPr algn="ctr"/>
+            <a:r>
+              <a:rPr lang="en-US" altLang="ja-JP" sz="1200" b="1" dirty="0">
+                <a:solidFill>
+                  <a:srgbClr val="7030A0"/>
+                </a:solidFill>
+                <a:latin typeface="+mn-ea"/>
+              </a:rPr>
+              <a:t>Agents</a:t>
+            </a:r>
+            <a:endParaRPr kumimoji="1" lang="ja-JP" altLang="en-US" sz="1200" b="1" dirty="0">
+              <a:solidFill>
+                <a:srgbClr val="7030A0"/>
+              </a:solidFill>
+              <a:latin typeface="+mn-ea"/>
+            </a:endParaRPr>
+          </a:p>
+        </p:txBody>
+      </p:sp>
       <p:cxnSp>
         <p:nvCxnSpPr>
-          <p:cNvPr id="43" name="直線矢印コネクタ 42"/>
+          <p:cNvPr id="39" name="直線矢印コネクタ 38"/>
+          <p:cNvCxnSpPr>
+            <a:stCxn id="38" idx="3"/>
+          </p:cNvCxnSpPr>
+          <p:nvPr/>
+        </p:nvCxnSpPr>
+        <p:spPr bwMode="auto">
+          <a:xfrm>
+            <a:off x="7535571" y="4753680"/>
+            <a:ext cx="348889" cy="221031"/>
+          </a:xfrm>
+          <a:prstGeom prst="straightConnector1">
+            <a:avLst/>
+          </a:prstGeom>
+          <a:solidFill>
+            <a:schemeClr val="bg1"/>
+          </a:solidFill>
+          <a:ln w="38100" cap="flat" cmpd="sng" algn="ctr">
+            <a:solidFill>
+              <a:srgbClr val="FF0000"/>
+            </a:solidFill>
+            <a:prstDash val="solid"/>
+            <a:round/>
+            <a:headEnd type="none" w="med" len="med"/>
+            <a:tailEnd type="triangle"/>
+          </a:ln>
+          <a:effectLst/>
+          <a:extLst>
+            <a:ext uri="{AF507438-7753-43E0-B8FC-AC1667EBCBE1}">
+              <a14:hiddenEffects xmlns:a14="http://schemas.microsoft.com/office/drawing/2010/main">
+                <a:effectLst>
+                  <a:outerShdw dist="35921" dir="2700000" algn="ctr" rotWithShape="0">
+                    <a:schemeClr val="tx1">
+                      <a:alpha val="50000"/>
+                    </a:schemeClr>
+                  </a:outerShdw>
+                </a:effectLst>
+              </a14:hiddenEffects>
+            </a:ext>
+          </a:extLst>
+        </p:spPr>
+      </p:cxnSp>
+      <p:cxnSp>
+        <p:nvCxnSpPr>
+          <p:cNvPr id="40" name="曲線コネクタ 39"/>
           <p:cNvCxnSpPr/>
           <p:nvPr/>
         </p:nvCxnSpPr>
         <p:spPr bwMode="auto">
-          <a:xfrm>
-            <a:off x="5816119" y="2906724"/>
-            <a:ext cx="1892394" cy="738226"/>
+          <a:xfrm rot="16200000" flipH="1">
+            <a:off x="5566941" y="3294725"/>
+            <a:ext cx="1072831" cy="3137000"/>
+          </a:xfrm>
+          <a:prstGeom prst="curvedConnector2">
+            <a:avLst/>
+          </a:prstGeom>
+          <a:solidFill>
+            <a:schemeClr val="bg1"/>
+          </a:solidFill>
+          <a:ln w="38100" cap="flat" cmpd="sng" algn="ctr">
+            <a:solidFill>
+              <a:schemeClr val="bg2">
+                <a:lumMod val="65000"/>
+              </a:schemeClr>
+            </a:solidFill>
+            <a:prstDash val="dashDot"/>
+            <a:round/>
+            <a:headEnd type="none" w="med" len="med"/>
+            <a:tailEnd type="triangle"/>
+          </a:ln>
+          <a:effectLst/>
+          <a:extLst>
+            <a:ext uri="{AF507438-7753-43E0-B8FC-AC1667EBCBE1}">
+              <a14:hiddenEffects xmlns:a14="http://schemas.microsoft.com/office/drawing/2010/main">
+                <a:effectLst>
+                  <a:outerShdw dist="35921" dir="2700000" algn="ctr" rotWithShape="0">
+                    <a:schemeClr val="tx1">
+                      <a:alpha val="50000"/>
+                    </a:schemeClr>
+                  </a:outerShdw>
+                </a:effectLst>
+              </a14:hiddenEffects>
+            </a:ext>
+          </a:extLst>
+        </p:spPr>
+      </p:cxnSp>
+      <p:sp>
+        <p:nvSpPr>
+          <p:cNvPr id="41" name="テキスト ボックス 40"/>
+          <p:cNvSpPr txBox="1"/>
+          <p:nvPr/>
+        </p:nvSpPr>
+        <p:spPr>
+          <a:xfrm>
+            <a:off x="5405813" y="4699260"/>
+            <a:ext cx="803425" cy="1015663"/>
+          </a:xfrm>
+          <a:prstGeom prst="rect">
+            <a:avLst/>
+          </a:prstGeom>
+          <a:noFill/>
+        </p:spPr>
+        <p:txBody>
+          <a:bodyPr wrap="none" rtlCol="0">
+            <a:spAutoFit/>
+          </a:bodyPr>
+          <a:lstStyle/>
+          <a:p>
+            <a:r>
+              <a:rPr kumimoji="1" lang="en-US" altLang="ja-JP" sz="6000" dirty="0">
+                <a:solidFill>
+                  <a:srgbClr val="FF0000"/>
+                </a:solidFill>
+              </a:rPr>
+              <a:t>×</a:t>
+            </a:r>
+            <a:endParaRPr kumimoji="1" lang="ja-JP" altLang="en-US" sz="6000" dirty="0">
+              <a:solidFill>
+                <a:srgbClr val="FF0000"/>
+              </a:solidFill>
+            </a:endParaRPr>
+          </a:p>
+        </p:txBody>
+      </p:sp>
+      <p:sp>
+        <p:nvSpPr>
+          <p:cNvPr id="44" name="テキスト ボックス 43"/>
+          <p:cNvSpPr txBox="1"/>
+          <p:nvPr/>
+        </p:nvSpPr>
+        <p:spPr>
+          <a:xfrm>
+            <a:off x="7550266" y="2636890"/>
+            <a:ext cx="883512" cy="307777"/>
+          </a:xfrm>
+          <a:prstGeom prst="rect">
+            <a:avLst/>
+          </a:prstGeom>
+          <a:noFill/>
+        </p:spPr>
+        <p:txBody>
+          <a:bodyPr wrap="none" rtlCol="0">
+            <a:spAutoFit/>
+          </a:bodyPr>
+          <a:lstStyle/>
+          <a:p>
+            <a:pPr algn="ctr"/>
+            <a:r>
+              <a:rPr lang="en-US" altLang="ja-JP" sz="1400" b="1" dirty="0" smtClean="0">
+                <a:solidFill>
+                  <a:srgbClr val="002B62"/>
+                </a:solidFill>
+              </a:rPr>
+              <a:t>System</a:t>
+            </a:r>
+            <a:endParaRPr lang="ja-JP" altLang="en-US" sz="1400" b="1" dirty="0">
+              <a:solidFill>
+                <a:srgbClr val="002B62"/>
+              </a:solidFill>
+            </a:endParaRPr>
+          </a:p>
+        </p:txBody>
+      </p:sp>
+      <p:cxnSp>
+        <p:nvCxnSpPr>
+          <p:cNvPr id="45" name="直線矢印コネクタ 44"/>
+          <p:cNvCxnSpPr/>
+          <p:nvPr/>
+        </p:nvCxnSpPr>
+        <p:spPr bwMode="auto">
+          <a:xfrm>
+            <a:off x="4996596" y="3912386"/>
+            <a:ext cx="2711917" cy="6299"/>
+          </a:xfrm>
+          <a:prstGeom prst="straightConnector1">
+            <a:avLst/>
+          </a:prstGeom>
+          <a:solidFill>
+            <a:schemeClr val="bg1"/>
+          </a:solidFill>
+          <a:ln w="38100" cap="flat" cmpd="sng" algn="ctr">
+            <a:solidFill>
+              <a:srgbClr val="FFC000"/>
+            </a:solidFill>
+            <a:prstDash val="solid"/>
+            <a:round/>
+            <a:headEnd type="none" w="med" len="med"/>
+            <a:tailEnd type="triangle"/>
+          </a:ln>
+          <a:effectLst/>
+          <a:extLst>
+            <a:ext uri="{AF507438-7753-43E0-B8FC-AC1667EBCBE1}">
+              <a14:hiddenEffects xmlns:a14="http://schemas.microsoft.com/office/drawing/2010/main">
+                <a:effectLst>
+                  <a:outerShdw dist="35921" dir="2700000" algn="ctr" rotWithShape="0">
+                    <a:schemeClr val="tx1">
+                      <a:alpha val="50000"/>
+                    </a:schemeClr>
+                  </a:outerShdw>
+                </a:effectLst>
+              </a14:hiddenEffects>
+            </a:ext>
+          </a:extLst>
+        </p:spPr>
+      </p:cxnSp>
+      <p:cxnSp>
+        <p:nvCxnSpPr>
+          <p:cNvPr id="46" name="直線矢印コネクタ 45"/>
+          <p:cNvCxnSpPr>
+            <a:stCxn id="29" idx="3"/>
+          </p:cNvCxnSpPr>
+          <p:nvPr/>
+        </p:nvCxnSpPr>
+        <p:spPr bwMode="auto">
+          <a:xfrm>
+            <a:off x="5724160" y="3132682"/>
+            <a:ext cx="1898967" cy="395214"/>
           </a:xfrm>
           <a:prstGeom prst="straightConnector1">
             <a:avLst/>
@@ -12283,40 +13031,180 @@
           </a:extLst>
         </p:spPr>
       </p:cxnSp>
-      <p:sp>
-        <p:nvSpPr>
-          <p:cNvPr id="20" name="テキスト ボックス 19"/>
-          <p:cNvSpPr txBox="1"/>
+      <p:cxnSp>
+        <p:nvCxnSpPr>
+          <p:cNvPr id="47" name="直線矢印コネクタ 46"/>
+          <p:cNvCxnSpPr>
+            <a:endCxn id="38" idx="0"/>
+          </p:cNvCxnSpPr>
           <p:nvPr/>
-        </p:nvSpPr>
+        </p:nvCxnSpPr>
+        <p:spPr bwMode="auto">
+          <a:xfrm>
+            <a:off x="5658856" y="3436951"/>
+            <a:ext cx="1151035" cy="1084377"/>
+          </a:xfrm>
+          <a:prstGeom prst="straightConnector1">
+            <a:avLst/>
+          </a:prstGeom>
+          <a:solidFill>
+            <a:schemeClr val="bg1"/>
+          </a:solidFill>
+          <a:ln w="38100" cap="flat" cmpd="sng" algn="ctr">
+            <a:solidFill>
+              <a:srgbClr val="FF0000"/>
+            </a:solidFill>
+            <a:prstDash val="solid"/>
+            <a:round/>
+            <a:headEnd type="triangle" w="med" len="med"/>
+            <a:tailEnd type="triangle"/>
+          </a:ln>
+          <a:effectLst/>
+          <a:extLst>
+            <a:ext uri="{AF507438-7753-43E0-B8FC-AC1667EBCBE1}">
+              <a14:hiddenEffects xmlns:a14="http://schemas.microsoft.com/office/drawing/2010/main">
+                <a:effectLst>
+                  <a:outerShdw dist="35921" dir="2700000" algn="ctr" rotWithShape="0">
+                    <a:schemeClr val="tx1">
+                      <a:alpha val="50000"/>
+                    </a:schemeClr>
+                  </a:outerShdw>
+                </a:effectLst>
+              </a14:hiddenEffects>
+            </a:ext>
+          </a:extLst>
+        </p:spPr>
+      </p:cxnSp>
+      <p:pic>
+        <p:nvPicPr>
+          <p:cNvPr id="49" name="図 48"/>
+          <p:cNvPicPr>
+            <a:picLocks noChangeAspect="1"/>
+          </p:cNvPicPr>
+          <p:nvPr/>
+        </p:nvPicPr>
+        <p:blipFill>
+          <a:blip r:embed="rId3">
+            <a:extLst>
+              <a:ext uri="{28A0092B-C50C-407E-A947-70E740481C1C}">
+                <a14:useLocalDpi xmlns:a14="http://schemas.microsoft.com/office/drawing/2010/main" val="0"/>
+              </a:ext>
+            </a:extLst>
+          </a:blip>
+          <a:stretch>
+            <a:fillRect/>
+          </a:stretch>
+        </p:blipFill>
         <p:spPr>
           <a:xfrm>
-            <a:off x="56231" y="3056626"/>
-            <a:ext cx="461665" cy="1561805"/>
+            <a:off x="1510605" y="5025970"/>
+            <a:ext cx="729484" cy="729484"/>
           </a:xfrm>
           <a:prstGeom prst="rect">
             <a:avLst/>
           </a:prstGeom>
-          <a:noFill/>
+        </p:spPr>
+      </p:pic>
+      <p:cxnSp>
+        <p:nvCxnSpPr>
+          <p:cNvPr id="50" name="直線矢印コネクタ 49"/>
+          <p:cNvCxnSpPr>
+            <a:stCxn id="49" idx="3"/>
+            <a:endCxn id="29" idx="1"/>
+          </p:cNvCxnSpPr>
+          <p:nvPr/>
+        </p:nvCxnSpPr>
+        <p:spPr bwMode="auto">
+          <a:xfrm flipV="1">
+            <a:off x="2240089" y="3132682"/>
+            <a:ext cx="1107741" cy="2258030"/>
+          </a:xfrm>
+          <a:prstGeom prst="straightConnector1">
+            <a:avLst/>
+          </a:prstGeom>
+          <a:solidFill>
+            <a:schemeClr val="bg1"/>
+          </a:solidFill>
+          <a:ln w="38100" cap="flat" cmpd="sng" algn="ctr">
+            <a:solidFill>
+              <a:srgbClr val="002B62"/>
+            </a:solidFill>
+            <a:prstDash val="solid"/>
+            <a:round/>
+            <a:headEnd type="none" w="med" len="med"/>
+            <a:tailEnd type="stealth"/>
+          </a:ln>
+          <a:effectLst/>
+          <a:extLst>
+            <a:ext uri="{AF507438-7753-43E0-B8FC-AC1667EBCBE1}">
+              <a14:hiddenEffects xmlns:a14="http://schemas.microsoft.com/office/drawing/2010/main">
+                <a:effectLst>
+                  <a:outerShdw dist="35921" dir="2700000" algn="ctr" rotWithShape="0">
+                    <a:schemeClr val="tx1">
+                      <a:alpha val="50000"/>
+                    </a:schemeClr>
+                  </a:outerShdw>
+                </a:effectLst>
+              </a14:hiddenEffects>
+            </a:ext>
+          </a:extLst>
+        </p:spPr>
+      </p:cxnSp>
+      <p:sp>
+        <p:nvSpPr>
+          <p:cNvPr id="52" name="角丸四角形吹き出し 51"/>
+          <p:cNvSpPr/>
+          <p:nvPr/>
+        </p:nvSpPr>
+        <p:spPr bwMode="auto">
+          <a:xfrm>
+            <a:off x="2590586" y="5527887"/>
+            <a:ext cx="3888540" cy="916916"/>
+          </a:xfrm>
+          <a:prstGeom prst="wedgeRoundRectCallout">
+            <a:avLst>
+              <a:gd name="adj1" fmla="val 30272"/>
+              <a:gd name="adj2" fmla="val -71728"/>
+              <a:gd name="adj3" fmla="val 16667"/>
+            </a:avLst>
+          </a:prstGeom>
+          <a:solidFill>
+            <a:schemeClr val="bg1"/>
+          </a:solidFill>
+          <a:ln w="28575">
+            <a:solidFill>
+              <a:srgbClr val="002B62"/>
+            </a:solidFill>
+          </a:ln>
+          <a:effectLst/>
         </p:spPr>
         <p:txBody>
-          <a:bodyPr vert="eaVert" wrap="square" rtlCol="0">
-            <a:spAutoFit/>
+          <a:bodyPr rot="0" spcFirstLastPara="0" vertOverflow="overflow" horzOverflow="overflow" vert="horz" wrap="none" lIns="72000" tIns="72000" rIns="72000" bIns="72000" numCol="1" spcCol="0" rtlCol="0" fromWordArt="0" anchor="ctr" anchorCtr="0" forceAA="0" compatLnSpc="1">
+            <a:prstTxWarp prst="textNoShape">
+              <a:avLst/>
+            </a:prstTxWarp>
+            <a:noAutofit/>
           </a:bodyPr>
           <a:lstStyle/>
           <a:p>
-            <a:r>
-              <a:rPr kumimoji="1" lang="en-US" altLang="ja-JP" b="1" dirty="0" smtClean="0">
-                <a:solidFill>
-                  <a:srgbClr val="002B62"/>
-                </a:solidFill>
-              </a:rPr>
-              <a:t>Cloud</a:t>
-            </a:r>
-            <a:endParaRPr kumimoji="1" lang="ja-JP" altLang="en-US" b="1" dirty="0">
-              <a:solidFill>
-                <a:srgbClr val="002B62"/>
-              </a:solidFill>
+            <a:pPr algn="ctr"/>
+            <a:r>
+              <a:rPr lang="en-US" altLang="ja-JP" sz="1600" b="1" dirty="0" smtClean="0">
+                <a:latin typeface="+mn-ea"/>
+              </a:rPr>
+              <a:t>Cannot connect, meaning that it </a:t>
+            </a:r>
+          </a:p>
+          <a:p>
+            <a:pPr algn="ctr"/>
+            <a:r>
+              <a:rPr lang="en-US" altLang="ja-JP" sz="1600" b="1" dirty="0" smtClean="0">
+                <a:latin typeface="+mn-ea"/>
+              </a:rPr>
+              <a:t>Can’t be configured with Ansible.</a:t>
+            </a:r>
+            <a:endParaRPr kumimoji="1" lang="ja-JP" altLang="en-US" sz="1600" b="1" dirty="0">
+              <a:latin typeface="+mn-ea"/>
             </a:endParaRPr>
           </a:p>
         </p:txBody>
@@ -13077,7 +13965,7 @@
       </p:grpSpPr>
       <p:pic>
         <p:nvPicPr>
-          <p:cNvPr id="3" name="図 2"/>
+          <p:cNvPr id="4" name="図 3"/>
           <p:cNvPicPr>
             <a:picLocks noChangeAspect="1"/>
           </p:cNvPicPr>
@@ -13091,8 +13979,8 @@
         </p:blipFill>
         <p:spPr>
           <a:xfrm>
-            <a:off x="6752655" y="1309114"/>
-            <a:ext cx="1752600" cy="4095750"/>
+            <a:off x="6752654" y="1303735"/>
+            <a:ext cx="1752601" cy="4273318"/>
           </a:xfrm>
           <a:prstGeom prst="rect">
             <a:avLst/>
@@ -13354,8 +14242,8 @@
         </p:nvSpPr>
         <p:spPr bwMode="auto">
           <a:xfrm>
-            <a:off x="6752655" y="1309114"/>
-            <a:ext cx="1752600" cy="4095750"/>
+            <a:off x="6752655" y="1309113"/>
+            <a:ext cx="1752600" cy="4267939"/>
           </a:xfrm>
           <a:prstGeom prst="rect">
             <a:avLst/>
@@ -13402,7 +14290,9 @@
           </a:xfrm>
         </p:spPr>
         <p:txBody>
-          <a:bodyPr/>
+          <a:bodyPr>
+            <a:normAutofit fontScale="92500" lnSpcReduction="20000"/>
+          </a:bodyPr>
           <a:lstStyle/>
           <a:p>
             <a:r>
@@ -13426,8 +14316,13 @@
             </a:r>
             <a:r>
               <a:rPr lang="en-US" altLang="ja-JP" sz="1400" b="1" dirty="0" smtClean="0"/>
-              <a:t>link list</a:t>
-            </a:r>
+              <a:t>link </a:t>
+            </a:r>
+            <a:r>
+              <a:rPr lang="en-US" altLang="ja-JP" sz="1400" b="1" dirty="0" smtClean="0"/>
+              <a:t>list</a:t>
+            </a:r>
+            <a:endParaRPr lang="en-US" altLang="ja-JP" sz="1400" b="1" dirty="0" smtClean="0"/>
           </a:p>
           <a:p>
             <a:pPr marL="180000" lvl="1" indent="0">
@@ -13447,7 +14342,11 @@
             </a:r>
             <a:r>
               <a:rPr lang="en-US" altLang="ja-JP" sz="1400" dirty="0" smtClean="0"/>
-              <a:t> and Workspaces.</a:t>
+              <a:t> and Workspaces</a:t>
+            </a:r>
+            <a:r>
+              <a:rPr lang="en-US" altLang="ja-JP" sz="1400" dirty="0" smtClean="0"/>
+              <a:t>.</a:t>
             </a:r>
             <a:endParaRPr lang="en-US" altLang="ja-JP" sz="1400" b="1" dirty="0" smtClean="0"/>
           </a:p>
@@ -13471,13 +14370,120 @@
               <a:buNone/>
             </a:pPr>
             <a:r>
-              <a:rPr lang="ja-JP" altLang="en-US" sz="1400" b="1" dirty="0"/>
-              <a:t>　</a:t>
+              <a:rPr lang="en-US" altLang="ja-JP" sz="1400" dirty="0"/>
+              <a:t> </a:t>
             </a:r>
             <a:r>
               <a:rPr lang="en-US" altLang="ja-JP" sz="1400" dirty="0" smtClean="0"/>
-              <a:t>Manages links between Movement and Module files.</a:t>
-            </a:r>
+              <a:t>  Manages </a:t>
+            </a:r>
+            <a:r>
+              <a:rPr lang="en-US" altLang="ja-JP" sz="1400" dirty="0"/>
+              <a:t>links between Movement and Module files</a:t>
+            </a:r>
+            <a:r>
+              <a:rPr lang="en-US" altLang="ja-JP" sz="1400" dirty="0" smtClean="0"/>
+              <a:t>.</a:t>
+            </a:r>
+            <a:endParaRPr lang="en-US" altLang="ja-JP" sz="1400" b="1" dirty="0" smtClean="0"/>
+          </a:p>
+          <a:p>
+            <a:pPr lvl="1"/>
+            <a:r>
+              <a:rPr lang="en-US" altLang="ja-JP" sz="1400" b="1" dirty="0" smtClean="0"/>
+              <a:t>Nested variable list</a:t>
+            </a:r>
+            <a:endParaRPr lang="en-US" altLang="ja-JP" sz="1400" b="1" dirty="0" smtClean="0"/>
+          </a:p>
+          <a:p>
+            <a:pPr marL="180000" lvl="1" indent="0">
+              <a:buNone/>
+            </a:pPr>
+            <a:r>
+              <a:rPr lang="en-US" altLang="ja-JP" sz="1400" dirty="0"/>
+              <a:t> </a:t>
+            </a:r>
+            <a:r>
+              <a:rPr lang="en-US" altLang="ja-JP" sz="1400" dirty="0"/>
+              <a:t>  If the type of the variables inside the </a:t>
+            </a:r>
+            <a:r>
+              <a:rPr lang="en-US" altLang="ja-JP" sz="1400" dirty="0" err="1"/>
+              <a:t>tf</a:t>
+            </a:r>
+            <a:r>
+              <a:rPr lang="en-US" altLang="ja-JP" sz="1400" dirty="0"/>
+              <a:t> files registered to </a:t>
+            </a:r>
+            <a:r>
+              <a:rPr lang="en-US" altLang="ja-JP" sz="1400" dirty="0" smtClean="0"/>
+              <a:t>the</a:t>
+            </a:r>
+            <a:br>
+              <a:rPr lang="en-US" altLang="ja-JP" sz="1400" dirty="0" smtClean="0"/>
+            </a:br>
+            <a:r>
+              <a:rPr lang="en-US" altLang="ja-JP" sz="1400" dirty="0" smtClean="0"/>
+              <a:t>   Module </a:t>
+            </a:r>
+            <a:r>
+              <a:rPr lang="en-US" altLang="ja-JP" sz="1400" dirty="0"/>
+              <a:t>file collection are "list" or "set" and </a:t>
+            </a:r>
+            <a:r>
+              <a:rPr lang="en-US" altLang="ja-JP" sz="1400" dirty="0" smtClean="0"/>
+              <a:t/>
+            </a:r>
+            <a:br>
+              <a:rPr lang="en-US" altLang="ja-JP" sz="1400" dirty="0" smtClean="0"/>
+            </a:br>
+            <a:r>
+              <a:rPr lang="en-US" altLang="ja-JP" sz="1400" dirty="0" smtClean="0"/>
+              <a:t>   "</a:t>
+            </a:r>
+            <a:r>
+              <a:rPr lang="en-US" altLang="ja-JP" sz="1400" dirty="0"/>
+              <a:t>List", "set", "</a:t>
+            </a:r>
+            <a:r>
+              <a:rPr lang="en-US" altLang="ja-JP" sz="1400" dirty="0" smtClean="0"/>
+              <a:t>tuple</a:t>
+            </a:r>
+            <a:r>
+              <a:rPr lang="en-US" altLang="ja-JP" sz="1400" dirty="0"/>
+              <a:t>", "object" is defined within said variables</a:t>
+            </a:r>
+            <a:r>
+              <a:rPr lang="en-US" altLang="ja-JP" sz="1400" dirty="0" smtClean="0"/>
+              <a:t>,</a:t>
+            </a:r>
+            <a:br>
+              <a:rPr lang="en-US" altLang="ja-JP" sz="1400" dirty="0" smtClean="0"/>
+            </a:br>
+            <a:r>
+              <a:rPr lang="en-US" altLang="ja-JP" sz="1400" dirty="0" smtClean="0"/>
+              <a:t>   users </a:t>
+            </a:r>
+            <a:r>
+              <a:rPr lang="en-US" altLang="ja-JP" sz="1400" dirty="0"/>
+              <a:t>can use this menu to maintain </a:t>
+            </a:r>
+            <a:r>
+              <a:rPr lang="en-US" altLang="ja-JP" sz="1400" dirty="0" smtClean="0"/>
+              <a:t/>
+            </a:r>
+            <a:br>
+              <a:rPr lang="en-US" altLang="ja-JP" sz="1400" dirty="0" smtClean="0"/>
+            </a:br>
+            <a:r>
+              <a:rPr lang="en-US" altLang="ja-JP" sz="1400" dirty="0" smtClean="0"/>
+              <a:t>   (</a:t>
+            </a:r>
+            <a:r>
+              <a:rPr lang="en-US" altLang="ja-JP" sz="1400" dirty="0"/>
+              <a:t>see/update) the Member variables maximum amount of repetitions.</a:t>
+            </a:r>
+            <a:endParaRPr lang="en-US" altLang="ja-JP" sz="1400" dirty="0" smtClean="0"/>
           </a:p>
           <a:p>
             <a:pPr lvl="1"/>
@@ -17340,16 +18346,16 @@
       </p:sp>
       <p:grpSp>
         <p:nvGrpSpPr>
-          <p:cNvPr id="14" name="グループ化 13"/>
+          <p:cNvPr id="75" name="グループ化 74"/>
           <p:cNvGrpSpPr/>
           <p:nvPr/>
         </p:nvGrpSpPr>
         <p:grpSpPr>
           <a:xfrm>
-            <a:off x="251400" y="2638428"/>
-            <a:ext cx="6480900" cy="3742982"/>
+            <a:off x="467430" y="2388860"/>
+            <a:ext cx="5904000" cy="3742982"/>
             <a:chOff x="251400" y="2638428"/>
-            <a:chExt cx="5904820" cy="3742982"/>
+            <a:chExt cx="5444800" cy="3742982"/>
           </a:xfrm>
           <a:solidFill>
             <a:schemeClr val="bg1"/>
@@ -17357,28 +18363,27 @@
         </p:grpSpPr>
         <p:sp>
           <p:nvSpPr>
-            <p:cNvPr id="6" name="角丸四角形 5"/>
+            <p:cNvPr id="76" name="角丸四角形 5"/>
             <p:cNvSpPr/>
             <p:nvPr/>
           </p:nvSpPr>
           <p:spPr bwMode="auto">
             <a:xfrm>
               <a:off x="251400" y="2638428"/>
-              <a:ext cx="5904820" cy="3742982"/>
+              <a:ext cx="5444800" cy="3742982"/>
             </a:xfrm>
-            <a:prstGeom prst="roundRect">
-              <a:avLst>
-                <a:gd name="adj" fmla="val 4961"/>
-              </a:avLst>
+            <a:prstGeom prst="rect">
+              <a:avLst/>
             </a:prstGeom>
-            <a:grpFill/>
+            <a:solidFill>
+              <a:srgbClr val="002B62"/>
+            </a:solidFill>
             <a:ln w="38100">
               <a:solidFill>
                 <a:srgbClr val="002B62"/>
               </a:solidFill>
             </a:ln>
             <a:effectLst/>
-            <a:extLst/>
           </p:spPr>
           <p:txBody>
             <a:bodyPr rot="0" spcFirstLastPara="0" vertOverflow="overflow" horzOverflow="overflow" vert="horz" wrap="none" lIns="72000" tIns="72000" rIns="72000" bIns="72000" numCol="1" spcCol="0" rtlCol="0" fromWordArt="0" anchor="ctr" anchorCtr="0" forceAA="0" compatLnSpc="1">
@@ -17390,7 +18395,7 @@
             <a:lstStyle/>
             <a:p>
               <a:pPr algn="ctr"/>
-              <a:endParaRPr kumimoji="1" lang="ja-JP" altLang="en-US" b="1" dirty="0" smtClean="0">
+              <a:endParaRPr kumimoji="1" lang="ja-JP" altLang="en-US" b="1" dirty="0">
                 <a:latin typeface="+mn-ea"/>
               </a:endParaRPr>
             </a:p>
@@ -17398,13 +18403,13 @@
         </p:sp>
         <p:sp>
           <p:nvSpPr>
-            <p:cNvPr id="11" name="テキスト ボックス 10"/>
+            <p:cNvPr id="77" name="テキスト ボックス 76"/>
             <p:cNvSpPr txBox="1"/>
             <p:nvPr/>
           </p:nvSpPr>
           <p:spPr>
             <a:xfrm>
-              <a:off x="356857" y="2708900"/>
+              <a:off x="315714" y="2708900"/>
               <a:ext cx="648090" cy="369332"/>
             </a:xfrm>
             <a:prstGeom prst="rect">
@@ -17422,16 +18427,16 @@
             <a:lstStyle/>
             <a:p>
               <a:r>
-                <a:rPr kumimoji="1" lang="en-US" altLang="ja-JP" b="1" dirty="0" smtClean="0">
+                <a:rPr kumimoji="1" lang="en-US" altLang="ja-JP" b="1" dirty="0">
                   <a:solidFill>
-                    <a:srgbClr val="002B62"/>
+                    <a:schemeClr val="bg1"/>
                   </a:solidFill>
                 </a:rPr>
                 <a:t>ITA</a:t>
               </a:r>
               <a:endParaRPr kumimoji="1" lang="ja-JP" altLang="en-US" b="1" dirty="0">
                 <a:solidFill>
-                  <a:srgbClr val="002B62"/>
+                  <a:schemeClr val="bg1"/>
                 </a:solidFill>
               </a:endParaRPr>
             </a:p>
@@ -17440,20 +18445,23 @@
       </p:grpSp>
       <p:sp>
         <p:nvSpPr>
-          <p:cNvPr id="15" name="正方形/長方形 14"/>
+          <p:cNvPr id="79" name="正方形/長方形 78"/>
           <p:cNvSpPr/>
           <p:nvPr/>
         </p:nvSpPr>
         <p:spPr bwMode="auto">
           <a:xfrm>
-            <a:off x="367144" y="3190046"/>
-            <a:ext cx="5896452" cy="3119354"/>
+            <a:off x="583174" y="2847774"/>
+            <a:ext cx="5652000" cy="3119354"/>
           </a:xfrm>
           <a:prstGeom prst="rect">
             <a:avLst/>
           </a:prstGeom>
           <a:solidFill>
-            <a:schemeClr val="bg1"/>
+            <a:schemeClr val="accent6">
+              <a:lumMod val="10000"/>
+              <a:lumOff val="90000"/>
+            </a:schemeClr>
           </a:solidFill>
           <a:ln w="38100">
             <a:solidFill>
@@ -17461,7 +18469,6 @@
             </a:solidFill>
           </a:ln>
           <a:effectLst/>
-          <a:extLst/>
         </p:spPr>
         <p:txBody>
           <a:bodyPr rot="0" spcFirstLastPara="0" vertOverflow="overflow" horzOverflow="overflow" vert="horz" wrap="none" lIns="72000" tIns="72000" rIns="72000" bIns="72000" numCol="1" spcCol="0" rtlCol="0" fromWordArt="0" anchor="ctr" anchorCtr="0" forceAA="0" compatLnSpc="1">
@@ -17473,7 +18480,7 @@
           <a:lstStyle/>
           <a:p>
             <a:pPr algn="ctr"/>
-            <a:endParaRPr kumimoji="1" lang="ja-JP" altLang="en-US" sz="1000" b="1" dirty="0" smtClean="0">
+            <a:endParaRPr kumimoji="1" lang="ja-JP" altLang="en-US" sz="1000" b="1" dirty="0">
               <a:latin typeface="+mn-ea"/>
             </a:endParaRPr>
           </a:p>
@@ -17481,14 +18488,14 @@
       </p:sp>
       <p:sp>
         <p:nvSpPr>
-          <p:cNvPr id="16" name="テキスト ボックス 15"/>
+          <p:cNvPr id="80" name="テキスト ボックス 79"/>
           <p:cNvSpPr txBox="1"/>
           <p:nvPr/>
         </p:nvSpPr>
         <p:spPr>
           <a:xfrm>
-            <a:off x="367145" y="3256112"/>
-            <a:ext cx="1154718" cy="461665"/>
+            <a:off x="680901" y="2976229"/>
+            <a:ext cx="1576831" cy="276999"/>
           </a:xfrm>
           <a:prstGeom prst="rect">
             <a:avLst/>
@@ -17502,12 +18509,12 @@
           <a:lstStyle/>
           <a:p>
             <a:r>
-              <a:rPr kumimoji="1" lang="en-US" altLang="ja-JP" sz="1200" b="1" dirty="0" smtClean="0">
+              <a:rPr lang="en-US" altLang="ja-JP" sz="1200" b="1" dirty="0" smtClean="0">
                 <a:solidFill>
                   <a:srgbClr val="002B62"/>
                 </a:solidFill>
               </a:rPr>
-              <a:t>Link Settings</a:t>
+              <a:t>Link settings</a:t>
             </a:r>
             <a:endParaRPr kumimoji="1" lang="ja-JP" altLang="en-US" sz="1200" b="1" dirty="0">
               <a:solidFill>
@@ -17519,14 +18526,14 @@
       </p:sp>
       <p:sp>
         <p:nvSpPr>
-          <p:cNvPr id="17" name="正方形/長方形 16"/>
+          <p:cNvPr id="81" name="正方形/長方形 80"/>
           <p:cNvSpPr/>
           <p:nvPr/>
         </p:nvSpPr>
         <p:spPr bwMode="auto">
           <a:xfrm>
-            <a:off x="448765" y="3748756"/>
-            <a:ext cx="2619186" cy="2149823"/>
+            <a:off x="6660290" y="2391014"/>
+            <a:ext cx="2088290" cy="3740827"/>
           </a:xfrm>
           <a:prstGeom prst="rect">
             <a:avLst/>
@@ -17534,12 +18541,10 @@
           <a:noFill/>
           <a:ln w="28575">
             <a:solidFill>
-              <a:srgbClr val="002B62"/>
+              <a:srgbClr val="4C40BC"/>
             </a:solidFill>
-            <a:prstDash val="sysDash"/>
           </a:ln>
           <a:effectLst/>
-          <a:extLst/>
         </p:spPr>
         <p:txBody>
           <a:bodyPr rot="0" spcFirstLastPara="0" vertOverflow="overflow" horzOverflow="overflow" vert="horz" wrap="none" lIns="72000" tIns="72000" rIns="72000" bIns="72000" numCol="1" spcCol="0" rtlCol="0" fromWordArt="0" anchor="ctr" anchorCtr="0" forceAA="0" compatLnSpc="1">
@@ -17551,7 +18556,77 @@
           <a:lstStyle/>
           <a:p>
             <a:pPr algn="ctr"/>
-            <a:endParaRPr kumimoji="1" lang="ja-JP" altLang="en-US" b="1" dirty="0" smtClean="0">
+            <a:endParaRPr kumimoji="1" lang="ja-JP" altLang="en-US" b="1" dirty="0">
+              <a:latin typeface="+mn-ea"/>
+            </a:endParaRPr>
+          </a:p>
+        </p:txBody>
+      </p:sp>
+      <p:pic>
+        <p:nvPicPr>
+          <p:cNvPr id="82" name="図 81"/>
+          <p:cNvPicPr>
+            <a:picLocks noChangeAspect="1"/>
+          </p:cNvPicPr>
+          <p:nvPr/>
+        </p:nvPicPr>
+        <p:blipFill>
+          <a:blip r:embed="rId2">
+            <a:extLst>
+              <a:ext uri="{28A0092B-C50C-407E-A947-70E740481C1C}">
+                <a14:useLocalDpi xmlns:a14="http://schemas.microsoft.com/office/drawing/2010/main" val="0"/>
+              </a:ext>
+            </a:extLst>
+          </a:blip>
+          <a:stretch>
+            <a:fillRect/>
+          </a:stretch>
+        </p:blipFill>
+        <p:spPr>
+          <a:xfrm>
+            <a:off x="6754878" y="2350717"/>
+            <a:ext cx="1078463" cy="517662"/>
+          </a:xfrm>
+          <a:prstGeom prst="rect">
+            <a:avLst/>
+          </a:prstGeom>
+        </p:spPr>
+      </p:pic>
+      <p:sp>
+        <p:nvSpPr>
+          <p:cNvPr id="84" name="正方形/長方形 83"/>
+          <p:cNvSpPr/>
+          <p:nvPr/>
+        </p:nvSpPr>
+        <p:spPr bwMode="auto">
+          <a:xfrm>
+            <a:off x="6745779" y="2834512"/>
+            <a:ext cx="1917312" cy="3132616"/>
+          </a:xfrm>
+          <a:prstGeom prst="rect">
+            <a:avLst/>
+          </a:prstGeom>
+          <a:solidFill>
+            <a:srgbClr val="4C40BC"/>
+          </a:solidFill>
+          <a:ln w="19050">
+            <a:solidFill>
+              <a:srgbClr val="4C40BC"/>
+            </a:solidFill>
+          </a:ln>
+          <a:effectLst/>
+        </p:spPr>
+        <p:txBody>
+          <a:bodyPr rot="0" spcFirstLastPara="0" vertOverflow="overflow" horzOverflow="overflow" vert="horz" wrap="none" lIns="72000" tIns="72000" rIns="72000" bIns="72000" numCol="1" spcCol="0" rtlCol="0" fromWordArt="0" anchor="ctr" anchorCtr="0" forceAA="0" compatLnSpc="1">
+            <a:prstTxWarp prst="textNoShape">
+              <a:avLst/>
+            </a:prstTxWarp>
+            <a:noAutofit/>
+          </a:bodyPr>
+          <a:lstStyle/>
+          <a:p>
+            <a:pPr algn="ctr"/>
+            <a:endParaRPr kumimoji="1" lang="ja-JP" altLang="en-US" b="1" dirty="0">
               <a:latin typeface="+mn-ea"/>
             </a:endParaRPr>
           </a:p>
@@ -17559,14 +18634,57 @@
       </p:sp>
       <p:sp>
         <p:nvSpPr>
-          <p:cNvPr id="20" name="テキスト ボックス 19"/>
+          <p:cNvPr id="86" name="正方形/長方形 85"/>
+          <p:cNvSpPr/>
+          <p:nvPr/>
+        </p:nvSpPr>
+        <p:spPr bwMode="auto">
+          <a:xfrm>
+            <a:off x="6872414" y="3142478"/>
+            <a:ext cx="1664043" cy="2630851"/>
+          </a:xfrm>
+          <a:prstGeom prst="rect">
+            <a:avLst/>
+          </a:prstGeom>
+          <a:solidFill>
+            <a:schemeClr val="accent5">
+              <a:lumMod val="10000"/>
+              <a:lumOff val="90000"/>
+            </a:schemeClr>
+          </a:solidFill>
+          <a:ln w="19050">
+            <a:solidFill>
+              <a:srgbClr val="4C40BC"/>
+            </a:solidFill>
+          </a:ln>
+          <a:effectLst/>
+        </p:spPr>
+        <p:txBody>
+          <a:bodyPr rot="0" spcFirstLastPara="0" vertOverflow="overflow" horzOverflow="overflow" vert="horz" wrap="none" lIns="72000" tIns="72000" rIns="72000" bIns="72000" numCol="1" spcCol="0" rtlCol="0" fromWordArt="0" anchor="ctr" anchorCtr="0" forceAA="0" compatLnSpc="1">
+            <a:prstTxWarp prst="textNoShape">
+              <a:avLst/>
+            </a:prstTxWarp>
+            <a:noAutofit/>
+          </a:bodyPr>
+          <a:lstStyle/>
+          <a:p>
+            <a:pPr algn="ctr"/>
+            <a:endParaRPr kumimoji="1" lang="ja-JP" altLang="en-US" b="1" dirty="0">
+              <a:latin typeface="+mn-ea"/>
+            </a:endParaRPr>
+          </a:p>
+        </p:txBody>
+      </p:sp>
+      <p:sp>
+        <p:nvSpPr>
+          <p:cNvPr id="87" name="テキスト ボックス 86"/>
           <p:cNvSpPr txBox="1"/>
           <p:nvPr/>
         </p:nvSpPr>
         <p:spPr>
           <a:xfrm>
-            <a:off x="417576" y="3786720"/>
-            <a:ext cx="2272591" cy="261610"/>
+            <a:off x="7048808" y="2857690"/>
+            <a:ext cx="1311255" cy="276999"/>
           </a:xfrm>
           <a:prstGeom prst="rect">
             <a:avLst/>
@@ -17579,31 +18697,63 @@
           </a:bodyPr>
           <a:lstStyle/>
           <a:p>
-            <a:r>
-              <a:rPr lang="en-US" altLang="ja-JP" sz="1050" b="1" dirty="0" smtClean="0">
+            <a:pPr algn="ctr"/>
+            <a:r>
+              <a:rPr lang="en-US" altLang="ja-JP" sz="1200" b="1" dirty="0">
+                <a:solidFill>
+                  <a:schemeClr val="bg1"/>
+                </a:solidFill>
+              </a:rPr>
+              <a:t>Organization</a:t>
+            </a:r>
+            <a:endParaRPr kumimoji="1" lang="ja-JP" altLang="en-US" sz="1200" b="1" dirty="0">
+              <a:solidFill>
+                <a:schemeClr val="bg1"/>
+              </a:solidFill>
+            </a:endParaRPr>
+          </a:p>
+        </p:txBody>
+      </p:sp>
+      <p:sp>
+        <p:nvSpPr>
+          <p:cNvPr id="88" name="テキスト ボックス 87"/>
+          <p:cNvSpPr txBox="1"/>
+          <p:nvPr/>
+        </p:nvSpPr>
+        <p:spPr>
+          <a:xfrm>
+            <a:off x="7048808" y="3213828"/>
+            <a:ext cx="1311255" cy="276999"/>
+          </a:xfrm>
+          <a:prstGeom prst="rect">
+            <a:avLst/>
+          </a:prstGeom>
+          <a:noFill/>
+        </p:spPr>
+        <p:txBody>
+          <a:bodyPr wrap="square" rtlCol="0">
+            <a:spAutoFit/>
+          </a:bodyPr>
+          <a:lstStyle/>
+          <a:p>
+            <a:pPr algn="ctr"/>
+            <a:r>
+              <a:rPr lang="en-US" altLang="ja-JP" sz="1200" b="1" dirty="0">
                 <a:solidFill>
                   <a:srgbClr val="002B62"/>
                 </a:solidFill>
               </a:rPr>
-              <a:t>Movement-Module</a:t>
-            </a:r>
-            <a:r>
-              <a:rPr lang="ja-JP" altLang="en-US" sz="1050" b="1" dirty="0">
+              <a:t>Workspace</a:t>
+            </a:r>
+            <a:r>
+              <a:rPr lang="ja-JP" altLang="en-US" sz="1200" b="1" dirty="0">
                 <a:solidFill>
                   <a:srgbClr val="002B62"/>
                 </a:solidFill>
               </a:rPr>
-              <a:t> </a:t>
-            </a:r>
-            <a:r>
-              <a:rPr lang="en-US" altLang="ja-JP" sz="1050" b="1" dirty="0" smtClean="0">
-                <a:solidFill>
-                  <a:srgbClr val="002B62"/>
-                </a:solidFill>
-              </a:rPr>
-              <a:t>link</a:t>
-            </a:r>
-            <a:endParaRPr lang="ja-JP" altLang="en-US" sz="1050" b="1" dirty="0">
+              <a:t> ①</a:t>
+            </a:r>
+            <a:endParaRPr kumimoji="1" lang="ja-JP" altLang="en-US" sz="1200" b="1" dirty="0">
               <a:solidFill>
                 <a:srgbClr val="002B62"/>
               </a:solidFill>
@@ -17613,13 +18763,270 @@
       </p:sp>
       <p:sp>
         <p:nvSpPr>
-          <p:cNvPr id="19" name="正方形/長方形 18"/>
+          <p:cNvPr id="89" name="右矢印 88"/>
           <p:cNvSpPr/>
           <p:nvPr/>
         </p:nvSpPr>
         <p:spPr bwMode="auto">
           <a:xfrm>
-            <a:off x="498589" y="4294126"/>
+            <a:off x="6119269" y="3841626"/>
+            <a:ext cx="900000" cy="484632"/>
+          </a:xfrm>
+          <a:prstGeom prst="rightArrow">
+            <a:avLst/>
+          </a:prstGeom>
+          <a:solidFill>
+            <a:srgbClr val="FF0000"/>
+          </a:solidFill>
+          <a:ln w="38100">
+            <a:solidFill>
+              <a:schemeClr val="bg1"/>
+            </a:solidFill>
+          </a:ln>
+          <a:effectLst/>
+        </p:spPr>
+        <p:txBody>
+          <a:bodyPr rot="0" spcFirstLastPara="0" vertOverflow="overflow" horzOverflow="overflow" vert="horz" wrap="none" lIns="72000" tIns="72000" rIns="72000" bIns="72000" numCol="1" spcCol="0" rtlCol="0" fromWordArt="0" anchor="ctr" anchorCtr="0" forceAA="0" compatLnSpc="1">
+            <a:prstTxWarp prst="textNoShape">
+              <a:avLst/>
+            </a:prstTxWarp>
+            <a:noAutofit/>
+          </a:bodyPr>
+          <a:lstStyle/>
+          <a:p>
+            <a:pPr algn="ctr"/>
+            <a:endParaRPr kumimoji="1" lang="ja-JP" altLang="en-US" b="1" dirty="0">
+              <a:latin typeface="+mn-ea"/>
+            </a:endParaRPr>
+          </a:p>
+        </p:txBody>
+      </p:sp>
+      <p:sp>
+        <p:nvSpPr>
+          <p:cNvPr id="90" name="フローチャート: 書類 89"/>
+          <p:cNvSpPr/>
+          <p:nvPr/>
+        </p:nvSpPr>
+        <p:spPr bwMode="auto">
+          <a:xfrm>
+            <a:off x="7195034" y="3832987"/>
+            <a:ext cx="1018802" cy="531804"/>
+          </a:xfrm>
+          <a:prstGeom prst="flowChartDocument">
+            <a:avLst/>
+          </a:prstGeom>
+          <a:solidFill>
+            <a:schemeClr val="bg1"/>
+          </a:solidFill>
+          <a:ln w="28575">
+            <a:solidFill>
+              <a:srgbClr val="002B62"/>
+            </a:solidFill>
+          </a:ln>
+          <a:effectLst/>
+        </p:spPr>
+        <p:txBody>
+          <a:bodyPr rot="0" spcFirstLastPara="0" vertOverflow="overflow" horzOverflow="overflow" vert="horz" wrap="none" lIns="72000" tIns="72000" rIns="72000" bIns="72000" numCol="1" spcCol="0" rtlCol="0" fromWordArt="0" anchor="ctr" anchorCtr="0" forceAA="0" compatLnSpc="1">
+            <a:prstTxWarp prst="textNoShape">
+              <a:avLst/>
+            </a:prstTxWarp>
+            <a:noAutofit/>
+          </a:bodyPr>
+          <a:lstStyle/>
+          <a:p>
+            <a:pPr algn="ctr"/>
+            <a:r>
+              <a:rPr kumimoji="1" lang="en-US" altLang="ja-JP" sz="1000" b="1" dirty="0">
+                <a:latin typeface="+mn-ea"/>
+              </a:rPr>
+              <a:t>Terraform</a:t>
+            </a:r>
+          </a:p>
+          <a:p>
+            <a:pPr algn="ctr"/>
+            <a:r>
+              <a:rPr lang="en-US" altLang="ja-JP" sz="1000" b="1" dirty="0">
+                <a:latin typeface="+mn-ea"/>
+              </a:rPr>
+              <a:t>Module file</a:t>
+            </a:r>
+            <a:r>
+              <a:rPr lang="ja-JP" altLang="en-US" sz="1000" b="1" dirty="0">
+                <a:latin typeface="+mn-ea"/>
+              </a:rPr>
+              <a:t>①</a:t>
+            </a:r>
+            <a:endParaRPr kumimoji="1" lang="ja-JP" altLang="en-US" sz="1000" b="1" dirty="0">
+              <a:latin typeface="+mn-ea"/>
+            </a:endParaRPr>
+          </a:p>
+        </p:txBody>
+      </p:sp>
+      <p:sp>
+        <p:nvSpPr>
+          <p:cNvPr id="91" name="フローチャート: 書類 90"/>
+          <p:cNvSpPr/>
+          <p:nvPr/>
+        </p:nvSpPr>
+        <p:spPr bwMode="auto">
+          <a:xfrm>
+            <a:off x="7188560" y="4631748"/>
+            <a:ext cx="1031751" cy="493492"/>
+          </a:xfrm>
+          <a:prstGeom prst="flowChartDocument">
+            <a:avLst/>
+          </a:prstGeom>
+          <a:solidFill>
+            <a:schemeClr val="bg1"/>
+          </a:solidFill>
+          <a:ln w="28575">
+            <a:solidFill>
+              <a:srgbClr val="002B62"/>
+            </a:solidFill>
+          </a:ln>
+          <a:effectLst/>
+        </p:spPr>
+        <p:txBody>
+          <a:bodyPr rot="0" spcFirstLastPara="0" vertOverflow="overflow" horzOverflow="overflow" vert="horz" wrap="none" lIns="72000" tIns="72000" rIns="72000" bIns="72000" numCol="1" spcCol="0" rtlCol="0" fromWordArt="0" anchor="ctr" anchorCtr="0" forceAA="0" compatLnSpc="1">
+            <a:prstTxWarp prst="textNoShape">
+              <a:avLst/>
+            </a:prstTxWarp>
+            <a:noAutofit/>
+          </a:bodyPr>
+          <a:lstStyle/>
+          <a:p>
+            <a:pPr algn="ctr"/>
+            <a:r>
+              <a:rPr kumimoji="1" lang="en-US" altLang="ja-JP" sz="1000" b="1" dirty="0">
+                <a:latin typeface="+mn-ea"/>
+              </a:rPr>
+              <a:t>Terraform</a:t>
+            </a:r>
+          </a:p>
+          <a:p>
+            <a:pPr algn="ctr"/>
+            <a:r>
+              <a:rPr lang="en-US" altLang="ja-JP" sz="1000" b="1" dirty="0">
+                <a:latin typeface="+mn-ea"/>
+              </a:rPr>
+              <a:t>Module file</a:t>
+            </a:r>
+            <a:r>
+              <a:rPr lang="ja-JP" altLang="en-US" sz="1000" b="1" dirty="0">
+                <a:latin typeface="+mn-ea"/>
+              </a:rPr>
+              <a:t>②</a:t>
+            </a:r>
+            <a:endParaRPr kumimoji="1" lang="ja-JP" altLang="en-US" sz="1000" b="1" dirty="0">
+              <a:latin typeface="+mn-ea"/>
+            </a:endParaRPr>
+          </a:p>
+        </p:txBody>
+      </p:sp>
+      <p:sp>
+        <p:nvSpPr>
+          <p:cNvPr id="92" name="正方形/長方形 91"/>
+          <p:cNvSpPr/>
+          <p:nvPr/>
+        </p:nvSpPr>
+        <p:spPr bwMode="auto">
+          <a:xfrm>
+            <a:off x="778076" y="3406484"/>
+            <a:ext cx="2619186" cy="2149823"/>
+          </a:xfrm>
+          <a:prstGeom prst="rect">
+            <a:avLst/>
+          </a:prstGeom>
+          <a:solidFill>
+            <a:schemeClr val="bg1"/>
+          </a:solidFill>
+          <a:ln w="19050">
+            <a:solidFill>
+              <a:srgbClr val="002B62"/>
+            </a:solidFill>
+            <a:prstDash val="solid"/>
+          </a:ln>
+          <a:effectLst/>
+        </p:spPr>
+        <p:txBody>
+          <a:bodyPr rot="0" spcFirstLastPara="0" vertOverflow="overflow" horzOverflow="overflow" vert="horz" wrap="none" lIns="72000" tIns="72000" rIns="72000" bIns="72000" numCol="1" spcCol="0" rtlCol="0" fromWordArt="0" anchor="ctr" anchorCtr="0" forceAA="0" compatLnSpc="1">
+            <a:prstTxWarp prst="textNoShape">
+              <a:avLst/>
+            </a:prstTxWarp>
+            <a:noAutofit/>
+          </a:bodyPr>
+          <a:lstStyle/>
+          <a:p>
+            <a:pPr algn="ctr"/>
+            <a:endParaRPr kumimoji="1" lang="ja-JP" altLang="en-US" b="1" dirty="0">
+              <a:latin typeface="+mn-ea"/>
+            </a:endParaRPr>
+          </a:p>
+        </p:txBody>
+      </p:sp>
+      <p:sp>
+        <p:nvSpPr>
+          <p:cNvPr id="93" name="テキスト ボックス 92"/>
+          <p:cNvSpPr txBox="1"/>
+          <p:nvPr/>
+        </p:nvSpPr>
+        <p:spPr>
+          <a:xfrm>
+            <a:off x="746887" y="3444448"/>
+            <a:ext cx="2272591" cy="276999"/>
+          </a:xfrm>
+          <a:prstGeom prst="rect">
+            <a:avLst/>
+          </a:prstGeom>
+          <a:noFill/>
+        </p:spPr>
+        <p:txBody>
+          <a:bodyPr wrap="square" rtlCol="0">
+            <a:spAutoFit/>
+          </a:bodyPr>
+          <a:lstStyle/>
+          <a:p>
+            <a:r>
+              <a:rPr lang="en-US" altLang="ja-JP" sz="1200" b="1" dirty="0" smtClean="0">
+                <a:solidFill>
+                  <a:srgbClr val="002B62"/>
+                </a:solidFill>
+              </a:rPr>
+              <a:t>Movement-Module</a:t>
+            </a:r>
+            <a:r>
+              <a:rPr lang="ja-JP" altLang="en-US" sz="1200" b="1" dirty="0">
+                <a:solidFill>
+                  <a:srgbClr val="002B62"/>
+                </a:solidFill>
+              </a:rPr>
+              <a:t> </a:t>
+            </a:r>
+            <a:r>
+              <a:rPr lang="en-US" altLang="ja-JP" sz="1200" b="1" dirty="0" smtClean="0">
+                <a:solidFill>
+                  <a:srgbClr val="002B62"/>
+                </a:solidFill>
+              </a:rPr>
+              <a:t>link</a:t>
+            </a:r>
+            <a:endParaRPr lang="ja-JP" altLang="en-US" sz="1200" b="1" dirty="0">
+              <a:solidFill>
+                <a:srgbClr val="002B62"/>
+              </a:solidFill>
+            </a:endParaRPr>
+          </a:p>
+        </p:txBody>
+      </p:sp>
+      <p:sp>
+        <p:nvSpPr>
+          <p:cNvPr id="94" name="正方形/長方形 93"/>
+          <p:cNvSpPr/>
+          <p:nvPr/>
+        </p:nvSpPr>
+        <p:spPr bwMode="auto">
+          <a:xfrm>
+            <a:off x="827900" y="3951854"/>
             <a:ext cx="1031768" cy="321211"/>
           </a:xfrm>
           <a:prstGeom prst="rect">
@@ -17632,7 +19039,6 @@
             </a:solidFill>
           </a:ln>
           <a:effectLst/>
-          <a:extLst/>
         </p:spPr>
         <p:txBody>
           <a:bodyPr rot="0" spcFirstLastPara="0" vertOverflow="overflow" horzOverflow="overflow" vert="horz" wrap="none" lIns="72000" tIns="72000" rIns="72000" bIns="72000" numCol="1" spcCol="0" rtlCol="0" fromWordArt="0" anchor="ctr" anchorCtr="0" forceAA="0" compatLnSpc="1">
@@ -17645,7 +19051,7 @@
           <a:p>
             <a:pPr algn="ctr"/>
             <a:r>
-              <a:rPr lang="en-US" altLang="ja-JP" sz="1000" b="1" dirty="0" smtClean="0">
+              <a:rPr lang="en-US" altLang="ja-JP" sz="1000" b="1" dirty="0">
                 <a:solidFill>
                   <a:srgbClr val="002B62"/>
                 </a:solidFill>
@@ -17654,7 +19060,7 @@
               <a:t>Movement</a:t>
             </a:r>
             <a:r>
-              <a:rPr kumimoji="1" lang="ja-JP" altLang="en-US" sz="1000" b="1" dirty="0" smtClean="0">
+              <a:rPr kumimoji="1" lang="ja-JP" altLang="en-US" sz="1000" b="1" dirty="0">
                 <a:solidFill>
                   <a:srgbClr val="002B62"/>
                 </a:solidFill>
@@ -17667,13 +19073,13 @@
       </p:sp>
       <p:sp>
         <p:nvSpPr>
-          <p:cNvPr id="25" name="フローチャート: 書類 24"/>
+          <p:cNvPr id="95" name="フローチャート: 書類 94"/>
           <p:cNvSpPr/>
           <p:nvPr/>
         </p:nvSpPr>
         <p:spPr bwMode="auto">
           <a:xfrm>
-            <a:off x="1941371" y="4214751"/>
+            <a:off x="2270682" y="3872479"/>
             <a:ext cx="1018802" cy="531804"/>
           </a:xfrm>
           <a:prstGeom prst="flowChartDocument">
@@ -17686,7 +19092,6 @@
             </a:solidFill>
           </a:ln>
           <a:effectLst/>
-          <a:extLst/>
         </p:spPr>
         <p:txBody>
           <a:bodyPr rot="0" spcFirstLastPara="0" vertOverflow="overflow" horzOverflow="overflow" vert="horz" wrap="none" lIns="72000" tIns="72000" rIns="72000" bIns="72000" numCol="1" spcCol="0" rtlCol="0" fromWordArt="0" anchor="ctr" anchorCtr="0" forceAA="0" compatLnSpc="1">
@@ -17699,7 +19104,7 @@
           <a:p>
             <a:pPr algn="ctr"/>
             <a:r>
-              <a:rPr kumimoji="1" lang="en-US" altLang="ja-JP" sz="1000" b="1" dirty="0" smtClean="0">
+              <a:rPr kumimoji="1" lang="en-US" altLang="ja-JP" sz="1000" b="1" dirty="0">
                 <a:latin typeface="+mn-ea"/>
               </a:rPr>
               <a:t>Terraform</a:t>
@@ -17707,31 +19112,19 @@
           </a:p>
           <a:p>
             <a:pPr algn="ctr"/>
-            <a:r>
-              <a:rPr lang="en-US" altLang="ja-JP" sz="1000" b="1" dirty="0" smtClean="0">
-                <a:latin typeface="+mn-ea"/>
-              </a:rPr>
-              <a:t>Modul</a:t>
-            </a:r>
             <a:r>
               <a:rPr lang="en-US" altLang="ja-JP" sz="1000" b="1" dirty="0">
                 <a:latin typeface="+mn-ea"/>
               </a:rPr>
-              <a:t>e</a:t>
-            </a:r>
-            <a:r>
-              <a:rPr lang="en-US" altLang="ja-JP" sz="1000" b="1" dirty="0" smtClean="0">
+              <a:t>Module file</a:t>
+            </a:r>
+            <a:r>
+              <a:rPr lang="ja-JP" altLang="en-US" sz="1000" b="1" dirty="0">
                 <a:latin typeface="+mn-ea"/>
               </a:rPr>
-              <a:t> file</a:t>
-            </a:r>
-            <a:r>
-              <a:rPr lang="ja-JP" altLang="en-US" sz="1000" b="1" dirty="0" smtClean="0">
-                <a:latin typeface="+mn-ea"/>
-              </a:rPr>
               <a:t>①</a:t>
             </a:r>
-            <a:endParaRPr kumimoji="1" lang="ja-JP" altLang="en-US" sz="1000" b="1" dirty="0" smtClean="0">
+            <a:endParaRPr kumimoji="1" lang="ja-JP" altLang="en-US" sz="1000" b="1" dirty="0">
               <a:latin typeface="+mn-ea"/>
             </a:endParaRPr>
           </a:p>
@@ -17739,13 +19132,13 @@
       </p:sp>
       <p:sp>
         <p:nvSpPr>
-          <p:cNvPr id="27" name="フローチャート: 書類 26"/>
+          <p:cNvPr id="96" name="フローチャート: 書類 95"/>
           <p:cNvSpPr/>
           <p:nvPr/>
         </p:nvSpPr>
         <p:spPr bwMode="auto">
           <a:xfrm>
-            <a:off x="1936982" y="5077920"/>
+            <a:off x="2266293" y="4735648"/>
             <a:ext cx="1031751" cy="493492"/>
           </a:xfrm>
           <a:prstGeom prst="flowChartDocument">
@@ -17758,7 +19151,6 @@
             </a:solidFill>
           </a:ln>
           <a:effectLst/>
-          <a:extLst/>
         </p:spPr>
         <p:txBody>
           <a:bodyPr rot="0" spcFirstLastPara="0" vertOverflow="overflow" horzOverflow="overflow" vert="horz" wrap="none" lIns="72000" tIns="72000" rIns="72000" bIns="72000" numCol="1" spcCol="0" rtlCol="0" fromWordArt="0" anchor="ctr" anchorCtr="0" forceAA="0" compatLnSpc="1">
@@ -17771,7 +19163,7 @@
           <a:p>
             <a:pPr algn="ctr"/>
             <a:r>
-              <a:rPr kumimoji="1" lang="en-US" altLang="ja-JP" sz="1000" b="1" dirty="0" smtClean="0">
+              <a:rPr kumimoji="1" lang="en-US" altLang="ja-JP" sz="1000" b="1" dirty="0">
                 <a:latin typeface="+mn-ea"/>
               </a:rPr>
               <a:t>Terraform</a:t>
@@ -17780,18 +19172,18 @@
           <a:p>
             <a:pPr algn="ctr"/>
             <a:r>
-              <a:rPr lang="en-US" altLang="ja-JP" sz="1000" b="1" dirty="0" smtClean="0">
+              <a:rPr lang="en-US" altLang="ja-JP" sz="1000" b="1" dirty="0">
                 <a:latin typeface="+mn-ea"/>
               </a:rPr>
               <a:t>Module file</a:t>
             </a:r>
             <a:r>
-              <a:rPr lang="ja-JP" altLang="en-US" sz="1000" b="1" dirty="0" smtClean="0">
+              <a:rPr lang="ja-JP" altLang="en-US" sz="1000" b="1" dirty="0">
                 <a:latin typeface="+mn-ea"/>
               </a:rPr>
               <a:t>②</a:t>
             </a:r>
-            <a:endParaRPr kumimoji="1" lang="ja-JP" altLang="en-US" sz="1000" b="1" dirty="0" smtClean="0">
+            <a:endParaRPr kumimoji="1" lang="ja-JP" altLang="en-US" sz="1000" b="1" dirty="0">
               <a:latin typeface="+mn-ea"/>
             </a:endParaRPr>
           </a:p>
@@ -17799,13 +19191,13 @@
       </p:sp>
       <p:cxnSp>
         <p:nvCxnSpPr>
-          <p:cNvPr id="28" name="直線コネクタ 27"/>
+          <p:cNvPr id="97" name="直線コネクタ 96"/>
           <p:cNvCxnSpPr/>
           <p:nvPr/>
         </p:nvCxnSpPr>
         <p:spPr bwMode="auto">
           <a:xfrm flipV="1">
-            <a:off x="1563708" y="4453695"/>
+            <a:off x="1893019" y="4111423"/>
             <a:ext cx="364714" cy="1"/>
           </a:xfrm>
           <a:prstGeom prst="line">
@@ -17841,15 +19233,15 @@
       </p:cxnSp>
       <p:cxnSp>
         <p:nvCxnSpPr>
-          <p:cNvPr id="32" name="直線コネクタ 31"/>
+          <p:cNvPr id="98" name="直線コネクタ 97"/>
           <p:cNvCxnSpPr>
-            <a:endCxn id="27" idx="1"/>
+            <a:endCxn id="96" idx="1"/>
           </p:cNvCxnSpPr>
           <p:nvPr/>
         </p:nvCxnSpPr>
         <p:spPr bwMode="auto">
           <a:xfrm>
-            <a:off x="1535470" y="4453695"/>
+            <a:off x="1864781" y="4111423"/>
             <a:ext cx="401512" cy="870971"/>
           </a:xfrm>
           <a:prstGeom prst="line">
@@ -17885,14 +19277,145 @@
       </p:cxnSp>
       <p:sp>
         <p:nvSpPr>
-          <p:cNvPr id="43" name="正方形/長方形 42"/>
+          <p:cNvPr id="99" name="正方形/長方形 98"/>
           <p:cNvSpPr/>
           <p:nvPr/>
         </p:nvSpPr>
         <p:spPr bwMode="auto">
           <a:xfrm>
-            <a:off x="6948330" y="2893566"/>
-            <a:ext cx="2088290" cy="2839754"/>
+            <a:off x="4708927" y="4157044"/>
+            <a:ext cx="633314" cy="275987"/>
+          </a:xfrm>
+          <a:prstGeom prst="rect">
+            <a:avLst/>
+          </a:prstGeom>
+          <a:noFill/>
+          <a:ln w="12700">
+            <a:noFill/>
+          </a:ln>
+          <a:effectLst/>
+        </p:spPr>
+        <p:txBody>
+          <a:bodyPr rot="0" spcFirstLastPara="0" vertOverflow="overflow" horzOverflow="overflow" vert="horz" wrap="none" lIns="72000" tIns="72000" rIns="72000" bIns="72000" numCol="1" spcCol="0" rtlCol="0" fromWordArt="0" anchor="ctr" anchorCtr="0" forceAA="0" compatLnSpc="1">
+            <a:prstTxWarp prst="textNoShape">
+              <a:avLst/>
+            </a:prstTxWarp>
+            <a:noAutofit/>
+          </a:bodyPr>
+          <a:lstStyle/>
+          <a:p>
+            <a:pPr algn="ctr"/>
+            <a:endParaRPr kumimoji="1" lang="ja-JP" altLang="en-US" b="1" dirty="0">
+              <a:latin typeface="+mn-ea"/>
+            </a:endParaRPr>
+          </a:p>
+        </p:txBody>
+      </p:sp>
+      <p:sp>
+        <p:nvSpPr>
+          <p:cNvPr id="100" name="正方形/長方形 99"/>
+          <p:cNvSpPr/>
+          <p:nvPr/>
+        </p:nvSpPr>
+        <p:spPr bwMode="auto">
+          <a:xfrm>
+            <a:off x="3514778" y="3427524"/>
+            <a:ext cx="2520000" cy="1005508"/>
+          </a:xfrm>
+          <a:prstGeom prst="rect">
+            <a:avLst/>
+          </a:prstGeom>
+          <a:solidFill>
+            <a:schemeClr val="bg1"/>
+          </a:solidFill>
+          <a:ln w="19050">
+            <a:solidFill>
+              <a:srgbClr val="002B62"/>
+            </a:solidFill>
+            <a:prstDash val="solid"/>
+          </a:ln>
+          <a:effectLst/>
+        </p:spPr>
+        <p:txBody>
+          <a:bodyPr rot="0" spcFirstLastPara="0" vertOverflow="overflow" horzOverflow="overflow" vert="horz" wrap="none" lIns="72000" tIns="72000" rIns="72000" bIns="72000" numCol="1" spcCol="0" rtlCol="0" fromWordArt="0" anchor="ctr" anchorCtr="0" forceAA="0" compatLnSpc="1">
+            <a:prstTxWarp prst="textNoShape">
+              <a:avLst/>
+            </a:prstTxWarp>
+            <a:noAutofit/>
+          </a:bodyPr>
+          <a:lstStyle/>
+          <a:p>
+            <a:pPr algn="ctr"/>
+            <a:endParaRPr kumimoji="1" lang="ja-JP" altLang="en-US" b="1" dirty="0">
+              <a:latin typeface="+mn-ea"/>
+            </a:endParaRPr>
+          </a:p>
+        </p:txBody>
+      </p:sp>
+      <p:sp>
+        <p:nvSpPr>
+          <p:cNvPr id="101" name="テキスト ボックス 100"/>
+          <p:cNvSpPr txBox="1"/>
+          <p:nvPr/>
+        </p:nvSpPr>
+        <p:spPr>
+          <a:xfrm>
+            <a:off x="3483589" y="3465487"/>
+            <a:ext cx="2423982" cy="276999"/>
+          </a:xfrm>
+          <a:prstGeom prst="rect">
+            <a:avLst/>
+          </a:prstGeom>
+          <a:noFill/>
+        </p:spPr>
+        <p:txBody>
+          <a:bodyPr wrap="square" rtlCol="0">
+            <a:spAutoFit/>
+          </a:bodyPr>
+          <a:lstStyle/>
+          <a:p>
+            <a:r>
+              <a:rPr kumimoji="1" lang="en-US" altLang="ja-JP" sz="1200" b="1" dirty="0" smtClean="0">
+                <a:solidFill>
+                  <a:srgbClr val="002B62"/>
+                </a:solidFill>
+              </a:rPr>
+              <a:t>Movement</a:t>
+            </a:r>
+            <a:r>
+              <a:rPr lang="ja-JP" altLang="en-US" sz="1200" b="1" dirty="0">
+                <a:solidFill>
+                  <a:srgbClr val="002B62"/>
+                </a:solidFill>
+              </a:rPr>
+              <a:t> </a:t>
+            </a:r>
+            <a:r>
+              <a:rPr lang="en-US" altLang="ja-JP" sz="1200" b="1" dirty="0" smtClean="0">
+                <a:solidFill>
+                  <a:srgbClr val="002B62"/>
+                </a:solidFill>
+              </a:rPr>
+              <a:t>list</a:t>
+            </a:r>
+            <a:endParaRPr kumimoji="1" lang="ja-JP" altLang="en-US" sz="1200" b="1" dirty="0">
+              <a:solidFill>
+                <a:srgbClr val="002B62"/>
+              </a:solidFill>
+            </a:endParaRPr>
+          </a:p>
+        </p:txBody>
+      </p:sp>
+      <p:sp>
+        <p:nvSpPr>
+          <p:cNvPr id="102" name="正方形/長方形 101"/>
+          <p:cNvSpPr/>
+          <p:nvPr/>
+        </p:nvSpPr>
+        <p:spPr bwMode="auto">
+          <a:xfrm>
+            <a:off x="3618715" y="3869683"/>
+            <a:ext cx="997408" cy="321211"/>
           </a:xfrm>
           <a:prstGeom prst="rect">
             <a:avLst/>
@@ -17904,7 +19427,6 @@
             </a:solidFill>
           </a:ln>
           <a:effectLst/>
-          <a:extLst/>
         </p:spPr>
         <p:txBody>
           <a:bodyPr rot="0" spcFirstLastPara="0" vertOverflow="overflow" horzOverflow="overflow" vert="horz" wrap="none" lIns="72000" tIns="72000" rIns="72000" bIns="72000" numCol="1" spcCol="0" rtlCol="0" fromWordArt="0" anchor="ctr" anchorCtr="0" forceAA="0" compatLnSpc="1">
@@ -17916,386 +19438,37 @@
           <a:lstStyle/>
           <a:p>
             <a:pPr algn="ctr"/>
-            <a:endParaRPr kumimoji="1" lang="ja-JP" altLang="en-US" b="1" dirty="0" smtClean="0">
-              <a:latin typeface="+mn-ea"/>
-            </a:endParaRPr>
+            <a:r>
+              <a:rPr lang="en-US" altLang="ja-JP" sz="1000" b="1" dirty="0">
+                <a:solidFill>
+                  <a:srgbClr val="002B62"/>
+                </a:solidFill>
+                <a:latin typeface="+mn-ea"/>
+              </a:rPr>
+              <a:t>Movement</a:t>
+            </a:r>
+            <a:r>
+              <a:rPr kumimoji="1" lang="ja-JP" altLang="en-US" sz="1000" b="1" dirty="0">
+                <a:solidFill>
+                  <a:srgbClr val="002B62"/>
+                </a:solidFill>
+                <a:latin typeface="+mn-ea"/>
+              </a:rPr>
+              <a:t>①</a:t>
+            </a:r>
           </a:p>
         </p:txBody>
       </p:sp>
-      <p:pic>
-        <p:nvPicPr>
-          <p:cNvPr id="46" name="図 45"/>
-          <p:cNvPicPr>
-            <a:picLocks noChangeAspect="1"/>
-          </p:cNvPicPr>
-          <p:nvPr/>
-        </p:nvPicPr>
-        <p:blipFill>
-          <a:blip r:embed="rId2">
-            <a:extLst>
-              <a:ext uri="{28A0092B-C50C-407E-A947-70E740481C1C}">
-                <a14:useLocalDpi xmlns:a14="http://schemas.microsoft.com/office/drawing/2010/main" val="0"/>
-              </a:ext>
-            </a:extLst>
-          </a:blip>
-          <a:stretch>
-            <a:fillRect/>
-          </a:stretch>
-        </p:blipFill>
-        <p:spPr>
-          <a:xfrm>
-            <a:off x="6975288" y="2819401"/>
-            <a:ext cx="1078463" cy="517662"/>
-          </a:xfrm>
-          <a:prstGeom prst="rect">
-            <a:avLst/>
-          </a:prstGeom>
-        </p:spPr>
-      </p:pic>
       <p:sp>
         <p:nvSpPr>
-          <p:cNvPr id="47" name="正方形/長方形 46"/>
+          <p:cNvPr id="103" name="正方形/長方形 102"/>
           <p:cNvSpPr/>
           <p:nvPr/>
         </p:nvSpPr>
         <p:spPr bwMode="auto">
           <a:xfrm>
-            <a:off x="7022376" y="3337063"/>
-            <a:ext cx="1917312" cy="2180227"/>
-          </a:xfrm>
-          <a:prstGeom prst="rect">
-            <a:avLst/>
-          </a:prstGeom>
-          <a:noFill/>
-          <a:ln w="19050">
-            <a:solidFill>
-              <a:srgbClr val="002B62"/>
-            </a:solidFill>
-          </a:ln>
-          <a:effectLst/>
-          <a:extLst/>
-        </p:spPr>
-        <p:txBody>
-          <a:bodyPr rot="0" spcFirstLastPara="0" vertOverflow="overflow" horzOverflow="overflow" vert="horz" wrap="none" lIns="72000" tIns="72000" rIns="72000" bIns="72000" numCol="1" spcCol="0" rtlCol="0" fromWordArt="0" anchor="ctr" anchorCtr="0" forceAA="0" compatLnSpc="1">
-            <a:prstTxWarp prst="textNoShape">
-              <a:avLst/>
-            </a:prstTxWarp>
-            <a:noAutofit/>
-          </a:bodyPr>
-          <a:lstStyle/>
-          <a:p>
-            <a:pPr algn="ctr"/>
-            <a:endParaRPr kumimoji="1" lang="ja-JP" altLang="en-US" b="1" dirty="0" smtClean="0">
-              <a:latin typeface="+mn-ea"/>
-            </a:endParaRPr>
-          </a:p>
-        </p:txBody>
-      </p:sp>
-      <p:sp>
-        <p:nvSpPr>
-          <p:cNvPr id="50" name="正方形/長方形 49"/>
-          <p:cNvSpPr/>
-          <p:nvPr/>
-        </p:nvSpPr>
-        <p:spPr bwMode="auto">
-          <a:xfrm>
-            <a:off x="7156547" y="3645030"/>
-            <a:ext cx="1664043" cy="1800250"/>
-          </a:xfrm>
-          <a:prstGeom prst="rect">
-            <a:avLst/>
-          </a:prstGeom>
-          <a:noFill/>
-          <a:ln w="19050">
-            <a:solidFill>
-              <a:srgbClr val="002B62"/>
-            </a:solidFill>
-          </a:ln>
-          <a:effectLst/>
-          <a:extLst/>
-        </p:spPr>
-        <p:txBody>
-          <a:bodyPr rot="0" spcFirstLastPara="0" vertOverflow="overflow" horzOverflow="overflow" vert="horz" wrap="none" lIns="72000" tIns="72000" rIns="72000" bIns="72000" numCol="1" spcCol="0" rtlCol="0" fromWordArt="0" anchor="ctr" anchorCtr="0" forceAA="0" compatLnSpc="1">
-            <a:prstTxWarp prst="textNoShape">
-              <a:avLst/>
-            </a:prstTxWarp>
-            <a:noAutofit/>
-          </a:bodyPr>
-          <a:lstStyle/>
-          <a:p>
-            <a:pPr algn="ctr"/>
-            <a:endParaRPr kumimoji="1" lang="ja-JP" altLang="en-US" b="1" dirty="0" smtClean="0">
-              <a:latin typeface="+mn-ea"/>
-            </a:endParaRPr>
-          </a:p>
-        </p:txBody>
-      </p:sp>
-      <p:sp>
-        <p:nvSpPr>
-          <p:cNvPr id="49" name="テキスト ボックス 48"/>
-          <p:cNvSpPr txBox="1"/>
-          <p:nvPr/>
-        </p:nvSpPr>
-        <p:spPr>
-          <a:xfrm>
-            <a:off x="7398123" y="3360241"/>
-            <a:ext cx="1311255" cy="261610"/>
-          </a:xfrm>
-          <a:prstGeom prst="rect">
-            <a:avLst/>
-          </a:prstGeom>
-          <a:noFill/>
-        </p:spPr>
-        <p:txBody>
-          <a:bodyPr wrap="square" rtlCol="0">
-            <a:spAutoFit/>
-          </a:bodyPr>
-          <a:lstStyle/>
-          <a:p>
-            <a:r>
-              <a:rPr lang="en-US" altLang="ja-JP" sz="1100" dirty="0" smtClean="0">
-                <a:solidFill>
-                  <a:srgbClr val="002B62"/>
-                </a:solidFill>
-              </a:rPr>
-              <a:t>Organization</a:t>
-            </a:r>
-            <a:endParaRPr kumimoji="1" lang="ja-JP" altLang="en-US" sz="1100" dirty="0">
-              <a:solidFill>
-                <a:srgbClr val="002B62"/>
-              </a:solidFill>
-            </a:endParaRPr>
-          </a:p>
-        </p:txBody>
-      </p:sp>
-      <p:sp>
-        <p:nvSpPr>
-          <p:cNvPr id="53" name="テキスト ボックス 52"/>
-          <p:cNvSpPr txBox="1"/>
-          <p:nvPr/>
-        </p:nvSpPr>
-        <p:spPr>
-          <a:xfrm>
-            <a:off x="7398123" y="3693801"/>
-            <a:ext cx="1311255" cy="261610"/>
-          </a:xfrm>
-          <a:prstGeom prst="rect">
-            <a:avLst/>
-          </a:prstGeom>
-          <a:noFill/>
-        </p:spPr>
-        <p:txBody>
-          <a:bodyPr wrap="square" rtlCol="0">
-            <a:spAutoFit/>
-          </a:bodyPr>
-          <a:lstStyle/>
-          <a:p>
-            <a:r>
-              <a:rPr lang="en-US" altLang="ja-JP" sz="1100" dirty="0" smtClean="0">
-                <a:solidFill>
-                  <a:srgbClr val="002B62"/>
-                </a:solidFill>
-              </a:rPr>
-              <a:t>Workspace</a:t>
-            </a:r>
-            <a:r>
-              <a:rPr lang="ja-JP" altLang="en-US" sz="1100" dirty="0" smtClean="0">
-                <a:solidFill>
-                  <a:srgbClr val="002B62"/>
-                </a:solidFill>
-              </a:rPr>
-              <a:t> ①</a:t>
-            </a:r>
-            <a:endParaRPr kumimoji="1" lang="ja-JP" altLang="en-US" sz="1100" dirty="0">
-              <a:solidFill>
-                <a:srgbClr val="002B62"/>
-              </a:solidFill>
-            </a:endParaRPr>
-          </a:p>
-        </p:txBody>
-      </p:sp>
-      <p:sp>
-        <p:nvSpPr>
-          <p:cNvPr id="78" name="正方形/長方形 77"/>
-          <p:cNvSpPr/>
-          <p:nvPr/>
-        </p:nvSpPr>
-        <p:spPr bwMode="auto">
-          <a:xfrm>
-            <a:off x="4381496" y="4499316"/>
-            <a:ext cx="633314" cy="275987"/>
-          </a:xfrm>
-          <a:prstGeom prst="rect">
-            <a:avLst/>
-          </a:prstGeom>
-          <a:noFill/>
-          <a:ln w="12700">
-            <a:noFill/>
-          </a:ln>
-          <a:effectLst/>
-          <a:extLst/>
-        </p:spPr>
-        <p:txBody>
-          <a:bodyPr rot="0" spcFirstLastPara="0" vertOverflow="overflow" horzOverflow="overflow" vert="horz" wrap="none" lIns="72000" tIns="72000" rIns="72000" bIns="72000" numCol="1" spcCol="0" rtlCol="0" fromWordArt="0" anchor="ctr" anchorCtr="0" forceAA="0" compatLnSpc="1">
-            <a:prstTxWarp prst="textNoShape">
-              <a:avLst/>
-            </a:prstTxWarp>
-            <a:noAutofit/>
-          </a:bodyPr>
-          <a:lstStyle/>
-          <a:p>
-            <a:pPr algn="ctr"/>
-            <a:endParaRPr kumimoji="1" lang="ja-JP" altLang="en-US" b="1" dirty="0" smtClean="0">
-              <a:latin typeface="+mn-ea"/>
-            </a:endParaRPr>
-          </a:p>
-        </p:txBody>
-      </p:sp>
-      <p:sp>
-        <p:nvSpPr>
-          <p:cNvPr id="85" name="右矢印 84"/>
-          <p:cNvSpPr/>
-          <p:nvPr/>
-        </p:nvSpPr>
-        <p:spPr bwMode="auto">
-          <a:xfrm>
-            <a:off x="5837723" y="4183898"/>
-            <a:ext cx="1279056" cy="484632"/>
-          </a:xfrm>
-          <a:prstGeom prst="rightArrow">
-            <a:avLst/>
-          </a:prstGeom>
-          <a:solidFill>
-            <a:srgbClr val="FF0000"/>
-          </a:solidFill>
-          <a:ln w="38100">
-            <a:solidFill>
-              <a:schemeClr val="bg1"/>
-            </a:solidFill>
-          </a:ln>
-          <a:effectLst/>
-          <a:extLst/>
-        </p:spPr>
-        <p:txBody>
-          <a:bodyPr rot="0" spcFirstLastPara="0" vertOverflow="overflow" horzOverflow="overflow" vert="horz" wrap="none" lIns="72000" tIns="72000" rIns="72000" bIns="72000" numCol="1" spcCol="0" rtlCol="0" fromWordArt="0" anchor="ctr" anchorCtr="0" forceAA="0" compatLnSpc="1">
-            <a:prstTxWarp prst="textNoShape">
-              <a:avLst/>
-            </a:prstTxWarp>
-            <a:noAutofit/>
-          </a:bodyPr>
-          <a:lstStyle/>
-          <a:p>
-            <a:pPr algn="ctr"/>
-            <a:endParaRPr kumimoji="1" lang="ja-JP" altLang="en-US" b="1" dirty="0" smtClean="0">
-              <a:latin typeface="+mn-ea"/>
-            </a:endParaRPr>
-          </a:p>
-        </p:txBody>
-      </p:sp>
-      <p:sp>
-        <p:nvSpPr>
-          <p:cNvPr id="45" name="正方形/長方形 44"/>
-          <p:cNvSpPr/>
-          <p:nvPr/>
-        </p:nvSpPr>
-        <p:spPr bwMode="auto">
-          <a:xfrm>
-            <a:off x="3187347" y="3769796"/>
-            <a:ext cx="2619186" cy="1005508"/>
-          </a:xfrm>
-          <a:prstGeom prst="rect">
-            <a:avLst/>
-          </a:prstGeom>
-          <a:noFill/>
-          <a:ln w="28575">
-            <a:solidFill>
-              <a:srgbClr val="002B62"/>
-            </a:solidFill>
-            <a:prstDash val="sysDash"/>
-          </a:ln>
-          <a:effectLst/>
-          <a:extLst/>
-        </p:spPr>
-        <p:txBody>
-          <a:bodyPr rot="0" spcFirstLastPara="0" vertOverflow="overflow" horzOverflow="overflow" vert="horz" wrap="none" lIns="72000" tIns="72000" rIns="72000" bIns="72000" numCol="1" spcCol="0" rtlCol="0" fromWordArt="0" anchor="ctr" anchorCtr="0" forceAA="0" compatLnSpc="1">
-            <a:prstTxWarp prst="textNoShape">
-              <a:avLst/>
-            </a:prstTxWarp>
-            <a:noAutofit/>
-          </a:bodyPr>
-          <a:lstStyle/>
-          <a:p>
-            <a:pPr algn="ctr"/>
-            <a:endParaRPr kumimoji="1" lang="ja-JP" altLang="en-US" b="1" dirty="0" smtClean="0">
-              <a:latin typeface="+mn-ea"/>
-            </a:endParaRPr>
-          </a:p>
-        </p:txBody>
-      </p:sp>
-      <p:sp>
-        <p:nvSpPr>
-          <p:cNvPr id="48" name="テキスト ボックス 47"/>
-          <p:cNvSpPr txBox="1"/>
-          <p:nvPr/>
-        </p:nvSpPr>
-        <p:spPr>
-          <a:xfrm>
-            <a:off x="3156158" y="3807759"/>
-            <a:ext cx="2423982" cy="253916"/>
-          </a:xfrm>
-          <a:prstGeom prst="rect">
-            <a:avLst/>
-          </a:prstGeom>
-          <a:noFill/>
-        </p:spPr>
-        <p:txBody>
-          <a:bodyPr wrap="square" rtlCol="0">
-            <a:spAutoFit/>
-          </a:bodyPr>
-          <a:lstStyle/>
-          <a:p>
-            <a:r>
-              <a:rPr kumimoji="1" lang="en-US" altLang="ja-JP" sz="1050" b="1" dirty="0" smtClean="0">
-                <a:solidFill>
-                  <a:srgbClr val="002B62"/>
-                </a:solidFill>
-              </a:rPr>
-              <a:t>Movement</a:t>
-            </a:r>
-            <a:r>
-              <a:rPr lang="ja-JP" altLang="en-US" sz="1050" b="1" dirty="0">
-                <a:solidFill>
-                  <a:srgbClr val="002B62"/>
-                </a:solidFill>
-              </a:rPr>
-              <a:t> </a:t>
-            </a:r>
-            <a:r>
-              <a:rPr lang="en-US" altLang="ja-JP" sz="1050" b="1" dirty="0" smtClean="0">
-                <a:solidFill>
-                  <a:srgbClr val="002B62"/>
-                </a:solidFill>
-              </a:rPr>
-              <a:t>list</a:t>
-            </a:r>
-            <a:endParaRPr kumimoji="1" lang="ja-JP" altLang="en-US" sz="1050" b="1" dirty="0">
-              <a:solidFill>
-                <a:srgbClr val="002B62"/>
-              </a:solidFill>
-            </a:endParaRPr>
-          </a:p>
-        </p:txBody>
-      </p:sp>
-      <p:sp>
-        <p:nvSpPr>
-          <p:cNvPr id="57" name="正方形/長方形 56"/>
-          <p:cNvSpPr/>
-          <p:nvPr/>
-        </p:nvSpPr>
-        <p:spPr bwMode="auto">
-          <a:xfrm>
-            <a:off x="3291284" y="4211955"/>
-            <a:ext cx="997408" cy="321211"/>
+            <a:off x="4921664" y="3869683"/>
+            <a:ext cx="985907" cy="321211"/>
           </a:xfrm>
           <a:prstGeom prst="rect">
             <a:avLst/>
@@ -18307,7 +19480,6 @@
             </a:solidFill>
           </a:ln>
           <a:effectLst/>
-          <a:extLst/>
         </p:spPr>
         <p:txBody>
           <a:bodyPr rot="0" spcFirstLastPara="0" vertOverflow="overflow" horzOverflow="overflow" vert="horz" wrap="none" lIns="72000" tIns="72000" rIns="72000" bIns="72000" numCol="1" spcCol="0" rtlCol="0" fromWordArt="0" anchor="ctr" anchorCtr="0" forceAA="0" compatLnSpc="1">
@@ -18320,70 +19492,16 @@
           <a:p>
             <a:pPr algn="ctr"/>
             <a:r>
-              <a:rPr lang="en-US" altLang="ja-JP" sz="1000" b="1" dirty="0" smtClean="0">
+              <a:rPr lang="en-US" altLang="ja-JP" sz="1000" b="1" dirty="0">
                 <a:solidFill>
                   <a:srgbClr val="002B62"/>
                 </a:solidFill>
                 <a:latin typeface="+mn-ea"/>
               </a:rPr>
-              <a:t>Movement</a:t>
-            </a:r>
-            <a:r>
-              <a:rPr kumimoji="1" lang="ja-JP" altLang="en-US" sz="1000" b="1" dirty="0" smtClean="0">
-                <a:solidFill>
-                  <a:srgbClr val="002B62"/>
-                </a:solidFill>
-                <a:latin typeface="+mn-ea"/>
-              </a:rPr>
-              <a:t>①</a:t>
-            </a:r>
-          </a:p>
-        </p:txBody>
-      </p:sp>
-      <p:sp>
-        <p:nvSpPr>
-          <p:cNvPr id="58" name="正方形/長方形 57"/>
-          <p:cNvSpPr/>
-          <p:nvPr/>
-        </p:nvSpPr>
-        <p:spPr bwMode="auto">
-          <a:xfrm>
-            <a:off x="4594233" y="4211955"/>
-            <a:ext cx="985907" cy="321211"/>
-          </a:xfrm>
-          <a:prstGeom prst="rect">
-            <a:avLst/>
-          </a:prstGeom>
-          <a:noFill/>
-          <a:ln w="28575">
-            <a:solidFill>
-              <a:srgbClr val="002B62"/>
-            </a:solidFill>
-          </a:ln>
-          <a:effectLst/>
-          <a:extLst/>
-        </p:spPr>
-        <p:txBody>
-          <a:bodyPr rot="0" spcFirstLastPara="0" vertOverflow="overflow" horzOverflow="overflow" vert="horz" wrap="none" lIns="72000" tIns="72000" rIns="72000" bIns="72000" numCol="1" spcCol="0" rtlCol="0" fromWordArt="0" anchor="ctr" anchorCtr="0" forceAA="0" compatLnSpc="1">
-            <a:prstTxWarp prst="textNoShape">
-              <a:avLst/>
-            </a:prstTxWarp>
-            <a:noAutofit/>
-          </a:bodyPr>
-          <a:lstStyle/>
-          <a:p>
-            <a:pPr algn="ctr"/>
-            <a:r>
-              <a:rPr lang="en-US" altLang="ja-JP" sz="1000" b="1" dirty="0" smtClean="0">
-                <a:solidFill>
-                  <a:srgbClr val="002B62"/>
-                </a:solidFill>
-                <a:latin typeface="+mn-ea"/>
-              </a:rPr>
               <a:t>Workspace</a:t>
             </a:r>
             <a:r>
-              <a:rPr kumimoji="1" lang="ja-JP" altLang="en-US" sz="1000" b="1" dirty="0" smtClean="0">
+              <a:rPr kumimoji="1" lang="ja-JP" altLang="en-US" sz="1000" b="1" dirty="0">
                 <a:solidFill>
                   <a:srgbClr val="002B62"/>
                 </a:solidFill>
@@ -18396,16 +19514,16 @@
       </p:sp>
       <p:cxnSp>
         <p:nvCxnSpPr>
-          <p:cNvPr id="59" name="直線コネクタ 58"/>
+          <p:cNvPr id="104" name="直線コネクタ 103"/>
           <p:cNvCxnSpPr>
-            <a:stCxn id="57" idx="3"/>
-            <a:endCxn id="58" idx="1"/>
+            <a:stCxn id="102" idx="3"/>
+            <a:endCxn id="103" idx="1"/>
           </p:cNvCxnSpPr>
           <p:nvPr/>
         </p:nvCxnSpPr>
         <p:spPr bwMode="auto">
           <a:xfrm>
-            <a:off x="4288692" y="4372561"/>
+            <a:off x="4616123" y="4030289"/>
             <a:ext cx="305541" cy="0"/>
           </a:xfrm>
           <a:prstGeom prst="line">
@@ -18441,16 +19559,16 @@
       </p:cxnSp>
       <p:cxnSp>
         <p:nvCxnSpPr>
-          <p:cNvPr id="60" name="曲線コネクタ 59"/>
+          <p:cNvPr id="105" name="曲線コネクタ 104"/>
           <p:cNvCxnSpPr>
-            <a:endCxn id="45" idx="2"/>
+            <a:endCxn id="100" idx="2"/>
           </p:cNvCxnSpPr>
           <p:nvPr/>
         </p:nvCxnSpPr>
         <p:spPr bwMode="auto">
           <a:xfrm flipV="1">
-            <a:off x="3067951" y="4775304"/>
-            <a:ext cx="1428989" cy="836318"/>
+            <a:off x="3395382" y="4433032"/>
+            <a:ext cx="1379396" cy="836318"/>
           </a:xfrm>
           <a:prstGeom prst="curvedConnector2">
             <a:avLst/>
@@ -18483,138 +19601,6 @@
           </a:extLst>
         </p:spPr>
       </p:cxnSp>
-      <p:sp>
-        <p:nvSpPr>
-          <p:cNvPr id="61" name="フローチャート: 書類 60"/>
-          <p:cNvSpPr/>
-          <p:nvPr/>
-        </p:nvSpPr>
-        <p:spPr bwMode="auto">
-          <a:xfrm>
-            <a:off x="7429662" y="3942286"/>
-            <a:ext cx="1018802" cy="531804"/>
-          </a:xfrm>
-          <a:prstGeom prst="flowChartDocument">
-            <a:avLst/>
-          </a:prstGeom>
-          <a:noFill/>
-          <a:ln w="28575">
-            <a:solidFill>
-              <a:srgbClr val="002B62"/>
-            </a:solidFill>
-          </a:ln>
-          <a:effectLst/>
-          <a:extLst/>
-        </p:spPr>
-        <p:txBody>
-          <a:bodyPr rot="0" spcFirstLastPara="0" vertOverflow="overflow" horzOverflow="overflow" vert="horz" wrap="none" lIns="72000" tIns="72000" rIns="72000" bIns="72000" numCol="1" spcCol="0" rtlCol="0" fromWordArt="0" anchor="ctr" anchorCtr="0" forceAA="0" compatLnSpc="1">
-            <a:prstTxWarp prst="textNoShape">
-              <a:avLst/>
-            </a:prstTxWarp>
-            <a:noAutofit/>
-          </a:bodyPr>
-          <a:lstStyle/>
-          <a:p>
-            <a:pPr algn="ctr"/>
-            <a:r>
-              <a:rPr kumimoji="1" lang="en-US" altLang="ja-JP" sz="1000" b="1" dirty="0" smtClean="0">
-                <a:latin typeface="+mn-ea"/>
-              </a:rPr>
-              <a:t>Terraform</a:t>
-            </a:r>
-          </a:p>
-          <a:p>
-            <a:pPr algn="ctr"/>
-            <a:r>
-              <a:rPr lang="en-US" altLang="ja-JP" sz="1000" b="1" dirty="0" smtClean="0">
-                <a:latin typeface="+mn-ea"/>
-              </a:rPr>
-              <a:t>Modul</a:t>
-            </a:r>
-            <a:r>
-              <a:rPr lang="en-US" altLang="ja-JP" sz="1000" b="1" dirty="0">
-                <a:latin typeface="+mn-ea"/>
-              </a:rPr>
-              <a:t>e</a:t>
-            </a:r>
-            <a:r>
-              <a:rPr lang="en-US" altLang="ja-JP" sz="1000" b="1" dirty="0" smtClean="0">
-                <a:latin typeface="+mn-ea"/>
-              </a:rPr>
-              <a:t> file</a:t>
-            </a:r>
-            <a:r>
-              <a:rPr lang="ja-JP" altLang="en-US" sz="1000" b="1" dirty="0" smtClean="0">
-                <a:latin typeface="+mn-ea"/>
-              </a:rPr>
-              <a:t>①</a:t>
-            </a:r>
-            <a:endParaRPr kumimoji="1" lang="ja-JP" altLang="en-US" sz="1000" b="1" dirty="0" smtClean="0">
-              <a:latin typeface="+mn-ea"/>
-            </a:endParaRPr>
-          </a:p>
-        </p:txBody>
-      </p:sp>
-      <p:sp>
-        <p:nvSpPr>
-          <p:cNvPr id="62" name="フローチャート: 書類 61"/>
-          <p:cNvSpPr/>
-          <p:nvPr/>
-        </p:nvSpPr>
-        <p:spPr bwMode="auto">
-          <a:xfrm>
-            <a:off x="7416713" y="4741047"/>
-            <a:ext cx="1031751" cy="493492"/>
-          </a:xfrm>
-          <a:prstGeom prst="flowChartDocument">
-            <a:avLst/>
-          </a:prstGeom>
-          <a:noFill/>
-          <a:ln w="28575">
-            <a:solidFill>
-              <a:srgbClr val="002B62"/>
-            </a:solidFill>
-          </a:ln>
-          <a:effectLst/>
-          <a:extLst/>
-        </p:spPr>
-        <p:txBody>
-          <a:bodyPr rot="0" spcFirstLastPara="0" vertOverflow="overflow" horzOverflow="overflow" vert="horz" wrap="none" lIns="72000" tIns="72000" rIns="72000" bIns="72000" numCol="1" spcCol="0" rtlCol="0" fromWordArt="0" anchor="ctr" anchorCtr="0" forceAA="0" compatLnSpc="1">
-            <a:prstTxWarp prst="textNoShape">
-              <a:avLst/>
-            </a:prstTxWarp>
-            <a:noAutofit/>
-          </a:bodyPr>
-          <a:lstStyle/>
-          <a:p>
-            <a:pPr algn="ctr"/>
-            <a:r>
-              <a:rPr kumimoji="1" lang="en-US" altLang="ja-JP" sz="1000" b="1" dirty="0" smtClean="0">
-                <a:latin typeface="+mn-ea"/>
-              </a:rPr>
-              <a:t>Terraform</a:t>
-            </a:r>
-          </a:p>
-          <a:p>
-            <a:pPr algn="ctr"/>
-            <a:r>
-              <a:rPr lang="en-US" altLang="ja-JP" sz="1000" b="1" dirty="0" smtClean="0">
-                <a:latin typeface="+mn-ea"/>
-              </a:rPr>
-              <a:t>Module file</a:t>
-            </a:r>
-            <a:r>
-              <a:rPr lang="ja-JP" altLang="en-US" sz="1000" b="1" dirty="0" smtClean="0">
-                <a:latin typeface="+mn-ea"/>
-              </a:rPr>
-              <a:t>②</a:t>
-            </a:r>
-            <a:endParaRPr kumimoji="1" lang="ja-JP" altLang="en-US" sz="1000" b="1" dirty="0" smtClean="0">
-              <a:latin typeface="+mn-ea"/>
-            </a:endParaRPr>
-          </a:p>
-        </p:txBody>
-      </p:sp>
     </p:spTree>
     <p:extLst>
       <p:ext uri="{BB962C8B-B14F-4D97-AF65-F5344CB8AC3E}">
@@ -18960,16 +19946,16 @@
       </p:sp>
       <p:grpSp>
         <p:nvGrpSpPr>
-          <p:cNvPr id="14" name="グループ化 13"/>
+          <p:cNvPr id="45" name="グループ化 44"/>
           <p:cNvGrpSpPr/>
           <p:nvPr/>
         </p:nvGrpSpPr>
         <p:grpSpPr>
           <a:xfrm>
-            <a:off x="251400" y="2638428"/>
-            <a:ext cx="6480900" cy="3742982"/>
-            <a:chOff x="251400" y="2638428"/>
-            <a:chExt cx="5904820" cy="3742982"/>
+            <a:off x="346858" y="2638428"/>
+            <a:ext cx="6120000" cy="3742982"/>
+            <a:chOff x="308897" y="2638428"/>
+            <a:chExt cx="5713259" cy="3742982"/>
           </a:xfrm>
           <a:solidFill>
             <a:schemeClr val="bg1"/>
@@ -18977,28 +19963,27 @@
         </p:grpSpPr>
         <p:sp>
           <p:nvSpPr>
-            <p:cNvPr id="6" name="角丸四角形 5"/>
+            <p:cNvPr id="48" name="角丸四角形 5"/>
             <p:cNvSpPr/>
             <p:nvPr/>
           </p:nvSpPr>
           <p:spPr bwMode="auto">
             <a:xfrm>
-              <a:off x="251400" y="2638428"/>
-              <a:ext cx="5904820" cy="3742982"/>
+              <a:off x="308897" y="2638428"/>
+              <a:ext cx="5713259" cy="3742982"/>
             </a:xfrm>
-            <a:prstGeom prst="roundRect">
-              <a:avLst>
-                <a:gd name="adj" fmla="val 4961"/>
-              </a:avLst>
+            <a:prstGeom prst="rect">
+              <a:avLst/>
             </a:prstGeom>
-            <a:grpFill/>
+            <a:solidFill>
+              <a:srgbClr val="002B62"/>
+            </a:solidFill>
             <a:ln w="38100">
               <a:solidFill>
                 <a:srgbClr val="002B62"/>
               </a:solidFill>
             </a:ln>
             <a:effectLst/>
-            <a:extLst/>
           </p:spPr>
           <p:txBody>
             <a:bodyPr rot="0" spcFirstLastPara="0" vertOverflow="overflow" horzOverflow="overflow" vert="horz" wrap="none" lIns="72000" tIns="72000" rIns="72000" bIns="72000" numCol="1" spcCol="0" rtlCol="0" fromWordArt="0" anchor="ctr" anchorCtr="0" forceAA="0" compatLnSpc="1">
@@ -19010,7 +19995,7 @@
             <a:lstStyle/>
             <a:p>
               <a:pPr algn="ctr"/>
-              <a:endParaRPr kumimoji="1" lang="ja-JP" altLang="en-US" b="1" dirty="0" smtClean="0">
+              <a:endParaRPr kumimoji="1" lang="ja-JP" altLang="en-US" b="1" dirty="0">
                 <a:latin typeface="+mn-ea"/>
               </a:endParaRPr>
             </a:p>
@@ -19018,13 +20003,13 @@
         </p:sp>
         <p:sp>
           <p:nvSpPr>
-            <p:cNvPr id="11" name="テキスト ボックス 10"/>
+            <p:cNvPr id="52" name="テキスト ボックス 51"/>
             <p:cNvSpPr txBox="1"/>
             <p:nvPr/>
           </p:nvSpPr>
           <p:spPr>
             <a:xfrm>
-              <a:off x="356857" y="2708900"/>
+              <a:off x="367396" y="2731478"/>
               <a:ext cx="648090" cy="369332"/>
             </a:xfrm>
             <a:prstGeom prst="rect">
@@ -19042,16 +20027,16 @@
             <a:lstStyle/>
             <a:p>
               <a:r>
-                <a:rPr kumimoji="1" lang="en-US" altLang="ja-JP" b="1" dirty="0" smtClean="0">
+                <a:rPr kumimoji="1" lang="en-US" altLang="ja-JP" b="1" dirty="0">
                   <a:solidFill>
-                    <a:srgbClr val="002B62"/>
+                    <a:schemeClr val="bg1"/>
                   </a:solidFill>
                 </a:rPr>
                 <a:t>ITA</a:t>
               </a:r>
               <a:endParaRPr kumimoji="1" lang="ja-JP" altLang="en-US" b="1" dirty="0">
                 <a:solidFill>
-                  <a:srgbClr val="002B62"/>
+                  <a:schemeClr val="bg1"/>
                 </a:solidFill>
               </a:endParaRPr>
             </a:p>
@@ -19060,20 +20045,23 @@
       </p:grpSp>
       <p:sp>
         <p:nvSpPr>
-          <p:cNvPr id="15" name="正方形/長方形 14"/>
+          <p:cNvPr id="57" name="正方形/長方形 56"/>
           <p:cNvSpPr/>
           <p:nvPr/>
         </p:nvSpPr>
         <p:spPr bwMode="auto">
           <a:xfrm>
-            <a:off x="367144" y="3190046"/>
+            <a:off x="401011" y="3190046"/>
             <a:ext cx="4924955" cy="3058330"/>
           </a:xfrm>
           <a:prstGeom prst="rect">
             <a:avLst/>
           </a:prstGeom>
           <a:solidFill>
-            <a:schemeClr val="bg1"/>
+            <a:schemeClr val="accent6">
+              <a:lumMod val="10000"/>
+              <a:lumOff val="90000"/>
+            </a:schemeClr>
           </a:solidFill>
           <a:ln w="38100">
             <a:solidFill>
@@ -19081,7 +20069,6 @@
             </a:solidFill>
           </a:ln>
           <a:effectLst/>
-          <a:extLst/>
         </p:spPr>
         <p:txBody>
           <a:bodyPr rot="0" spcFirstLastPara="0" vertOverflow="overflow" horzOverflow="overflow" vert="horz" wrap="none" lIns="72000" tIns="72000" rIns="72000" bIns="72000" numCol="1" spcCol="0" rtlCol="0" fromWordArt="0" anchor="ctr" anchorCtr="0" forceAA="0" compatLnSpc="1">
@@ -19093,7 +20080,7 @@
           <a:lstStyle/>
           <a:p>
             <a:pPr algn="ctr"/>
-            <a:endParaRPr kumimoji="1" lang="ja-JP" altLang="en-US" sz="1000" b="1" dirty="0" smtClean="0">
+            <a:endParaRPr kumimoji="1" lang="ja-JP" altLang="en-US" sz="1000" b="1" dirty="0">
               <a:latin typeface="+mn-ea"/>
             </a:endParaRPr>
           </a:p>
@@ -19101,14 +20088,14 @@
       </p:sp>
       <p:sp>
         <p:nvSpPr>
-          <p:cNvPr id="16" name="テキスト ボックス 15"/>
+          <p:cNvPr id="58" name="テキスト ボックス 57"/>
           <p:cNvSpPr txBox="1"/>
           <p:nvPr/>
         </p:nvSpPr>
         <p:spPr>
           <a:xfrm>
-            <a:off x="367145" y="3256112"/>
-            <a:ext cx="1154718" cy="461665"/>
+            <a:off x="401012" y="3256112"/>
+            <a:ext cx="1722648" cy="276999"/>
           </a:xfrm>
           <a:prstGeom prst="rect">
             <a:avLst/>
@@ -19139,27 +20126,28 @@
       </p:sp>
       <p:sp>
         <p:nvSpPr>
-          <p:cNvPr id="17" name="正方形/長方形 16"/>
+          <p:cNvPr id="59" name="正方形/長方形 58"/>
           <p:cNvSpPr/>
           <p:nvPr/>
         </p:nvSpPr>
         <p:spPr bwMode="auto">
           <a:xfrm>
-            <a:off x="448765" y="3748756"/>
-            <a:ext cx="2264976" cy="2149823"/>
+            <a:off x="2822811" y="3748756"/>
+            <a:ext cx="2264976" cy="1025423"/>
           </a:xfrm>
           <a:prstGeom prst="rect">
             <a:avLst/>
           </a:prstGeom>
-          <a:noFill/>
-          <a:ln w="28575">
+          <a:solidFill>
+            <a:schemeClr val="bg1"/>
+          </a:solidFill>
+          <a:ln w="19050">
             <a:solidFill>
               <a:srgbClr val="002B62"/>
             </a:solidFill>
-            <a:prstDash val="sysDash"/>
+            <a:prstDash val="solid"/>
           </a:ln>
           <a:effectLst/>
-          <a:extLst/>
         </p:spPr>
         <p:txBody>
           <a:bodyPr rot="0" spcFirstLastPara="0" vertOverflow="overflow" horzOverflow="overflow" vert="horz" wrap="none" lIns="72000" tIns="72000" rIns="72000" bIns="72000" numCol="1" spcCol="0" rtlCol="0" fromWordArt="0" anchor="ctr" anchorCtr="0" forceAA="0" compatLnSpc="1">
@@ -19171,7 +20159,7 @@
           <a:lstStyle/>
           <a:p>
             <a:pPr algn="ctr"/>
-            <a:endParaRPr kumimoji="1" lang="ja-JP" altLang="en-US" b="1" dirty="0" smtClean="0">
+            <a:endParaRPr kumimoji="1" lang="ja-JP" altLang="en-US" b="1" dirty="0">
               <a:latin typeface="+mn-ea"/>
             </a:endParaRPr>
           </a:p>
@@ -19179,14 +20167,14 @@
       </p:sp>
       <p:sp>
         <p:nvSpPr>
-          <p:cNvPr id="20" name="テキスト ボックス 19"/>
+          <p:cNvPr id="60" name="テキスト ボックス 59"/>
           <p:cNvSpPr txBox="1"/>
           <p:nvPr/>
         </p:nvSpPr>
         <p:spPr>
           <a:xfrm>
-            <a:off x="417576" y="3786720"/>
-            <a:ext cx="2272591" cy="261610"/>
+            <a:off x="2810319" y="3786720"/>
+            <a:ext cx="2300646" cy="253916"/>
           </a:xfrm>
           <a:prstGeom prst="rect">
             <a:avLst/>
@@ -19213,7 +20201,7 @@
                   <a:srgbClr val="002B62"/>
                 </a:solidFill>
               </a:rPr>
-              <a:t>-Policy</a:t>
+              <a:t>-Workspace</a:t>
             </a:r>
             <a:r>
               <a:rPr lang="ja-JP" altLang="en-US" sz="1050" b="1" dirty="0">
@@ -19241,115 +20229,13 @@
       </p:sp>
       <p:sp>
         <p:nvSpPr>
-          <p:cNvPr id="23" name="正方形/長方形 22"/>
+          <p:cNvPr id="61" name="正方形/長方形 60"/>
           <p:cNvSpPr/>
           <p:nvPr/>
         </p:nvSpPr>
         <p:spPr bwMode="auto">
           <a:xfrm>
-            <a:off x="2910288" y="3771767"/>
-            <a:ext cx="2264976" cy="1025423"/>
-          </a:xfrm>
-          <a:prstGeom prst="rect">
-            <a:avLst/>
-          </a:prstGeom>
-          <a:noFill/>
-          <a:ln w="28575">
-            <a:solidFill>
-              <a:srgbClr val="002B62"/>
-            </a:solidFill>
-            <a:prstDash val="sysDash"/>
-          </a:ln>
-          <a:effectLst/>
-          <a:extLst/>
-        </p:spPr>
-        <p:txBody>
-          <a:bodyPr rot="0" spcFirstLastPara="0" vertOverflow="overflow" horzOverflow="overflow" vert="horz" wrap="none" lIns="72000" tIns="72000" rIns="72000" bIns="72000" numCol="1" spcCol="0" rtlCol="0" fromWordArt="0" anchor="ctr" anchorCtr="0" forceAA="0" compatLnSpc="1">
-            <a:prstTxWarp prst="textNoShape">
-              <a:avLst/>
-            </a:prstTxWarp>
-            <a:noAutofit/>
-          </a:bodyPr>
-          <a:lstStyle/>
-          <a:p>
-            <a:pPr algn="ctr"/>
-            <a:endParaRPr kumimoji="1" lang="ja-JP" altLang="en-US" b="1" dirty="0" smtClean="0">
-              <a:latin typeface="+mn-ea"/>
-            </a:endParaRPr>
-          </a:p>
-        </p:txBody>
-      </p:sp>
-      <p:sp>
-        <p:nvSpPr>
-          <p:cNvPr id="24" name="テキスト ボックス 23"/>
-          <p:cNvSpPr txBox="1"/>
-          <p:nvPr/>
-        </p:nvSpPr>
-        <p:spPr>
-          <a:xfrm>
-            <a:off x="2875607" y="3788223"/>
-            <a:ext cx="2365998" cy="253916"/>
-          </a:xfrm>
-          <a:prstGeom prst="rect">
-            <a:avLst/>
-          </a:prstGeom>
-          <a:noFill/>
-        </p:spPr>
-        <p:txBody>
-          <a:bodyPr wrap="square" rtlCol="0">
-            <a:spAutoFit/>
-          </a:bodyPr>
-          <a:lstStyle/>
-          <a:p>
-            <a:r>
-              <a:rPr kumimoji="1" lang="en-US" altLang="ja-JP" sz="1050" b="1" dirty="0" err="1" smtClean="0">
-                <a:solidFill>
-                  <a:srgbClr val="002B62"/>
-                </a:solidFill>
-              </a:rPr>
-              <a:t>PolicySets</a:t>
-            </a:r>
-            <a:r>
-              <a:rPr kumimoji="1" lang="en-US" altLang="ja-JP" sz="1050" b="1" dirty="0" smtClean="0">
-                <a:solidFill>
-                  <a:srgbClr val="002B62"/>
-                </a:solidFill>
-              </a:rPr>
-              <a:t>-Workspace</a:t>
-            </a:r>
-            <a:r>
-              <a:rPr lang="ja-JP" altLang="en-US" sz="1050" b="1" dirty="0">
-                <a:solidFill>
-                  <a:srgbClr val="002B62"/>
-                </a:solidFill>
-              </a:rPr>
-              <a:t> </a:t>
-            </a:r>
-            <a:r>
-              <a:rPr lang="en-US" altLang="ja-JP" sz="1050" b="1" dirty="0" smtClean="0">
-                <a:solidFill>
-                  <a:srgbClr val="002B62"/>
-                </a:solidFill>
-              </a:rPr>
-              <a:t>link list</a:t>
-            </a:r>
-            <a:endParaRPr kumimoji="1" lang="ja-JP" altLang="en-US" sz="1050" b="1" dirty="0">
-              <a:solidFill>
-                <a:srgbClr val="002B62"/>
-              </a:solidFill>
-            </a:endParaRPr>
-          </a:p>
-        </p:txBody>
-      </p:sp>
-      <p:sp>
-        <p:nvSpPr>
-          <p:cNvPr id="19" name="正方形/長方形 18"/>
-          <p:cNvSpPr/>
-          <p:nvPr/>
-        </p:nvSpPr>
-        <p:spPr bwMode="auto">
-          <a:xfrm>
-            <a:off x="498589" y="4294126"/>
+            <a:off x="2910439" y="4294125"/>
             <a:ext cx="900307" cy="321211"/>
           </a:xfrm>
           <a:prstGeom prst="rect">
@@ -19362,7 +20248,6 @@
             </a:solidFill>
           </a:ln>
           <a:effectLst/>
-          <a:extLst/>
         </p:spPr>
         <p:txBody>
           <a:bodyPr rot="0" spcFirstLastPara="0" vertOverflow="overflow" horzOverflow="overflow" vert="horz" wrap="none" lIns="72000" tIns="72000" rIns="72000" bIns="72000" numCol="1" spcCol="0" rtlCol="0" fromWordArt="0" anchor="ctr" anchorCtr="0" forceAA="0" compatLnSpc="1">
@@ -19375,7 +20260,7 @@
           <a:p>
             <a:pPr algn="ctr"/>
             <a:r>
-              <a:rPr kumimoji="1" lang="en-US" altLang="ja-JP" sz="1000" b="1" dirty="0" smtClean="0">
+              <a:rPr kumimoji="1" lang="en-US" altLang="ja-JP" sz="1000" b="1" dirty="0">
                 <a:solidFill>
                   <a:srgbClr val="002B62"/>
                 </a:solidFill>
@@ -19384,7 +20269,7 @@
               <a:t>Policy</a:t>
             </a:r>
             <a:r>
-              <a:rPr kumimoji="1" lang="ja-JP" altLang="en-US" sz="1000" b="1" dirty="0" smtClean="0">
+              <a:rPr kumimoji="1" lang="ja-JP" altLang="en-US" sz="1000" b="1" dirty="0">
                 <a:solidFill>
                   <a:srgbClr val="002B62"/>
                 </a:solidFill>
@@ -19393,7 +20278,7 @@
               <a:t> </a:t>
             </a:r>
             <a:r>
-              <a:rPr kumimoji="1" lang="en-US" altLang="ja-JP" sz="1000" b="1" dirty="0" smtClean="0">
+              <a:rPr kumimoji="1" lang="en-US" altLang="ja-JP" sz="1000" b="1" dirty="0">
                 <a:solidFill>
                   <a:srgbClr val="002B62"/>
                 </a:solidFill>
@@ -19402,7 +20287,7 @@
               <a:t>Set</a:t>
             </a:r>
             <a:r>
-              <a:rPr kumimoji="1" lang="ja-JP" altLang="en-US" sz="1000" b="1" dirty="0" smtClean="0">
+              <a:rPr kumimoji="1" lang="ja-JP" altLang="en-US" sz="1000" b="1" dirty="0">
                 <a:solidFill>
                   <a:srgbClr val="002B62"/>
                 </a:solidFill>
@@ -19415,16 +20300,16 @@
       </p:sp>
       <p:sp>
         <p:nvSpPr>
-          <p:cNvPr id="25" name="フローチャート: 書類 24"/>
+          <p:cNvPr id="62" name="正方形/長方形 61"/>
           <p:cNvSpPr/>
           <p:nvPr/>
         </p:nvSpPr>
         <p:spPr bwMode="auto">
           <a:xfrm>
-            <a:off x="1763610" y="4214751"/>
-            <a:ext cx="854670" cy="479959"/>
-          </a:xfrm>
-          <a:prstGeom prst="flowChartDocument">
+            <a:off x="4116288" y="4294125"/>
+            <a:ext cx="900307" cy="321211"/>
+          </a:xfrm>
+          <a:prstGeom prst="rect">
             <a:avLst/>
           </a:prstGeom>
           <a:noFill/>
@@ -19434,7 +20319,6 @@
             </a:solidFill>
           </a:ln>
           <a:effectLst/>
-          <a:extLst/>
         </p:spPr>
         <p:txBody>
           <a:bodyPr rot="0" spcFirstLastPara="0" vertOverflow="overflow" horzOverflow="overflow" vert="horz" wrap="none" lIns="72000" tIns="72000" rIns="72000" bIns="72000" numCol="1" spcCol="0" rtlCol="0" fromWordArt="0" anchor="ctr" anchorCtr="0" forceAA="0" compatLnSpc="1">
@@ -19447,105 +20331,39 @@
           <a:p>
             <a:pPr algn="ctr"/>
             <a:r>
-              <a:rPr kumimoji="1" lang="en-US" altLang="ja-JP" sz="1000" b="1" dirty="0" smtClean="0">
+              <a:rPr lang="en-US" altLang="ja-JP" sz="1000" b="1" dirty="0">
+                <a:solidFill>
+                  <a:srgbClr val="002B62"/>
+                </a:solidFill>
                 <a:latin typeface="+mn-ea"/>
               </a:rPr>
-              <a:t>Terraform</a:t>
-            </a:r>
-          </a:p>
-          <a:p>
-            <a:pPr algn="ctr"/>
-            <a:r>
-              <a:rPr lang="en-US" altLang="ja-JP" sz="1000" b="1" dirty="0" smtClean="0">
+              <a:t>Workspace</a:t>
+            </a:r>
+            <a:r>
+              <a:rPr kumimoji="1" lang="ja-JP" altLang="en-US" sz="1000" b="1" dirty="0">
+                <a:solidFill>
+                  <a:srgbClr val="002B62"/>
+                </a:solidFill>
                 <a:latin typeface="+mn-ea"/>
               </a:rPr>
-              <a:t>Policy file</a:t>
-            </a:r>
-            <a:r>
-              <a:rPr lang="ja-JP" altLang="en-US" sz="1000" b="1" dirty="0" smtClean="0">
-                <a:latin typeface="+mn-ea"/>
-              </a:rPr>
               <a:t>①</a:t>
             </a:r>
-            <a:endParaRPr kumimoji="1" lang="ja-JP" altLang="en-US" sz="1000" b="1" dirty="0" smtClean="0">
-              <a:latin typeface="+mn-ea"/>
-            </a:endParaRPr>
-          </a:p>
-        </p:txBody>
-      </p:sp>
-      <p:sp>
-        <p:nvSpPr>
-          <p:cNvPr id="27" name="フローチャート: 書類 26"/>
-          <p:cNvSpPr/>
-          <p:nvPr/>
-        </p:nvSpPr>
-        <p:spPr bwMode="auto">
-          <a:xfrm>
-            <a:off x="1750661" y="5096352"/>
-            <a:ext cx="854670" cy="479959"/>
-          </a:xfrm>
-          <a:prstGeom prst="flowChartDocument">
-            <a:avLst/>
-          </a:prstGeom>
-          <a:noFill/>
-          <a:ln w="28575">
-            <a:solidFill>
-              <a:srgbClr val="002B62"/>
-            </a:solidFill>
-          </a:ln>
-          <a:effectLst/>
-          <a:extLst/>
-        </p:spPr>
-        <p:txBody>
-          <a:bodyPr rot="0" spcFirstLastPara="0" vertOverflow="overflow" horzOverflow="overflow" vert="horz" wrap="none" lIns="72000" tIns="72000" rIns="72000" bIns="72000" numCol="1" spcCol="0" rtlCol="0" fromWordArt="0" anchor="ctr" anchorCtr="0" forceAA="0" compatLnSpc="1">
-            <a:prstTxWarp prst="textNoShape">
-              <a:avLst/>
-            </a:prstTxWarp>
-            <a:noAutofit/>
-          </a:bodyPr>
-          <a:lstStyle/>
-          <a:p>
-            <a:pPr algn="ctr"/>
-            <a:r>
-              <a:rPr kumimoji="1" lang="en-US" altLang="ja-JP" sz="1000" b="1" dirty="0" smtClean="0">
-                <a:latin typeface="+mn-ea"/>
-              </a:rPr>
-              <a:t>Terraform</a:t>
-            </a:r>
-          </a:p>
-          <a:p>
-            <a:pPr algn="ctr"/>
-            <a:r>
-              <a:rPr lang="en-US" altLang="ja-JP" sz="1000" b="1" dirty="0" smtClean="0">
-                <a:latin typeface="+mn-ea"/>
-              </a:rPr>
-              <a:t>Policy file</a:t>
-            </a:r>
-            <a:r>
-              <a:rPr lang="ja-JP" altLang="en-US" sz="1000" b="1" dirty="0">
-                <a:latin typeface="+mn-ea"/>
-              </a:rPr>
-              <a:t>②</a:t>
-            </a:r>
-            <a:endParaRPr kumimoji="1" lang="ja-JP" altLang="en-US" sz="1000" b="1" dirty="0" smtClean="0">
-              <a:latin typeface="+mn-ea"/>
-            </a:endParaRPr>
           </a:p>
         </p:txBody>
       </p:sp>
       <p:cxnSp>
         <p:nvCxnSpPr>
-          <p:cNvPr id="28" name="直線コネクタ 27"/>
+          <p:cNvPr id="63" name="直線コネクタ 62"/>
           <p:cNvCxnSpPr>
-            <a:stCxn id="19" idx="3"/>
-            <a:endCxn id="25" idx="1"/>
+            <a:stCxn id="61" idx="3"/>
+            <a:endCxn id="62" idx="1"/>
           </p:cNvCxnSpPr>
           <p:nvPr/>
         </p:nvCxnSpPr>
         <p:spPr bwMode="auto">
-          <a:xfrm flipV="1">
-            <a:off x="1398896" y="4454731"/>
-            <a:ext cx="364714" cy="1"/>
+          <a:xfrm>
+            <a:off x="3810746" y="4454731"/>
+            <a:ext cx="305542" cy="0"/>
           </a:xfrm>
           <a:prstGeom prst="line">
             <a:avLst/>
@@ -19580,16 +20398,1066 @@
       </p:cxnSp>
       <p:cxnSp>
         <p:nvCxnSpPr>
-          <p:cNvPr id="32" name="直線コネクタ 31"/>
+          <p:cNvPr id="64" name="曲線コネクタ 63"/>
           <p:cNvCxnSpPr>
-            <a:endCxn id="27" idx="1"/>
+            <a:endCxn id="59" idx="2"/>
           </p:cNvCxnSpPr>
           <p:nvPr/>
         </p:nvCxnSpPr>
         <p:spPr bwMode="auto">
-          <a:xfrm>
-            <a:off x="1421037" y="4465361"/>
-            <a:ext cx="329624" cy="870971"/>
+          <a:xfrm flipV="1">
+            <a:off x="2639019" y="4774179"/>
+            <a:ext cx="1316280" cy="802134"/>
+          </a:xfrm>
+          <a:prstGeom prst="curvedConnector2">
+            <a:avLst/>
+          </a:prstGeom>
+          <a:solidFill>
+            <a:schemeClr val="bg1"/>
+          </a:solidFill>
+          <a:ln w="28575" cap="flat" cmpd="sng" algn="ctr">
+            <a:solidFill>
+              <a:srgbClr val="FF0000"/>
+            </a:solidFill>
+            <a:prstDash val="solid"/>
+            <a:round/>
+            <a:headEnd type="none" w="med" len="med"/>
+            <a:tailEnd type="triangle"/>
+          </a:ln>
+          <a:effectLst/>
+          <a:extLst>
+            <a:ext uri="{AF507438-7753-43E0-B8FC-AC1667EBCBE1}">
+              <a14:hiddenEffects xmlns:a14="http://schemas.microsoft.com/office/drawing/2010/main">
+                <a:effectLst>
+                  <a:outerShdw dist="35921" dir="2700000" algn="ctr" rotWithShape="0">
+                    <a:schemeClr val="tx1">
+                      <a:alpha val="50000"/>
+                    </a:schemeClr>
+                  </a:outerShdw>
+                </a:effectLst>
+              </a14:hiddenEffects>
+            </a:ext>
+          </a:extLst>
+        </p:spPr>
+      </p:cxnSp>
+      <p:sp>
+        <p:nvSpPr>
+          <p:cNvPr id="65" name="正方形/長方形 64"/>
+          <p:cNvSpPr/>
+          <p:nvPr/>
+        </p:nvSpPr>
+        <p:spPr bwMode="auto">
+          <a:xfrm>
+            <a:off x="6660290" y="2638428"/>
+            <a:ext cx="2088290" cy="3742982"/>
+          </a:xfrm>
+          <a:prstGeom prst="rect">
+            <a:avLst/>
+          </a:prstGeom>
+          <a:noFill/>
+          <a:ln w="28575">
+            <a:solidFill>
+              <a:srgbClr val="4C40BC"/>
+            </a:solidFill>
+          </a:ln>
+          <a:effectLst/>
+        </p:spPr>
+        <p:txBody>
+          <a:bodyPr rot="0" spcFirstLastPara="0" vertOverflow="overflow" horzOverflow="overflow" vert="horz" wrap="none" lIns="72000" tIns="72000" rIns="72000" bIns="72000" numCol="1" spcCol="0" rtlCol="0" fromWordArt="0" anchor="ctr" anchorCtr="0" forceAA="0" compatLnSpc="1">
+            <a:prstTxWarp prst="textNoShape">
+              <a:avLst/>
+            </a:prstTxWarp>
+            <a:noAutofit/>
+          </a:bodyPr>
+          <a:lstStyle/>
+          <a:p>
+            <a:pPr algn="ctr"/>
+            <a:endParaRPr kumimoji="1" lang="ja-JP" altLang="en-US" b="1" dirty="0">
+              <a:latin typeface="+mn-ea"/>
+            </a:endParaRPr>
+          </a:p>
+        </p:txBody>
+      </p:sp>
+      <p:pic>
+        <p:nvPicPr>
+          <p:cNvPr id="66" name="図 65"/>
+          <p:cNvPicPr>
+            <a:picLocks noChangeAspect="1"/>
+          </p:cNvPicPr>
+          <p:nvPr/>
+        </p:nvPicPr>
+        <p:blipFill>
+          <a:blip r:embed="rId2">
+            <a:extLst>
+              <a:ext uri="{28A0092B-C50C-407E-A947-70E740481C1C}">
+                <a14:useLocalDpi xmlns:a14="http://schemas.microsoft.com/office/drawing/2010/main" val="0"/>
+              </a:ext>
+            </a:extLst>
+          </a:blip>
+          <a:stretch>
+            <a:fillRect/>
+          </a:stretch>
+        </p:blipFill>
+        <p:spPr>
+          <a:xfrm>
+            <a:off x="6761891" y="2675033"/>
+            <a:ext cx="1078463" cy="517662"/>
+          </a:xfrm>
+          <a:prstGeom prst="rect">
+            <a:avLst/>
+          </a:prstGeom>
+        </p:spPr>
+      </p:pic>
+      <p:sp>
+        <p:nvSpPr>
+          <p:cNvPr id="67" name="正方形/長方形 66"/>
+          <p:cNvSpPr/>
+          <p:nvPr/>
+        </p:nvSpPr>
+        <p:spPr bwMode="auto">
+          <a:xfrm>
+            <a:off x="6745779" y="3190047"/>
+            <a:ext cx="1917312" cy="3058330"/>
+          </a:xfrm>
+          <a:prstGeom prst="rect">
+            <a:avLst/>
+          </a:prstGeom>
+          <a:solidFill>
+            <a:srgbClr val="4C40BC"/>
+          </a:solidFill>
+          <a:ln w="19050">
+            <a:solidFill>
+              <a:srgbClr val="4C40BC"/>
+            </a:solidFill>
+          </a:ln>
+          <a:effectLst/>
+        </p:spPr>
+        <p:txBody>
+          <a:bodyPr rot="0" spcFirstLastPara="0" vertOverflow="overflow" horzOverflow="overflow" vert="horz" wrap="none" lIns="72000" tIns="72000" rIns="72000" bIns="72000" numCol="1" spcCol="0" rtlCol="0" fromWordArt="0" anchor="ctr" anchorCtr="0" forceAA="0" compatLnSpc="1">
+            <a:prstTxWarp prst="textNoShape">
+              <a:avLst/>
+            </a:prstTxWarp>
+            <a:noAutofit/>
+          </a:bodyPr>
+          <a:lstStyle/>
+          <a:p>
+            <a:pPr algn="ctr"/>
+            <a:endParaRPr kumimoji="1" lang="ja-JP" altLang="en-US" b="1" dirty="0">
+              <a:latin typeface="+mn-ea"/>
+            </a:endParaRPr>
+          </a:p>
+        </p:txBody>
+      </p:sp>
+      <p:sp>
+        <p:nvSpPr>
+          <p:cNvPr id="68" name="正方形/長方形 67"/>
+          <p:cNvSpPr/>
+          <p:nvPr/>
+        </p:nvSpPr>
+        <p:spPr bwMode="auto">
+          <a:xfrm>
+            <a:off x="6872414" y="3547715"/>
+            <a:ext cx="1664043" cy="2473573"/>
+          </a:xfrm>
+          <a:prstGeom prst="rect">
+            <a:avLst/>
+          </a:prstGeom>
+          <a:solidFill>
+            <a:schemeClr val="accent5">
+              <a:lumMod val="10000"/>
+              <a:lumOff val="90000"/>
+            </a:schemeClr>
+          </a:solidFill>
+          <a:ln w="19050">
+            <a:solidFill>
+              <a:srgbClr val="4C40BC"/>
+            </a:solidFill>
+          </a:ln>
+          <a:effectLst/>
+        </p:spPr>
+        <p:txBody>
+          <a:bodyPr rot="0" spcFirstLastPara="0" vertOverflow="overflow" horzOverflow="overflow" vert="horz" wrap="none" lIns="72000" tIns="72000" rIns="72000" bIns="72000" numCol="1" spcCol="0" rtlCol="0" fromWordArt="0" anchor="ctr" anchorCtr="0" forceAA="0" compatLnSpc="1">
+            <a:prstTxWarp prst="textNoShape">
+              <a:avLst/>
+            </a:prstTxWarp>
+            <a:noAutofit/>
+          </a:bodyPr>
+          <a:lstStyle/>
+          <a:p>
+            <a:pPr algn="ctr"/>
+            <a:endParaRPr kumimoji="1" lang="ja-JP" altLang="en-US" b="1" dirty="0">
+              <a:latin typeface="+mn-ea"/>
+            </a:endParaRPr>
+          </a:p>
+        </p:txBody>
+      </p:sp>
+      <p:sp>
+        <p:nvSpPr>
+          <p:cNvPr id="69" name="正方形/長方形 68"/>
+          <p:cNvSpPr/>
+          <p:nvPr/>
+        </p:nvSpPr>
+        <p:spPr bwMode="auto">
+          <a:xfrm>
+            <a:off x="6972824" y="4040636"/>
+            <a:ext cx="1463222" cy="1716491"/>
+          </a:xfrm>
+          <a:prstGeom prst="rect">
+            <a:avLst/>
+          </a:prstGeom>
+          <a:solidFill>
+            <a:schemeClr val="bg1"/>
+          </a:solidFill>
+          <a:ln w="19050">
+            <a:solidFill>
+              <a:srgbClr val="4C40BC"/>
+            </a:solidFill>
+          </a:ln>
+          <a:effectLst/>
+        </p:spPr>
+        <p:txBody>
+          <a:bodyPr rot="0" spcFirstLastPara="0" vertOverflow="overflow" horzOverflow="overflow" vert="horz" wrap="none" lIns="72000" tIns="72000" rIns="72000" bIns="72000" numCol="1" spcCol="0" rtlCol="0" fromWordArt="0" anchor="ctr" anchorCtr="0" forceAA="0" compatLnSpc="1">
+            <a:prstTxWarp prst="textNoShape">
+              <a:avLst/>
+            </a:prstTxWarp>
+            <a:noAutofit/>
+          </a:bodyPr>
+          <a:lstStyle/>
+          <a:p>
+            <a:pPr algn="ctr"/>
+            <a:endParaRPr kumimoji="1" lang="ja-JP" altLang="en-US" b="1" dirty="0">
+              <a:latin typeface="+mn-ea"/>
+            </a:endParaRPr>
+          </a:p>
+        </p:txBody>
+      </p:sp>
+      <p:sp>
+        <p:nvSpPr>
+          <p:cNvPr id="70" name="テキスト ボックス 69"/>
+          <p:cNvSpPr txBox="1"/>
+          <p:nvPr/>
+        </p:nvSpPr>
+        <p:spPr>
+          <a:xfrm>
+            <a:off x="7048808" y="3239400"/>
+            <a:ext cx="1311255" cy="276999"/>
+          </a:xfrm>
+          <a:prstGeom prst="rect">
+            <a:avLst/>
+          </a:prstGeom>
+          <a:noFill/>
+        </p:spPr>
+        <p:txBody>
+          <a:bodyPr wrap="square" rtlCol="0">
+            <a:spAutoFit/>
+          </a:bodyPr>
+          <a:lstStyle/>
+          <a:p>
+            <a:pPr algn="ctr"/>
+            <a:r>
+              <a:rPr lang="en-US" altLang="ja-JP" sz="1200" b="1" dirty="0">
+                <a:solidFill>
+                  <a:schemeClr val="bg1"/>
+                </a:solidFill>
+              </a:rPr>
+              <a:t>Organization</a:t>
+            </a:r>
+            <a:endParaRPr kumimoji="1" lang="ja-JP" altLang="en-US" sz="1200" b="1" dirty="0">
+              <a:solidFill>
+                <a:schemeClr val="bg1"/>
+              </a:solidFill>
+            </a:endParaRPr>
+          </a:p>
+        </p:txBody>
+      </p:sp>
+      <p:sp>
+        <p:nvSpPr>
+          <p:cNvPr id="71" name="テキスト ボックス 70"/>
+          <p:cNvSpPr txBox="1"/>
+          <p:nvPr/>
+        </p:nvSpPr>
+        <p:spPr>
+          <a:xfrm>
+            <a:off x="7048808" y="3656319"/>
+            <a:ext cx="1311255" cy="276999"/>
+          </a:xfrm>
+          <a:prstGeom prst="rect">
+            <a:avLst/>
+          </a:prstGeom>
+          <a:noFill/>
+        </p:spPr>
+        <p:txBody>
+          <a:bodyPr wrap="square" rtlCol="0">
+            <a:spAutoFit/>
+          </a:bodyPr>
+          <a:lstStyle/>
+          <a:p>
+            <a:pPr algn="ctr"/>
+            <a:r>
+              <a:rPr lang="en-US" altLang="ja-JP" sz="1200" b="1" dirty="0">
+                <a:solidFill>
+                  <a:srgbClr val="002B62"/>
+                </a:solidFill>
+              </a:rPr>
+              <a:t>Workspace</a:t>
+            </a:r>
+            <a:r>
+              <a:rPr lang="ja-JP" altLang="en-US" sz="1200" b="1" dirty="0">
+                <a:solidFill>
+                  <a:srgbClr val="002B62"/>
+                </a:solidFill>
+              </a:rPr>
+              <a:t> ①</a:t>
+            </a:r>
+            <a:endParaRPr kumimoji="1" lang="ja-JP" altLang="en-US" sz="1200" b="1" dirty="0">
+              <a:solidFill>
+                <a:srgbClr val="002B62"/>
+              </a:solidFill>
+            </a:endParaRPr>
+          </a:p>
+        </p:txBody>
+      </p:sp>
+      <p:sp>
+        <p:nvSpPr>
+          <p:cNvPr id="72" name="テキスト ボックス 71"/>
+          <p:cNvSpPr txBox="1"/>
+          <p:nvPr/>
+        </p:nvSpPr>
+        <p:spPr>
+          <a:xfrm>
+            <a:off x="7048808" y="4083367"/>
+            <a:ext cx="1311255" cy="276999"/>
+          </a:xfrm>
+          <a:prstGeom prst="rect">
+            <a:avLst/>
+          </a:prstGeom>
+          <a:noFill/>
+        </p:spPr>
+        <p:txBody>
+          <a:bodyPr wrap="square" rtlCol="0">
+            <a:spAutoFit/>
+          </a:bodyPr>
+          <a:lstStyle/>
+          <a:p>
+            <a:pPr algn="ctr"/>
+            <a:r>
+              <a:rPr lang="en-US" altLang="ja-JP" sz="1200" b="1" dirty="0">
+                <a:solidFill>
+                  <a:srgbClr val="002B62"/>
+                </a:solidFill>
+              </a:rPr>
+              <a:t>Policy</a:t>
+            </a:r>
+            <a:r>
+              <a:rPr lang="ja-JP" altLang="en-US" sz="1200" b="1" dirty="0">
+                <a:solidFill>
+                  <a:srgbClr val="002B62"/>
+                </a:solidFill>
+              </a:rPr>
+              <a:t> </a:t>
+            </a:r>
+            <a:r>
+              <a:rPr lang="en-US" altLang="ja-JP" sz="1200" b="1" dirty="0">
+                <a:solidFill>
+                  <a:srgbClr val="002B62"/>
+                </a:solidFill>
+              </a:rPr>
+              <a:t>Set</a:t>
+            </a:r>
+            <a:r>
+              <a:rPr lang="ja-JP" altLang="en-US" sz="1200" b="1" dirty="0">
+                <a:solidFill>
+                  <a:srgbClr val="002B62"/>
+                </a:solidFill>
+              </a:rPr>
+              <a:t> ①</a:t>
+            </a:r>
+            <a:endParaRPr kumimoji="1" lang="ja-JP" altLang="en-US" sz="1200" b="1" dirty="0">
+              <a:solidFill>
+                <a:srgbClr val="002B62"/>
+              </a:solidFill>
+            </a:endParaRPr>
+          </a:p>
+        </p:txBody>
+      </p:sp>
+      <p:sp>
+        <p:nvSpPr>
+          <p:cNvPr id="73" name="フローチャート: 書類 72"/>
+          <p:cNvSpPr/>
+          <p:nvPr/>
+        </p:nvSpPr>
+        <p:spPr bwMode="auto">
+          <a:xfrm>
+            <a:off x="7236370" y="4482296"/>
+            <a:ext cx="854670" cy="479959"/>
+          </a:xfrm>
+          <a:prstGeom prst="flowChartDocument">
+            <a:avLst/>
+          </a:prstGeom>
+          <a:noFill/>
+          <a:ln w="28575">
+            <a:solidFill>
+              <a:srgbClr val="002B62"/>
+            </a:solidFill>
+          </a:ln>
+          <a:effectLst/>
+        </p:spPr>
+        <p:txBody>
+          <a:bodyPr rot="0" spcFirstLastPara="0" vertOverflow="overflow" horzOverflow="overflow" vert="horz" wrap="none" lIns="72000" tIns="72000" rIns="72000" bIns="72000" numCol="1" spcCol="0" rtlCol="0" fromWordArt="0" anchor="ctr" anchorCtr="0" forceAA="0" compatLnSpc="1">
+            <a:prstTxWarp prst="textNoShape">
+              <a:avLst/>
+            </a:prstTxWarp>
+            <a:noAutofit/>
+          </a:bodyPr>
+          <a:lstStyle/>
+          <a:p>
+            <a:pPr algn="ctr"/>
+            <a:r>
+              <a:rPr kumimoji="1" lang="en-US" altLang="ja-JP" sz="1000" b="1" dirty="0">
+                <a:latin typeface="+mn-ea"/>
+              </a:rPr>
+              <a:t>Terraform</a:t>
+            </a:r>
+          </a:p>
+          <a:p>
+            <a:pPr algn="ctr"/>
+            <a:r>
+              <a:rPr lang="en-US" altLang="ja-JP" sz="1000" b="1" dirty="0">
+                <a:latin typeface="+mn-ea"/>
+              </a:rPr>
+              <a:t>Policy file</a:t>
+            </a:r>
+            <a:r>
+              <a:rPr lang="ja-JP" altLang="en-US" sz="1000" b="1" dirty="0">
+                <a:latin typeface="+mn-ea"/>
+              </a:rPr>
+              <a:t>①</a:t>
+            </a:r>
+            <a:endParaRPr kumimoji="1" lang="ja-JP" altLang="en-US" sz="1000" b="1" dirty="0">
+              <a:latin typeface="+mn-ea"/>
+            </a:endParaRPr>
+          </a:p>
+        </p:txBody>
+      </p:sp>
+      <p:sp>
+        <p:nvSpPr>
+          <p:cNvPr id="74" name="フローチャート: 書類 73"/>
+          <p:cNvSpPr/>
+          <p:nvPr/>
+        </p:nvSpPr>
+        <p:spPr bwMode="auto">
+          <a:xfrm>
+            <a:off x="7243510" y="5109341"/>
+            <a:ext cx="854670" cy="479959"/>
+          </a:xfrm>
+          <a:prstGeom prst="flowChartDocument">
+            <a:avLst/>
+          </a:prstGeom>
+          <a:noFill/>
+          <a:ln w="28575">
+            <a:solidFill>
+              <a:srgbClr val="002B62"/>
+            </a:solidFill>
+          </a:ln>
+          <a:effectLst/>
+        </p:spPr>
+        <p:txBody>
+          <a:bodyPr rot="0" spcFirstLastPara="0" vertOverflow="overflow" horzOverflow="overflow" vert="horz" wrap="none" lIns="72000" tIns="72000" rIns="72000" bIns="72000" numCol="1" spcCol="0" rtlCol="0" fromWordArt="0" anchor="ctr" anchorCtr="0" forceAA="0" compatLnSpc="1">
+            <a:prstTxWarp prst="textNoShape">
+              <a:avLst/>
+            </a:prstTxWarp>
+            <a:noAutofit/>
+          </a:bodyPr>
+          <a:lstStyle/>
+          <a:p>
+            <a:pPr algn="ctr"/>
+            <a:r>
+              <a:rPr kumimoji="1" lang="en-US" altLang="ja-JP" sz="1000" b="1" dirty="0">
+                <a:latin typeface="+mn-ea"/>
+              </a:rPr>
+              <a:t>Terraform</a:t>
+            </a:r>
+          </a:p>
+          <a:p>
+            <a:pPr algn="ctr"/>
+            <a:r>
+              <a:rPr lang="en-US" altLang="ja-JP" sz="1000" b="1" dirty="0">
+                <a:latin typeface="+mn-ea"/>
+              </a:rPr>
+              <a:t>Policy file</a:t>
+            </a:r>
+            <a:r>
+              <a:rPr lang="ja-JP" altLang="en-US" sz="1000" b="1" dirty="0">
+                <a:latin typeface="+mn-ea"/>
+              </a:rPr>
+              <a:t>②</a:t>
+            </a:r>
+            <a:endParaRPr kumimoji="1" lang="ja-JP" altLang="en-US" sz="1000" b="1" dirty="0">
+              <a:latin typeface="+mn-ea"/>
+            </a:endParaRPr>
+          </a:p>
+        </p:txBody>
+      </p:sp>
+      <p:sp>
+        <p:nvSpPr>
+          <p:cNvPr id="75" name="正方形/長方形 74"/>
+          <p:cNvSpPr/>
+          <p:nvPr/>
+        </p:nvSpPr>
+        <p:spPr bwMode="auto">
+          <a:xfrm>
+            <a:off x="4294019" y="4499316"/>
+            <a:ext cx="633314" cy="275987"/>
+          </a:xfrm>
+          <a:prstGeom prst="rect">
+            <a:avLst/>
+          </a:prstGeom>
+          <a:noFill/>
+          <a:ln w="12700">
+            <a:noFill/>
+          </a:ln>
+          <a:effectLst/>
+        </p:spPr>
+        <p:txBody>
+          <a:bodyPr rot="0" spcFirstLastPara="0" vertOverflow="overflow" horzOverflow="overflow" vert="horz" wrap="none" lIns="72000" tIns="72000" rIns="72000" bIns="72000" numCol="1" spcCol="0" rtlCol="0" fromWordArt="0" anchor="ctr" anchorCtr="0" forceAA="0" compatLnSpc="1">
+            <a:prstTxWarp prst="textNoShape">
+              <a:avLst/>
+            </a:prstTxWarp>
+            <a:noAutofit/>
+          </a:bodyPr>
+          <a:lstStyle/>
+          <a:p>
+            <a:pPr algn="ctr"/>
+            <a:endParaRPr kumimoji="1" lang="ja-JP" altLang="en-US" b="1" dirty="0">
+              <a:latin typeface="+mn-ea"/>
+            </a:endParaRPr>
+          </a:p>
+        </p:txBody>
+      </p:sp>
+      <p:sp>
+        <p:nvSpPr>
+          <p:cNvPr id="76" name="右矢印 75"/>
+          <p:cNvSpPr/>
+          <p:nvPr/>
+        </p:nvSpPr>
+        <p:spPr bwMode="auto">
+          <a:xfrm>
+            <a:off x="6300239" y="4149100"/>
+            <a:ext cx="648000" cy="484632"/>
+          </a:xfrm>
+          <a:prstGeom prst="rightArrow">
+            <a:avLst/>
+          </a:prstGeom>
+          <a:solidFill>
+            <a:srgbClr val="FF0000"/>
+          </a:solidFill>
+          <a:ln w="38100">
+            <a:solidFill>
+              <a:schemeClr val="bg1"/>
+            </a:solidFill>
+          </a:ln>
+          <a:effectLst/>
+        </p:spPr>
+        <p:txBody>
+          <a:bodyPr rot="0" spcFirstLastPara="0" vertOverflow="overflow" horzOverflow="overflow" vert="horz" wrap="none" lIns="72000" tIns="72000" rIns="72000" bIns="72000" numCol="1" spcCol="0" rtlCol="0" fromWordArt="0" anchor="ctr" anchorCtr="0" forceAA="0" compatLnSpc="1">
+            <a:prstTxWarp prst="textNoShape">
+              <a:avLst/>
+            </a:prstTxWarp>
+            <a:noAutofit/>
+          </a:bodyPr>
+          <a:lstStyle/>
+          <a:p>
+            <a:pPr algn="ctr"/>
+            <a:endParaRPr kumimoji="1" lang="ja-JP" altLang="en-US" b="1" dirty="0">
+              <a:latin typeface="+mn-ea"/>
+            </a:endParaRPr>
+          </a:p>
+        </p:txBody>
+      </p:sp>
+      <p:sp>
+        <p:nvSpPr>
+          <p:cNvPr id="77" name="楕円 76"/>
+          <p:cNvSpPr/>
+          <p:nvPr/>
+        </p:nvSpPr>
+        <p:spPr bwMode="auto">
+          <a:xfrm>
+            <a:off x="5135550" y="3748756"/>
+            <a:ext cx="1273257" cy="1192454"/>
+          </a:xfrm>
+          <a:prstGeom prst="ellipse">
+            <a:avLst/>
+          </a:prstGeom>
+          <a:solidFill>
+            <a:schemeClr val="bg1"/>
+          </a:solidFill>
+          <a:ln w="28575">
+            <a:solidFill>
+              <a:srgbClr val="002B62"/>
+            </a:solidFill>
+          </a:ln>
+          <a:effectLst/>
+        </p:spPr>
+        <p:txBody>
+          <a:bodyPr rot="0" spcFirstLastPara="0" vertOverflow="overflow" horzOverflow="overflow" vert="horz" wrap="none" lIns="72000" tIns="72000" rIns="72000" bIns="72000" numCol="1" spcCol="0" rtlCol="0" fromWordArt="0" anchor="ctr" anchorCtr="0" forceAA="0" compatLnSpc="1">
+            <a:prstTxWarp prst="textNoShape">
+              <a:avLst/>
+            </a:prstTxWarp>
+            <a:noAutofit/>
+          </a:bodyPr>
+          <a:lstStyle/>
+          <a:p>
+            <a:pPr algn="ctr"/>
+            <a:endParaRPr kumimoji="1" lang="ja-JP" altLang="en-US" b="1" dirty="0">
+              <a:latin typeface="+mn-ea"/>
+            </a:endParaRPr>
+          </a:p>
+        </p:txBody>
+      </p:sp>
+      <p:sp>
+        <p:nvSpPr>
+          <p:cNvPr id="79" name="テキスト ボックス 78"/>
+          <p:cNvSpPr txBox="1"/>
+          <p:nvPr/>
+        </p:nvSpPr>
+        <p:spPr>
+          <a:xfrm>
+            <a:off x="5212294" y="3995701"/>
+            <a:ext cx="1119768" cy="261610"/>
+          </a:xfrm>
+          <a:prstGeom prst="rect">
+            <a:avLst/>
+          </a:prstGeom>
+          <a:noFill/>
+        </p:spPr>
+        <p:txBody>
+          <a:bodyPr wrap="square" rtlCol="0">
+            <a:spAutoFit/>
+          </a:bodyPr>
+          <a:lstStyle/>
+          <a:p>
+            <a:pPr algn="ctr"/>
+            <a:r>
+              <a:rPr kumimoji="1" lang="en-US" altLang="ja-JP" sz="1100" b="1" dirty="0">
+                <a:solidFill>
+                  <a:srgbClr val="002B62"/>
+                </a:solidFill>
+              </a:rPr>
+              <a:t>Movement</a:t>
+            </a:r>
+            <a:endParaRPr kumimoji="1" lang="ja-JP" altLang="en-US" sz="1100" b="1" dirty="0">
+              <a:solidFill>
+                <a:srgbClr val="002B62"/>
+              </a:solidFill>
+            </a:endParaRPr>
+          </a:p>
+        </p:txBody>
+      </p:sp>
+      <p:sp>
+        <p:nvSpPr>
+          <p:cNvPr id="81" name="正方形/長方形 80"/>
+          <p:cNvSpPr/>
+          <p:nvPr/>
+        </p:nvSpPr>
+        <p:spPr bwMode="auto">
+          <a:xfrm>
+            <a:off x="5322025" y="4294125"/>
+            <a:ext cx="900307" cy="321211"/>
+          </a:xfrm>
+          <a:prstGeom prst="rect">
+            <a:avLst/>
+          </a:prstGeom>
+          <a:noFill/>
+          <a:ln w="28575">
+            <a:solidFill>
+              <a:srgbClr val="002B62"/>
+            </a:solidFill>
+          </a:ln>
+          <a:effectLst/>
+        </p:spPr>
+        <p:txBody>
+          <a:bodyPr rot="0" spcFirstLastPara="0" vertOverflow="overflow" horzOverflow="overflow" vert="horz" wrap="none" lIns="72000" tIns="72000" rIns="72000" bIns="72000" numCol="1" spcCol="0" rtlCol="0" fromWordArt="0" anchor="ctr" anchorCtr="0" forceAA="0" compatLnSpc="1">
+            <a:prstTxWarp prst="textNoShape">
+              <a:avLst/>
+            </a:prstTxWarp>
+            <a:noAutofit/>
+          </a:bodyPr>
+          <a:lstStyle/>
+          <a:p>
+            <a:pPr algn="ctr"/>
+            <a:r>
+              <a:rPr lang="en-US" altLang="ja-JP" sz="1000" b="1" dirty="0">
+                <a:solidFill>
+                  <a:srgbClr val="002B62"/>
+                </a:solidFill>
+                <a:latin typeface="+mn-ea"/>
+              </a:rPr>
+              <a:t>Workspace</a:t>
+            </a:r>
+            <a:r>
+              <a:rPr kumimoji="1" lang="ja-JP" altLang="en-US" sz="1000" b="1" dirty="0">
+                <a:solidFill>
+                  <a:srgbClr val="002B62"/>
+                </a:solidFill>
+                <a:latin typeface="+mn-ea"/>
+              </a:rPr>
+              <a:t>①</a:t>
+            </a:r>
+          </a:p>
+        </p:txBody>
+      </p:sp>
+      <p:cxnSp>
+        <p:nvCxnSpPr>
+          <p:cNvPr id="82" name="曲線コネクタ 81"/>
+          <p:cNvCxnSpPr>
+            <a:stCxn id="75" idx="2"/>
+            <a:endCxn id="81" idx="2"/>
+          </p:cNvCxnSpPr>
+          <p:nvPr/>
+        </p:nvCxnSpPr>
+        <p:spPr bwMode="auto">
+          <a:xfrm rot="5400000" flipH="1" flipV="1">
+            <a:off x="5111443" y="4114568"/>
+            <a:ext cx="159967" cy="1161503"/>
+          </a:xfrm>
+          <a:prstGeom prst="curvedConnector3">
+            <a:avLst>
+              <a:gd name="adj1" fmla="val -142904"/>
+            </a:avLst>
+          </a:prstGeom>
+          <a:solidFill>
+            <a:schemeClr val="bg1"/>
+          </a:solidFill>
+          <a:ln w="28575" cap="flat" cmpd="sng" algn="ctr">
+            <a:solidFill>
+              <a:srgbClr val="FF0000"/>
+            </a:solidFill>
+            <a:prstDash val="solid"/>
+            <a:round/>
+            <a:headEnd type="none" w="med" len="med"/>
+            <a:tailEnd type="triangle"/>
+          </a:ln>
+          <a:effectLst/>
+          <a:extLst>
+            <a:ext uri="{AF507438-7753-43E0-B8FC-AC1667EBCBE1}">
+              <a14:hiddenEffects xmlns:a14="http://schemas.microsoft.com/office/drawing/2010/main">
+                <a:effectLst>
+                  <a:outerShdw dist="35921" dir="2700000" algn="ctr" rotWithShape="0">
+                    <a:schemeClr val="tx1">
+                      <a:alpha val="50000"/>
+                    </a:schemeClr>
+                  </a:outerShdw>
+                </a:effectLst>
+              </a14:hiddenEffects>
+            </a:ext>
+          </a:extLst>
+        </p:spPr>
+      </p:cxnSp>
+      <p:sp>
+        <p:nvSpPr>
+          <p:cNvPr id="84" name="正方形/長方形 83"/>
+          <p:cNvSpPr/>
+          <p:nvPr/>
+        </p:nvSpPr>
+        <p:spPr bwMode="auto">
+          <a:xfrm>
+            <a:off x="482632" y="3748756"/>
+            <a:ext cx="2264976" cy="2149823"/>
+          </a:xfrm>
+          <a:prstGeom prst="rect">
+            <a:avLst/>
+          </a:prstGeom>
+          <a:solidFill>
+            <a:schemeClr val="bg1"/>
+          </a:solidFill>
+          <a:ln w="19050">
+            <a:solidFill>
+              <a:srgbClr val="002B62"/>
+            </a:solidFill>
+            <a:prstDash val="solid"/>
+          </a:ln>
+          <a:effectLst/>
+        </p:spPr>
+        <p:txBody>
+          <a:bodyPr rot="0" spcFirstLastPara="0" vertOverflow="overflow" horzOverflow="overflow" vert="horz" wrap="none" lIns="72000" tIns="72000" rIns="72000" bIns="72000" numCol="1" spcCol="0" rtlCol="0" fromWordArt="0" anchor="ctr" anchorCtr="0" forceAA="0" compatLnSpc="1">
+            <a:prstTxWarp prst="textNoShape">
+              <a:avLst/>
+            </a:prstTxWarp>
+            <a:noAutofit/>
+          </a:bodyPr>
+          <a:lstStyle/>
+          <a:p>
+            <a:pPr algn="ctr"/>
+            <a:endParaRPr kumimoji="1" lang="ja-JP" altLang="en-US" b="1" dirty="0">
+              <a:latin typeface="+mn-ea"/>
+            </a:endParaRPr>
+          </a:p>
+        </p:txBody>
+      </p:sp>
+      <p:sp>
+        <p:nvSpPr>
+          <p:cNvPr id="86" name="テキスト ボックス 85"/>
+          <p:cNvSpPr txBox="1"/>
+          <p:nvPr/>
+        </p:nvSpPr>
+        <p:spPr>
+          <a:xfrm>
+            <a:off x="451443" y="3786720"/>
+            <a:ext cx="2272591" cy="261610"/>
+          </a:xfrm>
+          <a:prstGeom prst="rect">
+            <a:avLst/>
+          </a:prstGeom>
+          <a:noFill/>
+        </p:spPr>
+        <p:txBody>
+          <a:bodyPr wrap="square" rtlCol="0">
+            <a:spAutoFit/>
+          </a:bodyPr>
+          <a:lstStyle/>
+          <a:p>
+            <a:r>
+              <a:rPr kumimoji="1" lang="en-US" altLang="ja-JP" sz="1050" b="1" dirty="0" err="1" smtClean="0">
+                <a:solidFill>
+                  <a:srgbClr val="002B62"/>
+                </a:solidFill>
+              </a:rPr>
+              <a:t>PolicySets</a:t>
+            </a:r>
+            <a:r>
+              <a:rPr kumimoji="1" lang="en-US" altLang="ja-JP" sz="1050" b="1" dirty="0" smtClean="0">
+                <a:solidFill>
+                  <a:srgbClr val="002B62"/>
+                </a:solidFill>
+              </a:rPr>
+              <a:t>-Policy</a:t>
+            </a:r>
+            <a:r>
+              <a:rPr lang="ja-JP" altLang="en-US" sz="1050" b="1" dirty="0">
+                <a:solidFill>
+                  <a:srgbClr val="002B62"/>
+                </a:solidFill>
+              </a:rPr>
+              <a:t> </a:t>
+            </a:r>
+            <a:r>
+              <a:rPr lang="en-US" altLang="ja-JP" sz="1050" b="1" dirty="0" smtClean="0">
+                <a:solidFill>
+                  <a:srgbClr val="002B62"/>
+                </a:solidFill>
+              </a:rPr>
+              <a:t>link list</a:t>
+            </a:r>
+            <a:endParaRPr kumimoji="1" lang="ja-JP" altLang="en-US" sz="1050" b="1" dirty="0">
+              <a:solidFill>
+                <a:srgbClr val="002B62"/>
+              </a:solidFill>
+            </a:endParaRPr>
+          </a:p>
+        </p:txBody>
+      </p:sp>
+      <p:sp>
+        <p:nvSpPr>
+          <p:cNvPr id="88" name="正方形/長方形 87"/>
+          <p:cNvSpPr/>
+          <p:nvPr/>
+        </p:nvSpPr>
+        <p:spPr bwMode="auto">
+          <a:xfrm>
+            <a:off x="555034" y="4294125"/>
+            <a:ext cx="900307" cy="321211"/>
+          </a:xfrm>
+          <a:prstGeom prst="rect">
+            <a:avLst/>
+          </a:prstGeom>
+          <a:noFill/>
+          <a:ln w="28575">
+            <a:solidFill>
+              <a:srgbClr val="002B62"/>
+            </a:solidFill>
+          </a:ln>
+          <a:effectLst/>
+        </p:spPr>
+        <p:txBody>
+          <a:bodyPr rot="0" spcFirstLastPara="0" vertOverflow="overflow" horzOverflow="overflow" vert="horz" wrap="none" lIns="72000" tIns="72000" rIns="72000" bIns="72000" numCol="1" spcCol="0" rtlCol="0" fromWordArt="0" anchor="ctr" anchorCtr="0" forceAA="0" compatLnSpc="1">
+            <a:prstTxWarp prst="textNoShape">
+              <a:avLst/>
+            </a:prstTxWarp>
+            <a:noAutofit/>
+          </a:bodyPr>
+          <a:lstStyle/>
+          <a:p>
+            <a:pPr algn="ctr"/>
+            <a:r>
+              <a:rPr kumimoji="1" lang="en-US" altLang="ja-JP" sz="1000" b="1" dirty="0">
+                <a:solidFill>
+                  <a:srgbClr val="002B62"/>
+                </a:solidFill>
+                <a:latin typeface="+mn-ea"/>
+              </a:rPr>
+              <a:t>Policy</a:t>
+            </a:r>
+            <a:r>
+              <a:rPr kumimoji="1" lang="ja-JP" altLang="en-US" sz="1000" b="1" dirty="0">
+                <a:solidFill>
+                  <a:srgbClr val="002B62"/>
+                </a:solidFill>
+                <a:latin typeface="+mn-ea"/>
+              </a:rPr>
+              <a:t> </a:t>
+            </a:r>
+            <a:r>
+              <a:rPr kumimoji="1" lang="en-US" altLang="ja-JP" sz="1000" b="1" dirty="0">
+                <a:solidFill>
+                  <a:srgbClr val="002B62"/>
+                </a:solidFill>
+                <a:latin typeface="+mn-ea"/>
+              </a:rPr>
+              <a:t>Set</a:t>
+            </a:r>
+            <a:r>
+              <a:rPr kumimoji="1" lang="ja-JP" altLang="en-US" sz="1000" b="1" dirty="0">
+                <a:solidFill>
+                  <a:srgbClr val="002B62"/>
+                </a:solidFill>
+                <a:latin typeface="+mn-ea"/>
+              </a:rPr>
+              <a:t>①</a:t>
+            </a:r>
+          </a:p>
+        </p:txBody>
+      </p:sp>
+      <p:sp>
+        <p:nvSpPr>
+          <p:cNvPr id="89" name="フローチャート: 書類 88"/>
+          <p:cNvSpPr/>
+          <p:nvPr/>
+        </p:nvSpPr>
+        <p:spPr bwMode="auto">
+          <a:xfrm>
+            <a:off x="1797477" y="4214751"/>
+            <a:ext cx="854670" cy="479959"/>
+          </a:xfrm>
+          <a:prstGeom prst="flowChartDocument">
+            <a:avLst/>
+          </a:prstGeom>
+          <a:noFill/>
+          <a:ln w="28575">
+            <a:solidFill>
+              <a:srgbClr val="002B62"/>
+            </a:solidFill>
+          </a:ln>
+          <a:effectLst/>
+        </p:spPr>
+        <p:txBody>
+          <a:bodyPr rot="0" spcFirstLastPara="0" vertOverflow="overflow" horzOverflow="overflow" vert="horz" wrap="none" lIns="72000" tIns="72000" rIns="72000" bIns="72000" numCol="1" spcCol="0" rtlCol="0" fromWordArt="0" anchor="ctr" anchorCtr="0" forceAA="0" compatLnSpc="1">
+            <a:prstTxWarp prst="textNoShape">
+              <a:avLst/>
+            </a:prstTxWarp>
+            <a:noAutofit/>
+          </a:bodyPr>
+          <a:lstStyle/>
+          <a:p>
+            <a:pPr algn="ctr"/>
+            <a:r>
+              <a:rPr kumimoji="1" lang="en-US" altLang="ja-JP" sz="1000" b="1" dirty="0">
+                <a:latin typeface="+mn-ea"/>
+              </a:rPr>
+              <a:t>Terraform</a:t>
+            </a:r>
+          </a:p>
+          <a:p>
+            <a:pPr algn="ctr"/>
+            <a:r>
+              <a:rPr lang="en-US" altLang="ja-JP" sz="1000" b="1" dirty="0">
+                <a:latin typeface="+mn-ea"/>
+              </a:rPr>
+              <a:t>Policy file</a:t>
+            </a:r>
+            <a:r>
+              <a:rPr lang="ja-JP" altLang="en-US" sz="1000" b="1" dirty="0">
+                <a:latin typeface="+mn-ea"/>
+              </a:rPr>
+              <a:t>①</a:t>
+            </a:r>
+            <a:endParaRPr kumimoji="1" lang="ja-JP" altLang="en-US" sz="1000" b="1" dirty="0">
+              <a:latin typeface="+mn-ea"/>
+            </a:endParaRPr>
+          </a:p>
+        </p:txBody>
+      </p:sp>
+      <p:sp>
+        <p:nvSpPr>
+          <p:cNvPr id="90" name="フローチャート: 書類 89"/>
+          <p:cNvSpPr/>
+          <p:nvPr/>
+        </p:nvSpPr>
+        <p:spPr bwMode="auto">
+          <a:xfrm>
+            <a:off x="1784528" y="5096352"/>
+            <a:ext cx="854670" cy="479959"/>
+          </a:xfrm>
+          <a:prstGeom prst="flowChartDocument">
+            <a:avLst/>
+          </a:prstGeom>
+          <a:noFill/>
+          <a:ln w="28575">
+            <a:solidFill>
+              <a:srgbClr val="002B62"/>
+            </a:solidFill>
+          </a:ln>
+          <a:effectLst/>
+        </p:spPr>
+        <p:txBody>
+          <a:bodyPr rot="0" spcFirstLastPara="0" vertOverflow="overflow" horzOverflow="overflow" vert="horz" wrap="none" lIns="72000" tIns="72000" rIns="72000" bIns="72000" numCol="1" spcCol="0" rtlCol="0" fromWordArt="0" anchor="ctr" anchorCtr="0" forceAA="0" compatLnSpc="1">
+            <a:prstTxWarp prst="textNoShape">
+              <a:avLst/>
+            </a:prstTxWarp>
+            <a:noAutofit/>
+          </a:bodyPr>
+          <a:lstStyle/>
+          <a:p>
+            <a:pPr algn="ctr"/>
+            <a:r>
+              <a:rPr kumimoji="1" lang="en-US" altLang="ja-JP" sz="1000" b="1" dirty="0">
+                <a:latin typeface="+mn-ea"/>
+              </a:rPr>
+              <a:t>Terraform</a:t>
+            </a:r>
+          </a:p>
+          <a:p>
+            <a:pPr algn="ctr"/>
+            <a:r>
+              <a:rPr lang="en-US" altLang="ja-JP" sz="1000" b="1" dirty="0">
+                <a:latin typeface="+mn-ea"/>
+              </a:rPr>
+              <a:t>Policy file</a:t>
+            </a:r>
+            <a:r>
+              <a:rPr lang="ja-JP" altLang="en-US" sz="1000" b="1" dirty="0">
+                <a:latin typeface="+mn-ea"/>
+              </a:rPr>
+              <a:t>②</a:t>
+            </a:r>
+            <a:endParaRPr kumimoji="1" lang="ja-JP" altLang="en-US" sz="1000" b="1" dirty="0">
+              <a:latin typeface="+mn-ea"/>
+            </a:endParaRPr>
+          </a:p>
+        </p:txBody>
+      </p:sp>
+      <p:cxnSp>
+        <p:nvCxnSpPr>
+          <p:cNvPr id="91" name="直線コネクタ 90"/>
+          <p:cNvCxnSpPr>
+            <a:stCxn id="88" idx="3"/>
+            <a:endCxn id="89" idx="1"/>
+          </p:cNvCxnSpPr>
+          <p:nvPr/>
+        </p:nvCxnSpPr>
+        <p:spPr bwMode="auto">
+          <a:xfrm>
+            <a:off x="1455341" y="4454731"/>
+            <a:ext cx="342136" cy="0"/>
           </a:xfrm>
           <a:prstGeom prst="line">
             <a:avLst/>
@@ -19622,145 +21490,19 @@
           </a:extLst>
         </p:spPr>
       </p:cxnSp>
-      <p:sp>
-        <p:nvSpPr>
-          <p:cNvPr id="35" name="正方形/長方形 34"/>
-          <p:cNvSpPr/>
-          <p:nvPr/>
-        </p:nvSpPr>
-        <p:spPr bwMode="auto">
-          <a:xfrm>
-            <a:off x="2997916" y="4294126"/>
-            <a:ext cx="900307" cy="321211"/>
-          </a:xfrm>
-          <a:prstGeom prst="rect">
-            <a:avLst/>
-          </a:prstGeom>
-          <a:noFill/>
-          <a:ln w="28575">
-            <a:solidFill>
-              <a:srgbClr val="002B62"/>
-            </a:solidFill>
-          </a:ln>
-          <a:effectLst/>
-          <a:extLst/>
-        </p:spPr>
-        <p:txBody>
-          <a:bodyPr rot="0" spcFirstLastPara="0" vertOverflow="overflow" horzOverflow="overflow" vert="horz" wrap="none" lIns="72000" tIns="72000" rIns="72000" bIns="72000" numCol="1" spcCol="0" rtlCol="0" fromWordArt="0" anchor="ctr" anchorCtr="0" forceAA="0" compatLnSpc="1">
-            <a:prstTxWarp prst="textNoShape">
-              <a:avLst/>
-            </a:prstTxWarp>
-            <a:noAutofit/>
-          </a:bodyPr>
-          <a:lstStyle/>
-          <a:p>
-            <a:pPr algn="ctr"/>
-            <a:r>
-              <a:rPr kumimoji="1" lang="en-US" altLang="ja-JP" sz="1000" b="1" dirty="0" smtClean="0">
-                <a:solidFill>
-                  <a:srgbClr val="002B62"/>
-                </a:solidFill>
-                <a:latin typeface="+mn-ea"/>
-              </a:rPr>
-              <a:t>Policy</a:t>
-            </a:r>
-            <a:r>
-              <a:rPr kumimoji="1" lang="ja-JP" altLang="en-US" sz="1000" b="1" dirty="0" smtClean="0">
-                <a:solidFill>
-                  <a:srgbClr val="002B62"/>
-                </a:solidFill>
-                <a:latin typeface="+mn-ea"/>
-              </a:rPr>
-              <a:t> </a:t>
-            </a:r>
-            <a:r>
-              <a:rPr kumimoji="1" lang="en-US" altLang="ja-JP" sz="1000" b="1" dirty="0" smtClean="0">
-                <a:solidFill>
-                  <a:srgbClr val="002B62"/>
-                </a:solidFill>
-                <a:latin typeface="+mn-ea"/>
-              </a:rPr>
-              <a:t>Set</a:t>
-            </a:r>
-            <a:r>
-              <a:rPr kumimoji="1" lang="ja-JP" altLang="en-US" sz="1000" b="1" dirty="0" smtClean="0">
-                <a:solidFill>
-                  <a:srgbClr val="002B62"/>
-                </a:solidFill>
-                <a:latin typeface="+mn-ea"/>
-              </a:rPr>
-              <a:t>①</a:t>
-            </a:r>
-          </a:p>
-        </p:txBody>
-      </p:sp>
-      <p:sp>
-        <p:nvSpPr>
-          <p:cNvPr id="36" name="正方形/長方形 35"/>
-          <p:cNvSpPr/>
-          <p:nvPr/>
-        </p:nvSpPr>
-        <p:spPr bwMode="auto">
-          <a:xfrm>
-            <a:off x="4203765" y="4294126"/>
-            <a:ext cx="900307" cy="321211"/>
-          </a:xfrm>
-          <a:prstGeom prst="rect">
-            <a:avLst/>
-          </a:prstGeom>
-          <a:noFill/>
-          <a:ln w="28575">
-            <a:solidFill>
-              <a:srgbClr val="002B62"/>
-            </a:solidFill>
-          </a:ln>
-          <a:effectLst/>
-          <a:extLst/>
-        </p:spPr>
-        <p:txBody>
-          <a:bodyPr rot="0" spcFirstLastPara="0" vertOverflow="overflow" horzOverflow="overflow" vert="horz" wrap="none" lIns="72000" tIns="72000" rIns="72000" bIns="72000" numCol="1" spcCol="0" rtlCol="0" fromWordArt="0" anchor="ctr" anchorCtr="0" forceAA="0" compatLnSpc="1">
-            <a:prstTxWarp prst="textNoShape">
-              <a:avLst/>
-            </a:prstTxWarp>
-            <a:noAutofit/>
-          </a:bodyPr>
-          <a:lstStyle/>
-          <a:p>
-            <a:pPr algn="ctr"/>
-            <a:r>
-              <a:rPr lang="en-US" altLang="ja-JP" sz="1000" b="1" dirty="0" smtClean="0">
-                <a:solidFill>
-                  <a:srgbClr val="002B62"/>
-                </a:solidFill>
-                <a:latin typeface="+mn-ea"/>
-              </a:rPr>
-              <a:t>Workspace</a:t>
-            </a:r>
-            <a:r>
-              <a:rPr kumimoji="1" lang="ja-JP" altLang="en-US" sz="1000" b="1" dirty="0" smtClean="0">
-                <a:solidFill>
-                  <a:srgbClr val="002B62"/>
-                </a:solidFill>
-                <a:latin typeface="+mn-ea"/>
-              </a:rPr>
-              <a:t>①</a:t>
-            </a:r>
-          </a:p>
-        </p:txBody>
-      </p:sp>
       <p:cxnSp>
         <p:nvCxnSpPr>
-          <p:cNvPr id="37" name="直線コネクタ 36"/>
+          <p:cNvPr id="92" name="直線コネクタ 91"/>
           <p:cNvCxnSpPr>
-            <a:stCxn id="35" idx="3"/>
-            <a:endCxn id="36" idx="1"/>
+            <a:stCxn id="88" idx="3"/>
+            <a:endCxn id="90" idx="1"/>
           </p:cNvCxnSpPr>
           <p:nvPr/>
         </p:nvCxnSpPr>
         <p:spPr bwMode="auto">
           <a:xfrm>
-            <a:off x="3898223" y="4454732"/>
-            <a:ext cx="305542" cy="0"/>
+            <a:off x="1455341" y="4454731"/>
+            <a:ext cx="329187" cy="881601"/>
           </a:xfrm>
           <a:prstGeom prst="line">
             <a:avLst/>
@@ -19776,783 +21518,6 @@
             <a:round/>
             <a:headEnd type="oval" w="med" len="med"/>
             <a:tailEnd type="oval" w="med" len="med"/>
-          </a:ln>
-          <a:effectLst/>
-          <a:extLst>
-            <a:ext uri="{AF507438-7753-43E0-B8FC-AC1667EBCBE1}">
-              <a14:hiddenEffects xmlns:a14="http://schemas.microsoft.com/office/drawing/2010/main">
-                <a:effectLst>
-                  <a:outerShdw dist="35921" dir="2700000" algn="ctr" rotWithShape="0">
-                    <a:schemeClr val="tx1">
-                      <a:alpha val="50000"/>
-                    </a:schemeClr>
-                  </a:outerShdw>
-                </a:effectLst>
-              </a14:hiddenEffects>
-            </a:ext>
-          </a:extLst>
-        </p:spPr>
-      </p:cxnSp>
-      <p:cxnSp>
-        <p:nvCxnSpPr>
-          <p:cNvPr id="40" name="曲線コネクタ 39"/>
-          <p:cNvCxnSpPr>
-            <a:endCxn id="23" idx="2"/>
-          </p:cNvCxnSpPr>
-          <p:nvPr/>
-        </p:nvCxnSpPr>
-        <p:spPr bwMode="auto">
-          <a:xfrm flipV="1">
-            <a:off x="2726496" y="4797190"/>
-            <a:ext cx="1316280" cy="779122"/>
-          </a:xfrm>
-          <a:prstGeom prst="curvedConnector2">
-            <a:avLst/>
-          </a:prstGeom>
-          <a:solidFill>
-            <a:schemeClr val="bg1"/>
-          </a:solidFill>
-          <a:ln w="28575" cap="flat" cmpd="sng" algn="ctr">
-            <a:solidFill>
-              <a:srgbClr val="FF0000"/>
-            </a:solidFill>
-            <a:prstDash val="solid"/>
-            <a:round/>
-            <a:headEnd type="none" w="med" len="med"/>
-            <a:tailEnd type="triangle"/>
-          </a:ln>
-          <a:effectLst/>
-          <a:extLst>
-            <a:ext uri="{AF507438-7753-43E0-B8FC-AC1667EBCBE1}">
-              <a14:hiddenEffects xmlns:a14="http://schemas.microsoft.com/office/drawing/2010/main">
-                <a:effectLst>
-                  <a:outerShdw dist="35921" dir="2700000" algn="ctr" rotWithShape="0">
-                    <a:schemeClr val="tx1">
-                      <a:alpha val="50000"/>
-                    </a:schemeClr>
-                  </a:outerShdw>
-                </a:effectLst>
-              </a14:hiddenEffects>
-            </a:ext>
-          </a:extLst>
-        </p:spPr>
-      </p:cxnSp>
-      <p:sp>
-        <p:nvSpPr>
-          <p:cNvPr id="43" name="正方形/長方形 42"/>
-          <p:cNvSpPr/>
-          <p:nvPr/>
-        </p:nvSpPr>
-        <p:spPr bwMode="auto">
-          <a:xfrm>
-            <a:off x="6948330" y="2893566"/>
-            <a:ext cx="2088290" cy="2839754"/>
-          </a:xfrm>
-          <a:prstGeom prst="rect">
-            <a:avLst/>
-          </a:prstGeom>
-          <a:noFill/>
-          <a:ln w="28575">
-            <a:solidFill>
-              <a:srgbClr val="002B62"/>
-            </a:solidFill>
-          </a:ln>
-          <a:effectLst/>
-          <a:extLst/>
-        </p:spPr>
-        <p:txBody>
-          <a:bodyPr rot="0" spcFirstLastPara="0" vertOverflow="overflow" horzOverflow="overflow" vert="horz" wrap="none" lIns="72000" tIns="72000" rIns="72000" bIns="72000" numCol="1" spcCol="0" rtlCol="0" fromWordArt="0" anchor="ctr" anchorCtr="0" forceAA="0" compatLnSpc="1">
-            <a:prstTxWarp prst="textNoShape">
-              <a:avLst/>
-            </a:prstTxWarp>
-            <a:noAutofit/>
-          </a:bodyPr>
-          <a:lstStyle/>
-          <a:p>
-            <a:pPr algn="ctr"/>
-            <a:endParaRPr kumimoji="1" lang="ja-JP" altLang="en-US" b="1" dirty="0" smtClean="0">
-              <a:latin typeface="+mn-ea"/>
-            </a:endParaRPr>
-          </a:p>
-        </p:txBody>
-      </p:sp>
-      <p:pic>
-        <p:nvPicPr>
-          <p:cNvPr id="46" name="図 45"/>
-          <p:cNvPicPr>
-            <a:picLocks noChangeAspect="1"/>
-          </p:cNvPicPr>
-          <p:nvPr/>
-        </p:nvPicPr>
-        <p:blipFill>
-          <a:blip r:embed="rId2">
-            <a:extLst>
-              <a:ext uri="{28A0092B-C50C-407E-A947-70E740481C1C}">
-                <a14:useLocalDpi xmlns:a14="http://schemas.microsoft.com/office/drawing/2010/main" val="0"/>
-              </a:ext>
-            </a:extLst>
-          </a:blip>
-          <a:stretch>
-            <a:fillRect/>
-          </a:stretch>
-        </p:blipFill>
-        <p:spPr>
-          <a:xfrm>
-            <a:off x="6975288" y="2819401"/>
-            <a:ext cx="1078463" cy="517662"/>
-          </a:xfrm>
-          <a:prstGeom prst="rect">
-            <a:avLst/>
-          </a:prstGeom>
-        </p:spPr>
-      </p:pic>
-      <p:sp>
-        <p:nvSpPr>
-          <p:cNvPr id="47" name="正方形/長方形 46"/>
-          <p:cNvSpPr/>
-          <p:nvPr/>
-        </p:nvSpPr>
-        <p:spPr bwMode="auto">
-          <a:xfrm>
-            <a:off x="7022376" y="3337063"/>
-            <a:ext cx="1917312" cy="2180227"/>
-          </a:xfrm>
-          <a:prstGeom prst="rect">
-            <a:avLst/>
-          </a:prstGeom>
-          <a:noFill/>
-          <a:ln w="19050">
-            <a:solidFill>
-              <a:srgbClr val="002B62"/>
-            </a:solidFill>
-          </a:ln>
-          <a:effectLst/>
-          <a:extLst/>
-        </p:spPr>
-        <p:txBody>
-          <a:bodyPr rot="0" spcFirstLastPara="0" vertOverflow="overflow" horzOverflow="overflow" vert="horz" wrap="none" lIns="72000" tIns="72000" rIns="72000" bIns="72000" numCol="1" spcCol="0" rtlCol="0" fromWordArt="0" anchor="ctr" anchorCtr="0" forceAA="0" compatLnSpc="1">
-            <a:prstTxWarp prst="textNoShape">
-              <a:avLst/>
-            </a:prstTxWarp>
-            <a:noAutofit/>
-          </a:bodyPr>
-          <a:lstStyle/>
-          <a:p>
-            <a:pPr algn="ctr"/>
-            <a:endParaRPr kumimoji="1" lang="ja-JP" altLang="en-US" b="1" dirty="0" smtClean="0">
-              <a:latin typeface="+mn-ea"/>
-            </a:endParaRPr>
-          </a:p>
-        </p:txBody>
-      </p:sp>
-      <p:sp>
-        <p:nvSpPr>
-          <p:cNvPr id="50" name="正方形/長方形 49"/>
-          <p:cNvSpPr/>
-          <p:nvPr/>
-        </p:nvSpPr>
-        <p:spPr bwMode="auto">
-          <a:xfrm>
-            <a:off x="7156547" y="3645030"/>
-            <a:ext cx="1664043" cy="1800250"/>
-          </a:xfrm>
-          <a:prstGeom prst="rect">
-            <a:avLst/>
-          </a:prstGeom>
-          <a:noFill/>
-          <a:ln w="19050">
-            <a:solidFill>
-              <a:srgbClr val="002B62"/>
-            </a:solidFill>
-          </a:ln>
-          <a:effectLst/>
-          <a:extLst/>
-        </p:spPr>
-        <p:txBody>
-          <a:bodyPr rot="0" spcFirstLastPara="0" vertOverflow="overflow" horzOverflow="overflow" vert="horz" wrap="none" lIns="72000" tIns="72000" rIns="72000" bIns="72000" numCol="1" spcCol="0" rtlCol="0" fromWordArt="0" anchor="ctr" anchorCtr="0" forceAA="0" compatLnSpc="1">
-            <a:prstTxWarp prst="textNoShape">
-              <a:avLst/>
-            </a:prstTxWarp>
-            <a:noAutofit/>
-          </a:bodyPr>
-          <a:lstStyle/>
-          <a:p>
-            <a:pPr algn="ctr"/>
-            <a:endParaRPr kumimoji="1" lang="ja-JP" altLang="en-US" b="1" dirty="0" smtClean="0">
-              <a:latin typeface="+mn-ea"/>
-            </a:endParaRPr>
-          </a:p>
-        </p:txBody>
-      </p:sp>
-      <p:sp>
-        <p:nvSpPr>
-          <p:cNvPr id="51" name="正方形/長方形 50"/>
-          <p:cNvSpPr/>
-          <p:nvPr/>
-        </p:nvSpPr>
-        <p:spPr bwMode="auto">
-          <a:xfrm>
-            <a:off x="7246157" y="4040636"/>
-            <a:ext cx="1463222" cy="1328625"/>
-          </a:xfrm>
-          <a:prstGeom prst="rect">
-            <a:avLst/>
-          </a:prstGeom>
-          <a:noFill/>
-          <a:ln w="19050">
-            <a:solidFill>
-              <a:srgbClr val="002B62"/>
-            </a:solidFill>
-          </a:ln>
-          <a:effectLst/>
-          <a:extLst/>
-        </p:spPr>
-        <p:txBody>
-          <a:bodyPr rot="0" spcFirstLastPara="0" vertOverflow="overflow" horzOverflow="overflow" vert="horz" wrap="none" lIns="72000" tIns="72000" rIns="72000" bIns="72000" numCol="1" spcCol="0" rtlCol="0" fromWordArt="0" anchor="ctr" anchorCtr="0" forceAA="0" compatLnSpc="1">
-            <a:prstTxWarp prst="textNoShape">
-              <a:avLst/>
-            </a:prstTxWarp>
-            <a:noAutofit/>
-          </a:bodyPr>
-          <a:lstStyle/>
-          <a:p>
-            <a:pPr algn="ctr"/>
-            <a:endParaRPr kumimoji="1" lang="ja-JP" altLang="en-US" b="1" dirty="0" smtClean="0">
-              <a:latin typeface="+mn-ea"/>
-            </a:endParaRPr>
-          </a:p>
-        </p:txBody>
-      </p:sp>
-      <p:sp>
-        <p:nvSpPr>
-          <p:cNvPr id="49" name="テキスト ボックス 48"/>
-          <p:cNvSpPr txBox="1"/>
-          <p:nvPr/>
-        </p:nvSpPr>
-        <p:spPr>
-          <a:xfrm>
-            <a:off x="7398123" y="3360241"/>
-            <a:ext cx="1311255" cy="261610"/>
-          </a:xfrm>
-          <a:prstGeom prst="rect">
-            <a:avLst/>
-          </a:prstGeom>
-          <a:noFill/>
-        </p:spPr>
-        <p:txBody>
-          <a:bodyPr wrap="square" rtlCol="0">
-            <a:spAutoFit/>
-          </a:bodyPr>
-          <a:lstStyle/>
-          <a:p>
-            <a:r>
-              <a:rPr lang="en-US" altLang="ja-JP" sz="1100" dirty="0" smtClean="0">
-                <a:solidFill>
-                  <a:srgbClr val="002B62"/>
-                </a:solidFill>
-              </a:rPr>
-              <a:t>Organization</a:t>
-            </a:r>
-            <a:endParaRPr kumimoji="1" lang="ja-JP" altLang="en-US" sz="1100" dirty="0">
-              <a:solidFill>
-                <a:srgbClr val="002B62"/>
-              </a:solidFill>
-            </a:endParaRPr>
-          </a:p>
-        </p:txBody>
-      </p:sp>
-      <p:sp>
-        <p:nvSpPr>
-          <p:cNvPr id="53" name="テキスト ボックス 52"/>
-          <p:cNvSpPr txBox="1"/>
-          <p:nvPr/>
-        </p:nvSpPr>
-        <p:spPr>
-          <a:xfrm>
-            <a:off x="7398123" y="3693801"/>
-            <a:ext cx="1311255" cy="261610"/>
-          </a:xfrm>
-          <a:prstGeom prst="rect">
-            <a:avLst/>
-          </a:prstGeom>
-          <a:noFill/>
-        </p:spPr>
-        <p:txBody>
-          <a:bodyPr wrap="square" rtlCol="0">
-            <a:spAutoFit/>
-          </a:bodyPr>
-          <a:lstStyle/>
-          <a:p>
-            <a:r>
-              <a:rPr lang="en-US" altLang="ja-JP" sz="1100" dirty="0" smtClean="0">
-                <a:solidFill>
-                  <a:srgbClr val="002B62"/>
-                </a:solidFill>
-              </a:rPr>
-              <a:t>Workspace</a:t>
-            </a:r>
-            <a:r>
-              <a:rPr lang="ja-JP" altLang="en-US" sz="1100" dirty="0" smtClean="0">
-                <a:solidFill>
-                  <a:srgbClr val="002B62"/>
-                </a:solidFill>
-              </a:rPr>
-              <a:t> ①</a:t>
-            </a:r>
-            <a:endParaRPr kumimoji="1" lang="ja-JP" altLang="en-US" sz="1100" dirty="0">
-              <a:solidFill>
-                <a:srgbClr val="002B62"/>
-              </a:solidFill>
-            </a:endParaRPr>
-          </a:p>
-        </p:txBody>
-      </p:sp>
-      <p:sp>
-        <p:nvSpPr>
-          <p:cNvPr id="54" name="テキスト ボックス 53"/>
-          <p:cNvSpPr txBox="1"/>
-          <p:nvPr/>
-        </p:nvSpPr>
-        <p:spPr>
-          <a:xfrm>
-            <a:off x="7252508" y="4083367"/>
-            <a:ext cx="1311255" cy="261610"/>
-          </a:xfrm>
-          <a:prstGeom prst="rect">
-            <a:avLst/>
-          </a:prstGeom>
-          <a:noFill/>
-        </p:spPr>
-        <p:txBody>
-          <a:bodyPr wrap="square" rtlCol="0">
-            <a:spAutoFit/>
-          </a:bodyPr>
-          <a:lstStyle/>
-          <a:p>
-            <a:r>
-              <a:rPr lang="en-US" altLang="ja-JP" sz="1100" dirty="0" smtClean="0">
-                <a:solidFill>
-                  <a:srgbClr val="002B62"/>
-                </a:solidFill>
-              </a:rPr>
-              <a:t>Policy</a:t>
-            </a:r>
-            <a:r>
-              <a:rPr lang="ja-JP" altLang="en-US" sz="1100" dirty="0">
-                <a:solidFill>
-                  <a:srgbClr val="002B62"/>
-                </a:solidFill>
-              </a:rPr>
-              <a:t> </a:t>
-            </a:r>
-            <a:r>
-              <a:rPr lang="en-US" altLang="ja-JP" sz="1100" dirty="0" smtClean="0">
-                <a:solidFill>
-                  <a:srgbClr val="002B62"/>
-                </a:solidFill>
-              </a:rPr>
-              <a:t>Se</a:t>
-            </a:r>
-            <a:r>
-              <a:rPr lang="en-US" altLang="ja-JP" sz="1100" dirty="0">
-                <a:solidFill>
-                  <a:srgbClr val="002B62"/>
-                </a:solidFill>
-              </a:rPr>
-              <a:t>t</a:t>
-            </a:r>
-            <a:r>
-              <a:rPr lang="ja-JP" altLang="en-US" sz="1100" dirty="0" smtClean="0">
-                <a:solidFill>
-                  <a:srgbClr val="002B62"/>
-                </a:solidFill>
-              </a:rPr>
-              <a:t> ①</a:t>
-            </a:r>
-            <a:endParaRPr kumimoji="1" lang="ja-JP" altLang="en-US" sz="1100" dirty="0">
-              <a:solidFill>
-                <a:srgbClr val="002B62"/>
-              </a:solidFill>
-            </a:endParaRPr>
-          </a:p>
-        </p:txBody>
-      </p:sp>
-      <p:sp>
-        <p:nvSpPr>
-          <p:cNvPr id="55" name="フローチャート: 書類 54"/>
-          <p:cNvSpPr/>
-          <p:nvPr/>
-        </p:nvSpPr>
-        <p:spPr bwMode="auto">
-          <a:xfrm>
-            <a:off x="7475840" y="4299136"/>
-            <a:ext cx="854670" cy="479959"/>
-          </a:xfrm>
-          <a:prstGeom prst="flowChartDocument">
-            <a:avLst/>
-          </a:prstGeom>
-          <a:noFill/>
-          <a:ln w="28575">
-            <a:solidFill>
-              <a:srgbClr val="002B62"/>
-            </a:solidFill>
-          </a:ln>
-          <a:effectLst/>
-          <a:extLst/>
-        </p:spPr>
-        <p:txBody>
-          <a:bodyPr rot="0" spcFirstLastPara="0" vertOverflow="overflow" horzOverflow="overflow" vert="horz" wrap="none" lIns="72000" tIns="72000" rIns="72000" bIns="72000" numCol="1" spcCol="0" rtlCol="0" fromWordArt="0" anchor="ctr" anchorCtr="0" forceAA="0" compatLnSpc="1">
-            <a:prstTxWarp prst="textNoShape">
-              <a:avLst/>
-            </a:prstTxWarp>
-            <a:noAutofit/>
-          </a:bodyPr>
-          <a:lstStyle/>
-          <a:p>
-            <a:pPr algn="ctr"/>
-            <a:r>
-              <a:rPr kumimoji="1" lang="en-US" altLang="ja-JP" sz="1000" b="1" dirty="0" smtClean="0">
-                <a:latin typeface="+mn-ea"/>
-              </a:rPr>
-              <a:t>Terraform</a:t>
-            </a:r>
-          </a:p>
-          <a:p>
-            <a:pPr algn="ctr"/>
-            <a:r>
-              <a:rPr lang="en-US" altLang="ja-JP" sz="1000" b="1" dirty="0" smtClean="0">
-                <a:latin typeface="+mn-ea"/>
-              </a:rPr>
-              <a:t>Policy file</a:t>
-            </a:r>
-            <a:r>
-              <a:rPr lang="ja-JP" altLang="en-US" sz="1000" b="1" dirty="0" smtClean="0">
-                <a:latin typeface="+mn-ea"/>
-              </a:rPr>
-              <a:t>①</a:t>
-            </a:r>
-            <a:endParaRPr kumimoji="1" lang="ja-JP" altLang="en-US" sz="1000" b="1" dirty="0" smtClean="0">
-              <a:latin typeface="+mn-ea"/>
-            </a:endParaRPr>
-          </a:p>
-        </p:txBody>
-      </p:sp>
-      <p:sp>
-        <p:nvSpPr>
-          <p:cNvPr id="56" name="フローチャート: 書類 55"/>
-          <p:cNvSpPr/>
-          <p:nvPr/>
-        </p:nvSpPr>
-        <p:spPr bwMode="auto">
-          <a:xfrm>
-            <a:off x="7482980" y="4844707"/>
-            <a:ext cx="854670" cy="479959"/>
-          </a:xfrm>
-          <a:prstGeom prst="flowChartDocument">
-            <a:avLst/>
-          </a:prstGeom>
-          <a:noFill/>
-          <a:ln w="28575">
-            <a:solidFill>
-              <a:srgbClr val="002B62"/>
-            </a:solidFill>
-          </a:ln>
-          <a:effectLst/>
-          <a:extLst/>
-        </p:spPr>
-        <p:txBody>
-          <a:bodyPr rot="0" spcFirstLastPara="0" vertOverflow="overflow" horzOverflow="overflow" vert="horz" wrap="none" lIns="72000" tIns="72000" rIns="72000" bIns="72000" numCol="1" spcCol="0" rtlCol="0" fromWordArt="0" anchor="ctr" anchorCtr="0" forceAA="0" compatLnSpc="1">
-            <a:prstTxWarp prst="textNoShape">
-              <a:avLst/>
-            </a:prstTxWarp>
-            <a:noAutofit/>
-          </a:bodyPr>
-          <a:lstStyle/>
-          <a:p>
-            <a:pPr algn="ctr"/>
-            <a:r>
-              <a:rPr kumimoji="1" lang="en-US" altLang="ja-JP" sz="1000" b="1" dirty="0" smtClean="0">
-                <a:latin typeface="+mn-ea"/>
-              </a:rPr>
-              <a:t>Terraform</a:t>
-            </a:r>
-          </a:p>
-          <a:p>
-            <a:pPr algn="ctr"/>
-            <a:r>
-              <a:rPr lang="en-US" altLang="ja-JP" sz="1000" b="1" dirty="0" smtClean="0">
-                <a:latin typeface="+mn-ea"/>
-              </a:rPr>
-              <a:t>Policy file</a:t>
-            </a:r>
-            <a:r>
-              <a:rPr lang="ja-JP" altLang="en-US" sz="1000" b="1" dirty="0">
-                <a:latin typeface="+mn-ea"/>
-              </a:rPr>
-              <a:t>②</a:t>
-            </a:r>
-            <a:endParaRPr kumimoji="1" lang="ja-JP" altLang="en-US" sz="1000" b="1" dirty="0" smtClean="0">
-              <a:latin typeface="+mn-ea"/>
-            </a:endParaRPr>
-          </a:p>
-        </p:txBody>
-      </p:sp>
-      <p:sp>
-        <p:nvSpPr>
-          <p:cNvPr id="78" name="正方形/長方形 77"/>
-          <p:cNvSpPr/>
-          <p:nvPr/>
-        </p:nvSpPr>
-        <p:spPr bwMode="auto">
-          <a:xfrm>
-            <a:off x="4381496" y="4499316"/>
-            <a:ext cx="633314" cy="275987"/>
-          </a:xfrm>
-          <a:prstGeom prst="rect">
-            <a:avLst/>
-          </a:prstGeom>
-          <a:noFill/>
-          <a:ln w="12700">
-            <a:noFill/>
-          </a:ln>
-          <a:effectLst/>
-          <a:extLst/>
-        </p:spPr>
-        <p:txBody>
-          <a:bodyPr rot="0" spcFirstLastPara="0" vertOverflow="overflow" horzOverflow="overflow" vert="horz" wrap="none" lIns="72000" tIns="72000" rIns="72000" bIns="72000" numCol="1" spcCol="0" rtlCol="0" fromWordArt="0" anchor="ctr" anchorCtr="0" forceAA="0" compatLnSpc="1">
-            <a:prstTxWarp prst="textNoShape">
-              <a:avLst/>
-            </a:prstTxWarp>
-            <a:noAutofit/>
-          </a:bodyPr>
-          <a:lstStyle/>
-          <a:p>
-            <a:pPr algn="ctr"/>
-            <a:endParaRPr kumimoji="1" lang="ja-JP" altLang="en-US" b="1" dirty="0" smtClean="0">
-              <a:latin typeface="+mn-ea"/>
-            </a:endParaRPr>
-          </a:p>
-        </p:txBody>
-      </p:sp>
-      <p:sp>
-        <p:nvSpPr>
-          <p:cNvPr id="85" name="右矢印 84"/>
-          <p:cNvSpPr/>
-          <p:nvPr/>
-        </p:nvSpPr>
-        <p:spPr bwMode="auto">
-          <a:xfrm>
-            <a:off x="6511482" y="3841051"/>
-            <a:ext cx="525967" cy="484632"/>
-          </a:xfrm>
-          <a:prstGeom prst="rightArrow">
-            <a:avLst/>
-          </a:prstGeom>
-          <a:solidFill>
-            <a:srgbClr val="FF0000"/>
-          </a:solidFill>
-          <a:ln w="38100">
-            <a:solidFill>
-              <a:schemeClr val="bg1"/>
-            </a:solidFill>
-          </a:ln>
-          <a:effectLst/>
-          <a:extLst/>
-        </p:spPr>
-        <p:txBody>
-          <a:bodyPr rot="0" spcFirstLastPara="0" vertOverflow="overflow" horzOverflow="overflow" vert="horz" wrap="none" lIns="72000" tIns="72000" rIns="72000" bIns="72000" numCol="1" spcCol="0" rtlCol="0" fromWordArt="0" anchor="ctr" anchorCtr="0" forceAA="0" compatLnSpc="1">
-            <a:prstTxWarp prst="textNoShape">
-              <a:avLst/>
-            </a:prstTxWarp>
-            <a:noAutofit/>
-          </a:bodyPr>
-          <a:lstStyle/>
-          <a:p>
-            <a:pPr algn="ctr"/>
-            <a:endParaRPr kumimoji="1" lang="ja-JP" altLang="en-US" b="1" dirty="0" smtClean="0">
-              <a:latin typeface="+mn-ea"/>
-            </a:endParaRPr>
-          </a:p>
-        </p:txBody>
-      </p:sp>
-      <p:grpSp>
-        <p:nvGrpSpPr>
-          <p:cNvPr id="87" name="グループ化 86"/>
-          <p:cNvGrpSpPr/>
-          <p:nvPr/>
-        </p:nvGrpSpPr>
-        <p:grpSpPr>
-          <a:xfrm>
-            <a:off x="5205061" y="3453283"/>
-            <a:ext cx="1400583" cy="1192454"/>
-            <a:chOff x="5205061" y="3453283"/>
-            <a:chExt cx="1400583" cy="1192454"/>
-          </a:xfrm>
-        </p:grpSpPr>
-        <p:sp>
-          <p:nvSpPr>
-            <p:cNvPr id="41" name="楕円 40"/>
-            <p:cNvSpPr/>
-            <p:nvPr/>
-          </p:nvSpPr>
-          <p:spPr bwMode="auto">
-            <a:xfrm>
-              <a:off x="5205061" y="3453283"/>
-              <a:ext cx="1400583" cy="1192454"/>
-            </a:xfrm>
-            <a:prstGeom prst="ellipse">
-              <a:avLst/>
-            </a:prstGeom>
-            <a:solidFill>
-              <a:schemeClr val="bg1"/>
-            </a:solidFill>
-            <a:ln w="28575">
-              <a:solidFill>
-                <a:srgbClr val="002B62"/>
-              </a:solidFill>
-            </a:ln>
-            <a:effectLst/>
-            <a:extLst/>
-          </p:spPr>
-          <p:txBody>
-            <a:bodyPr rot="0" spcFirstLastPara="0" vertOverflow="overflow" horzOverflow="overflow" vert="horz" wrap="none" lIns="72000" tIns="72000" rIns="72000" bIns="72000" numCol="1" spcCol="0" rtlCol="0" fromWordArt="0" anchor="ctr" anchorCtr="0" forceAA="0" compatLnSpc="1">
-              <a:prstTxWarp prst="textNoShape">
-                <a:avLst/>
-              </a:prstTxWarp>
-              <a:noAutofit/>
-            </a:bodyPr>
-            <a:lstStyle/>
-            <a:p>
-              <a:pPr algn="ctr"/>
-              <a:endParaRPr kumimoji="1" lang="ja-JP" altLang="en-US" b="1" dirty="0" smtClean="0">
-                <a:latin typeface="+mn-ea"/>
-              </a:endParaRPr>
-            </a:p>
-          </p:txBody>
-        </p:sp>
-        <p:sp>
-          <p:nvSpPr>
-            <p:cNvPr id="42" name="テキスト ボックス 41"/>
-            <p:cNvSpPr txBox="1"/>
-            <p:nvPr/>
-          </p:nvSpPr>
-          <p:spPr>
-            <a:xfrm>
-              <a:off x="5368261" y="3693801"/>
-              <a:ext cx="1119768" cy="261610"/>
-            </a:xfrm>
-            <a:prstGeom prst="rect">
-              <a:avLst/>
-            </a:prstGeom>
-            <a:noFill/>
-          </p:spPr>
-          <p:txBody>
-            <a:bodyPr wrap="square" rtlCol="0">
-              <a:spAutoFit/>
-            </a:bodyPr>
-            <a:lstStyle/>
-            <a:p>
-              <a:r>
-                <a:rPr kumimoji="1" lang="en-US" altLang="ja-JP" sz="1100" b="1" dirty="0" smtClean="0">
-                  <a:solidFill>
-                    <a:srgbClr val="002B62"/>
-                  </a:solidFill>
-                </a:rPr>
-                <a:t>Movement</a:t>
-              </a:r>
-              <a:endParaRPr kumimoji="1" lang="ja-JP" altLang="en-US" sz="1100" b="1" dirty="0">
-                <a:solidFill>
-                  <a:srgbClr val="002B62"/>
-                </a:solidFill>
-              </a:endParaRPr>
-            </a:p>
-          </p:txBody>
-        </p:sp>
-        <p:sp>
-          <p:nvSpPr>
-            <p:cNvPr id="44" name="正方形/長方形 43"/>
-            <p:cNvSpPr/>
-            <p:nvPr/>
-          </p:nvSpPr>
-          <p:spPr bwMode="auto">
-            <a:xfrm>
-              <a:off x="5406799" y="4003957"/>
-              <a:ext cx="900307" cy="321211"/>
-            </a:xfrm>
-            <a:prstGeom prst="rect">
-              <a:avLst/>
-            </a:prstGeom>
-            <a:noFill/>
-            <a:ln w="28575">
-              <a:solidFill>
-                <a:srgbClr val="002B62"/>
-              </a:solidFill>
-            </a:ln>
-            <a:effectLst/>
-            <a:extLst/>
-          </p:spPr>
-          <p:txBody>
-            <a:bodyPr rot="0" spcFirstLastPara="0" vertOverflow="overflow" horzOverflow="overflow" vert="horz" wrap="none" lIns="72000" tIns="72000" rIns="72000" bIns="72000" numCol="1" spcCol="0" rtlCol="0" fromWordArt="0" anchor="ctr" anchorCtr="0" forceAA="0" compatLnSpc="1">
-              <a:prstTxWarp prst="textNoShape">
-                <a:avLst/>
-              </a:prstTxWarp>
-              <a:noAutofit/>
-            </a:bodyPr>
-            <a:lstStyle/>
-            <a:p>
-              <a:pPr algn="ctr"/>
-              <a:r>
-                <a:rPr lang="en-US" altLang="ja-JP" sz="1000" b="1" dirty="0" smtClean="0">
-                  <a:solidFill>
-                    <a:srgbClr val="002B62"/>
-                  </a:solidFill>
-                  <a:latin typeface="+mn-ea"/>
-                </a:rPr>
-                <a:t>Workspace</a:t>
-              </a:r>
-              <a:r>
-                <a:rPr kumimoji="1" lang="ja-JP" altLang="en-US" sz="1000" b="1" dirty="0" smtClean="0">
-                  <a:solidFill>
-                    <a:srgbClr val="002B62"/>
-                  </a:solidFill>
-                  <a:latin typeface="+mn-ea"/>
-                </a:rPr>
-                <a:t>①</a:t>
-              </a:r>
-            </a:p>
-          </p:txBody>
-        </p:sp>
-      </p:grpSp>
-      <p:cxnSp>
-        <p:nvCxnSpPr>
-          <p:cNvPr id="80" name="曲線コネクタ 79"/>
-          <p:cNvCxnSpPr>
-            <a:stCxn id="78" idx="2"/>
-            <a:endCxn id="44" idx="2"/>
-          </p:cNvCxnSpPr>
-          <p:nvPr/>
-        </p:nvCxnSpPr>
-        <p:spPr bwMode="auto">
-          <a:xfrm rot="5400000" flipH="1" flipV="1">
-            <a:off x="5052485" y="3970836"/>
-            <a:ext cx="450135" cy="1158800"/>
-          </a:xfrm>
-          <a:prstGeom prst="curvedConnector3">
-            <a:avLst>
-              <a:gd name="adj1" fmla="val -50785"/>
-            </a:avLst>
-          </a:prstGeom>
-          <a:solidFill>
-            <a:schemeClr val="bg1"/>
-          </a:solidFill>
-          <a:ln w="28575" cap="flat" cmpd="sng" algn="ctr">
-            <a:solidFill>
-              <a:srgbClr val="FF0000"/>
-            </a:solidFill>
-            <a:prstDash val="solid"/>
-            <a:round/>
-            <a:headEnd type="none" w="med" len="med"/>
-            <a:tailEnd type="triangle"/>
           </a:ln>
           <a:effectLst/>
           <a:extLst>
@@ -27724,7 +28689,15 @@
             </a:r>
             <a:r>
               <a:rPr lang="en-US" altLang="ja-JP" dirty="0" smtClean="0"/>
-              <a:t>Code) manages policies as codes and are used in Terraform as “Sentinel”.</a:t>
+              <a:t>Code) manages policies as codes and are used in Terraform as “</a:t>
+            </a:r>
+            <a:r>
+              <a:rPr lang="en-US" altLang="ja-JP" b="1" dirty="0" smtClean="0"/>
+              <a:t>Sentinel</a:t>
+            </a:r>
+            <a:r>
+              <a:rPr lang="en-US" altLang="ja-JP" dirty="0" smtClean="0"/>
+              <a:t>”.</a:t>
             </a:r>
           </a:p>
           <a:p>
@@ -28377,7 +29350,7 @@
         <p:spPr>
           <a:xfrm>
             <a:off x="3087063" y="3317021"/>
-            <a:ext cx="648212" cy="584775"/>
+            <a:ext cx="908674" cy="338554"/>
           </a:xfrm>
           <a:prstGeom prst="rect">
             <a:avLst/>
